--- a/Img/Tabelle_Rueckmeldesysteme.pptx
+++ b/Img/Tabelle_Rueckmeldesysteme.pptx
@@ -2,13 +2,14 @@
 <file path=ppt/presentation.xml><?xml version="1.0" encoding="utf-8"?>
 <p:presentation xmlns:a="http://schemas.openxmlformats.org/drawingml/2006/main" xmlns:r="http://schemas.openxmlformats.org/officeDocument/2006/relationships" xmlns:p="http://schemas.openxmlformats.org/presentationml/2006/main" saveSubsetFonts="1" autoCompressPictures="0">
   <p:sldMasterIdLst>
-    <p:sldMasterId id="2147483648" r:id="rId1"/>
+    <p:sldMasterId id="2147483660" r:id="rId1"/>
   </p:sldMasterIdLst>
   <p:sldIdLst>
     <p:sldId id="256" r:id="rId2"/>
     <p:sldId id="257" r:id="rId3"/>
+    <p:sldId id="258" r:id="rId4"/>
   </p:sldIdLst>
-  <p:sldSz cx="12192000" cy="6858000"/>
+  <p:sldSz cx="15971838" cy="6858000"/>
   <p:notesSz cx="6858000" cy="9144000"/>
   <p:defaultTextStyle>
     <a:defPPr>
@@ -113,7 +114,7 @@
             <a:srgbClr val="A4A3A4"/>
           </p15:clr>
         </p15:guide>
-        <p15:guide id="2" pos="3840" userDrawn="1">
+        <p15:guide id="2" pos="5031" userDrawn="1">
           <p15:clr>
             <a:srgbClr val="A4A3A4"/>
           </p15:clr>
@@ -143,7 +144,7 @@
       </p:grpSpPr>
       <p:sp>
         <p:nvSpPr>
-          <p:cNvPr id="2" name="Titel 1"/>
+          <p:cNvPr id="2" name="Title 1"/>
           <p:cNvSpPr>
             <a:spLocks noGrp="1"/>
           </p:cNvSpPr>
@@ -153,8 +154,8 @@
         </p:nvSpPr>
         <p:spPr>
           <a:xfrm>
-            <a:off x="1524000" y="1122363"/>
-            <a:ext cx="9144000" cy="2387600"/>
+            <a:off x="1996480" y="1122363"/>
+            <a:ext cx="11978879" cy="2387600"/>
           </a:xfrm>
         </p:spPr>
         <p:txBody>
@@ -169,13 +170,13 @@
               <a:rPr lang="de-DE" smtClean="0"/>
               <a:t>Mastertitelformat bearbeiten</a:t>
             </a:r>
-            <a:endParaRPr lang="de-DE"/>
-          </a:p>
-        </p:txBody>
-      </p:sp>
-      <p:sp>
-        <p:nvSpPr>
-          <p:cNvPr id="3" name="Untertitel 2"/>
+            <a:endParaRPr lang="en-US" dirty="0"/>
+          </a:p>
+        </p:txBody>
+      </p:sp>
+      <p:sp>
+        <p:nvSpPr>
+          <p:cNvPr id="3" name="Subtitle 2"/>
           <p:cNvSpPr>
             <a:spLocks noGrp="1"/>
           </p:cNvSpPr>
@@ -185,8 +186,8 @@
         </p:nvSpPr>
         <p:spPr>
           <a:xfrm>
-            <a:off x="1524000" y="3602038"/>
-            <a:ext cx="9144000" cy="1655762"/>
+            <a:off x="1996480" y="3602038"/>
+            <a:ext cx="11978879" cy="1655762"/>
           </a:xfrm>
         </p:spPr>
         <p:txBody>
@@ -234,13 +235,13 @@
               <a:rPr lang="de-DE" smtClean="0"/>
               <a:t>Master-Untertitelformat bearbeiten</a:t>
             </a:r>
-            <a:endParaRPr lang="de-DE"/>
-          </a:p>
-        </p:txBody>
-      </p:sp>
-      <p:sp>
-        <p:nvSpPr>
-          <p:cNvPr id="4" name="Datumsplatzhalter 3"/>
+            <a:endParaRPr lang="en-US" dirty="0"/>
+          </a:p>
+        </p:txBody>
+      </p:sp>
+      <p:sp>
+        <p:nvSpPr>
+          <p:cNvPr id="4" name="Date Placeholder 3"/>
           <p:cNvSpPr>
             <a:spLocks noGrp="1"/>
           </p:cNvSpPr>
@@ -255,7 +256,7 @@
           <a:p>
             <a:fld id="{55C3D269-660C-A54A-96F6-A1F1665F1BFE}" type="datetimeFigureOut">
               <a:rPr lang="de-DE" smtClean="0"/>
-              <a:t>18.11.16</a:t>
+              <a:t>22.11.16</a:t>
             </a:fld>
             <a:endParaRPr lang="de-DE"/>
           </a:p>
@@ -263,7 +264,7 @@
       </p:sp>
       <p:sp>
         <p:nvSpPr>
-          <p:cNvPr id="5" name="Fußzeilenplatzhalter 4"/>
+          <p:cNvPr id="5" name="Footer Placeholder 4"/>
           <p:cNvSpPr>
             <a:spLocks noGrp="1"/>
           </p:cNvSpPr>
@@ -282,7 +283,7 @@
       </p:sp>
       <p:sp>
         <p:nvSpPr>
-          <p:cNvPr id="6" name="Foliennummernplatzhalter 5"/>
+          <p:cNvPr id="6" name="Slide Number Placeholder 5"/>
           <p:cNvSpPr>
             <a:spLocks noGrp="1"/>
           </p:cNvSpPr>
@@ -306,7 +307,7 @@
     </p:spTree>
     <p:extLst>
       <p:ext uri="{BB962C8B-B14F-4D97-AF65-F5344CB8AC3E}">
-        <p14:creationId xmlns:p14="http://schemas.microsoft.com/office/powerpoint/2010/main" val="1718521309"/>
+        <p14:creationId xmlns:p14="http://schemas.microsoft.com/office/powerpoint/2010/main" val="13249228"/>
       </p:ext>
     </p:extLst>
   </p:cSld>
@@ -335,7 +336,7 @@
       </p:grpSpPr>
       <p:sp>
         <p:nvSpPr>
-          <p:cNvPr id="2" name="Titel 1"/>
+          <p:cNvPr id="2" name="Title 1"/>
           <p:cNvSpPr>
             <a:spLocks noGrp="1"/>
           </p:cNvSpPr>
@@ -352,13 +353,13 @@
               <a:rPr lang="de-DE" smtClean="0"/>
               <a:t>Mastertitelformat bearbeiten</a:t>
             </a:r>
-            <a:endParaRPr lang="de-DE"/>
-          </a:p>
-        </p:txBody>
-      </p:sp>
-      <p:sp>
-        <p:nvSpPr>
-          <p:cNvPr id="3" name="Platzhalter für vertikalen Text 2"/>
+            <a:endParaRPr lang="en-US" dirty="0"/>
+          </a:p>
+        </p:txBody>
+      </p:sp>
+      <p:sp>
+        <p:nvSpPr>
+          <p:cNvPr id="3" name="Vertical Text Placeholder 2"/>
           <p:cNvSpPr>
             <a:spLocks noGrp="1"/>
           </p:cNvSpPr>
@@ -404,13 +405,13 @@
               <a:rPr lang="de-DE" smtClean="0"/>
               <a:t>Fünfte Ebene</a:t>
             </a:r>
-            <a:endParaRPr lang="de-DE"/>
-          </a:p>
-        </p:txBody>
-      </p:sp>
-      <p:sp>
-        <p:nvSpPr>
-          <p:cNvPr id="4" name="Datumsplatzhalter 3"/>
+            <a:endParaRPr lang="en-US" dirty="0"/>
+          </a:p>
+        </p:txBody>
+      </p:sp>
+      <p:sp>
+        <p:nvSpPr>
+          <p:cNvPr id="4" name="Date Placeholder 3"/>
           <p:cNvSpPr>
             <a:spLocks noGrp="1"/>
           </p:cNvSpPr>
@@ -425,7 +426,7 @@
           <a:p>
             <a:fld id="{55C3D269-660C-A54A-96F6-A1F1665F1BFE}" type="datetimeFigureOut">
               <a:rPr lang="de-DE" smtClean="0"/>
-              <a:t>18.11.16</a:t>
+              <a:t>22.11.16</a:t>
             </a:fld>
             <a:endParaRPr lang="de-DE"/>
           </a:p>
@@ -433,7 +434,7 @@
       </p:sp>
       <p:sp>
         <p:nvSpPr>
-          <p:cNvPr id="5" name="Fußzeilenplatzhalter 4"/>
+          <p:cNvPr id="5" name="Footer Placeholder 4"/>
           <p:cNvSpPr>
             <a:spLocks noGrp="1"/>
           </p:cNvSpPr>
@@ -452,7 +453,7 @@
       </p:sp>
       <p:sp>
         <p:nvSpPr>
-          <p:cNvPr id="6" name="Foliennummernplatzhalter 5"/>
+          <p:cNvPr id="6" name="Slide Number Placeholder 5"/>
           <p:cNvSpPr>
             <a:spLocks noGrp="1"/>
           </p:cNvSpPr>
@@ -476,7 +477,7 @@
     </p:spTree>
     <p:extLst>
       <p:ext uri="{BB962C8B-B14F-4D97-AF65-F5344CB8AC3E}">
-        <p14:creationId xmlns:p14="http://schemas.microsoft.com/office/powerpoint/2010/main" val="866409782"/>
+        <p14:creationId xmlns:p14="http://schemas.microsoft.com/office/powerpoint/2010/main" val="2062679100"/>
       </p:ext>
     </p:extLst>
   </p:cSld>
@@ -505,7 +506,7 @@
       </p:grpSpPr>
       <p:sp>
         <p:nvSpPr>
-          <p:cNvPr id="2" name="Vertikaler Titel 1"/>
+          <p:cNvPr id="2" name="Vertical Title 1"/>
           <p:cNvSpPr>
             <a:spLocks noGrp="1"/>
           </p:cNvSpPr>
@@ -515,8 +516,8 @@
         </p:nvSpPr>
         <p:spPr>
           <a:xfrm>
-            <a:off x="8724900" y="365125"/>
-            <a:ext cx="2628900" cy="5811838"/>
+            <a:off x="11429846" y="365125"/>
+            <a:ext cx="3443928" cy="5811838"/>
           </a:xfrm>
         </p:spPr>
         <p:txBody>
@@ -527,13 +528,13 @@
               <a:rPr lang="de-DE" smtClean="0"/>
               <a:t>Mastertitelformat bearbeiten</a:t>
             </a:r>
-            <a:endParaRPr lang="de-DE"/>
-          </a:p>
-        </p:txBody>
-      </p:sp>
-      <p:sp>
-        <p:nvSpPr>
-          <p:cNvPr id="3" name="Platzhalter für vertikalen Text 2"/>
+            <a:endParaRPr lang="en-US" dirty="0"/>
+          </a:p>
+        </p:txBody>
+      </p:sp>
+      <p:sp>
+        <p:nvSpPr>
+          <p:cNvPr id="3" name="Vertical Text Placeholder 2"/>
           <p:cNvSpPr>
             <a:spLocks noGrp="1"/>
           </p:cNvSpPr>
@@ -543,8 +544,8 @@
         </p:nvSpPr>
         <p:spPr>
           <a:xfrm>
-            <a:off x="838200" y="365125"/>
-            <a:ext cx="7734300" cy="5811838"/>
+            <a:off x="1098064" y="365125"/>
+            <a:ext cx="10132135" cy="5811838"/>
           </a:xfrm>
         </p:spPr>
         <p:txBody>
@@ -584,13 +585,13 @@
               <a:rPr lang="de-DE" smtClean="0"/>
               <a:t>Fünfte Ebene</a:t>
             </a:r>
-            <a:endParaRPr lang="de-DE"/>
-          </a:p>
-        </p:txBody>
-      </p:sp>
-      <p:sp>
-        <p:nvSpPr>
-          <p:cNvPr id="4" name="Datumsplatzhalter 3"/>
+            <a:endParaRPr lang="en-US" dirty="0"/>
+          </a:p>
+        </p:txBody>
+      </p:sp>
+      <p:sp>
+        <p:nvSpPr>
+          <p:cNvPr id="4" name="Date Placeholder 3"/>
           <p:cNvSpPr>
             <a:spLocks noGrp="1"/>
           </p:cNvSpPr>
@@ -605,7 +606,7 @@
           <a:p>
             <a:fld id="{55C3D269-660C-A54A-96F6-A1F1665F1BFE}" type="datetimeFigureOut">
               <a:rPr lang="de-DE" smtClean="0"/>
-              <a:t>18.11.16</a:t>
+              <a:t>22.11.16</a:t>
             </a:fld>
             <a:endParaRPr lang="de-DE"/>
           </a:p>
@@ -613,7 +614,7 @@
       </p:sp>
       <p:sp>
         <p:nvSpPr>
-          <p:cNvPr id="5" name="Fußzeilenplatzhalter 4"/>
+          <p:cNvPr id="5" name="Footer Placeholder 4"/>
           <p:cNvSpPr>
             <a:spLocks noGrp="1"/>
           </p:cNvSpPr>
@@ -632,7 +633,7 @@
       </p:sp>
       <p:sp>
         <p:nvSpPr>
-          <p:cNvPr id="6" name="Foliennummernplatzhalter 5"/>
+          <p:cNvPr id="6" name="Slide Number Placeholder 5"/>
           <p:cNvSpPr>
             <a:spLocks noGrp="1"/>
           </p:cNvSpPr>
@@ -656,7 +657,7 @@
     </p:spTree>
     <p:extLst>
       <p:ext uri="{BB962C8B-B14F-4D97-AF65-F5344CB8AC3E}">
-        <p14:creationId xmlns:p14="http://schemas.microsoft.com/office/powerpoint/2010/main" val="1810079414"/>
+        <p14:creationId xmlns:p14="http://schemas.microsoft.com/office/powerpoint/2010/main" val="619120179"/>
       </p:ext>
     </p:extLst>
   </p:cSld>
@@ -685,7 +686,7 @@
       </p:grpSpPr>
       <p:sp>
         <p:nvSpPr>
-          <p:cNvPr id="2" name="Titel 1"/>
+          <p:cNvPr id="2" name="Title 1"/>
           <p:cNvSpPr>
             <a:spLocks noGrp="1"/>
           </p:cNvSpPr>
@@ -702,13 +703,13 @@
               <a:rPr lang="de-DE" smtClean="0"/>
               <a:t>Mastertitelformat bearbeiten</a:t>
             </a:r>
-            <a:endParaRPr lang="de-DE"/>
-          </a:p>
-        </p:txBody>
-      </p:sp>
-      <p:sp>
-        <p:nvSpPr>
-          <p:cNvPr id="3" name="Inhaltsplatzhalter 2"/>
+            <a:endParaRPr lang="en-US" dirty="0"/>
+          </a:p>
+        </p:txBody>
+      </p:sp>
+      <p:sp>
+        <p:nvSpPr>
+          <p:cNvPr id="3" name="Content Placeholder 2"/>
           <p:cNvSpPr>
             <a:spLocks noGrp="1"/>
           </p:cNvSpPr>
@@ -754,13 +755,13 @@
               <a:rPr lang="de-DE" smtClean="0"/>
               <a:t>Fünfte Ebene</a:t>
             </a:r>
-            <a:endParaRPr lang="de-DE"/>
-          </a:p>
-        </p:txBody>
-      </p:sp>
-      <p:sp>
-        <p:nvSpPr>
-          <p:cNvPr id="4" name="Datumsplatzhalter 3"/>
+            <a:endParaRPr lang="en-US" dirty="0"/>
+          </a:p>
+        </p:txBody>
+      </p:sp>
+      <p:sp>
+        <p:nvSpPr>
+          <p:cNvPr id="4" name="Date Placeholder 3"/>
           <p:cNvSpPr>
             <a:spLocks noGrp="1"/>
           </p:cNvSpPr>
@@ -775,7 +776,7 @@
           <a:p>
             <a:fld id="{55C3D269-660C-A54A-96F6-A1F1665F1BFE}" type="datetimeFigureOut">
               <a:rPr lang="de-DE" smtClean="0"/>
-              <a:t>18.11.16</a:t>
+              <a:t>22.11.16</a:t>
             </a:fld>
             <a:endParaRPr lang="de-DE"/>
           </a:p>
@@ -783,7 +784,7 @@
       </p:sp>
       <p:sp>
         <p:nvSpPr>
-          <p:cNvPr id="5" name="Fußzeilenplatzhalter 4"/>
+          <p:cNvPr id="5" name="Footer Placeholder 4"/>
           <p:cNvSpPr>
             <a:spLocks noGrp="1"/>
           </p:cNvSpPr>
@@ -802,7 +803,7 @@
       </p:sp>
       <p:sp>
         <p:nvSpPr>
-          <p:cNvPr id="6" name="Foliennummernplatzhalter 5"/>
+          <p:cNvPr id="6" name="Slide Number Placeholder 5"/>
           <p:cNvSpPr>
             <a:spLocks noGrp="1"/>
           </p:cNvSpPr>
@@ -826,7 +827,7 @@
     </p:spTree>
     <p:extLst>
       <p:ext uri="{BB962C8B-B14F-4D97-AF65-F5344CB8AC3E}">
-        <p14:creationId xmlns:p14="http://schemas.microsoft.com/office/powerpoint/2010/main" val="1767891921"/>
+        <p14:creationId xmlns:p14="http://schemas.microsoft.com/office/powerpoint/2010/main" val="1488959355"/>
       </p:ext>
     </p:extLst>
   </p:cSld>
@@ -855,7 +856,7 @@
       </p:grpSpPr>
       <p:sp>
         <p:nvSpPr>
-          <p:cNvPr id="2" name="Titel 1"/>
+          <p:cNvPr id="2" name="Title 1"/>
           <p:cNvSpPr>
             <a:spLocks noGrp="1"/>
           </p:cNvSpPr>
@@ -865,8 +866,8 @@
         </p:nvSpPr>
         <p:spPr>
           <a:xfrm>
-            <a:off x="831850" y="1709738"/>
-            <a:ext cx="10515600" cy="2852737"/>
+            <a:off x="1089745" y="1709739"/>
+            <a:ext cx="13775710" cy="2852737"/>
           </a:xfrm>
         </p:spPr>
         <p:txBody>
@@ -881,13 +882,13 @@
               <a:rPr lang="de-DE" smtClean="0"/>
               <a:t>Mastertitelformat bearbeiten</a:t>
             </a:r>
-            <a:endParaRPr lang="de-DE"/>
-          </a:p>
-        </p:txBody>
-      </p:sp>
-      <p:sp>
-        <p:nvSpPr>
-          <p:cNvPr id="3" name="Textplatzhalter 2"/>
+            <a:endParaRPr lang="en-US" dirty="0"/>
+          </a:p>
+        </p:txBody>
+      </p:sp>
+      <p:sp>
+        <p:nvSpPr>
+          <p:cNvPr id="3" name="Text Placeholder 2"/>
           <p:cNvSpPr>
             <a:spLocks noGrp="1"/>
           </p:cNvSpPr>
@@ -897,8 +898,8 @@
         </p:nvSpPr>
         <p:spPr>
           <a:xfrm>
-            <a:off x="831850" y="4589463"/>
-            <a:ext cx="10515600" cy="1500187"/>
+            <a:off x="1089745" y="4589464"/>
+            <a:ext cx="13775710" cy="1500187"/>
           </a:xfrm>
         </p:spPr>
         <p:txBody>
@@ -1006,7 +1007,7 @@
       </p:sp>
       <p:sp>
         <p:nvSpPr>
-          <p:cNvPr id="4" name="Datumsplatzhalter 3"/>
+          <p:cNvPr id="4" name="Date Placeholder 3"/>
           <p:cNvSpPr>
             <a:spLocks noGrp="1"/>
           </p:cNvSpPr>
@@ -1021,7 +1022,7 @@
           <a:p>
             <a:fld id="{55C3D269-660C-A54A-96F6-A1F1665F1BFE}" type="datetimeFigureOut">
               <a:rPr lang="de-DE" smtClean="0"/>
-              <a:t>18.11.16</a:t>
+              <a:t>22.11.16</a:t>
             </a:fld>
             <a:endParaRPr lang="de-DE"/>
           </a:p>
@@ -1029,7 +1030,7 @@
       </p:sp>
       <p:sp>
         <p:nvSpPr>
-          <p:cNvPr id="5" name="Fußzeilenplatzhalter 4"/>
+          <p:cNvPr id="5" name="Footer Placeholder 4"/>
           <p:cNvSpPr>
             <a:spLocks noGrp="1"/>
           </p:cNvSpPr>
@@ -1048,7 +1049,7 @@
       </p:sp>
       <p:sp>
         <p:nvSpPr>
-          <p:cNvPr id="6" name="Foliennummernplatzhalter 5"/>
+          <p:cNvPr id="6" name="Slide Number Placeholder 5"/>
           <p:cNvSpPr>
             <a:spLocks noGrp="1"/>
           </p:cNvSpPr>
@@ -1072,7 +1073,7 @@
     </p:spTree>
     <p:extLst>
       <p:ext uri="{BB962C8B-B14F-4D97-AF65-F5344CB8AC3E}">
-        <p14:creationId xmlns:p14="http://schemas.microsoft.com/office/powerpoint/2010/main" val="375776355"/>
+        <p14:creationId xmlns:p14="http://schemas.microsoft.com/office/powerpoint/2010/main" val="312940994"/>
       </p:ext>
     </p:extLst>
   </p:cSld>
@@ -1101,7 +1102,7 @@
       </p:grpSpPr>
       <p:sp>
         <p:nvSpPr>
-          <p:cNvPr id="2" name="Titel 1"/>
+          <p:cNvPr id="2" name="Title 1"/>
           <p:cNvSpPr>
             <a:spLocks noGrp="1"/>
           </p:cNvSpPr>
@@ -1118,13 +1119,13 @@
               <a:rPr lang="de-DE" smtClean="0"/>
               <a:t>Mastertitelformat bearbeiten</a:t>
             </a:r>
-            <a:endParaRPr lang="de-DE"/>
-          </a:p>
-        </p:txBody>
-      </p:sp>
-      <p:sp>
-        <p:nvSpPr>
-          <p:cNvPr id="3" name="Inhaltsplatzhalter 2"/>
+            <a:endParaRPr lang="en-US" dirty="0"/>
+          </a:p>
+        </p:txBody>
+      </p:sp>
+      <p:sp>
+        <p:nvSpPr>
+          <p:cNvPr id="3" name="Content Placeholder 2"/>
           <p:cNvSpPr>
             <a:spLocks noGrp="1"/>
           </p:cNvSpPr>
@@ -1134,8 +1135,8 @@
         </p:nvSpPr>
         <p:spPr>
           <a:xfrm>
-            <a:off x="838200" y="1825625"/>
-            <a:ext cx="5181600" cy="4351338"/>
+            <a:off x="1098064" y="1825625"/>
+            <a:ext cx="6788031" cy="4351338"/>
           </a:xfrm>
         </p:spPr>
         <p:txBody>
@@ -1175,13 +1176,13 @@
               <a:rPr lang="de-DE" smtClean="0"/>
               <a:t>Fünfte Ebene</a:t>
             </a:r>
-            <a:endParaRPr lang="de-DE"/>
-          </a:p>
-        </p:txBody>
-      </p:sp>
-      <p:sp>
-        <p:nvSpPr>
-          <p:cNvPr id="4" name="Inhaltsplatzhalter 3"/>
+            <a:endParaRPr lang="en-US" dirty="0"/>
+          </a:p>
+        </p:txBody>
+      </p:sp>
+      <p:sp>
+        <p:nvSpPr>
+          <p:cNvPr id="4" name="Content Placeholder 3"/>
           <p:cNvSpPr>
             <a:spLocks noGrp="1"/>
           </p:cNvSpPr>
@@ -1191,8 +1192,8 @@
         </p:nvSpPr>
         <p:spPr>
           <a:xfrm>
-            <a:off x="6172200" y="1825625"/>
-            <a:ext cx="5181600" cy="4351338"/>
+            <a:off x="8085743" y="1825625"/>
+            <a:ext cx="6788031" cy="4351338"/>
           </a:xfrm>
         </p:spPr>
         <p:txBody>
@@ -1232,13 +1233,13 @@
               <a:rPr lang="de-DE" smtClean="0"/>
               <a:t>Fünfte Ebene</a:t>
             </a:r>
-            <a:endParaRPr lang="de-DE"/>
-          </a:p>
-        </p:txBody>
-      </p:sp>
-      <p:sp>
-        <p:nvSpPr>
-          <p:cNvPr id="5" name="Datumsplatzhalter 4"/>
+            <a:endParaRPr lang="en-US" dirty="0"/>
+          </a:p>
+        </p:txBody>
+      </p:sp>
+      <p:sp>
+        <p:nvSpPr>
+          <p:cNvPr id="5" name="Date Placeholder 4"/>
           <p:cNvSpPr>
             <a:spLocks noGrp="1"/>
           </p:cNvSpPr>
@@ -1253,7 +1254,7 @@
           <a:p>
             <a:fld id="{55C3D269-660C-A54A-96F6-A1F1665F1BFE}" type="datetimeFigureOut">
               <a:rPr lang="de-DE" smtClean="0"/>
-              <a:t>18.11.16</a:t>
+              <a:t>22.11.16</a:t>
             </a:fld>
             <a:endParaRPr lang="de-DE"/>
           </a:p>
@@ -1261,7 +1262,7 @@
       </p:sp>
       <p:sp>
         <p:nvSpPr>
-          <p:cNvPr id="6" name="Fußzeilenplatzhalter 5"/>
+          <p:cNvPr id="6" name="Footer Placeholder 5"/>
           <p:cNvSpPr>
             <a:spLocks noGrp="1"/>
           </p:cNvSpPr>
@@ -1280,7 +1281,7 @@
       </p:sp>
       <p:sp>
         <p:nvSpPr>
-          <p:cNvPr id="7" name="Foliennummernplatzhalter 6"/>
+          <p:cNvPr id="7" name="Slide Number Placeholder 6"/>
           <p:cNvSpPr>
             <a:spLocks noGrp="1"/>
           </p:cNvSpPr>
@@ -1304,7 +1305,7 @@
     </p:spTree>
     <p:extLst>
       <p:ext uri="{BB962C8B-B14F-4D97-AF65-F5344CB8AC3E}">
-        <p14:creationId xmlns:p14="http://schemas.microsoft.com/office/powerpoint/2010/main" val="2071276305"/>
+        <p14:creationId xmlns:p14="http://schemas.microsoft.com/office/powerpoint/2010/main" val="411834655"/>
       </p:ext>
     </p:extLst>
   </p:cSld>
@@ -1333,7 +1334,7 @@
       </p:grpSpPr>
       <p:sp>
         <p:nvSpPr>
-          <p:cNvPr id="2" name="Titel 1"/>
+          <p:cNvPr id="2" name="Title 1"/>
           <p:cNvSpPr>
             <a:spLocks noGrp="1"/>
           </p:cNvSpPr>
@@ -1343,8 +1344,8 @@
         </p:nvSpPr>
         <p:spPr>
           <a:xfrm>
-            <a:off x="839788" y="365125"/>
-            <a:ext cx="10515600" cy="1325563"/>
+            <a:off x="1100144" y="365126"/>
+            <a:ext cx="13775710" cy="1325563"/>
           </a:xfrm>
         </p:spPr>
         <p:txBody>
@@ -1355,13 +1356,13 @@
               <a:rPr lang="de-DE" smtClean="0"/>
               <a:t>Mastertitelformat bearbeiten</a:t>
             </a:r>
-            <a:endParaRPr lang="de-DE"/>
-          </a:p>
-        </p:txBody>
-      </p:sp>
-      <p:sp>
-        <p:nvSpPr>
-          <p:cNvPr id="3" name="Textplatzhalter 2"/>
+            <a:endParaRPr lang="en-US" dirty="0"/>
+          </a:p>
+        </p:txBody>
+      </p:sp>
+      <p:sp>
+        <p:nvSpPr>
+          <p:cNvPr id="3" name="Text Placeholder 2"/>
           <p:cNvSpPr>
             <a:spLocks noGrp="1"/>
           </p:cNvSpPr>
@@ -1371,8 +1372,8 @@
         </p:nvSpPr>
         <p:spPr>
           <a:xfrm>
-            <a:off x="839788" y="1681163"/>
-            <a:ext cx="5157787" cy="823912"/>
+            <a:off x="1100145" y="1681163"/>
+            <a:ext cx="6756835" cy="823912"/>
           </a:xfrm>
         </p:spPr>
         <p:txBody>
@@ -1426,7 +1427,7 @@
       </p:sp>
       <p:sp>
         <p:nvSpPr>
-          <p:cNvPr id="4" name="Inhaltsplatzhalter 3"/>
+          <p:cNvPr id="4" name="Content Placeholder 3"/>
           <p:cNvSpPr>
             <a:spLocks noGrp="1"/>
           </p:cNvSpPr>
@@ -1436,8 +1437,8 @@
         </p:nvSpPr>
         <p:spPr>
           <a:xfrm>
-            <a:off x="839788" y="2505075"/>
-            <a:ext cx="5157787" cy="3684588"/>
+            <a:off x="1100145" y="2505075"/>
+            <a:ext cx="6756835" cy="3684588"/>
           </a:xfrm>
         </p:spPr>
         <p:txBody>
@@ -1477,13 +1478,13 @@
               <a:rPr lang="de-DE" smtClean="0"/>
               <a:t>Fünfte Ebene</a:t>
             </a:r>
-            <a:endParaRPr lang="de-DE"/>
-          </a:p>
-        </p:txBody>
-      </p:sp>
-      <p:sp>
-        <p:nvSpPr>
-          <p:cNvPr id="5" name="Textplatzhalter 4"/>
+            <a:endParaRPr lang="en-US" dirty="0"/>
+          </a:p>
+        </p:txBody>
+      </p:sp>
+      <p:sp>
+        <p:nvSpPr>
+          <p:cNvPr id="5" name="Text Placeholder 4"/>
           <p:cNvSpPr>
             <a:spLocks noGrp="1"/>
           </p:cNvSpPr>
@@ -1493,8 +1494,8 @@
         </p:nvSpPr>
         <p:spPr>
           <a:xfrm>
-            <a:off x="6172200" y="1681163"/>
-            <a:ext cx="5183188" cy="823912"/>
+            <a:off x="8085743" y="1681163"/>
+            <a:ext cx="6790111" cy="823912"/>
           </a:xfrm>
         </p:spPr>
         <p:txBody>
@@ -1548,7 +1549,7 @@
       </p:sp>
       <p:sp>
         <p:nvSpPr>
-          <p:cNvPr id="6" name="Inhaltsplatzhalter 5"/>
+          <p:cNvPr id="6" name="Content Placeholder 5"/>
           <p:cNvSpPr>
             <a:spLocks noGrp="1"/>
           </p:cNvSpPr>
@@ -1558,8 +1559,8 @@
         </p:nvSpPr>
         <p:spPr>
           <a:xfrm>
-            <a:off x="6172200" y="2505075"/>
-            <a:ext cx="5183188" cy="3684588"/>
+            <a:off x="8085743" y="2505075"/>
+            <a:ext cx="6790111" cy="3684588"/>
           </a:xfrm>
         </p:spPr>
         <p:txBody>
@@ -1599,13 +1600,13 @@
               <a:rPr lang="de-DE" smtClean="0"/>
               <a:t>Fünfte Ebene</a:t>
             </a:r>
-            <a:endParaRPr lang="de-DE"/>
-          </a:p>
-        </p:txBody>
-      </p:sp>
-      <p:sp>
-        <p:nvSpPr>
-          <p:cNvPr id="7" name="Datumsplatzhalter 6"/>
+            <a:endParaRPr lang="en-US" dirty="0"/>
+          </a:p>
+        </p:txBody>
+      </p:sp>
+      <p:sp>
+        <p:nvSpPr>
+          <p:cNvPr id="7" name="Date Placeholder 6"/>
           <p:cNvSpPr>
             <a:spLocks noGrp="1"/>
           </p:cNvSpPr>
@@ -1620,7 +1621,7 @@
           <a:p>
             <a:fld id="{55C3D269-660C-A54A-96F6-A1F1665F1BFE}" type="datetimeFigureOut">
               <a:rPr lang="de-DE" smtClean="0"/>
-              <a:t>18.11.16</a:t>
+              <a:t>22.11.16</a:t>
             </a:fld>
             <a:endParaRPr lang="de-DE"/>
           </a:p>
@@ -1628,7 +1629,7 @@
       </p:sp>
       <p:sp>
         <p:nvSpPr>
-          <p:cNvPr id="8" name="Fußzeilenplatzhalter 7"/>
+          <p:cNvPr id="8" name="Footer Placeholder 7"/>
           <p:cNvSpPr>
             <a:spLocks noGrp="1"/>
           </p:cNvSpPr>
@@ -1647,7 +1648,7 @@
       </p:sp>
       <p:sp>
         <p:nvSpPr>
-          <p:cNvPr id="9" name="Foliennummernplatzhalter 8"/>
+          <p:cNvPr id="9" name="Slide Number Placeholder 8"/>
           <p:cNvSpPr>
             <a:spLocks noGrp="1"/>
           </p:cNvSpPr>
@@ -1671,7 +1672,7 @@
     </p:spTree>
     <p:extLst>
       <p:ext uri="{BB962C8B-B14F-4D97-AF65-F5344CB8AC3E}">
-        <p14:creationId xmlns:p14="http://schemas.microsoft.com/office/powerpoint/2010/main" val="1230940265"/>
+        <p14:creationId xmlns:p14="http://schemas.microsoft.com/office/powerpoint/2010/main" val="365252304"/>
       </p:ext>
     </p:extLst>
   </p:cSld>
@@ -1700,7 +1701,7 @@
       </p:grpSpPr>
       <p:sp>
         <p:nvSpPr>
-          <p:cNvPr id="2" name="Titel 1"/>
+          <p:cNvPr id="2" name="Title 1"/>
           <p:cNvSpPr>
             <a:spLocks noGrp="1"/>
           </p:cNvSpPr>
@@ -1717,13 +1718,13 @@
               <a:rPr lang="de-DE" smtClean="0"/>
               <a:t>Mastertitelformat bearbeiten</a:t>
             </a:r>
-            <a:endParaRPr lang="de-DE"/>
-          </a:p>
-        </p:txBody>
-      </p:sp>
-      <p:sp>
-        <p:nvSpPr>
-          <p:cNvPr id="3" name="Datumsplatzhalter 2"/>
+            <a:endParaRPr lang="en-US" dirty="0"/>
+          </a:p>
+        </p:txBody>
+      </p:sp>
+      <p:sp>
+        <p:nvSpPr>
+          <p:cNvPr id="3" name="Date Placeholder 2"/>
           <p:cNvSpPr>
             <a:spLocks noGrp="1"/>
           </p:cNvSpPr>
@@ -1738,7 +1739,7 @@
           <a:p>
             <a:fld id="{55C3D269-660C-A54A-96F6-A1F1665F1BFE}" type="datetimeFigureOut">
               <a:rPr lang="de-DE" smtClean="0"/>
-              <a:t>18.11.16</a:t>
+              <a:t>22.11.16</a:t>
             </a:fld>
             <a:endParaRPr lang="de-DE"/>
           </a:p>
@@ -1746,7 +1747,7 @@
       </p:sp>
       <p:sp>
         <p:nvSpPr>
-          <p:cNvPr id="4" name="Fußzeilenplatzhalter 3"/>
+          <p:cNvPr id="4" name="Footer Placeholder 3"/>
           <p:cNvSpPr>
             <a:spLocks noGrp="1"/>
           </p:cNvSpPr>
@@ -1765,7 +1766,7 @@
       </p:sp>
       <p:sp>
         <p:nvSpPr>
-          <p:cNvPr id="5" name="Foliennummernplatzhalter 4"/>
+          <p:cNvPr id="5" name="Slide Number Placeholder 4"/>
           <p:cNvSpPr>
             <a:spLocks noGrp="1"/>
           </p:cNvSpPr>
@@ -1789,7 +1790,7 @@
     </p:spTree>
     <p:extLst>
       <p:ext uri="{BB962C8B-B14F-4D97-AF65-F5344CB8AC3E}">
-        <p14:creationId xmlns:p14="http://schemas.microsoft.com/office/powerpoint/2010/main" val="1703062304"/>
+        <p14:creationId xmlns:p14="http://schemas.microsoft.com/office/powerpoint/2010/main" val="1287210202"/>
       </p:ext>
     </p:extLst>
   </p:cSld>
@@ -1818,7 +1819,7 @@
       </p:grpSpPr>
       <p:sp>
         <p:nvSpPr>
-          <p:cNvPr id="2" name="Datumsplatzhalter 1"/>
+          <p:cNvPr id="2" name="Date Placeholder 1"/>
           <p:cNvSpPr>
             <a:spLocks noGrp="1"/>
           </p:cNvSpPr>
@@ -1833,7 +1834,7 @@
           <a:p>
             <a:fld id="{55C3D269-660C-A54A-96F6-A1F1665F1BFE}" type="datetimeFigureOut">
               <a:rPr lang="de-DE" smtClean="0"/>
-              <a:t>18.11.16</a:t>
+              <a:t>22.11.16</a:t>
             </a:fld>
             <a:endParaRPr lang="de-DE"/>
           </a:p>
@@ -1841,7 +1842,7 @@
       </p:sp>
       <p:sp>
         <p:nvSpPr>
-          <p:cNvPr id="3" name="Fußzeilenplatzhalter 2"/>
+          <p:cNvPr id="3" name="Footer Placeholder 2"/>
           <p:cNvSpPr>
             <a:spLocks noGrp="1"/>
           </p:cNvSpPr>
@@ -1860,7 +1861,7 @@
       </p:sp>
       <p:sp>
         <p:nvSpPr>
-          <p:cNvPr id="4" name="Foliennummernplatzhalter 3"/>
+          <p:cNvPr id="4" name="Slide Number Placeholder 3"/>
           <p:cNvSpPr>
             <a:spLocks noGrp="1"/>
           </p:cNvSpPr>
@@ -1884,7 +1885,7 @@
     </p:spTree>
     <p:extLst>
       <p:ext uri="{BB962C8B-B14F-4D97-AF65-F5344CB8AC3E}">
-        <p14:creationId xmlns:p14="http://schemas.microsoft.com/office/powerpoint/2010/main" val="1706096112"/>
+        <p14:creationId xmlns:p14="http://schemas.microsoft.com/office/powerpoint/2010/main" val="391605136"/>
       </p:ext>
     </p:extLst>
   </p:cSld>
@@ -1913,7 +1914,7 @@
       </p:grpSpPr>
       <p:sp>
         <p:nvSpPr>
-          <p:cNvPr id="2" name="Titel 1"/>
+          <p:cNvPr id="2" name="Title 1"/>
           <p:cNvSpPr>
             <a:spLocks noGrp="1"/>
           </p:cNvSpPr>
@@ -1923,8 +1924,8 @@
         </p:nvSpPr>
         <p:spPr>
           <a:xfrm>
-            <a:off x="839788" y="457200"/>
-            <a:ext cx="3932237" cy="1600200"/>
+            <a:off x="1100145" y="457200"/>
+            <a:ext cx="5151333" cy="1600200"/>
           </a:xfrm>
         </p:spPr>
         <p:txBody>
@@ -1939,13 +1940,13 @@
               <a:rPr lang="de-DE" smtClean="0"/>
               <a:t>Mastertitelformat bearbeiten</a:t>
             </a:r>
-            <a:endParaRPr lang="de-DE"/>
-          </a:p>
-        </p:txBody>
-      </p:sp>
-      <p:sp>
-        <p:nvSpPr>
-          <p:cNvPr id="3" name="Inhaltsplatzhalter 2"/>
+            <a:endParaRPr lang="en-US" dirty="0"/>
+          </a:p>
+        </p:txBody>
+      </p:sp>
+      <p:sp>
+        <p:nvSpPr>
+          <p:cNvPr id="3" name="Content Placeholder 2"/>
           <p:cNvSpPr>
             <a:spLocks noGrp="1"/>
           </p:cNvSpPr>
@@ -1955,8 +1956,8 @@
         </p:nvSpPr>
         <p:spPr>
           <a:xfrm>
-            <a:off x="5183188" y="987425"/>
-            <a:ext cx="6172200" cy="4873625"/>
+            <a:off x="6790111" y="987426"/>
+            <a:ext cx="8085743" cy="4873625"/>
           </a:xfrm>
         </p:spPr>
         <p:txBody>
@@ -2024,13 +2025,13 @@
               <a:rPr lang="de-DE" smtClean="0"/>
               <a:t>Fünfte Ebene</a:t>
             </a:r>
-            <a:endParaRPr lang="de-DE"/>
-          </a:p>
-        </p:txBody>
-      </p:sp>
-      <p:sp>
-        <p:nvSpPr>
-          <p:cNvPr id="4" name="Textplatzhalter 3"/>
+            <a:endParaRPr lang="en-US" dirty="0"/>
+          </a:p>
+        </p:txBody>
+      </p:sp>
+      <p:sp>
+        <p:nvSpPr>
+          <p:cNvPr id="4" name="Text Placeholder 3"/>
           <p:cNvSpPr>
             <a:spLocks noGrp="1"/>
           </p:cNvSpPr>
@@ -2040,8 +2041,8 @@
         </p:nvSpPr>
         <p:spPr>
           <a:xfrm>
-            <a:off x="839788" y="2057400"/>
-            <a:ext cx="3932237" cy="3811588"/>
+            <a:off x="1100145" y="2057400"/>
+            <a:ext cx="5151333" cy="3811588"/>
           </a:xfrm>
         </p:spPr>
         <p:txBody>
@@ -2095,7 +2096,7 @@
       </p:sp>
       <p:sp>
         <p:nvSpPr>
-          <p:cNvPr id="5" name="Datumsplatzhalter 4"/>
+          <p:cNvPr id="5" name="Date Placeholder 4"/>
           <p:cNvSpPr>
             <a:spLocks noGrp="1"/>
           </p:cNvSpPr>
@@ -2110,7 +2111,7 @@
           <a:p>
             <a:fld id="{55C3D269-660C-A54A-96F6-A1F1665F1BFE}" type="datetimeFigureOut">
               <a:rPr lang="de-DE" smtClean="0"/>
-              <a:t>18.11.16</a:t>
+              <a:t>22.11.16</a:t>
             </a:fld>
             <a:endParaRPr lang="de-DE"/>
           </a:p>
@@ -2118,7 +2119,7 @@
       </p:sp>
       <p:sp>
         <p:nvSpPr>
-          <p:cNvPr id="6" name="Fußzeilenplatzhalter 5"/>
+          <p:cNvPr id="6" name="Footer Placeholder 5"/>
           <p:cNvSpPr>
             <a:spLocks noGrp="1"/>
           </p:cNvSpPr>
@@ -2137,7 +2138,7 @@
       </p:sp>
       <p:sp>
         <p:nvSpPr>
-          <p:cNvPr id="7" name="Foliennummernplatzhalter 6"/>
+          <p:cNvPr id="7" name="Slide Number Placeholder 6"/>
           <p:cNvSpPr>
             <a:spLocks noGrp="1"/>
           </p:cNvSpPr>
@@ -2161,7 +2162,7 @@
     </p:spTree>
     <p:extLst>
       <p:ext uri="{BB962C8B-B14F-4D97-AF65-F5344CB8AC3E}">
-        <p14:creationId xmlns:p14="http://schemas.microsoft.com/office/powerpoint/2010/main" val="1155699640"/>
+        <p14:creationId xmlns:p14="http://schemas.microsoft.com/office/powerpoint/2010/main" val="1817626344"/>
       </p:ext>
     </p:extLst>
   </p:cSld>
@@ -2190,7 +2191,7 @@
       </p:grpSpPr>
       <p:sp>
         <p:nvSpPr>
-          <p:cNvPr id="2" name="Titel 1"/>
+          <p:cNvPr id="2" name="Title 1"/>
           <p:cNvSpPr>
             <a:spLocks noGrp="1"/>
           </p:cNvSpPr>
@@ -2200,8 +2201,8 @@
         </p:nvSpPr>
         <p:spPr>
           <a:xfrm>
-            <a:off x="839788" y="457200"/>
-            <a:ext cx="3932237" cy="1600200"/>
+            <a:off x="1100145" y="457200"/>
+            <a:ext cx="5151333" cy="1600200"/>
           </a:xfrm>
         </p:spPr>
         <p:txBody>
@@ -2216,15 +2217,15 @@
               <a:rPr lang="de-DE" smtClean="0"/>
               <a:t>Mastertitelformat bearbeiten</a:t>
             </a:r>
-            <a:endParaRPr lang="de-DE"/>
-          </a:p>
-        </p:txBody>
-      </p:sp>
-      <p:sp>
-        <p:nvSpPr>
-          <p:cNvPr id="3" name="Bildplatzhalter 2"/>
+            <a:endParaRPr lang="en-US" dirty="0"/>
+          </a:p>
+        </p:txBody>
+      </p:sp>
+      <p:sp>
+        <p:nvSpPr>
+          <p:cNvPr id="3" name="Picture Placeholder 2"/>
           <p:cNvSpPr>
-            <a:spLocks noGrp="1"/>
+            <a:spLocks noGrp="1" noChangeAspect="1"/>
           </p:cNvSpPr>
           <p:nvPr>
             <p:ph type="pic" idx="1"/>
@@ -2232,12 +2233,12 @@
         </p:nvSpPr>
         <p:spPr>
           <a:xfrm>
-            <a:off x="5183188" y="987425"/>
-            <a:ext cx="6172200" cy="4873625"/>
+            <a:off x="6790111" y="987426"/>
+            <a:ext cx="8085743" cy="4873625"/>
           </a:xfrm>
         </p:spPr>
         <p:txBody>
-          <a:bodyPr/>
+          <a:bodyPr anchor="t"/>
           <a:lstStyle>
             <a:lvl1pPr marL="0" indent="0">
               <a:buNone/>
@@ -2277,13 +2278,17 @@
             </a:lvl9pPr>
           </a:lstStyle>
           <a:p>
-            <a:endParaRPr lang="de-DE"/>
-          </a:p>
-        </p:txBody>
-      </p:sp>
-      <p:sp>
-        <p:nvSpPr>
-          <p:cNvPr id="4" name="Textplatzhalter 3"/>
+            <a:r>
+              <a:rPr lang="de-DE" smtClean="0"/>
+              <a:t>Bild auf Platzhalter ziehen oder durch Klicken auf Symbol hinzufügen</a:t>
+            </a:r>
+            <a:endParaRPr lang="en-US" dirty="0"/>
+          </a:p>
+        </p:txBody>
+      </p:sp>
+      <p:sp>
+        <p:nvSpPr>
+          <p:cNvPr id="4" name="Text Placeholder 3"/>
           <p:cNvSpPr>
             <a:spLocks noGrp="1"/>
           </p:cNvSpPr>
@@ -2293,8 +2298,8 @@
         </p:nvSpPr>
         <p:spPr>
           <a:xfrm>
-            <a:off x="839788" y="2057400"/>
-            <a:ext cx="3932237" cy="3811588"/>
+            <a:off x="1100145" y="2057400"/>
+            <a:ext cx="5151333" cy="3811588"/>
           </a:xfrm>
         </p:spPr>
         <p:txBody>
@@ -2348,7 +2353,7 @@
       </p:sp>
       <p:sp>
         <p:nvSpPr>
-          <p:cNvPr id="5" name="Datumsplatzhalter 4"/>
+          <p:cNvPr id="5" name="Date Placeholder 4"/>
           <p:cNvSpPr>
             <a:spLocks noGrp="1"/>
           </p:cNvSpPr>
@@ -2363,7 +2368,7 @@
           <a:p>
             <a:fld id="{55C3D269-660C-A54A-96F6-A1F1665F1BFE}" type="datetimeFigureOut">
               <a:rPr lang="de-DE" smtClean="0"/>
-              <a:t>18.11.16</a:t>
+              <a:t>22.11.16</a:t>
             </a:fld>
             <a:endParaRPr lang="de-DE"/>
           </a:p>
@@ -2371,7 +2376,7 @@
       </p:sp>
       <p:sp>
         <p:nvSpPr>
-          <p:cNvPr id="6" name="Fußzeilenplatzhalter 5"/>
+          <p:cNvPr id="6" name="Footer Placeholder 5"/>
           <p:cNvSpPr>
             <a:spLocks noGrp="1"/>
           </p:cNvSpPr>
@@ -2390,7 +2395,7 @@
       </p:sp>
       <p:sp>
         <p:nvSpPr>
-          <p:cNvPr id="7" name="Foliennummernplatzhalter 6"/>
+          <p:cNvPr id="7" name="Slide Number Placeholder 6"/>
           <p:cNvSpPr>
             <a:spLocks noGrp="1"/>
           </p:cNvSpPr>
@@ -2414,7 +2419,7 @@
     </p:spTree>
     <p:extLst>
       <p:ext uri="{BB962C8B-B14F-4D97-AF65-F5344CB8AC3E}">
-        <p14:creationId xmlns:p14="http://schemas.microsoft.com/office/powerpoint/2010/main" val="2001746012"/>
+        <p14:creationId xmlns:p14="http://schemas.microsoft.com/office/powerpoint/2010/main" val="891085033"/>
       </p:ext>
     </p:extLst>
   </p:cSld>
@@ -2448,7 +2453,7 @@
       </p:grpSpPr>
       <p:sp>
         <p:nvSpPr>
-          <p:cNvPr id="2" name="Titelplatzhalter 1"/>
+          <p:cNvPr id="2" name="Title Placeholder 1"/>
           <p:cNvSpPr>
             <a:spLocks noGrp="1"/>
           </p:cNvSpPr>
@@ -2458,8 +2463,8 @@
         </p:nvSpPr>
         <p:spPr>
           <a:xfrm>
-            <a:off x="838200" y="365125"/>
-            <a:ext cx="10515600" cy="1325563"/>
+            <a:off x="1098064" y="365126"/>
+            <a:ext cx="13775710" cy="1325563"/>
           </a:xfrm>
           <a:prstGeom prst="rect">
             <a:avLst/>
@@ -2475,13 +2480,13 @@
               <a:rPr lang="de-DE" smtClean="0"/>
               <a:t>Mastertitelformat bearbeiten</a:t>
             </a:r>
-            <a:endParaRPr lang="de-DE"/>
-          </a:p>
-        </p:txBody>
-      </p:sp>
-      <p:sp>
-        <p:nvSpPr>
-          <p:cNvPr id="3" name="Textplatzhalter 2"/>
+            <a:endParaRPr lang="en-US" dirty="0"/>
+          </a:p>
+        </p:txBody>
+      </p:sp>
+      <p:sp>
+        <p:nvSpPr>
+          <p:cNvPr id="3" name="Text Placeholder 2"/>
           <p:cNvSpPr>
             <a:spLocks noGrp="1"/>
           </p:cNvSpPr>
@@ -2491,8 +2496,8 @@
         </p:nvSpPr>
         <p:spPr>
           <a:xfrm>
-            <a:off x="838200" y="1825625"/>
-            <a:ext cx="10515600" cy="4351338"/>
+            <a:off x="1098064" y="1825625"/>
+            <a:ext cx="13775710" cy="4351338"/>
           </a:xfrm>
           <a:prstGeom prst="rect">
             <a:avLst/>
@@ -2537,13 +2542,13 @@
               <a:rPr lang="de-DE" smtClean="0"/>
               <a:t>Fünfte Ebene</a:t>
             </a:r>
-            <a:endParaRPr lang="de-DE"/>
-          </a:p>
-        </p:txBody>
-      </p:sp>
-      <p:sp>
-        <p:nvSpPr>
-          <p:cNvPr id="4" name="Datumsplatzhalter 3"/>
+            <a:endParaRPr lang="en-US" dirty="0"/>
+          </a:p>
+        </p:txBody>
+      </p:sp>
+      <p:sp>
+        <p:nvSpPr>
+          <p:cNvPr id="4" name="Date Placeholder 3"/>
           <p:cNvSpPr>
             <a:spLocks noGrp="1"/>
           </p:cNvSpPr>
@@ -2553,8 +2558,8 @@
         </p:nvSpPr>
         <p:spPr>
           <a:xfrm>
-            <a:off x="838200" y="6356350"/>
-            <a:ext cx="2743200" cy="365125"/>
+            <a:off x="1098064" y="6356351"/>
+            <a:ext cx="3593664" cy="365125"/>
           </a:xfrm>
           <a:prstGeom prst="rect">
             <a:avLst/>
@@ -2576,7 +2581,7 @@
           <a:p>
             <a:fld id="{55C3D269-660C-A54A-96F6-A1F1665F1BFE}" type="datetimeFigureOut">
               <a:rPr lang="de-DE" smtClean="0"/>
-              <a:t>18.11.16</a:t>
+              <a:t>22.11.16</a:t>
             </a:fld>
             <a:endParaRPr lang="de-DE"/>
           </a:p>
@@ -2584,7 +2589,7 @@
       </p:sp>
       <p:sp>
         <p:nvSpPr>
-          <p:cNvPr id="5" name="Fußzeilenplatzhalter 4"/>
+          <p:cNvPr id="5" name="Footer Placeholder 4"/>
           <p:cNvSpPr>
             <a:spLocks noGrp="1"/>
           </p:cNvSpPr>
@@ -2594,8 +2599,8 @@
         </p:nvSpPr>
         <p:spPr>
           <a:xfrm>
-            <a:off x="4038600" y="6356350"/>
-            <a:ext cx="4114800" cy="365125"/>
+            <a:off x="5290672" y="6356351"/>
+            <a:ext cx="5390495" cy="365125"/>
           </a:xfrm>
           <a:prstGeom prst="rect">
             <a:avLst/>
@@ -2621,7 +2626,7 @@
       </p:sp>
       <p:sp>
         <p:nvSpPr>
-          <p:cNvPr id="6" name="Foliennummernplatzhalter 5"/>
+          <p:cNvPr id="6" name="Slide Number Placeholder 5"/>
           <p:cNvSpPr>
             <a:spLocks noGrp="1"/>
           </p:cNvSpPr>
@@ -2631,8 +2636,8 @@
         </p:nvSpPr>
         <p:spPr>
           <a:xfrm>
-            <a:off x="8610600" y="6356350"/>
-            <a:ext cx="2743200" cy="365125"/>
+            <a:off x="11280110" y="6356351"/>
+            <a:ext cx="3593664" cy="365125"/>
           </a:xfrm>
           <a:prstGeom prst="rect">
             <a:avLst/>
@@ -2663,23 +2668,23 @@
     </p:spTree>
     <p:extLst>
       <p:ext uri="{BB962C8B-B14F-4D97-AF65-F5344CB8AC3E}">
-        <p14:creationId xmlns:p14="http://schemas.microsoft.com/office/powerpoint/2010/main" val="1993619229"/>
+        <p14:creationId xmlns:p14="http://schemas.microsoft.com/office/powerpoint/2010/main" val="42165934"/>
       </p:ext>
     </p:extLst>
   </p:cSld>
   <p:clrMap bg1="lt1" tx1="dk1" bg2="lt2" tx2="dk2" accent1="accent1" accent2="accent2" accent3="accent3" accent4="accent4" accent5="accent5" accent6="accent6" hlink="hlink" folHlink="folHlink"/>
   <p:sldLayoutIdLst>
-    <p:sldLayoutId id="2147483649" r:id="rId1"/>
-    <p:sldLayoutId id="2147483650" r:id="rId2"/>
-    <p:sldLayoutId id="2147483651" r:id="rId3"/>
-    <p:sldLayoutId id="2147483652" r:id="rId4"/>
-    <p:sldLayoutId id="2147483653" r:id="rId5"/>
-    <p:sldLayoutId id="2147483654" r:id="rId6"/>
-    <p:sldLayoutId id="2147483655" r:id="rId7"/>
-    <p:sldLayoutId id="2147483656" r:id="rId8"/>
-    <p:sldLayoutId id="2147483657" r:id="rId9"/>
-    <p:sldLayoutId id="2147483658" r:id="rId10"/>
-    <p:sldLayoutId id="2147483659" r:id="rId11"/>
+    <p:sldLayoutId id="2147483661" r:id="rId1"/>
+    <p:sldLayoutId id="2147483662" r:id="rId2"/>
+    <p:sldLayoutId id="2147483663" r:id="rId3"/>
+    <p:sldLayoutId id="2147483664" r:id="rId4"/>
+    <p:sldLayoutId id="2147483665" r:id="rId5"/>
+    <p:sldLayoutId id="2147483666" r:id="rId6"/>
+    <p:sldLayoutId id="2147483667" r:id="rId7"/>
+    <p:sldLayoutId id="2147483668" r:id="rId8"/>
+    <p:sldLayoutId id="2147483669" r:id="rId9"/>
+    <p:sldLayoutId id="2147483670" r:id="rId10"/>
+    <p:sldLayoutId id="2147483671" r:id="rId11"/>
   </p:sldLayoutIdLst>
   <p:txStyles>
     <p:titleStyle>
@@ -2709,7 +2714,7 @@
         <a:spcBef>
           <a:spcPts val="1000"/>
         </a:spcBef>
-        <a:buFont typeface="Arial"/>
+        <a:buFont typeface="Arial" panose="020B0604020202020204" pitchFamily="34" charset="0"/>
         <a:buChar char="•"/>
         <a:defRPr sz="2800" kern="1200">
           <a:solidFill>
@@ -2727,7 +2732,7 @@
         <a:spcBef>
           <a:spcPts val="500"/>
         </a:spcBef>
-        <a:buFont typeface="Arial"/>
+        <a:buFont typeface="Arial" panose="020B0604020202020204" pitchFamily="34" charset="0"/>
         <a:buChar char="•"/>
         <a:defRPr sz="2400" kern="1200">
           <a:solidFill>
@@ -2745,7 +2750,7 @@
         <a:spcBef>
           <a:spcPts val="500"/>
         </a:spcBef>
-        <a:buFont typeface="Arial"/>
+        <a:buFont typeface="Arial" panose="020B0604020202020204" pitchFamily="34" charset="0"/>
         <a:buChar char="•"/>
         <a:defRPr sz="2000" kern="1200">
           <a:solidFill>
@@ -2763,7 +2768,7 @@
         <a:spcBef>
           <a:spcPts val="500"/>
         </a:spcBef>
-        <a:buFont typeface="Arial"/>
+        <a:buFont typeface="Arial" panose="020B0604020202020204" pitchFamily="34" charset="0"/>
         <a:buChar char="•"/>
         <a:defRPr sz="1800" kern="1200">
           <a:solidFill>
@@ -2781,7 +2786,7 @@
         <a:spcBef>
           <a:spcPts val="500"/>
         </a:spcBef>
-        <a:buFont typeface="Arial"/>
+        <a:buFont typeface="Arial" panose="020B0604020202020204" pitchFamily="34" charset="0"/>
         <a:buChar char="•"/>
         <a:defRPr sz="1800" kern="1200">
           <a:solidFill>
@@ -2799,7 +2804,7 @@
         <a:spcBef>
           <a:spcPts val="500"/>
         </a:spcBef>
-        <a:buFont typeface="Arial"/>
+        <a:buFont typeface="Arial" panose="020B0604020202020204" pitchFamily="34" charset="0"/>
         <a:buChar char="•"/>
         <a:defRPr sz="1800" kern="1200">
           <a:solidFill>
@@ -2817,7 +2822,7 @@
         <a:spcBef>
           <a:spcPts val="500"/>
         </a:spcBef>
-        <a:buFont typeface="Arial"/>
+        <a:buFont typeface="Arial" panose="020B0604020202020204" pitchFamily="34" charset="0"/>
         <a:buChar char="•"/>
         <a:defRPr sz="1800" kern="1200">
           <a:solidFill>
@@ -2835,7 +2840,7 @@
         <a:spcBef>
           <a:spcPts val="500"/>
         </a:spcBef>
-        <a:buFont typeface="Arial"/>
+        <a:buFont typeface="Arial" panose="020B0604020202020204" pitchFamily="34" charset="0"/>
         <a:buChar char="•"/>
         <a:defRPr sz="1800" kern="1200">
           <a:solidFill>
@@ -2853,7 +2858,7 @@
         <a:spcBef>
           <a:spcPts val="500"/>
         </a:spcBef>
-        <a:buFont typeface="Arial"/>
+        <a:buFont typeface="Arial" panose="020B0604020202020204" pitchFamily="34" charset="0"/>
         <a:buChar char="•"/>
         <a:defRPr sz="1800" kern="1200">
           <a:solidFill>
@@ -2867,7 +2872,7 @@
     </p:bodyStyle>
     <p:otherStyle>
       <a:defPPr>
-        <a:defRPr lang="de-DE"/>
+        <a:defRPr lang="en-US"/>
       </a:defPPr>
       <a:lvl1pPr marL="0" algn="l" defTabSz="914400" rtl="0" eaLnBrk="1" latinLnBrk="0" hangingPunct="1">
         <a:defRPr sz="1800" kern="1200">
@@ -2996,7 +3001,7 @@
           </p:nvPr>
         </p:nvGraphicFramePr>
         <p:xfrm>
-          <a:off x="692457" y="719666"/>
+          <a:off x="2582376" y="719666"/>
           <a:ext cx="10157680" cy="3845560"/>
         </p:xfrm>
         <a:graphic>
@@ -4538,7 +4543,7 @@
         </p:nvSpPr>
         <p:spPr>
           <a:xfrm>
-            <a:off x="4718872" y="3157987"/>
+            <a:off x="4884151" y="3110133"/>
             <a:ext cx="6153076" cy="2455989"/>
           </a:xfrm>
           <a:prstGeom prst="roundRect">
@@ -4586,7 +4591,7 @@
         </p:nvSpPr>
         <p:spPr>
           <a:xfrm>
-            <a:off x="3217763" y="1830765"/>
+            <a:off x="3383042" y="1782910"/>
             <a:ext cx="4578726" cy="2624350"/>
           </a:xfrm>
           <a:prstGeom prst="roundRect">
@@ -4634,7 +4639,7 @@
         </p:nvCxnSpPr>
         <p:spPr>
           <a:xfrm flipV="1">
-            <a:off x="1411549" y="435006"/>
+            <a:off x="1576828" y="387152"/>
             <a:ext cx="0" cy="5459769"/>
           </a:xfrm>
           <a:prstGeom prst="straightConnector1">
@@ -4670,7 +4675,7 @@
         </p:nvCxnSpPr>
         <p:spPr>
           <a:xfrm>
-            <a:off x="1251751" y="5779363"/>
+            <a:off x="1417030" y="5731509"/>
             <a:ext cx="10577576" cy="92491"/>
           </a:xfrm>
           <a:prstGeom prst="straightConnector1">
@@ -4706,7 +4711,7 @@
         </p:nvSpPr>
         <p:spPr>
           <a:xfrm>
-            <a:off x="1537096" y="6444189"/>
+            <a:off x="1702375" y="6396335"/>
             <a:ext cx="1398852" cy="276999"/>
           </a:xfrm>
           <a:prstGeom prst="rect">
@@ -4722,7 +4727,7 @@
           <a:p>
             <a:pPr algn="ctr"/>
             <a:r>
-              <a:rPr lang="de-DE" sz="1200" b="1" dirty="0" smtClean="0">
+              <a:rPr lang="de-DE" sz="1200" b="1" dirty="0">
                 <a:latin typeface="Lato" charset="0"/>
                 <a:ea typeface="Lato" charset="0"/>
                 <a:cs typeface="Lato" charset="0"/>
@@ -4761,7 +4766,7 @@
         </p:blipFill>
         <p:spPr>
           <a:xfrm>
-            <a:off x="2012745" y="5950935"/>
+            <a:off x="2178024" y="5903080"/>
             <a:ext cx="447554" cy="447554"/>
           </a:xfrm>
           <a:prstGeom prst="rect">
@@ -4777,7 +4782,7 @@
         </p:nvSpPr>
         <p:spPr>
           <a:xfrm>
-            <a:off x="3091168" y="6351856"/>
+            <a:off x="3256447" y="6304002"/>
             <a:ext cx="1398852" cy="461665"/>
           </a:xfrm>
           <a:prstGeom prst="rect">
@@ -4793,7 +4798,7 @@
           <a:p>
             <a:pPr algn="ctr"/>
             <a:r>
-              <a:rPr lang="de-DE" sz="1200" b="1" smtClean="0">
+              <a:rPr lang="de-DE" sz="1200" b="1">
                 <a:latin typeface="Lato" charset="0"/>
                 <a:ea typeface="Lato" charset="0"/>
                 <a:cs typeface="Lato" charset="0"/>
@@ -4801,14 +4806,14 @@
               <a:t>Bildungs-</a:t>
             </a:r>
             <a:br>
-              <a:rPr lang="de-DE" sz="1200" b="1" smtClean="0">
+              <a:rPr lang="de-DE" sz="1200" b="1">
                 <a:latin typeface="Lato" charset="0"/>
                 <a:ea typeface="Lato" charset="0"/>
                 <a:cs typeface="Lato" charset="0"/>
               </a:rPr>
             </a:br>
             <a:r>
-              <a:rPr lang="de-DE" sz="1200" b="1" dirty="0" err="1" smtClean="0">
+              <a:rPr lang="de-DE" sz="1200" b="1" dirty="0" err="1">
                 <a:latin typeface="Lato" charset="0"/>
                 <a:ea typeface="Lato" charset="0"/>
                 <a:cs typeface="Lato" charset="0"/>
@@ -4845,7 +4850,7 @@
         </p:blipFill>
         <p:spPr>
           <a:xfrm>
-            <a:off x="3566817" y="5950935"/>
+            <a:off x="3732096" y="5903080"/>
             <a:ext cx="447554" cy="447554"/>
           </a:xfrm>
           <a:prstGeom prst="rect">
@@ -4861,7 +4866,7 @@
         </p:nvSpPr>
         <p:spPr>
           <a:xfrm>
-            <a:off x="4645240" y="6444189"/>
+            <a:off x="4810519" y="6396335"/>
             <a:ext cx="1398852" cy="276999"/>
           </a:xfrm>
           <a:prstGeom prst="rect">
@@ -4877,7 +4882,7 @@
           <a:p>
             <a:pPr algn="ctr"/>
             <a:r>
-              <a:rPr lang="de-DE" sz="1200" b="1" dirty="0" smtClean="0">
+              <a:rPr lang="de-DE" sz="1200" b="1" dirty="0">
                 <a:latin typeface="Lato" charset="0"/>
                 <a:ea typeface="Lato" charset="0"/>
                 <a:cs typeface="Lato" charset="0"/>
@@ -4914,7 +4919,7 @@
         </p:blipFill>
         <p:spPr>
           <a:xfrm>
-            <a:off x="5120889" y="5950935"/>
+            <a:off x="5286168" y="5903080"/>
             <a:ext cx="447554" cy="447554"/>
           </a:xfrm>
           <a:prstGeom prst="rect">
@@ -4930,7 +4935,7 @@
         </p:nvSpPr>
         <p:spPr>
           <a:xfrm>
-            <a:off x="6220864" y="6444189"/>
+            <a:off x="6386143" y="6396335"/>
             <a:ext cx="1398852" cy="276999"/>
           </a:xfrm>
           <a:prstGeom prst="rect">
@@ -4946,7 +4951,7 @@
           <a:p>
             <a:pPr algn="ctr"/>
             <a:r>
-              <a:rPr lang="de-DE" sz="1200" b="1" dirty="0" smtClean="0">
+              <a:rPr lang="de-DE" sz="1200" b="1" dirty="0">
                 <a:latin typeface="Lato" charset="0"/>
                 <a:ea typeface="Lato" charset="0"/>
                 <a:cs typeface="Lato" charset="0"/>
@@ -4983,7 +4988,7 @@
         </p:blipFill>
         <p:spPr>
           <a:xfrm>
-            <a:off x="6674961" y="5929383"/>
+            <a:off x="6840241" y="5881529"/>
             <a:ext cx="490659" cy="490659"/>
           </a:xfrm>
           <a:prstGeom prst="rect">
@@ -4999,7 +5004,7 @@
         </p:nvSpPr>
         <p:spPr>
           <a:xfrm>
-            <a:off x="7796489" y="6444189"/>
+            <a:off x="7961768" y="6396335"/>
             <a:ext cx="1398852" cy="461665"/>
           </a:xfrm>
           <a:prstGeom prst="rect">
@@ -5025,7 +5030,7 @@
           </a:p>
           <a:p>
             <a:pPr algn="ctr"/>
-            <a:endParaRPr lang="de-DE" sz="1200" b="1" dirty="0" smtClean="0">
+            <a:endParaRPr lang="de-DE" sz="1200" b="1" dirty="0">
               <a:latin typeface="Lato" charset="0"/>
               <a:ea typeface="Lato" charset="0"/>
               <a:cs typeface="Lato" charset="0"/>
@@ -5055,7 +5060,7 @@
         </p:blipFill>
         <p:spPr>
           <a:xfrm>
-            <a:off x="9874786" y="6017738"/>
+            <a:off x="10040065" y="5969883"/>
             <a:ext cx="447554" cy="381912"/>
           </a:xfrm>
           <a:prstGeom prst="rect">
@@ -5071,7 +5076,7 @@
         </p:nvSpPr>
         <p:spPr>
           <a:xfrm>
-            <a:off x="9399137" y="6444189"/>
+            <a:off x="9564416" y="6396335"/>
             <a:ext cx="1398852" cy="276999"/>
           </a:xfrm>
           <a:prstGeom prst="rect">
@@ -5094,11 +5099,6 @@
               </a:rPr>
               <a:t>Eltern</a:t>
             </a:r>
-            <a:endParaRPr lang="de-DE" sz="1200" b="1" dirty="0">
-              <a:latin typeface="Lato" charset="0"/>
-              <a:ea typeface="Lato" charset="0"/>
-              <a:cs typeface="Lato" charset="0"/>
-            </a:endParaRPr>
           </a:p>
         </p:txBody>
       </p:sp>
@@ -5124,7 +5124,7 @@
         </p:blipFill>
         <p:spPr>
           <a:xfrm>
-            <a:off x="8223562" y="5897027"/>
+            <a:off x="8388842" y="5849173"/>
             <a:ext cx="544705" cy="544705"/>
           </a:xfrm>
           <a:prstGeom prst="rect">
@@ -5140,7 +5140,7 @@
         </p:nvGrpSpPr>
         <p:grpSpPr>
           <a:xfrm>
-            <a:off x="142303" y="854147"/>
+            <a:off x="307582" y="806293"/>
             <a:ext cx="1398852" cy="770253"/>
             <a:chOff x="124034" y="2193551"/>
             <a:chExt cx="1398852" cy="770253"/>
@@ -5170,7 +5170,7 @@
             <a:p>
               <a:pPr algn="ctr"/>
               <a:r>
-                <a:rPr lang="de-DE" sz="1200" b="1" dirty="0" smtClean="0">
+                <a:rPr lang="de-DE" sz="1200" b="1" dirty="0">
                   <a:latin typeface="Lato" charset="0"/>
                   <a:ea typeface="Lato" charset="0"/>
                   <a:cs typeface="Lato" charset="0"/>
@@ -5224,7 +5224,7 @@
         </p:nvGrpSpPr>
         <p:grpSpPr>
           <a:xfrm>
-            <a:off x="142303" y="2167781"/>
+            <a:off x="307582" y="2119927"/>
             <a:ext cx="1398852" cy="770253"/>
             <a:chOff x="93303" y="3203801"/>
             <a:chExt cx="1398852" cy="770253"/>
@@ -5254,7 +5254,7 @@
             <a:p>
               <a:pPr algn="ctr"/>
               <a:r>
-                <a:rPr lang="de-DE" sz="1200" b="1" dirty="0" smtClean="0">
+                <a:rPr lang="de-DE" sz="1200" b="1" dirty="0">
                   <a:latin typeface="Lato" charset="0"/>
                   <a:ea typeface="Lato" charset="0"/>
                   <a:cs typeface="Lato" charset="0"/>
@@ -5308,7 +5308,7 @@
         </p:nvGrpSpPr>
         <p:grpSpPr>
           <a:xfrm>
-            <a:off x="142303" y="3481415"/>
+            <a:off x="307582" y="3433561"/>
             <a:ext cx="1398852" cy="770253"/>
             <a:chOff x="18698" y="4259751"/>
             <a:chExt cx="1398852" cy="770253"/>
@@ -5338,7 +5338,7 @@
             <a:p>
               <a:pPr algn="ctr"/>
               <a:r>
-                <a:rPr lang="de-DE" sz="1200" b="1" dirty="0" smtClean="0">
+                <a:rPr lang="de-DE" sz="1200" b="1" dirty="0">
                   <a:latin typeface="Lato" charset="0"/>
                   <a:ea typeface="Lato" charset="0"/>
                   <a:cs typeface="Lato" charset="0"/>
@@ -5392,7 +5392,7 @@
         </p:nvGrpSpPr>
         <p:grpSpPr>
           <a:xfrm>
-            <a:off x="142303" y="4795049"/>
+            <a:off x="307582" y="4747195"/>
             <a:ext cx="1398852" cy="770253"/>
             <a:chOff x="-155411" y="5454806"/>
             <a:chExt cx="1398852" cy="770253"/>
@@ -5422,7 +5422,7 @@
             <a:p>
               <a:pPr algn="ctr"/>
               <a:r>
-                <a:rPr lang="de-DE" sz="1200" b="1" dirty="0" smtClean="0">
+                <a:rPr lang="de-DE" sz="1200" b="1" dirty="0">
                   <a:latin typeface="Lato" charset="0"/>
                   <a:ea typeface="Lato" charset="0"/>
                   <a:cs typeface="Lato" charset="0"/>
@@ -5476,7 +5476,7 @@
         </p:nvSpPr>
         <p:spPr>
           <a:xfrm>
-            <a:off x="1700953" y="641944"/>
+            <a:off x="1866232" y="594089"/>
             <a:ext cx="2906496" cy="1319514"/>
           </a:xfrm>
           <a:prstGeom prst="roundRect">
@@ -5524,7 +5524,7 @@
         </p:nvSpPr>
         <p:spPr>
           <a:xfrm>
-            <a:off x="6085542" y="1986431"/>
+            <a:off x="6250821" y="1938577"/>
             <a:ext cx="4597892" cy="982469"/>
           </a:xfrm>
           <a:prstGeom prst="roundRect">
@@ -5586,7 +5586,7 @@
         </p:blipFill>
         <p:spPr>
           <a:xfrm>
-            <a:off x="1912455" y="728482"/>
+            <a:off x="2077734" y="680627"/>
             <a:ext cx="598818" cy="870612"/>
           </a:xfrm>
           <a:prstGeom prst="rect">
@@ -5626,7 +5626,7 @@
         </p:blipFill>
         <p:spPr>
           <a:xfrm>
-            <a:off x="3606087" y="751812"/>
+            <a:off x="3771366" y="703958"/>
             <a:ext cx="677174" cy="712815"/>
           </a:xfrm>
           <a:prstGeom prst="rect">
@@ -5655,7 +5655,7 @@
         </p:blipFill>
         <p:spPr>
           <a:xfrm>
-            <a:off x="2793514" y="1177828"/>
+            <a:off x="2958793" y="1129974"/>
             <a:ext cx="667872" cy="507053"/>
           </a:xfrm>
           <a:prstGeom prst="rect">
@@ -5685,7 +5685,7 @@
         </p:blipFill>
         <p:spPr>
           <a:xfrm>
-            <a:off x="8768267" y="2090293"/>
+            <a:off x="8933546" y="2042438"/>
             <a:ext cx="1472092" cy="736046"/>
           </a:xfrm>
           <a:prstGeom prst="rect">
@@ -5701,7 +5701,7 @@
         </p:nvSpPr>
         <p:spPr>
           <a:xfrm>
-            <a:off x="3606087" y="4113168"/>
+            <a:off x="3771366" y="4065314"/>
             <a:ext cx="1537600" cy="307777"/>
           </a:xfrm>
           <a:prstGeom prst="rect">
@@ -5716,7 +5716,7 @@
           <a:lstStyle/>
           <a:p>
             <a:r>
-              <a:rPr lang="de-DE" sz="1400" b="1" dirty="0" smtClean="0">
+              <a:rPr lang="de-DE" sz="1400" b="1" dirty="0">
                 <a:solidFill>
                   <a:srgbClr val="A51E41"/>
                 </a:solidFill>
@@ -5745,7 +5745,7 @@
         </p:nvSpPr>
         <p:spPr>
           <a:xfrm>
-            <a:off x="8559727" y="3155530"/>
+            <a:off x="8725006" y="3107676"/>
             <a:ext cx="1507144" cy="307777"/>
           </a:xfrm>
           <a:prstGeom prst="rect">
@@ -5760,7 +5760,7 @@
           <a:lstStyle/>
           <a:p>
             <a:r>
-              <a:rPr lang="de-DE" sz="1400" b="1" dirty="0" smtClean="0">
+              <a:rPr lang="de-DE" sz="1400" b="1" dirty="0">
                 <a:solidFill>
                   <a:srgbClr val="A51E41"/>
                 </a:solidFill>
@@ -5789,7 +5789,7 @@
         </p:nvSpPr>
         <p:spPr>
           <a:xfrm>
-            <a:off x="6356479" y="4607562"/>
+            <a:off x="6521758" y="4559707"/>
             <a:ext cx="2838862" cy="869222"/>
           </a:xfrm>
           <a:prstGeom prst="roundRect">
@@ -5850,7 +5850,7 @@
         </p:blipFill>
         <p:spPr bwMode="auto">
           <a:xfrm>
-            <a:off x="8478744" y="4804193"/>
+            <a:off x="8644023" y="4756339"/>
             <a:ext cx="558772" cy="608395"/>
           </a:xfrm>
           <a:prstGeom prst="rect">
@@ -5889,7 +5889,7 @@
         </p:nvSpPr>
         <p:spPr>
           <a:xfrm>
-            <a:off x="6477413" y="2032711"/>
+            <a:off x="6642693" y="1984857"/>
             <a:ext cx="2018501" cy="307777"/>
           </a:xfrm>
           <a:prstGeom prst="rect">
@@ -5904,7 +5904,7 @@
           <a:lstStyle/>
           <a:p>
             <a:r>
-              <a:rPr lang="de-DE" sz="1400" b="1" dirty="0" err="1" smtClean="0">
+              <a:rPr lang="de-DE" sz="1400" b="1" dirty="0" err="1">
                 <a:solidFill>
                   <a:srgbClr val="A51E41"/>
                 </a:solidFill>
@@ -5933,7 +5933,7 @@
         </p:nvSpPr>
         <p:spPr>
           <a:xfrm>
-            <a:off x="1872763" y="1659266"/>
+            <a:off x="2038043" y="1611412"/>
             <a:ext cx="1611339" cy="307777"/>
           </a:xfrm>
           <a:prstGeom prst="rect">
@@ -5948,7 +5948,7 @@
           <a:lstStyle/>
           <a:p>
             <a:r>
-              <a:rPr lang="de-DE" sz="1400" b="1" smtClean="0">
+              <a:rPr lang="de-DE" sz="1400" b="1">
                 <a:solidFill>
                   <a:srgbClr val="A51E41"/>
                 </a:solidFill>
@@ -5990,7 +5990,7 @@
         </p:blipFill>
         <p:spPr>
           <a:xfrm>
-            <a:off x="2544535" y="693768"/>
+            <a:off x="2709814" y="645914"/>
             <a:ext cx="923070" cy="452887"/>
           </a:xfrm>
           <a:prstGeom prst="rect">
@@ -6018,10 +6018,1614 @@
 </p:sld>
 </file>
 
+<file path=ppt/slides/slide3.xml><?xml version="1.0" encoding="utf-8"?>
+<p:sld xmlns:a="http://schemas.openxmlformats.org/drawingml/2006/main" xmlns:r="http://schemas.openxmlformats.org/officeDocument/2006/relationships" xmlns:p="http://schemas.openxmlformats.org/presentationml/2006/main">
+  <p:cSld>
+    <p:spTree>
+      <p:nvGrpSpPr>
+        <p:cNvPr id="1" name=""/>
+        <p:cNvGrpSpPr/>
+        <p:nvPr/>
+      </p:nvGrpSpPr>
+      <p:grpSpPr>
+        <a:xfrm>
+          <a:off x="0" y="0"/>
+          <a:ext cx="0" cy="0"/>
+          <a:chOff x="0" y="0"/>
+          <a:chExt cx="0" cy="0"/>
+        </a:xfrm>
+      </p:grpSpPr>
+      <p:sp>
+        <p:nvSpPr>
+          <p:cNvPr id="39" name="Abgerundetes Rechteck 38"/>
+          <p:cNvSpPr/>
+          <p:nvPr/>
+        </p:nvSpPr>
+        <p:spPr>
+          <a:xfrm>
+            <a:off x="3384754" y="1619885"/>
+            <a:ext cx="5685150" cy="2583929"/>
+          </a:xfrm>
+          <a:prstGeom prst="roundRect">
+            <a:avLst/>
+          </a:prstGeom>
+          <a:solidFill>
+            <a:srgbClr val="FFBCB5">
+              <a:alpha val="47000"/>
+            </a:srgbClr>
+          </a:solidFill>
+          <a:ln>
+            <a:noFill/>
+          </a:ln>
+        </p:spPr>
+        <p:style>
+          <a:lnRef idx="2">
+            <a:schemeClr val="accent1">
+              <a:shade val="50000"/>
+            </a:schemeClr>
+          </a:lnRef>
+          <a:fillRef idx="1">
+            <a:schemeClr val="accent1"/>
+          </a:fillRef>
+          <a:effectRef idx="0">
+            <a:schemeClr val="accent1"/>
+          </a:effectRef>
+          <a:fontRef idx="minor">
+            <a:schemeClr val="lt1"/>
+          </a:fontRef>
+        </p:style>
+        <p:txBody>
+          <a:bodyPr rtlCol="0" anchor="ctr"/>
+          <a:lstStyle/>
+          <a:p>
+            <a:pPr algn="ctr"/>
+            <a:endParaRPr lang="de-DE"/>
+          </a:p>
+        </p:txBody>
+      </p:sp>
+      <p:cxnSp>
+        <p:nvCxnSpPr>
+          <p:cNvPr id="5" name="Gerade Verbindung mit Pfeil 4"/>
+          <p:cNvCxnSpPr/>
+          <p:nvPr/>
+        </p:nvCxnSpPr>
+        <p:spPr>
+          <a:xfrm flipV="1">
+            <a:off x="1426369" y="387152"/>
+            <a:ext cx="0" cy="5459769"/>
+          </a:xfrm>
+          <a:prstGeom prst="straightConnector1">
+            <a:avLst/>
+          </a:prstGeom>
+          <a:ln w="38100">
+            <a:solidFill>
+              <a:srgbClr val="A51E41"/>
+            </a:solidFill>
+            <a:tailEnd type="triangle" w="med" len="lg"/>
+          </a:ln>
+        </p:spPr>
+        <p:style>
+          <a:lnRef idx="1">
+            <a:schemeClr val="accent1"/>
+          </a:lnRef>
+          <a:fillRef idx="0">
+            <a:schemeClr val="accent1"/>
+          </a:fillRef>
+          <a:effectRef idx="0">
+            <a:schemeClr val="accent1"/>
+          </a:effectRef>
+          <a:fontRef idx="minor">
+            <a:schemeClr val="tx1"/>
+          </a:fontRef>
+        </p:style>
+      </p:cxnSp>
+      <p:cxnSp>
+        <p:nvCxnSpPr>
+          <p:cNvPr id="6" name="Gerade Verbindung mit Pfeil 5"/>
+          <p:cNvCxnSpPr/>
+          <p:nvPr/>
+        </p:nvCxnSpPr>
+        <p:spPr>
+          <a:xfrm>
+            <a:off x="1331089" y="5711980"/>
+            <a:ext cx="11860276" cy="89446"/>
+          </a:xfrm>
+          <a:prstGeom prst="straightConnector1">
+            <a:avLst/>
+          </a:prstGeom>
+          <a:ln w="38100">
+            <a:solidFill>
+              <a:srgbClr val="A51E41"/>
+            </a:solidFill>
+            <a:tailEnd type="triangle" w="med" len="lg"/>
+          </a:ln>
+        </p:spPr>
+        <p:style>
+          <a:lnRef idx="1">
+            <a:schemeClr val="accent1"/>
+          </a:lnRef>
+          <a:fillRef idx="0">
+            <a:schemeClr val="accent1"/>
+          </a:fillRef>
+          <a:effectRef idx="0">
+            <a:schemeClr val="accent1"/>
+          </a:effectRef>
+          <a:fontRef idx="minor">
+            <a:schemeClr val="tx1"/>
+          </a:fontRef>
+        </p:style>
+      </p:cxnSp>
+      <p:grpSp>
+        <p:nvGrpSpPr>
+          <p:cNvPr id="2" name="Gruppierung 1"/>
+          <p:cNvGrpSpPr/>
+          <p:nvPr/>
+        </p:nvGrpSpPr>
+        <p:grpSpPr>
+          <a:xfrm>
+            <a:off x="1551916" y="5903080"/>
+            <a:ext cx="1398852" cy="770254"/>
+            <a:chOff x="1551916" y="5903080"/>
+            <a:chExt cx="1398852" cy="770254"/>
+          </a:xfrm>
+        </p:grpSpPr>
+        <p:sp>
+          <p:nvSpPr>
+            <p:cNvPr id="13" name="Textfeld 12"/>
+            <p:cNvSpPr txBox="1"/>
+            <p:nvPr/>
+          </p:nvSpPr>
+          <p:spPr>
+            <a:xfrm>
+              <a:off x="1551916" y="6396335"/>
+              <a:ext cx="1398852" cy="276999"/>
+            </a:xfrm>
+            <a:prstGeom prst="rect">
+              <a:avLst/>
+            </a:prstGeom>
+            <a:noFill/>
+          </p:spPr>
+          <p:txBody>
+            <a:bodyPr wrap="square" rtlCol="0">
+              <a:spAutoFit/>
+            </a:bodyPr>
+            <a:lstStyle/>
+            <a:p>
+              <a:pPr algn="ctr"/>
+              <a:r>
+                <a:rPr lang="de-DE" sz="1200" b="1" dirty="0">
+                  <a:latin typeface="Lato" charset="0"/>
+                  <a:ea typeface="Lato" charset="0"/>
+                  <a:cs typeface="Lato" charset="0"/>
+                </a:rPr>
+                <a:t>Öffentlichkeit</a:t>
+              </a:r>
+              <a:endParaRPr lang="de-DE" sz="1200" b="1" dirty="0">
+                <a:latin typeface="Lato" charset="0"/>
+                <a:ea typeface="Lato" charset="0"/>
+                <a:cs typeface="Lato" charset="0"/>
+              </a:endParaRPr>
+            </a:p>
+          </p:txBody>
+        </p:sp>
+        <p:pic>
+          <p:nvPicPr>
+            <p:cNvPr id="4" name="Bild 3"/>
+            <p:cNvPicPr>
+              <a:picLocks noChangeAspect="1"/>
+            </p:cNvPicPr>
+            <p:nvPr/>
+          </p:nvPicPr>
+          <p:blipFill>
+            <a:blip r:embed="rId2">
+              <a:duotone>
+                <a:prstClr val="black"/>
+                <a:srgbClr val="515151">
+                  <a:tint val="45000"/>
+                  <a:satMod val="400000"/>
+                </a:srgbClr>
+              </a:duotone>
+            </a:blip>
+            <a:stretch>
+              <a:fillRect/>
+            </a:stretch>
+          </p:blipFill>
+          <p:spPr>
+            <a:xfrm>
+              <a:off x="2027565" y="5903080"/>
+              <a:ext cx="447554" cy="447554"/>
+            </a:xfrm>
+            <a:prstGeom prst="rect">
+              <a:avLst/>
+            </a:prstGeom>
+          </p:spPr>
+        </p:pic>
+      </p:grpSp>
+      <p:grpSp>
+        <p:nvGrpSpPr>
+          <p:cNvPr id="3" name="Gruppierung 2"/>
+          <p:cNvGrpSpPr/>
+          <p:nvPr/>
+        </p:nvGrpSpPr>
+        <p:grpSpPr>
+          <a:xfrm>
+            <a:off x="3591628" y="5903080"/>
+            <a:ext cx="1398852" cy="862587"/>
+            <a:chOff x="3105988" y="5903080"/>
+            <a:chExt cx="1398852" cy="862587"/>
+          </a:xfrm>
+        </p:grpSpPr>
+        <p:sp>
+          <p:nvSpPr>
+            <p:cNvPr id="8" name="Textfeld 7"/>
+            <p:cNvSpPr txBox="1"/>
+            <p:nvPr/>
+          </p:nvSpPr>
+          <p:spPr>
+            <a:xfrm>
+              <a:off x="3105988" y="6304002"/>
+              <a:ext cx="1398852" cy="461665"/>
+            </a:xfrm>
+            <a:prstGeom prst="rect">
+              <a:avLst/>
+            </a:prstGeom>
+            <a:noFill/>
+          </p:spPr>
+          <p:txBody>
+            <a:bodyPr wrap="square" rtlCol="0">
+              <a:spAutoFit/>
+            </a:bodyPr>
+            <a:lstStyle/>
+            <a:p>
+              <a:pPr algn="ctr"/>
+              <a:r>
+                <a:rPr lang="de-DE" sz="1200" b="1">
+                  <a:latin typeface="Lato" charset="0"/>
+                  <a:ea typeface="Lato" charset="0"/>
+                  <a:cs typeface="Lato" charset="0"/>
+                </a:rPr>
+                <a:t>Bildungs-</a:t>
+              </a:r>
+              <a:br>
+                <a:rPr lang="de-DE" sz="1200" b="1">
+                  <a:latin typeface="Lato" charset="0"/>
+                  <a:ea typeface="Lato" charset="0"/>
+                  <a:cs typeface="Lato" charset="0"/>
+                </a:rPr>
+              </a:br>
+              <a:r>
+                <a:rPr lang="de-DE" sz="1200" b="1" dirty="0" err="1">
+                  <a:latin typeface="Lato" charset="0"/>
+                  <a:ea typeface="Lato" charset="0"/>
+                  <a:cs typeface="Lato" charset="0"/>
+                </a:rPr>
+                <a:t>administration</a:t>
+              </a:r>
+              <a:endParaRPr lang="de-DE" sz="1200" b="1" dirty="0">
+                <a:latin typeface="Lato" charset="0"/>
+                <a:ea typeface="Lato" charset="0"/>
+                <a:cs typeface="Lato" charset="0"/>
+              </a:endParaRPr>
+            </a:p>
+          </p:txBody>
+        </p:sp>
+        <p:pic>
+          <p:nvPicPr>
+            <p:cNvPr id="9" name="Bild 8"/>
+            <p:cNvPicPr>
+              <a:picLocks noChangeAspect="1"/>
+            </p:cNvPicPr>
+            <p:nvPr/>
+          </p:nvPicPr>
+          <p:blipFill>
+            <a:blip r:embed="rId3">
+              <a:extLst>
+                <a:ext uri="{28A0092B-C50C-407E-A947-70E740481C1C}">
+                  <a14:useLocalDpi xmlns:a14="http://schemas.microsoft.com/office/drawing/2010/main" val="0"/>
+                </a:ext>
+              </a:extLst>
+            </a:blip>
+            <a:stretch>
+              <a:fillRect/>
+            </a:stretch>
+          </p:blipFill>
+          <p:spPr>
+            <a:xfrm>
+              <a:off x="3581637" y="5903080"/>
+              <a:ext cx="447554" cy="447554"/>
+            </a:xfrm>
+            <a:prstGeom prst="rect">
+              <a:avLst/>
+            </a:prstGeom>
+          </p:spPr>
+        </p:pic>
+      </p:grpSp>
+      <p:grpSp>
+        <p:nvGrpSpPr>
+          <p:cNvPr id="7" name="Gruppierung 6"/>
+          <p:cNvGrpSpPr/>
+          <p:nvPr/>
+        </p:nvGrpSpPr>
+        <p:grpSpPr>
+          <a:xfrm>
+            <a:off x="5631340" y="5903080"/>
+            <a:ext cx="1398852" cy="770254"/>
+            <a:chOff x="4660060" y="5903080"/>
+            <a:chExt cx="1398852" cy="770254"/>
+          </a:xfrm>
+        </p:grpSpPr>
+        <p:sp>
+          <p:nvSpPr>
+            <p:cNvPr id="10" name="Textfeld 9"/>
+            <p:cNvSpPr txBox="1"/>
+            <p:nvPr/>
+          </p:nvSpPr>
+          <p:spPr>
+            <a:xfrm>
+              <a:off x="4660060" y="6396335"/>
+              <a:ext cx="1398852" cy="276999"/>
+            </a:xfrm>
+            <a:prstGeom prst="rect">
+              <a:avLst/>
+            </a:prstGeom>
+            <a:noFill/>
+          </p:spPr>
+          <p:txBody>
+            <a:bodyPr wrap="square" rtlCol="0">
+              <a:spAutoFit/>
+            </a:bodyPr>
+            <a:lstStyle/>
+            <a:p>
+              <a:pPr algn="ctr"/>
+              <a:r>
+                <a:rPr lang="de-DE" sz="1200" b="1" dirty="0">
+                  <a:latin typeface="Lato" charset="0"/>
+                  <a:ea typeface="Lato" charset="0"/>
+                  <a:cs typeface="Lato" charset="0"/>
+                </a:rPr>
+                <a:t>Schulleitung</a:t>
+              </a:r>
+              <a:endParaRPr lang="de-DE" sz="1200" b="1" dirty="0">
+                <a:latin typeface="Lato" charset="0"/>
+                <a:ea typeface="Lato" charset="0"/>
+                <a:cs typeface="Lato" charset="0"/>
+              </a:endParaRPr>
+            </a:p>
+          </p:txBody>
+        </p:sp>
+        <p:pic>
+          <p:nvPicPr>
+            <p:cNvPr id="11" name="Bild 10"/>
+            <p:cNvPicPr>
+              <a:picLocks noChangeAspect="1"/>
+            </p:cNvPicPr>
+            <p:nvPr/>
+          </p:nvPicPr>
+          <p:blipFill>
+            <a:blip r:embed="rId4">
+              <a:extLst>
+                <a:ext uri="{28A0092B-C50C-407E-A947-70E740481C1C}">
+                  <a14:useLocalDpi xmlns:a14="http://schemas.microsoft.com/office/drawing/2010/main" val="0"/>
+                </a:ext>
+              </a:extLst>
+            </a:blip>
+            <a:stretch>
+              <a:fillRect/>
+            </a:stretch>
+          </p:blipFill>
+          <p:spPr>
+            <a:xfrm>
+              <a:off x="5135709" y="5903080"/>
+              <a:ext cx="447554" cy="447554"/>
+            </a:xfrm>
+            <a:prstGeom prst="rect">
+              <a:avLst/>
+            </a:prstGeom>
+          </p:spPr>
+        </p:pic>
+      </p:grpSp>
+      <p:grpSp>
+        <p:nvGrpSpPr>
+          <p:cNvPr id="20" name="Gruppierung 19"/>
+          <p:cNvGrpSpPr/>
+          <p:nvPr/>
+        </p:nvGrpSpPr>
+        <p:grpSpPr>
+          <a:xfrm>
+            <a:off x="7671052" y="5881529"/>
+            <a:ext cx="1398852" cy="791805"/>
+            <a:chOff x="6235684" y="5881529"/>
+            <a:chExt cx="1398852" cy="791805"/>
+          </a:xfrm>
+        </p:grpSpPr>
+        <p:sp>
+          <p:nvSpPr>
+            <p:cNvPr id="14" name="Textfeld 13"/>
+            <p:cNvSpPr txBox="1"/>
+            <p:nvPr/>
+          </p:nvSpPr>
+          <p:spPr>
+            <a:xfrm>
+              <a:off x="6235684" y="6396335"/>
+              <a:ext cx="1398852" cy="276999"/>
+            </a:xfrm>
+            <a:prstGeom prst="rect">
+              <a:avLst/>
+            </a:prstGeom>
+            <a:noFill/>
+          </p:spPr>
+          <p:txBody>
+            <a:bodyPr wrap="square" rtlCol="0">
+              <a:spAutoFit/>
+            </a:bodyPr>
+            <a:lstStyle/>
+            <a:p>
+              <a:pPr algn="ctr"/>
+              <a:r>
+                <a:rPr lang="de-DE" sz="1200" b="1" dirty="0">
+                  <a:latin typeface="Lato" charset="0"/>
+                  <a:ea typeface="Lato" charset="0"/>
+                  <a:cs typeface="Lato" charset="0"/>
+                </a:rPr>
+                <a:t>Lehrer*innen</a:t>
+              </a:r>
+              <a:endParaRPr lang="de-DE" sz="1200" b="1" dirty="0">
+                <a:latin typeface="Lato" charset="0"/>
+                <a:ea typeface="Lato" charset="0"/>
+                <a:cs typeface="Lato" charset="0"/>
+              </a:endParaRPr>
+            </a:p>
+          </p:txBody>
+        </p:sp>
+        <p:pic>
+          <p:nvPicPr>
+            <p:cNvPr id="15" name="Bild 14"/>
+            <p:cNvPicPr>
+              <a:picLocks noChangeAspect="1"/>
+            </p:cNvPicPr>
+            <p:nvPr/>
+          </p:nvPicPr>
+          <p:blipFill>
+            <a:blip r:embed="rId5">
+              <a:extLst>
+                <a:ext uri="{28A0092B-C50C-407E-A947-70E740481C1C}">
+                  <a14:useLocalDpi xmlns:a14="http://schemas.microsoft.com/office/drawing/2010/main" val="0"/>
+                </a:ext>
+              </a:extLst>
+            </a:blip>
+            <a:stretch>
+              <a:fillRect/>
+            </a:stretch>
+          </p:blipFill>
+          <p:spPr>
+            <a:xfrm>
+              <a:off x="6689782" y="5881529"/>
+              <a:ext cx="490659" cy="490659"/>
+            </a:xfrm>
+            <a:prstGeom prst="rect">
+              <a:avLst/>
+            </a:prstGeom>
+          </p:spPr>
+        </p:pic>
+      </p:grpSp>
+      <p:grpSp>
+        <p:nvGrpSpPr>
+          <p:cNvPr id="48" name="Gruppierung 47"/>
+          <p:cNvGrpSpPr/>
+          <p:nvPr/>
+        </p:nvGrpSpPr>
+        <p:grpSpPr>
+          <a:xfrm>
+            <a:off x="11536690" y="5995958"/>
+            <a:ext cx="1398852" cy="703451"/>
+            <a:chOff x="9413957" y="5969883"/>
+            <a:chExt cx="1398852" cy="703451"/>
+          </a:xfrm>
+        </p:grpSpPr>
+        <p:pic>
+          <p:nvPicPr>
+            <p:cNvPr id="17" name="Bild 16"/>
+            <p:cNvPicPr>
+              <a:picLocks noChangeAspect="1"/>
+            </p:cNvPicPr>
+            <p:nvPr/>
+          </p:nvPicPr>
+          <p:blipFill>
+            <a:blip r:embed="rId6">
+              <a:extLst>
+                <a:ext uri="{28A0092B-C50C-407E-A947-70E740481C1C}">
+                  <a14:useLocalDpi xmlns:a14="http://schemas.microsoft.com/office/drawing/2010/main" val="0"/>
+                </a:ext>
+              </a:extLst>
+            </a:blip>
+            <a:stretch>
+              <a:fillRect/>
+            </a:stretch>
+          </p:blipFill>
+          <p:spPr>
+            <a:xfrm>
+              <a:off x="9889606" y="5969883"/>
+              <a:ext cx="447554" cy="381912"/>
+            </a:xfrm>
+            <a:prstGeom prst="rect">
+              <a:avLst/>
+            </a:prstGeom>
+          </p:spPr>
+        </p:pic>
+        <p:sp>
+          <p:nvSpPr>
+            <p:cNvPr id="18" name="Textfeld 17"/>
+            <p:cNvSpPr txBox="1"/>
+            <p:nvPr/>
+          </p:nvSpPr>
+          <p:spPr>
+            <a:xfrm>
+              <a:off x="9413957" y="6396335"/>
+              <a:ext cx="1398852" cy="276999"/>
+            </a:xfrm>
+            <a:prstGeom prst="rect">
+              <a:avLst/>
+            </a:prstGeom>
+            <a:noFill/>
+          </p:spPr>
+          <p:txBody>
+            <a:bodyPr wrap="square" rtlCol="0">
+              <a:spAutoFit/>
+            </a:bodyPr>
+            <a:lstStyle/>
+            <a:p>
+              <a:pPr algn="ctr"/>
+              <a:r>
+                <a:rPr lang="de-DE" sz="1200" b="1" dirty="0">
+                  <a:latin typeface="Lato" charset="0"/>
+                  <a:ea typeface="Lato" charset="0"/>
+                  <a:cs typeface="Lato" charset="0"/>
+                </a:rPr>
+                <a:t>Eltern</a:t>
+              </a:r>
+            </a:p>
+          </p:txBody>
+        </p:sp>
+      </p:grpSp>
+      <p:grpSp>
+        <p:nvGrpSpPr>
+          <p:cNvPr id="21" name="Gruppierung 20"/>
+          <p:cNvGrpSpPr/>
+          <p:nvPr/>
+        </p:nvGrpSpPr>
+        <p:grpSpPr>
+          <a:xfrm>
+            <a:off x="9710764" y="5849173"/>
+            <a:ext cx="1398852" cy="1008827"/>
+            <a:chOff x="7811309" y="5849173"/>
+            <a:chExt cx="1398852" cy="1008827"/>
+          </a:xfrm>
+        </p:grpSpPr>
+        <p:sp>
+          <p:nvSpPr>
+            <p:cNvPr id="16" name="Textfeld 15"/>
+            <p:cNvSpPr txBox="1"/>
+            <p:nvPr/>
+          </p:nvSpPr>
+          <p:spPr>
+            <a:xfrm>
+              <a:off x="7811309" y="6396335"/>
+              <a:ext cx="1398852" cy="461665"/>
+            </a:xfrm>
+            <a:prstGeom prst="rect">
+              <a:avLst/>
+            </a:prstGeom>
+            <a:noFill/>
+          </p:spPr>
+          <p:txBody>
+            <a:bodyPr wrap="square" rtlCol="0">
+              <a:spAutoFit/>
+            </a:bodyPr>
+            <a:lstStyle/>
+            <a:p>
+              <a:pPr algn="ctr"/>
+              <a:r>
+                <a:rPr lang="de-DE" sz="1200" b="1" dirty="0">
+                  <a:latin typeface="Lato" charset="0"/>
+                  <a:ea typeface="Lato" charset="0"/>
+                  <a:cs typeface="Lato" charset="0"/>
+                </a:rPr>
+                <a:t>Schüler*innen</a:t>
+              </a:r>
+            </a:p>
+            <a:p>
+              <a:pPr algn="ctr"/>
+              <a:endParaRPr lang="de-DE" sz="1200" b="1" dirty="0">
+                <a:latin typeface="Lato" charset="0"/>
+                <a:ea typeface="Lato" charset="0"/>
+                <a:cs typeface="Lato" charset="0"/>
+              </a:endParaRPr>
+            </a:p>
+          </p:txBody>
+        </p:sp>
+        <p:pic>
+          <p:nvPicPr>
+            <p:cNvPr id="19" name="Bild 18"/>
+            <p:cNvPicPr>
+              <a:picLocks noChangeAspect="1"/>
+            </p:cNvPicPr>
+            <p:nvPr/>
+          </p:nvPicPr>
+          <p:blipFill>
+            <a:blip r:embed="rId7">
+              <a:extLst>
+                <a:ext uri="{28A0092B-C50C-407E-A947-70E740481C1C}">
+                  <a14:useLocalDpi xmlns:a14="http://schemas.microsoft.com/office/drawing/2010/main" val="0"/>
+                </a:ext>
+              </a:extLst>
+            </a:blip>
+            <a:stretch>
+              <a:fillRect/>
+            </a:stretch>
+          </p:blipFill>
+          <p:spPr>
+            <a:xfrm>
+              <a:off x="8238383" y="5849173"/>
+              <a:ext cx="544705" cy="544705"/>
+            </a:xfrm>
+            <a:prstGeom prst="rect">
+              <a:avLst/>
+            </a:prstGeom>
+          </p:spPr>
+        </p:pic>
+      </p:grpSp>
+      <p:grpSp>
+        <p:nvGrpSpPr>
+          <p:cNvPr id="12" name="Gruppierung 11"/>
+          <p:cNvGrpSpPr/>
+          <p:nvPr/>
+        </p:nvGrpSpPr>
+        <p:grpSpPr>
+          <a:xfrm>
+            <a:off x="157123" y="806293"/>
+            <a:ext cx="1398852" cy="770253"/>
+            <a:chOff x="124034" y="2193551"/>
+            <a:chExt cx="1398852" cy="770253"/>
+          </a:xfrm>
+        </p:grpSpPr>
+        <p:sp>
+          <p:nvSpPr>
+            <p:cNvPr id="22" name="Textfeld 21"/>
+            <p:cNvSpPr txBox="1"/>
+            <p:nvPr/>
+          </p:nvSpPr>
+          <p:spPr>
+            <a:xfrm>
+              <a:off x="124034" y="2686805"/>
+              <a:ext cx="1398852" cy="276999"/>
+            </a:xfrm>
+            <a:prstGeom prst="rect">
+              <a:avLst/>
+            </a:prstGeom>
+            <a:noFill/>
+          </p:spPr>
+          <p:txBody>
+            <a:bodyPr wrap="square" rtlCol="0">
+              <a:spAutoFit/>
+            </a:bodyPr>
+            <a:lstStyle/>
+            <a:p>
+              <a:pPr algn="ctr"/>
+              <a:r>
+                <a:rPr lang="de-DE" sz="1200" b="1" dirty="0">
+                  <a:latin typeface="Lato" charset="0"/>
+                  <a:ea typeface="Lato" charset="0"/>
+                  <a:cs typeface="Lato" charset="0"/>
+                </a:rPr>
+                <a:t>Monitoring</a:t>
+              </a:r>
+              <a:endParaRPr lang="de-DE" sz="1200" b="1" dirty="0">
+                <a:latin typeface="Lato" charset="0"/>
+                <a:ea typeface="Lato" charset="0"/>
+                <a:cs typeface="Lato" charset="0"/>
+              </a:endParaRPr>
+            </a:p>
+          </p:txBody>
+        </p:sp>
+        <p:pic>
+          <p:nvPicPr>
+            <p:cNvPr id="23" name="Bild 22"/>
+            <p:cNvPicPr>
+              <a:picLocks noChangeAspect="1"/>
+            </p:cNvPicPr>
+            <p:nvPr/>
+          </p:nvPicPr>
+          <p:blipFill>
+            <a:blip r:embed="rId8">
+              <a:extLst>
+                <a:ext uri="{28A0092B-C50C-407E-A947-70E740481C1C}">
+                  <a14:useLocalDpi xmlns:a14="http://schemas.microsoft.com/office/drawing/2010/main" val="0"/>
+                </a:ext>
+              </a:extLst>
+            </a:blip>
+            <a:stretch>
+              <a:fillRect/>
+            </a:stretch>
+          </p:blipFill>
+          <p:spPr>
+            <a:xfrm>
+              <a:off x="599683" y="2193551"/>
+              <a:ext cx="447554" cy="447554"/>
+            </a:xfrm>
+            <a:prstGeom prst="rect">
+              <a:avLst/>
+            </a:prstGeom>
+          </p:spPr>
+        </p:pic>
+      </p:grpSp>
+      <p:grpSp>
+        <p:nvGrpSpPr>
+          <p:cNvPr id="30" name="Gruppierung 29"/>
+          <p:cNvGrpSpPr/>
+          <p:nvPr/>
+        </p:nvGrpSpPr>
+        <p:grpSpPr>
+          <a:xfrm>
+            <a:off x="157123" y="2119927"/>
+            <a:ext cx="1398852" cy="770253"/>
+            <a:chOff x="93303" y="3203801"/>
+            <a:chExt cx="1398852" cy="770253"/>
+          </a:xfrm>
+        </p:grpSpPr>
+        <p:sp>
+          <p:nvSpPr>
+            <p:cNvPr id="24" name="Textfeld 23"/>
+            <p:cNvSpPr txBox="1"/>
+            <p:nvPr/>
+          </p:nvSpPr>
+          <p:spPr>
+            <a:xfrm>
+              <a:off x="93303" y="3697055"/>
+              <a:ext cx="1398852" cy="276999"/>
+            </a:xfrm>
+            <a:prstGeom prst="rect">
+              <a:avLst/>
+            </a:prstGeom>
+            <a:noFill/>
+          </p:spPr>
+          <p:txBody>
+            <a:bodyPr wrap="square" rtlCol="0">
+              <a:spAutoFit/>
+            </a:bodyPr>
+            <a:lstStyle/>
+            <a:p>
+              <a:pPr algn="ctr"/>
+              <a:r>
+                <a:rPr lang="de-DE" sz="1200" b="1" dirty="0">
+                  <a:latin typeface="Lato" charset="0"/>
+                  <a:ea typeface="Lato" charset="0"/>
+                  <a:cs typeface="Lato" charset="0"/>
+                </a:rPr>
+                <a:t>Diagnostik</a:t>
+              </a:r>
+              <a:endParaRPr lang="de-DE" sz="1200" b="1" dirty="0">
+                <a:latin typeface="Lato" charset="0"/>
+                <a:ea typeface="Lato" charset="0"/>
+                <a:cs typeface="Lato" charset="0"/>
+              </a:endParaRPr>
+            </a:p>
+          </p:txBody>
+        </p:sp>
+        <p:pic>
+          <p:nvPicPr>
+            <p:cNvPr id="25" name="Bild 24"/>
+            <p:cNvPicPr>
+              <a:picLocks noChangeAspect="1"/>
+            </p:cNvPicPr>
+            <p:nvPr/>
+          </p:nvPicPr>
+          <p:blipFill>
+            <a:blip r:embed="rId9">
+              <a:extLst>
+                <a:ext uri="{28A0092B-C50C-407E-A947-70E740481C1C}">
+                  <a14:useLocalDpi xmlns:a14="http://schemas.microsoft.com/office/drawing/2010/main" val="0"/>
+                </a:ext>
+              </a:extLst>
+            </a:blip>
+            <a:stretch>
+              <a:fillRect/>
+            </a:stretch>
+          </p:blipFill>
+          <p:spPr>
+            <a:xfrm>
+              <a:off x="568952" y="3203801"/>
+              <a:ext cx="447554" cy="447554"/>
+            </a:xfrm>
+            <a:prstGeom prst="rect">
+              <a:avLst/>
+            </a:prstGeom>
+          </p:spPr>
+        </p:pic>
+      </p:grpSp>
+      <p:grpSp>
+        <p:nvGrpSpPr>
+          <p:cNvPr id="31" name="Gruppierung 30"/>
+          <p:cNvGrpSpPr/>
+          <p:nvPr/>
+        </p:nvGrpSpPr>
+        <p:grpSpPr>
+          <a:xfrm>
+            <a:off x="157123" y="3433561"/>
+            <a:ext cx="1398852" cy="770253"/>
+            <a:chOff x="18698" y="4259751"/>
+            <a:chExt cx="1398852" cy="770253"/>
+          </a:xfrm>
+        </p:grpSpPr>
+        <p:sp>
+          <p:nvSpPr>
+            <p:cNvPr id="26" name="Textfeld 25"/>
+            <p:cNvSpPr txBox="1"/>
+            <p:nvPr/>
+          </p:nvSpPr>
+          <p:spPr>
+            <a:xfrm>
+              <a:off x="18698" y="4753005"/>
+              <a:ext cx="1398852" cy="276999"/>
+            </a:xfrm>
+            <a:prstGeom prst="rect">
+              <a:avLst/>
+            </a:prstGeom>
+            <a:noFill/>
+          </p:spPr>
+          <p:txBody>
+            <a:bodyPr wrap="square" rtlCol="0">
+              <a:spAutoFit/>
+            </a:bodyPr>
+            <a:lstStyle/>
+            <a:p>
+              <a:pPr algn="ctr"/>
+              <a:r>
+                <a:rPr lang="de-DE" sz="1200" b="1" dirty="0">
+                  <a:latin typeface="Lato" charset="0"/>
+                  <a:ea typeface="Lato" charset="0"/>
+                  <a:cs typeface="Lato" charset="0"/>
+                </a:rPr>
+                <a:t>Feedback</a:t>
+              </a:r>
+              <a:endParaRPr lang="de-DE" sz="1200" b="1" dirty="0">
+                <a:latin typeface="Lato" charset="0"/>
+                <a:ea typeface="Lato" charset="0"/>
+                <a:cs typeface="Lato" charset="0"/>
+              </a:endParaRPr>
+            </a:p>
+          </p:txBody>
+        </p:sp>
+        <p:pic>
+          <p:nvPicPr>
+            <p:cNvPr id="27" name="Bild 26"/>
+            <p:cNvPicPr>
+              <a:picLocks noChangeAspect="1"/>
+            </p:cNvPicPr>
+            <p:nvPr/>
+          </p:nvPicPr>
+          <p:blipFill>
+            <a:blip r:embed="rId10">
+              <a:extLst>
+                <a:ext uri="{28A0092B-C50C-407E-A947-70E740481C1C}">
+                  <a14:useLocalDpi xmlns:a14="http://schemas.microsoft.com/office/drawing/2010/main" val="0"/>
+                </a:ext>
+              </a:extLst>
+            </a:blip>
+            <a:stretch>
+              <a:fillRect/>
+            </a:stretch>
+          </p:blipFill>
+          <p:spPr>
+            <a:xfrm>
+              <a:off x="494347" y="4259751"/>
+              <a:ext cx="447554" cy="447554"/>
+            </a:xfrm>
+            <a:prstGeom prst="rect">
+              <a:avLst/>
+            </a:prstGeom>
+          </p:spPr>
+        </p:pic>
+      </p:grpSp>
+      <p:grpSp>
+        <p:nvGrpSpPr>
+          <p:cNvPr id="32" name="Gruppierung 31"/>
+          <p:cNvGrpSpPr/>
+          <p:nvPr/>
+        </p:nvGrpSpPr>
+        <p:grpSpPr>
+          <a:xfrm>
+            <a:off x="157123" y="4747195"/>
+            <a:ext cx="1398852" cy="770253"/>
+            <a:chOff x="-155411" y="5454806"/>
+            <a:chExt cx="1398852" cy="770253"/>
+          </a:xfrm>
+        </p:grpSpPr>
+        <p:sp>
+          <p:nvSpPr>
+            <p:cNvPr id="28" name="Textfeld 27"/>
+            <p:cNvSpPr txBox="1"/>
+            <p:nvPr/>
+          </p:nvSpPr>
+          <p:spPr>
+            <a:xfrm>
+              <a:off x="-155411" y="5948060"/>
+              <a:ext cx="1398852" cy="276999"/>
+            </a:xfrm>
+            <a:prstGeom prst="rect">
+              <a:avLst/>
+            </a:prstGeom>
+            <a:noFill/>
+          </p:spPr>
+          <p:txBody>
+            <a:bodyPr wrap="square" rtlCol="0">
+              <a:spAutoFit/>
+            </a:bodyPr>
+            <a:lstStyle/>
+            <a:p>
+              <a:pPr algn="ctr"/>
+              <a:r>
+                <a:rPr lang="de-DE" sz="1200" b="1" dirty="0">
+                  <a:latin typeface="Lato" charset="0"/>
+                  <a:ea typeface="Lato" charset="0"/>
+                  <a:cs typeface="Lato" charset="0"/>
+                </a:rPr>
+                <a:t>Heuristik</a:t>
+              </a:r>
+              <a:endParaRPr lang="de-DE" sz="1200" b="1" dirty="0">
+                <a:latin typeface="Lato" charset="0"/>
+                <a:ea typeface="Lato" charset="0"/>
+                <a:cs typeface="Lato" charset="0"/>
+              </a:endParaRPr>
+            </a:p>
+          </p:txBody>
+        </p:sp>
+        <p:pic>
+          <p:nvPicPr>
+            <p:cNvPr id="29" name="Bild 28"/>
+            <p:cNvPicPr>
+              <a:picLocks noChangeAspect="1"/>
+            </p:cNvPicPr>
+            <p:nvPr/>
+          </p:nvPicPr>
+          <p:blipFill>
+            <a:blip r:embed="rId11">
+              <a:extLst>
+                <a:ext uri="{28A0092B-C50C-407E-A947-70E740481C1C}">
+                  <a14:useLocalDpi xmlns:a14="http://schemas.microsoft.com/office/drawing/2010/main" val="0"/>
+                </a:ext>
+              </a:extLst>
+            </a:blip>
+            <a:stretch>
+              <a:fillRect/>
+            </a:stretch>
+          </p:blipFill>
+          <p:spPr>
+            <a:xfrm>
+              <a:off x="320238" y="5454806"/>
+              <a:ext cx="447554" cy="447554"/>
+            </a:xfrm>
+            <a:prstGeom prst="rect">
+              <a:avLst/>
+            </a:prstGeom>
+          </p:spPr>
+        </p:pic>
+      </p:grpSp>
+      <p:sp>
+        <p:nvSpPr>
+          <p:cNvPr id="33" name="Abgerundetes Rechteck 32"/>
+          <p:cNvSpPr/>
+          <p:nvPr/>
+        </p:nvSpPr>
+        <p:spPr>
+          <a:xfrm>
+            <a:off x="1715773" y="594089"/>
+            <a:ext cx="3933399" cy="1319514"/>
+          </a:xfrm>
+          <a:prstGeom prst="roundRect">
+            <a:avLst/>
+          </a:prstGeom>
+          <a:solidFill>
+            <a:srgbClr val="FFBCB5">
+              <a:alpha val="47000"/>
+            </a:srgbClr>
+          </a:solidFill>
+          <a:ln>
+            <a:noFill/>
+          </a:ln>
+        </p:spPr>
+        <p:style>
+          <a:lnRef idx="2">
+            <a:schemeClr val="accent1">
+              <a:shade val="50000"/>
+            </a:schemeClr>
+          </a:lnRef>
+          <a:fillRef idx="1">
+            <a:schemeClr val="accent1"/>
+          </a:fillRef>
+          <a:effectRef idx="0">
+            <a:schemeClr val="accent1"/>
+          </a:effectRef>
+          <a:fontRef idx="minor">
+            <a:schemeClr val="lt1"/>
+          </a:fontRef>
+        </p:style>
+        <p:txBody>
+          <a:bodyPr rtlCol="0" anchor="ctr"/>
+          <a:lstStyle/>
+          <a:p>
+            <a:pPr algn="ctr"/>
+            <a:endParaRPr lang="de-DE"/>
+          </a:p>
+        </p:txBody>
+      </p:sp>
+      <p:sp>
+        <p:nvSpPr>
+          <p:cNvPr id="34" name="Abgerundetes Rechteck 33"/>
+          <p:cNvSpPr/>
+          <p:nvPr/>
+        </p:nvSpPr>
+        <p:spPr>
+          <a:xfrm>
+            <a:off x="7981664" y="1765300"/>
+            <a:ext cx="4877809" cy="1114758"/>
+          </a:xfrm>
+          <a:prstGeom prst="roundRect">
+            <a:avLst/>
+          </a:prstGeom>
+          <a:solidFill>
+            <a:srgbClr val="FFBCB5">
+              <a:alpha val="47000"/>
+            </a:srgbClr>
+          </a:solidFill>
+          <a:ln>
+            <a:noFill/>
+          </a:ln>
+        </p:spPr>
+        <p:style>
+          <a:lnRef idx="2">
+            <a:schemeClr val="accent1">
+              <a:shade val="50000"/>
+            </a:schemeClr>
+          </a:lnRef>
+          <a:fillRef idx="1">
+            <a:schemeClr val="accent1"/>
+          </a:fillRef>
+          <a:effectRef idx="0">
+            <a:schemeClr val="accent1"/>
+          </a:effectRef>
+          <a:fontRef idx="minor">
+            <a:schemeClr val="lt1"/>
+          </a:fontRef>
+        </p:style>
+        <p:txBody>
+          <a:bodyPr rtlCol="0" anchor="ctr"/>
+          <a:lstStyle/>
+          <a:p>
+            <a:pPr algn="ctr"/>
+            <a:endParaRPr lang="de-DE"/>
+          </a:p>
+        </p:txBody>
+      </p:sp>
+      <p:pic>
+        <p:nvPicPr>
+          <p:cNvPr id="35" name="Bild 34"/>
+          <p:cNvPicPr>
+            <a:picLocks noChangeAspect="1"/>
+          </p:cNvPicPr>
+          <p:nvPr/>
+        </p:nvPicPr>
+        <p:blipFill>
+          <a:blip r:embed="rId12">
+            <a:extLst>
+              <a:ext uri="{28A0092B-C50C-407E-A947-70E740481C1C}">
+                <a14:useLocalDpi xmlns:a14="http://schemas.microsoft.com/office/drawing/2010/main" val="0"/>
+              </a:ext>
+            </a:extLst>
+          </a:blip>
+          <a:stretch>
+            <a:fillRect/>
+          </a:stretch>
+        </p:blipFill>
+        <p:spPr>
+          <a:xfrm>
+            <a:off x="3867788" y="637886"/>
+            <a:ext cx="598818" cy="870612"/>
+          </a:xfrm>
+          <a:prstGeom prst="rect">
+            <a:avLst/>
+          </a:prstGeom>
+        </p:spPr>
+      </p:pic>
+      <p:pic>
+        <p:nvPicPr>
+          <p:cNvPr id="36" name="Bild 35"/>
+          <p:cNvPicPr>
+            <a:picLocks noChangeAspect="1"/>
+          </p:cNvPicPr>
+          <p:nvPr/>
+        </p:nvPicPr>
+        <p:blipFill>
+          <a:blip r:embed="rId13">
+            <a:clrChange>
+              <a:clrFrom>
+                <a:srgbClr val="FFFFFF"/>
+              </a:clrFrom>
+              <a:clrTo>
+                <a:srgbClr val="FFFFFF">
+                  <a:alpha val="0"/>
+                </a:srgbClr>
+              </a:clrTo>
+            </a:clrChange>
+            <a:extLst>
+              <a:ext uri="{28A0092B-C50C-407E-A947-70E740481C1C}">
+                <a14:useLocalDpi xmlns:a14="http://schemas.microsoft.com/office/drawing/2010/main" val="0"/>
+              </a:ext>
+            </a:extLst>
+          </a:blip>
+          <a:stretch>
+            <a:fillRect/>
+          </a:stretch>
+        </p:blipFill>
+        <p:spPr>
+          <a:xfrm>
+            <a:off x="4734574" y="1087277"/>
+            <a:ext cx="677174" cy="712815"/>
+          </a:xfrm>
+          <a:prstGeom prst="rect">
+            <a:avLst/>
+          </a:prstGeom>
+        </p:spPr>
+      </p:pic>
+      <p:pic>
+        <p:nvPicPr>
+          <p:cNvPr id="37" name="Bild 36"/>
+          <p:cNvPicPr>
+            <a:picLocks noChangeAspect="1"/>
+          </p:cNvPicPr>
+          <p:nvPr/>
+        </p:nvPicPr>
+        <p:blipFill rotWithShape="1">
+          <a:blip r:embed="rId14">
+            <a:extLst>
+              <a:ext uri="{28A0092B-C50C-407E-A947-70E740481C1C}">
+                <a14:useLocalDpi xmlns:a14="http://schemas.microsoft.com/office/drawing/2010/main" val="0"/>
+              </a:ext>
+            </a:extLst>
+          </a:blip>
+          <a:srcRect b="24079"/>
+          <a:stretch/>
+        </p:blipFill>
+        <p:spPr>
+          <a:xfrm>
+            <a:off x="2111982" y="746793"/>
+            <a:ext cx="667872" cy="507053"/>
+          </a:xfrm>
+          <a:prstGeom prst="rect">
+            <a:avLst/>
+          </a:prstGeom>
+        </p:spPr>
+      </p:pic>
+      <p:pic>
+        <p:nvPicPr>
+          <p:cNvPr id="38" name="Bild 37"/>
+          <p:cNvPicPr>
+            <a:picLocks noChangeAspect="1"/>
+          </p:cNvPicPr>
+          <p:nvPr/>
+        </p:nvPicPr>
+        <p:blipFill rotWithShape="1">
+          <a:blip r:embed="rId15">
+            <a:extLst>
+              <a:ext uri="{28A0092B-C50C-407E-A947-70E740481C1C}">
+                <a14:useLocalDpi xmlns:a14="http://schemas.microsoft.com/office/drawing/2010/main" val="0"/>
+              </a:ext>
+            </a:extLst>
+          </a:blip>
+          <a:srcRect l="1897" t="4298" r="1918" b="3236"/>
+          <a:stretch/>
+        </p:blipFill>
+        <p:spPr>
+          <a:xfrm>
+            <a:off x="10512975" y="1982301"/>
+            <a:ext cx="1713152" cy="769379"/>
+          </a:xfrm>
+          <a:prstGeom prst="rect">
+            <a:avLst/>
+          </a:prstGeom>
+        </p:spPr>
+      </p:pic>
+      <p:sp>
+        <p:nvSpPr>
+          <p:cNvPr id="40" name="Textfeld 39"/>
+          <p:cNvSpPr txBox="1"/>
+          <p:nvPr/>
+        </p:nvSpPr>
+        <p:spPr>
+          <a:xfrm>
+            <a:off x="3874148" y="3870050"/>
+            <a:ext cx="1537600" cy="307777"/>
+          </a:xfrm>
+          <a:prstGeom prst="rect">
+            <a:avLst/>
+          </a:prstGeom>
+          <a:noFill/>
+        </p:spPr>
+        <p:txBody>
+          <a:bodyPr wrap="none" rtlCol="0">
+            <a:spAutoFit/>
+          </a:bodyPr>
+          <a:lstStyle/>
+          <a:p>
+            <a:r>
+              <a:rPr lang="de-DE" sz="1400" b="1" dirty="0">
+                <a:solidFill>
+                  <a:srgbClr val="A51E41"/>
+                </a:solidFill>
+                <a:latin typeface="Lato" charset="0"/>
+                <a:ea typeface="Lato" charset="0"/>
+                <a:cs typeface="Lato" charset="0"/>
+              </a:rPr>
+              <a:t>Fremdevaluation</a:t>
+            </a:r>
+            <a:endParaRPr lang="de-DE" b="1" dirty="0">
+              <a:solidFill>
+                <a:srgbClr val="A51E41"/>
+              </a:solidFill>
+              <a:latin typeface="Lato" charset="0"/>
+              <a:ea typeface="Lato" charset="0"/>
+              <a:cs typeface="Lato" charset="0"/>
+            </a:endParaRPr>
+          </a:p>
+        </p:txBody>
+      </p:sp>
+      <p:grpSp>
+        <p:nvGrpSpPr>
+          <p:cNvPr id="52" name="Gruppierung 51"/>
+          <p:cNvGrpSpPr/>
+          <p:nvPr/>
+        </p:nvGrpSpPr>
+        <p:grpSpPr>
+          <a:xfrm>
+            <a:off x="6178244" y="3117036"/>
+            <a:ext cx="6681229" cy="2458446"/>
+            <a:chOff x="4733692" y="3107676"/>
+            <a:chExt cx="6153076" cy="2458446"/>
+          </a:xfrm>
+        </p:grpSpPr>
+        <p:sp>
+          <p:nvSpPr>
+            <p:cNvPr id="41" name="Abgerundetes Rechteck 40"/>
+            <p:cNvSpPr/>
+            <p:nvPr/>
+          </p:nvSpPr>
+          <p:spPr>
+            <a:xfrm>
+              <a:off x="4733692" y="3110133"/>
+              <a:ext cx="6153076" cy="2455989"/>
+            </a:xfrm>
+            <a:prstGeom prst="roundRect">
+              <a:avLst/>
+            </a:prstGeom>
+            <a:solidFill>
+              <a:srgbClr val="FFBCB5">
+                <a:alpha val="47000"/>
+              </a:srgbClr>
+            </a:solidFill>
+            <a:ln>
+              <a:noFill/>
+            </a:ln>
+          </p:spPr>
+          <p:style>
+            <a:lnRef idx="2">
+              <a:schemeClr val="accent1">
+                <a:shade val="50000"/>
+              </a:schemeClr>
+            </a:lnRef>
+            <a:fillRef idx="1">
+              <a:schemeClr val="accent1"/>
+            </a:fillRef>
+            <a:effectRef idx="0">
+              <a:schemeClr val="accent1"/>
+            </a:effectRef>
+            <a:fontRef idx="minor">
+              <a:schemeClr val="lt1"/>
+            </a:fontRef>
+          </p:style>
+          <p:txBody>
+            <a:bodyPr rtlCol="0" anchor="ctr"/>
+            <a:lstStyle/>
+            <a:p>
+              <a:pPr algn="ctr"/>
+              <a:endParaRPr lang="de-DE"/>
+            </a:p>
+          </p:txBody>
+        </p:sp>
+        <p:sp>
+          <p:nvSpPr>
+            <p:cNvPr id="42" name="Textfeld 41"/>
+            <p:cNvSpPr txBox="1"/>
+            <p:nvPr/>
+          </p:nvSpPr>
+          <p:spPr>
+            <a:xfrm>
+              <a:off x="8574547" y="3107676"/>
+              <a:ext cx="1507144" cy="307777"/>
+            </a:xfrm>
+            <a:prstGeom prst="rect">
+              <a:avLst/>
+            </a:prstGeom>
+            <a:noFill/>
+          </p:spPr>
+          <p:txBody>
+            <a:bodyPr wrap="none" rtlCol="0">
+              <a:spAutoFit/>
+            </a:bodyPr>
+            <a:lstStyle/>
+            <a:p>
+              <a:r>
+                <a:rPr lang="de-DE" sz="1400" b="1" dirty="0">
+                  <a:solidFill>
+                    <a:srgbClr val="A51E41"/>
+                  </a:solidFill>
+                  <a:latin typeface="Lato" charset="0"/>
+                  <a:ea typeface="Lato" charset="0"/>
+                  <a:cs typeface="Lato" charset="0"/>
+                </a:rPr>
+                <a:t>Selbstevaluation</a:t>
+              </a:r>
+              <a:endParaRPr lang="de-DE" sz="1400" b="1" dirty="0">
+                <a:solidFill>
+                  <a:srgbClr val="A51E41"/>
+                </a:solidFill>
+                <a:latin typeface="Lato" charset="0"/>
+                <a:ea typeface="Lato" charset="0"/>
+                <a:cs typeface="Lato" charset="0"/>
+              </a:endParaRPr>
+            </a:p>
+          </p:txBody>
+        </p:sp>
+        <p:sp>
+          <p:nvSpPr>
+            <p:cNvPr id="43" name="Abgerundetes Rechteck 42"/>
+            <p:cNvSpPr/>
+            <p:nvPr/>
+          </p:nvSpPr>
+          <p:spPr>
+            <a:xfrm>
+              <a:off x="6250539" y="4406244"/>
+              <a:ext cx="2876064" cy="1034749"/>
+            </a:xfrm>
+            <a:prstGeom prst="roundRect">
+              <a:avLst/>
+            </a:prstGeom>
+            <a:solidFill>
+              <a:srgbClr val="FFBCB5">
+                <a:alpha val="47000"/>
+              </a:srgbClr>
+            </a:solidFill>
+            <a:ln>
+              <a:noFill/>
+            </a:ln>
+          </p:spPr>
+          <p:style>
+            <a:lnRef idx="2">
+              <a:schemeClr val="accent1">
+                <a:shade val="50000"/>
+              </a:schemeClr>
+            </a:lnRef>
+            <a:fillRef idx="1">
+              <a:schemeClr val="accent1"/>
+            </a:fillRef>
+            <a:effectRef idx="0">
+              <a:schemeClr val="accent1"/>
+            </a:effectRef>
+            <a:fontRef idx="minor">
+              <a:schemeClr val="lt1"/>
+            </a:fontRef>
+          </p:style>
+          <p:txBody>
+            <a:bodyPr rtlCol="0" anchor="ctr"/>
+            <a:lstStyle/>
+            <a:p>
+              <a:pPr algn="ctr"/>
+              <a:endParaRPr lang="de-DE"/>
+            </a:p>
+          </p:txBody>
+        </p:sp>
+        <p:pic>
+          <p:nvPicPr>
+            <p:cNvPr id="44" name="Picture 5" descr="Icon Titelblatt 1"/>
+            <p:cNvPicPr>
+              <a:picLocks noChangeAspect="1" noChangeArrowheads="1"/>
+            </p:cNvPicPr>
+            <p:nvPr/>
+          </p:nvPicPr>
+          <p:blipFill rotWithShape="1">
+            <a:blip r:embed="rId16">
+              <a:extLst>
+                <a:ext uri="{28A0092B-C50C-407E-A947-70E740481C1C}">
+                  <a14:useLocalDpi xmlns:a14="http://schemas.microsoft.com/office/drawing/2010/main" val="0"/>
+                </a:ext>
+              </a:extLst>
+            </a:blip>
+            <a:srcRect l="599" t="74104" r="78140" b="469"/>
+            <a:stretch/>
+          </p:blipFill>
+          <p:spPr bwMode="auto">
+            <a:xfrm>
+              <a:off x="8484043" y="4682577"/>
+              <a:ext cx="484536" cy="621508"/>
+            </a:xfrm>
+            <a:prstGeom prst="rect">
+              <a:avLst/>
+            </a:prstGeom>
+            <a:noFill/>
+            <a:ln>
+              <a:noFill/>
+            </a:ln>
+            <a:extLst>
+              <a:ext uri="{909E8E84-426E-40DD-AFC4-6F175D3DCCD1}">
+                <a14:hiddenFill xmlns:a14="http://schemas.microsoft.com/office/drawing/2010/main">
+                  <a:solidFill>
+                    <a:srgbClr val="FFFFFF"/>
+                  </a:solidFill>
+                </a14:hiddenFill>
+              </a:ext>
+              <a:ext uri="{91240B29-F687-4F45-9708-019B960494DF}">
+                <a14:hiddenLine xmlns:a14="http://schemas.microsoft.com/office/drawing/2010/main" w="9525">
+                  <a:solidFill>
+                    <a:srgbClr val="000000"/>
+                  </a:solidFill>
+                  <a:miter lim="800000"/>
+                  <a:headEnd/>
+                  <a:tailEnd/>
+                </a14:hiddenLine>
+              </a:ext>
+            </a:extLst>
+          </p:spPr>
+        </p:pic>
+      </p:grpSp>
+      <p:sp>
+        <p:nvSpPr>
+          <p:cNvPr id="45" name="Textfeld 44"/>
+          <p:cNvSpPr txBox="1"/>
+          <p:nvPr/>
+        </p:nvSpPr>
+        <p:spPr>
+          <a:xfrm>
+            <a:off x="8208547" y="2527893"/>
+            <a:ext cx="2755611" cy="307777"/>
+          </a:xfrm>
+          <a:prstGeom prst="rect">
+            <a:avLst/>
+          </a:prstGeom>
+          <a:noFill/>
+        </p:spPr>
+        <p:txBody>
+          <a:bodyPr wrap="square" rtlCol="0">
+            <a:spAutoFit/>
+          </a:bodyPr>
+          <a:lstStyle/>
+          <a:p>
+            <a:r>
+              <a:rPr lang="de-DE" sz="1400" b="1" dirty="0" err="1">
+                <a:solidFill>
+                  <a:srgbClr val="A51E41"/>
+                </a:solidFill>
+                <a:latin typeface="Lato" charset="0"/>
+                <a:ea typeface="Lato" charset="0"/>
+                <a:cs typeface="Lato" charset="0"/>
+              </a:rPr>
+              <a:t>Lernstandserhebungen</a:t>
+            </a:r>
+            <a:endParaRPr lang="de-DE" sz="1400" b="1" dirty="0">
+              <a:solidFill>
+                <a:srgbClr val="A51E41"/>
+              </a:solidFill>
+              <a:latin typeface="Lato" charset="0"/>
+              <a:ea typeface="Lato" charset="0"/>
+              <a:cs typeface="Lato" charset="0"/>
+            </a:endParaRPr>
+          </a:p>
+        </p:txBody>
+      </p:sp>
+      <p:sp>
+        <p:nvSpPr>
+          <p:cNvPr id="46" name="Textfeld 45"/>
+          <p:cNvSpPr txBox="1"/>
+          <p:nvPr/>
+        </p:nvSpPr>
+        <p:spPr>
+          <a:xfrm>
+            <a:off x="1899200" y="1586652"/>
+            <a:ext cx="1611339" cy="307777"/>
+          </a:xfrm>
+          <a:prstGeom prst="rect">
+            <a:avLst/>
+          </a:prstGeom>
+          <a:noFill/>
+        </p:spPr>
+        <p:txBody>
+          <a:bodyPr wrap="none" rtlCol="0">
+            <a:spAutoFit/>
+          </a:bodyPr>
+          <a:lstStyle/>
+          <a:p>
+            <a:r>
+              <a:rPr lang="de-DE" sz="1400" b="1">
+                <a:solidFill>
+                  <a:srgbClr val="A51E41"/>
+                </a:solidFill>
+                <a:latin typeface="Lato" charset="0"/>
+                <a:ea typeface="Lato" charset="0"/>
+                <a:cs typeface="Lato" charset="0"/>
+              </a:rPr>
+              <a:t>Vergleichsstudien</a:t>
+            </a:r>
+            <a:endParaRPr lang="de-DE" b="1" dirty="0">
+              <a:solidFill>
+                <a:srgbClr val="A51E41"/>
+              </a:solidFill>
+              <a:latin typeface="Lato" charset="0"/>
+              <a:ea typeface="Lato" charset="0"/>
+              <a:cs typeface="Lato" charset="0"/>
+            </a:endParaRPr>
+          </a:p>
+        </p:txBody>
+      </p:sp>
+      <p:pic>
+        <p:nvPicPr>
+          <p:cNvPr id="47" name="Bild 46"/>
+          <p:cNvPicPr>
+            <a:picLocks noChangeAspect="1"/>
+          </p:cNvPicPr>
+          <p:nvPr/>
+        </p:nvPicPr>
+        <p:blipFill rotWithShape="1">
+          <a:blip r:embed="rId17">
+            <a:extLst>
+              <a:ext uri="{28A0092B-C50C-407E-A947-70E740481C1C}">
+                <a14:useLocalDpi xmlns:a14="http://schemas.microsoft.com/office/drawing/2010/main" val="0"/>
+              </a:ext>
+            </a:extLst>
+          </a:blip>
+          <a:srcRect r="52939" b="41765"/>
+          <a:stretch/>
+        </p:blipFill>
+        <p:spPr>
+          <a:xfrm>
+            <a:off x="2918042" y="1166998"/>
+            <a:ext cx="923070" cy="452887"/>
+          </a:xfrm>
+          <a:prstGeom prst="rect">
+            <a:avLst/>
+          </a:prstGeom>
+        </p:spPr>
+      </p:pic>
+    </p:spTree>
+    <p:extLst>
+      <p:ext uri="{BB962C8B-B14F-4D97-AF65-F5344CB8AC3E}">
+        <p14:creationId xmlns:p14="http://schemas.microsoft.com/office/powerpoint/2010/main" val="441004641"/>
+      </p:ext>
+    </p:extLst>
+  </p:cSld>
+  <p:clrMapOvr>
+    <a:masterClrMapping/>
+  </p:clrMapOvr>
+  <p:timing>
+    <p:tnLst>
+      <p:par>
+        <p:cTn id="1" dur="indefinite" restart="never" nodeType="tmRoot"/>
+      </p:par>
+    </p:tnLst>
+  </p:timing>
+</p:sld>
+</file>
+
 <file path=ppt/theme/theme1.xml><?xml version="1.0" encoding="utf-8"?>
 <a:theme xmlns:a="http://schemas.openxmlformats.org/drawingml/2006/main" name="Office-Design">
   <a:themeElements>
-    <a:clrScheme name="Office">
+    <a:clrScheme name="Office-Design">
       <a:dk1>
         <a:sysClr val="windowText" lastClr="000000"/>
       </a:dk1>
@@ -6059,14 +7663,14 @@
         <a:srgbClr val="954F72"/>
       </a:folHlink>
     </a:clrScheme>
-    <a:fontScheme name="Office">
+    <a:fontScheme name="Office-Design">
       <a:majorFont>
         <a:latin typeface="Calibri Light" panose="020F0302020204030204"/>
         <a:ea typeface=""/>
         <a:cs typeface=""/>
-        <a:font script="Jpan" typeface="Yu Gothic Light"/>
+        <a:font script="Jpan" typeface="ＭＳ Ｐゴシック"/>
         <a:font script="Hang" typeface="맑은 고딕"/>
-        <a:font script="Hans" typeface="DengXian Light"/>
+        <a:font script="Hans" typeface="宋体"/>
         <a:font script="Hant" typeface="新細明體"/>
         <a:font script="Arab" typeface="Times New Roman"/>
         <a:font script="Hebr" typeface="Times New Roman"/>
@@ -6099,9 +7703,9 @@
         <a:latin typeface="Calibri" panose="020F0502020204030204"/>
         <a:ea typeface=""/>
         <a:cs typeface=""/>
-        <a:font script="Jpan" typeface="Yu Gothic"/>
+        <a:font script="Jpan" typeface="ＭＳ Ｐゴシック"/>
         <a:font script="Hang" typeface="맑은 고딕"/>
-        <a:font script="Hans" typeface="DengXian"/>
+        <a:font script="Hans" typeface="宋体"/>
         <a:font script="Hant" typeface="新細明體"/>
         <a:font script="Arab" typeface="Arial"/>
         <a:font script="Hebr" typeface="Arial"/>
@@ -6131,7 +7735,7 @@
         <a:font script="Geor" typeface="Sylfaen"/>
       </a:minorFont>
     </a:fontScheme>
-    <a:fmtScheme name="Office">
+    <a:fmtScheme name="Office-Design">
       <a:fillStyleLst>
         <a:solidFill>
           <a:schemeClr val="phClr"/>

--- a/Img/Tabelle_Rueckmeldesysteme.pptx
+++ b/Img/Tabelle_Rueckmeldesysteme.pptx
@@ -8,6 +8,10 @@
     <p:sldId id="256" r:id="rId2"/>
     <p:sldId id="257" r:id="rId3"/>
     <p:sldId id="258" r:id="rId4"/>
+    <p:sldId id="260" r:id="rId5"/>
+    <p:sldId id="261" r:id="rId6"/>
+    <p:sldId id="262" r:id="rId7"/>
+    <p:sldId id="259" r:id="rId8"/>
   </p:sldIdLst>
   <p:sldSz cx="15971838" cy="6858000"/>
   <p:notesSz cx="6858000" cy="9144000"/>
@@ -4734,11 +4738,6 @@
               </a:rPr>
               <a:t>Öffentlichkeit</a:t>
             </a:r>
-            <a:endParaRPr lang="de-DE" sz="1200" b="1" dirty="0">
-              <a:latin typeface="Lato" charset="0"/>
-              <a:ea typeface="Lato" charset="0"/>
-              <a:cs typeface="Lato" charset="0"/>
-            </a:endParaRPr>
           </a:p>
         </p:txBody>
       </p:sp>
@@ -4889,11 +4888,6 @@
               </a:rPr>
               <a:t>Schulleitung</a:t>
             </a:r>
-            <a:endParaRPr lang="de-DE" sz="1200" b="1" dirty="0">
-              <a:latin typeface="Lato" charset="0"/>
-              <a:ea typeface="Lato" charset="0"/>
-              <a:cs typeface="Lato" charset="0"/>
-            </a:endParaRPr>
           </a:p>
         </p:txBody>
       </p:sp>
@@ -4958,11 +4952,6 @@
               </a:rPr>
               <a:t>Lehrer*innen</a:t>
             </a:r>
-            <a:endParaRPr lang="de-DE" sz="1200" b="1" dirty="0">
-              <a:latin typeface="Lato" charset="0"/>
-              <a:ea typeface="Lato" charset="0"/>
-              <a:cs typeface="Lato" charset="0"/>
-            </a:endParaRPr>
           </a:p>
         </p:txBody>
       </p:sp>
@@ -5177,11 +5166,6 @@
                 </a:rPr>
                 <a:t>Monitoring</a:t>
               </a:r>
-              <a:endParaRPr lang="de-DE" sz="1200" b="1" dirty="0">
-                <a:latin typeface="Lato" charset="0"/>
-                <a:ea typeface="Lato" charset="0"/>
-                <a:cs typeface="Lato" charset="0"/>
-              </a:endParaRPr>
             </a:p>
           </p:txBody>
         </p:sp>
@@ -5261,11 +5245,6 @@
                 </a:rPr>
                 <a:t>Diagnostik</a:t>
               </a:r>
-              <a:endParaRPr lang="de-DE" sz="1200" b="1" dirty="0">
-                <a:latin typeface="Lato" charset="0"/>
-                <a:ea typeface="Lato" charset="0"/>
-                <a:cs typeface="Lato" charset="0"/>
-              </a:endParaRPr>
             </a:p>
           </p:txBody>
         </p:sp>
@@ -5345,11 +5324,6 @@
                 </a:rPr>
                 <a:t>Feedback</a:t>
               </a:r>
-              <a:endParaRPr lang="de-DE" sz="1200" b="1" dirty="0">
-                <a:latin typeface="Lato" charset="0"/>
-                <a:ea typeface="Lato" charset="0"/>
-                <a:cs typeface="Lato" charset="0"/>
-              </a:endParaRPr>
             </a:p>
           </p:txBody>
         </p:sp>
@@ -5429,11 +5403,6 @@
                 </a:rPr>
                 <a:t>Heuristik</a:t>
               </a:r>
-              <a:endParaRPr lang="de-DE" sz="1200" b="1" dirty="0">
-                <a:latin typeface="Lato" charset="0"/>
-                <a:ea typeface="Lato" charset="0"/>
-                <a:cs typeface="Lato" charset="0"/>
-              </a:endParaRPr>
             </a:p>
           </p:txBody>
         </p:sp>
@@ -5770,14 +5739,6 @@
               </a:rPr>
               <a:t>Selbstevaluation</a:t>
             </a:r>
-            <a:endParaRPr lang="de-DE" sz="1400" b="1" dirty="0">
-              <a:solidFill>
-                <a:srgbClr val="A51E41"/>
-              </a:solidFill>
-              <a:latin typeface="Lato" charset="0"/>
-              <a:ea typeface="Lato" charset="0"/>
-              <a:cs typeface="Lato" charset="0"/>
-            </a:endParaRPr>
           </a:p>
         </p:txBody>
       </p:sp>
@@ -6043,8 +6004,8 @@
         </p:nvSpPr>
         <p:spPr>
           <a:xfrm>
-            <a:off x="3384754" y="1619885"/>
-            <a:ext cx="5685150" cy="2583929"/>
+            <a:off x="3577854" y="1619885"/>
+            <a:ext cx="5492049" cy="2583929"/>
           </a:xfrm>
           <a:prstGeom prst="roundRect">
             <a:avLst/>
@@ -6200,11 +6161,6 @@
                 </a:rPr>
                 <a:t>Öffentlichkeit</a:t>
               </a:r>
-              <a:endParaRPr lang="de-DE" sz="1200" b="1" dirty="0">
-                <a:latin typeface="Lato" charset="0"/>
-                <a:ea typeface="Lato" charset="0"/>
-                <a:cs typeface="Lato" charset="0"/>
-              </a:endParaRPr>
             </a:p>
           </p:txBody>
         </p:sp>
@@ -6385,11 +6341,6 @@
                 </a:rPr>
                 <a:t>Schulleitung</a:t>
               </a:r>
-              <a:endParaRPr lang="de-DE" sz="1200" b="1" dirty="0">
-                <a:latin typeface="Lato" charset="0"/>
-                <a:ea typeface="Lato" charset="0"/>
-                <a:cs typeface="Lato" charset="0"/>
-              </a:endParaRPr>
             </a:p>
           </p:txBody>
         </p:sp>
@@ -6469,11 +6420,6 @@
                 </a:rPr>
                 <a:t>Lehrer*innen</a:t>
               </a:r>
-              <a:endParaRPr lang="de-DE" sz="1200" b="1" dirty="0">
-                <a:latin typeface="Lato" charset="0"/>
-                <a:ea typeface="Lato" charset="0"/>
-                <a:cs typeface="Lato" charset="0"/>
-              </a:endParaRPr>
             </a:p>
           </p:txBody>
         </p:sp>
@@ -6719,11 +6665,6 @@
                 </a:rPr>
                 <a:t>Monitoring</a:t>
               </a:r>
-              <a:endParaRPr lang="de-DE" sz="1200" b="1" dirty="0">
-                <a:latin typeface="Lato" charset="0"/>
-                <a:ea typeface="Lato" charset="0"/>
-                <a:cs typeface="Lato" charset="0"/>
-              </a:endParaRPr>
             </a:p>
           </p:txBody>
         </p:sp>
@@ -6803,11 +6744,6 @@
                 </a:rPr>
                 <a:t>Diagnostik</a:t>
               </a:r>
-              <a:endParaRPr lang="de-DE" sz="1200" b="1" dirty="0">
-                <a:latin typeface="Lato" charset="0"/>
-                <a:ea typeface="Lato" charset="0"/>
-                <a:cs typeface="Lato" charset="0"/>
-              </a:endParaRPr>
             </a:p>
           </p:txBody>
         </p:sp>
@@ -6887,11 +6823,6 @@
                 </a:rPr>
                 <a:t>Feedback</a:t>
               </a:r>
-              <a:endParaRPr lang="de-DE" sz="1200" b="1" dirty="0">
-                <a:latin typeface="Lato" charset="0"/>
-                <a:ea typeface="Lato" charset="0"/>
-                <a:cs typeface="Lato" charset="0"/>
-              </a:endParaRPr>
             </a:p>
           </p:txBody>
         </p:sp>
@@ -6971,11 +6902,6 @@
                 </a:rPr>
                 <a:t>Heuristik</a:t>
               </a:r>
-              <a:endParaRPr lang="de-DE" sz="1200" b="1" dirty="0">
-                <a:latin typeface="Lato" charset="0"/>
-                <a:ea typeface="Lato" charset="0"/>
-                <a:cs typeface="Lato" charset="0"/>
-              </a:endParaRPr>
             </a:p>
           </p:txBody>
         </p:sp>
@@ -7066,8 +6992,8 @@
         </p:nvSpPr>
         <p:spPr>
           <a:xfrm>
-            <a:off x="7981664" y="1765300"/>
-            <a:ext cx="4877809" cy="1114758"/>
+            <a:off x="7671052" y="1765300"/>
+            <a:ext cx="5188421" cy="1114758"/>
           </a:xfrm>
           <a:prstGeom prst="roundRect">
             <a:avLst/>
@@ -7243,7 +7169,7 @@
         <p:spPr>
           <a:xfrm>
             <a:off x="3874148" y="3870050"/>
-            <a:ext cx="1537600" cy="307777"/>
+            <a:ext cx="1451038" cy="307777"/>
           </a:xfrm>
           <a:prstGeom prst="rect">
             <a:avLst/>
@@ -7257,7 +7183,7 @@
           <a:lstStyle/>
           <a:p>
             <a:r>
-              <a:rPr lang="de-DE" sz="1400" b="1" dirty="0">
+              <a:rPr lang="de-DE" sz="1400" b="1" dirty="0" smtClean="0">
                 <a:solidFill>
                   <a:srgbClr val="A51E41"/>
                 </a:solidFill>
@@ -7265,7 +7191,7 @@
                 <a:ea typeface="Lato" charset="0"/>
                 <a:cs typeface="Lato" charset="0"/>
               </a:rPr>
-              <a:t>Fremdevaluation</a:t>
+              <a:t>Schulinspektion</a:t>
             </a:r>
             <a:endParaRPr lang="de-DE" b="1" dirty="0">
               <a:solidFill>
@@ -7278,6 +7204,367 @@
           </a:p>
         </p:txBody>
       </p:sp>
+      <p:grpSp>
+        <p:nvGrpSpPr>
+          <p:cNvPr id="52" name="Gruppierung 51"/>
+          <p:cNvGrpSpPr/>
+          <p:nvPr/>
+        </p:nvGrpSpPr>
+        <p:grpSpPr>
+          <a:xfrm>
+            <a:off x="5749636" y="3117036"/>
+            <a:ext cx="7109837" cy="2458446"/>
+            <a:chOff x="4733692" y="3107676"/>
+            <a:chExt cx="6153076" cy="2458446"/>
+          </a:xfrm>
+        </p:grpSpPr>
+        <p:sp>
+          <p:nvSpPr>
+            <p:cNvPr id="41" name="Abgerundetes Rechteck 40"/>
+            <p:cNvSpPr/>
+            <p:nvPr/>
+          </p:nvSpPr>
+          <p:spPr>
+            <a:xfrm>
+              <a:off x="4733692" y="3110133"/>
+              <a:ext cx="6153076" cy="2455989"/>
+            </a:xfrm>
+            <a:prstGeom prst="roundRect">
+              <a:avLst/>
+            </a:prstGeom>
+            <a:solidFill>
+              <a:srgbClr val="FFBCB5">
+                <a:alpha val="47000"/>
+              </a:srgbClr>
+            </a:solidFill>
+            <a:ln>
+              <a:noFill/>
+            </a:ln>
+          </p:spPr>
+          <p:style>
+            <a:lnRef idx="2">
+              <a:schemeClr val="accent1">
+                <a:shade val="50000"/>
+              </a:schemeClr>
+            </a:lnRef>
+            <a:fillRef idx="1">
+              <a:schemeClr val="accent1"/>
+            </a:fillRef>
+            <a:effectRef idx="0">
+              <a:schemeClr val="accent1"/>
+            </a:effectRef>
+            <a:fontRef idx="minor">
+              <a:schemeClr val="lt1"/>
+            </a:fontRef>
+          </p:style>
+          <p:txBody>
+            <a:bodyPr rtlCol="0" anchor="ctr"/>
+            <a:lstStyle/>
+            <a:p>
+              <a:pPr algn="ctr"/>
+              <a:endParaRPr lang="de-DE"/>
+            </a:p>
+          </p:txBody>
+        </p:sp>
+        <p:sp>
+          <p:nvSpPr>
+            <p:cNvPr id="42" name="Textfeld 41"/>
+            <p:cNvSpPr txBox="1"/>
+            <p:nvPr/>
+          </p:nvSpPr>
+          <p:spPr>
+            <a:xfrm>
+              <a:off x="8574547" y="3107676"/>
+              <a:ext cx="1429185" cy="307777"/>
+            </a:xfrm>
+            <a:prstGeom prst="rect">
+              <a:avLst/>
+            </a:prstGeom>
+            <a:noFill/>
+          </p:spPr>
+          <p:txBody>
+            <a:bodyPr wrap="none" rtlCol="0">
+              <a:spAutoFit/>
+            </a:bodyPr>
+            <a:lstStyle/>
+            <a:p>
+              <a:r>
+                <a:rPr lang="de-DE" sz="1400" b="1" dirty="0" smtClean="0">
+                  <a:solidFill>
+                    <a:srgbClr val="A51E41"/>
+                  </a:solidFill>
+                  <a:latin typeface="Lato" charset="0"/>
+                  <a:ea typeface="Lato" charset="0"/>
+                  <a:cs typeface="Lato" charset="0"/>
+                </a:rPr>
+                <a:t>Interne Evaluation</a:t>
+              </a:r>
+              <a:endParaRPr lang="de-DE" sz="1400" b="1" dirty="0">
+                <a:solidFill>
+                  <a:srgbClr val="A51E41"/>
+                </a:solidFill>
+                <a:latin typeface="Lato" charset="0"/>
+                <a:ea typeface="Lato" charset="0"/>
+                <a:cs typeface="Lato" charset="0"/>
+              </a:endParaRPr>
+            </a:p>
+          </p:txBody>
+        </p:sp>
+        <p:sp>
+          <p:nvSpPr>
+            <p:cNvPr id="43" name="Abgerundetes Rechteck 42"/>
+            <p:cNvSpPr/>
+            <p:nvPr/>
+          </p:nvSpPr>
+          <p:spPr>
+            <a:xfrm>
+              <a:off x="6250539" y="4406244"/>
+              <a:ext cx="2995964" cy="1034749"/>
+            </a:xfrm>
+            <a:prstGeom prst="roundRect">
+              <a:avLst/>
+            </a:prstGeom>
+            <a:solidFill>
+              <a:srgbClr val="FFBCB5">
+                <a:alpha val="47000"/>
+              </a:srgbClr>
+            </a:solidFill>
+            <a:ln>
+              <a:noFill/>
+            </a:ln>
+          </p:spPr>
+          <p:style>
+            <a:lnRef idx="2">
+              <a:schemeClr val="accent1">
+                <a:shade val="50000"/>
+              </a:schemeClr>
+            </a:lnRef>
+            <a:fillRef idx="1">
+              <a:schemeClr val="accent1"/>
+            </a:fillRef>
+            <a:effectRef idx="0">
+              <a:schemeClr val="accent1"/>
+            </a:effectRef>
+            <a:fontRef idx="minor">
+              <a:schemeClr val="lt1"/>
+            </a:fontRef>
+          </p:style>
+          <p:txBody>
+            <a:bodyPr rtlCol="0" anchor="ctr"/>
+            <a:lstStyle/>
+            <a:p>
+              <a:pPr algn="ctr"/>
+              <a:endParaRPr lang="de-DE"/>
+            </a:p>
+          </p:txBody>
+        </p:sp>
+        <p:pic>
+          <p:nvPicPr>
+            <p:cNvPr id="44" name="Picture 5" descr="Icon Titelblatt 1"/>
+            <p:cNvPicPr>
+              <a:picLocks noChangeAspect="1" noChangeArrowheads="1"/>
+            </p:cNvPicPr>
+            <p:nvPr/>
+          </p:nvPicPr>
+          <p:blipFill rotWithShape="1">
+            <a:blip r:embed="rId16">
+              <a:extLst>
+                <a:ext uri="{28A0092B-C50C-407E-A947-70E740481C1C}">
+                  <a14:useLocalDpi xmlns:a14="http://schemas.microsoft.com/office/drawing/2010/main" val="0"/>
+                </a:ext>
+              </a:extLst>
+            </a:blip>
+            <a:srcRect l="599" t="74104" r="78140" b="469"/>
+            <a:stretch/>
+          </p:blipFill>
+          <p:spPr bwMode="auto">
+            <a:xfrm>
+              <a:off x="8555986" y="4654867"/>
+              <a:ext cx="484536" cy="621508"/>
+            </a:xfrm>
+            <a:prstGeom prst="rect">
+              <a:avLst/>
+            </a:prstGeom>
+            <a:noFill/>
+            <a:ln>
+              <a:noFill/>
+            </a:ln>
+            <a:extLst>
+              <a:ext uri="{909E8E84-426E-40DD-AFC4-6F175D3DCCD1}">
+                <a14:hiddenFill xmlns:a14="http://schemas.microsoft.com/office/drawing/2010/main">
+                  <a:solidFill>
+                    <a:srgbClr val="FFFFFF"/>
+                  </a:solidFill>
+                </a14:hiddenFill>
+              </a:ext>
+              <a:ext uri="{91240B29-F687-4F45-9708-019B960494DF}">
+                <a14:hiddenLine xmlns:a14="http://schemas.microsoft.com/office/drawing/2010/main" w="9525">
+                  <a:solidFill>
+                    <a:srgbClr val="000000"/>
+                  </a:solidFill>
+                  <a:miter lim="800000"/>
+                  <a:headEnd/>
+                  <a:tailEnd/>
+                </a14:hiddenLine>
+              </a:ext>
+            </a:extLst>
+          </p:spPr>
+        </p:pic>
+      </p:grpSp>
+      <p:sp>
+        <p:nvSpPr>
+          <p:cNvPr id="45" name="Textfeld 44"/>
+          <p:cNvSpPr txBox="1"/>
+          <p:nvPr/>
+        </p:nvSpPr>
+        <p:spPr>
+          <a:xfrm>
+            <a:off x="8208547" y="2527893"/>
+            <a:ext cx="2755611" cy="307777"/>
+          </a:xfrm>
+          <a:prstGeom prst="rect">
+            <a:avLst/>
+          </a:prstGeom>
+          <a:noFill/>
+        </p:spPr>
+        <p:txBody>
+          <a:bodyPr wrap="square" rtlCol="0">
+            <a:spAutoFit/>
+          </a:bodyPr>
+          <a:lstStyle/>
+          <a:p>
+            <a:r>
+              <a:rPr lang="de-DE" sz="1400" b="1" dirty="0" err="1">
+                <a:solidFill>
+                  <a:srgbClr val="A51E41"/>
+                </a:solidFill>
+                <a:latin typeface="Lato" charset="0"/>
+                <a:ea typeface="Lato" charset="0"/>
+                <a:cs typeface="Lato" charset="0"/>
+              </a:rPr>
+              <a:t>Lernstandserhebungen</a:t>
+            </a:r>
+            <a:endParaRPr lang="de-DE" sz="1400" b="1" dirty="0">
+              <a:solidFill>
+                <a:srgbClr val="A51E41"/>
+              </a:solidFill>
+              <a:latin typeface="Lato" charset="0"/>
+              <a:ea typeface="Lato" charset="0"/>
+              <a:cs typeface="Lato" charset="0"/>
+            </a:endParaRPr>
+          </a:p>
+        </p:txBody>
+      </p:sp>
+      <p:sp>
+        <p:nvSpPr>
+          <p:cNvPr id="46" name="Textfeld 45"/>
+          <p:cNvSpPr txBox="1"/>
+          <p:nvPr/>
+        </p:nvSpPr>
+        <p:spPr>
+          <a:xfrm>
+            <a:off x="1899200" y="1586652"/>
+            <a:ext cx="1611339" cy="307777"/>
+          </a:xfrm>
+          <a:prstGeom prst="rect">
+            <a:avLst/>
+          </a:prstGeom>
+          <a:noFill/>
+        </p:spPr>
+        <p:txBody>
+          <a:bodyPr wrap="none" rtlCol="0">
+            <a:spAutoFit/>
+          </a:bodyPr>
+          <a:lstStyle/>
+          <a:p>
+            <a:r>
+              <a:rPr lang="de-DE" sz="1400" b="1">
+                <a:solidFill>
+                  <a:srgbClr val="A51E41"/>
+                </a:solidFill>
+                <a:latin typeface="Lato" charset="0"/>
+                <a:ea typeface="Lato" charset="0"/>
+                <a:cs typeface="Lato" charset="0"/>
+              </a:rPr>
+              <a:t>Vergleichsstudien</a:t>
+            </a:r>
+            <a:endParaRPr lang="de-DE" b="1" dirty="0">
+              <a:solidFill>
+                <a:srgbClr val="A51E41"/>
+              </a:solidFill>
+              <a:latin typeface="Lato" charset="0"/>
+              <a:ea typeface="Lato" charset="0"/>
+              <a:cs typeface="Lato" charset="0"/>
+            </a:endParaRPr>
+          </a:p>
+        </p:txBody>
+      </p:sp>
+      <p:pic>
+        <p:nvPicPr>
+          <p:cNvPr id="47" name="Bild 46"/>
+          <p:cNvPicPr>
+            <a:picLocks noChangeAspect="1"/>
+          </p:cNvPicPr>
+          <p:nvPr/>
+        </p:nvPicPr>
+        <p:blipFill rotWithShape="1">
+          <a:blip r:embed="rId17">
+            <a:extLst>
+              <a:ext uri="{28A0092B-C50C-407E-A947-70E740481C1C}">
+                <a14:useLocalDpi xmlns:a14="http://schemas.microsoft.com/office/drawing/2010/main" val="0"/>
+              </a:ext>
+            </a:extLst>
+          </a:blip>
+          <a:srcRect r="52939" b="41765"/>
+          <a:stretch/>
+        </p:blipFill>
+        <p:spPr>
+          <a:xfrm>
+            <a:off x="2918042" y="1166998"/>
+            <a:ext cx="923070" cy="452887"/>
+          </a:xfrm>
+          <a:prstGeom prst="rect">
+            <a:avLst/>
+          </a:prstGeom>
+        </p:spPr>
+      </p:pic>
+    </p:spTree>
+    <p:extLst>
+      <p:ext uri="{BB962C8B-B14F-4D97-AF65-F5344CB8AC3E}">
+        <p14:creationId xmlns:p14="http://schemas.microsoft.com/office/powerpoint/2010/main" val="441004641"/>
+      </p:ext>
+    </p:extLst>
+  </p:cSld>
+  <p:clrMapOvr>
+    <a:masterClrMapping/>
+  </p:clrMapOvr>
+  <p:timing>
+    <p:tnLst>
+      <p:par>
+        <p:cTn id="1" dur="indefinite" restart="never" nodeType="tmRoot"/>
+      </p:par>
+    </p:tnLst>
+  </p:timing>
+</p:sld>
+</file>
+
+<file path=ppt/slides/slide4.xml><?xml version="1.0" encoding="utf-8"?>
+<p:sld xmlns:a="http://schemas.openxmlformats.org/drawingml/2006/main" xmlns:r="http://schemas.openxmlformats.org/officeDocument/2006/relationships" xmlns:p="http://schemas.openxmlformats.org/presentationml/2006/main">
+  <p:cSld>
+    <p:spTree>
+      <p:nvGrpSpPr>
+        <p:cNvPr id="1" name=""/>
+        <p:cNvGrpSpPr/>
+        <p:nvPr/>
+      </p:nvGrpSpPr>
+      <p:grpSpPr>
+        <a:xfrm>
+          <a:off x="0" y="0"/>
+          <a:ext cx="0" cy="0"/>
+          <a:chOff x="0" y="0"/>
+          <a:chExt cx="0" cy="0"/>
+        </a:xfrm>
+      </p:grpSpPr>
       <p:grpSp>
         <p:nvGrpSpPr>
           <p:cNvPr id="52" name="Gruppierung 51"/>
@@ -7373,6 +7660,3591 @@
                 </a:rPr>
                 <a:t>Selbstevaluation</a:t>
               </a:r>
+            </a:p>
+          </p:txBody>
+        </p:sp>
+        <p:sp>
+          <p:nvSpPr>
+            <p:cNvPr id="43" name="Abgerundetes Rechteck 42"/>
+            <p:cNvSpPr/>
+            <p:nvPr/>
+          </p:nvSpPr>
+          <p:spPr>
+            <a:xfrm>
+              <a:off x="6250539" y="4406244"/>
+              <a:ext cx="2876064" cy="1034749"/>
+            </a:xfrm>
+            <a:prstGeom prst="roundRect">
+              <a:avLst/>
+            </a:prstGeom>
+            <a:solidFill>
+              <a:srgbClr val="FFBCB5">
+                <a:alpha val="47000"/>
+              </a:srgbClr>
+            </a:solidFill>
+            <a:ln>
+              <a:noFill/>
+            </a:ln>
+          </p:spPr>
+          <p:style>
+            <a:lnRef idx="2">
+              <a:schemeClr val="accent1">
+                <a:shade val="50000"/>
+              </a:schemeClr>
+            </a:lnRef>
+            <a:fillRef idx="1">
+              <a:schemeClr val="accent1"/>
+            </a:fillRef>
+            <a:effectRef idx="0">
+              <a:schemeClr val="accent1"/>
+            </a:effectRef>
+            <a:fontRef idx="minor">
+              <a:schemeClr val="lt1"/>
+            </a:fontRef>
+          </p:style>
+          <p:txBody>
+            <a:bodyPr rtlCol="0" anchor="ctr"/>
+            <a:lstStyle/>
+            <a:p>
+              <a:pPr algn="ctr"/>
+              <a:endParaRPr lang="de-DE"/>
+            </a:p>
+          </p:txBody>
+        </p:sp>
+        <p:pic>
+          <p:nvPicPr>
+            <p:cNvPr id="44" name="Picture 5" descr="Icon Titelblatt 1"/>
+            <p:cNvPicPr>
+              <a:picLocks noChangeAspect="1" noChangeArrowheads="1"/>
+            </p:cNvPicPr>
+            <p:nvPr/>
+          </p:nvPicPr>
+          <p:blipFill rotWithShape="1">
+            <a:blip r:embed="rId2">
+              <a:extLst>
+                <a:ext uri="{28A0092B-C50C-407E-A947-70E740481C1C}">
+                  <a14:useLocalDpi xmlns:a14="http://schemas.microsoft.com/office/drawing/2010/main" val="0"/>
+                </a:ext>
+              </a:extLst>
+            </a:blip>
+            <a:srcRect l="599" t="74104" r="78140" b="469"/>
+            <a:stretch/>
+          </p:blipFill>
+          <p:spPr bwMode="auto">
+            <a:xfrm>
+              <a:off x="8484043" y="4682577"/>
+              <a:ext cx="484536" cy="621508"/>
+            </a:xfrm>
+            <a:prstGeom prst="rect">
+              <a:avLst/>
+            </a:prstGeom>
+            <a:noFill/>
+            <a:ln>
+              <a:noFill/>
+            </a:ln>
+            <a:extLst>
+              <a:ext uri="{909E8E84-426E-40DD-AFC4-6F175D3DCCD1}">
+                <a14:hiddenFill xmlns:a14="http://schemas.microsoft.com/office/drawing/2010/main">
+                  <a:solidFill>
+                    <a:srgbClr val="FFFFFF"/>
+                  </a:solidFill>
+                </a14:hiddenFill>
+              </a:ext>
+              <a:ext uri="{91240B29-F687-4F45-9708-019B960494DF}">
+                <a14:hiddenLine xmlns:a14="http://schemas.microsoft.com/office/drawing/2010/main" w="9525">
+                  <a:solidFill>
+                    <a:srgbClr val="000000"/>
+                  </a:solidFill>
+                  <a:miter lim="800000"/>
+                  <a:headEnd/>
+                  <a:tailEnd/>
+                </a14:hiddenLine>
+              </a:ext>
+            </a:extLst>
+          </p:spPr>
+        </p:pic>
+      </p:grpSp>
+      <p:sp>
+        <p:nvSpPr>
+          <p:cNvPr id="50" name="Abgerundetes Rechteck 49"/>
+          <p:cNvSpPr/>
+          <p:nvPr/>
+        </p:nvSpPr>
+        <p:spPr>
+          <a:xfrm>
+            <a:off x="7716982" y="5662144"/>
+            <a:ext cx="3352800" cy="1048922"/>
+          </a:xfrm>
+          <a:prstGeom prst="roundRect">
+            <a:avLst/>
+          </a:prstGeom>
+          <a:solidFill>
+            <a:srgbClr val="B4A069">
+              <a:alpha val="46667"/>
+            </a:srgbClr>
+          </a:solidFill>
+          <a:ln>
+            <a:noFill/>
+          </a:ln>
+        </p:spPr>
+        <p:style>
+          <a:lnRef idx="2">
+            <a:schemeClr val="accent1">
+              <a:shade val="50000"/>
+            </a:schemeClr>
+          </a:lnRef>
+          <a:fillRef idx="1">
+            <a:schemeClr val="accent1"/>
+          </a:fillRef>
+          <a:effectRef idx="0">
+            <a:schemeClr val="accent1"/>
+          </a:effectRef>
+          <a:fontRef idx="minor">
+            <a:schemeClr val="lt1"/>
+          </a:fontRef>
+        </p:style>
+        <p:txBody>
+          <a:bodyPr rtlCol="0" anchor="ctr"/>
+          <a:lstStyle/>
+          <a:p>
+            <a:pPr algn="ctr"/>
+            <a:endParaRPr lang="de-DE"/>
+          </a:p>
+        </p:txBody>
+      </p:sp>
+      <p:sp>
+        <p:nvSpPr>
+          <p:cNvPr id="39" name="Abgerundetes Rechteck 38"/>
+          <p:cNvSpPr/>
+          <p:nvPr/>
+        </p:nvSpPr>
+        <p:spPr>
+          <a:xfrm>
+            <a:off x="3384754" y="1619885"/>
+            <a:ext cx="5685150" cy="2583929"/>
+          </a:xfrm>
+          <a:prstGeom prst="roundRect">
+            <a:avLst/>
+          </a:prstGeom>
+          <a:solidFill>
+            <a:srgbClr val="FFBCB5">
+              <a:alpha val="47000"/>
+            </a:srgbClr>
+          </a:solidFill>
+          <a:ln>
+            <a:noFill/>
+          </a:ln>
+        </p:spPr>
+        <p:style>
+          <a:lnRef idx="2">
+            <a:schemeClr val="accent1">
+              <a:shade val="50000"/>
+            </a:schemeClr>
+          </a:lnRef>
+          <a:fillRef idx="1">
+            <a:schemeClr val="accent1"/>
+          </a:fillRef>
+          <a:effectRef idx="0">
+            <a:schemeClr val="accent1"/>
+          </a:effectRef>
+          <a:fontRef idx="minor">
+            <a:schemeClr val="lt1"/>
+          </a:fontRef>
+        </p:style>
+        <p:txBody>
+          <a:bodyPr rtlCol="0" anchor="ctr"/>
+          <a:lstStyle/>
+          <a:p>
+            <a:pPr algn="ctr"/>
+            <a:endParaRPr lang="de-DE"/>
+          </a:p>
+        </p:txBody>
+      </p:sp>
+      <p:cxnSp>
+        <p:nvCxnSpPr>
+          <p:cNvPr id="5" name="Gerade Verbindung mit Pfeil 4"/>
+          <p:cNvCxnSpPr/>
+          <p:nvPr/>
+        </p:nvCxnSpPr>
+        <p:spPr>
+          <a:xfrm flipV="1">
+            <a:off x="1426369" y="387152"/>
+            <a:ext cx="0" cy="5459769"/>
+          </a:xfrm>
+          <a:prstGeom prst="straightConnector1">
+            <a:avLst/>
+          </a:prstGeom>
+          <a:ln w="38100">
+            <a:solidFill>
+              <a:srgbClr val="A51E41"/>
+            </a:solidFill>
+            <a:tailEnd type="triangle" w="med" len="lg"/>
+          </a:ln>
+        </p:spPr>
+        <p:style>
+          <a:lnRef idx="1">
+            <a:schemeClr val="accent1"/>
+          </a:lnRef>
+          <a:fillRef idx="0">
+            <a:schemeClr val="accent1"/>
+          </a:fillRef>
+          <a:effectRef idx="0">
+            <a:schemeClr val="accent1"/>
+          </a:effectRef>
+          <a:fontRef idx="minor">
+            <a:schemeClr val="tx1"/>
+          </a:fontRef>
+        </p:style>
+      </p:cxnSp>
+      <p:cxnSp>
+        <p:nvCxnSpPr>
+          <p:cNvPr id="6" name="Gerade Verbindung mit Pfeil 5"/>
+          <p:cNvCxnSpPr/>
+          <p:nvPr/>
+        </p:nvCxnSpPr>
+        <p:spPr>
+          <a:xfrm>
+            <a:off x="1331089" y="5711980"/>
+            <a:ext cx="11860276" cy="89446"/>
+          </a:xfrm>
+          <a:prstGeom prst="straightConnector1">
+            <a:avLst/>
+          </a:prstGeom>
+          <a:ln w="38100">
+            <a:solidFill>
+              <a:srgbClr val="A51E41"/>
+            </a:solidFill>
+            <a:tailEnd type="triangle" w="med" len="lg"/>
+          </a:ln>
+        </p:spPr>
+        <p:style>
+          <a:lnRef idx="1">
+            <a:schemeClr val="accent1"/>
+          </a:lnRef>
+          <a:fillRef idx="0">
+            <a:schemeClr val="accent1"/>
+          </a:fillRef>
+          <a:effectRef idx="0">
+            <a:schemeClr val="accent1"/>
+          </a:effectRef>
+          <a:fontRef idx="minor">
+            <a:schemeClr val="tx1"/>
+          </a:fontRef>
+        </p:style>
+      </p:cxnSp>
+      <p:grpSp>
+        <p:nvGrpSpPr>
+          <p:cNvPr id="2" name="Gruppierung 1"/>
+          <p:cNvGrpSpPr/>
+          <p:nvPr/>
+        </p:nvGrpSpPr>
+        <p:grpSpPr>
+          <a:xfrm>
+            <a:off x="1551916" y="5903080"/>
+            <a:ext cx="1398852" cy="770254"/>
+            <a:chOff x="1551916" y="5903080"/>
+            <a:chExt cx="1398852" cy="770254"/>
+          </a:xfrm>
+        </p:grpSpPr>
+        <p:sp>
+          <p:nvSpPr>
+            <p:cNvPr id="13" name="Textfeld 12"/>
+            <p:cNvSpPr txBox="1"/>
+            <p:nvPr/>
+          </p:nvSpPr>
+          <p:spPr>
+            <a:xfrm>
+              <a:off x="1551916" y="6396335"/>
+              <a:ext cx="1398852" cy="276999"/>
+            </a:xfrm>
+            <a:prstGeom prst="rect">
+              <a:avLst/>
+            </a:prstGeom>
+            <a:noFill/>
+          </p:spPr>
+          <p:txBody>
+            <a:bodyPr wrap="square" rtlCol="0">
+              <a:spAutoFit/>
+            </a:bodyPr>
+            <a:lstStyle/>
+            <a:p>
+              <a:pPr algn="ctr"/>
+              <a:r>
+                <a:rPr lang="de-DE" sz="1200" b="1" dirty="0">
+                  <a:latin typeface="Lato" charset="0"/>
+                  <a:ea typeface="Lato" charset="0"/>
+                  <a:cs typeface="Lato" charset="0"/>
+                </a:rPr>
+                <a:t>Öffentlichkeit</a:t>
+              </a:r>
+            </a:p>
+          </p:txBody>
+        </p:sp>
+        <p:pic>
+          <p:nvPicPr>
+            <p:cNvPr id="4" name="Bild 3"/>
+            <p:cNvPicPr>
+              <a:picLocks noChangeAspect="1"/>
+            </p:cNvPicPr>
+            <p:nvPr/>
+          </p:nvPicPr>
+          <p:blipFill>
+            <a:blip r:embed="rId3">
+              <a:duotone>
+                <a:prstClr val="black"/>
+                <a:srgbClr val="515151">
+                  <a:tint val="45000"/>
+                  <a:satMod val="400000"/>
+                </a:srgbClr>
+              </a:duotone>
+            </a:blip>
+            <a:stretch>
+              <a:fillRect/>
+            </a:stretch>
+          </p:blipFill>
+          <p:spPr>
+            <a:xfrm>
+              <a:off x="2027565" y="5903080"/>
+              <a:ext cx="447554" cy="447554"/>
+            </a:xfrm>
+            <a:prstGeom prst="rect">
+              <a:avLst/>
+            </a:prstGeom>
+          </p:spPr>
+        </p:pic>
+      </p:grpSp>
+      <p:grpSp>
+        <p:nvGrpSpPr>
+          <p:cNvPr id="3" name="Gruppierung 2"/>
+          <p:cNvGrpSpPr/>
+          <p:nvPr/>
+        </p:nvGrpSpPr>
+        <p:grpSpPr>
+          <a:xfrm>
+            <a:off x="3591628" y="5903080"/>
+            <a:ext cx="1398852" cy="862587"/>
+            <a:chOff x="3105988" y="5903080"/>
+            <a:chExt cx="1398852" cy="862587"/>
+          </a:xfrm>
+        </p:grpSpPr>
+        <p:sp>
+          <p:nvSpPr>
+            <p:cNvPr id="8" name="Textfeld 7"/>
+            <p:cNvSpPr txBox="1"/>
+            <p:nvPr/>
+          </p:nvSpPr>
+          <p:spPr>
+            <a:xfrm>
+              <a:off x="3105988" y="6304002"/>
+              <a:ext cx="1398852" cy="461665"/>
+            </a:xfrm>
+            <a:prstGeom prst="rect">
+              <a:avLst/>
+            </a:prstGeom>
+            <a:noFill/>
+          </p:spPr>
+          <p:txBody>
+            <a:bodyPr wrap="square" rtlCol="0">
+              <a:spAutoFit/>
+            </a:bodyPr>
+            <a:lstStyle/>
+            <a:p>
+              <a:pPr algn="ctr"/>
+              <a:r>
+                <a:rPr lang="de-DE" sz="1200" b="1">
+                  <a:latin typeface="Lato" charset="0"/>
+                  <a:ea typeface="Lato" charset="0"/>
+                  <a:cs typeface="Lato" charset="0"/>
+                </a:rPr>
+                <a:t>Bildungs-</a:t>
+              </a:r>
+              <a:br>
+                <a:rPr lang="de-DE" sz="1200" b="1">
+                  <a:latin typeface="Lato" charset="0"/>
+                  <a:ea typeface="Lato" charset="0"/>
+                  <a:cs typeface="Lato" charset="0"/>
+                </a:rPr>
+              </a:br>
+              <a:r>
+                <a:rPr lang="de-DE" sz="1200" b="1" dirty="0" err="1">
+                  <a:latin typeface="Lato" charset="0"/>
+                  <a:ea typeface="Lato" charset="0"/>
+                  <a:cs typeface="Lato" charset="0"/>
+                </a:rPr>
+                <a:t>administration</a:t>
+              </a:r>
+              <a:endParaRPr lang="de-DE" sz="1200" b="1" dirty="0">
+                <a:latin typeface="Lato" charset="0"/>
+                <a:ea typeface="Lato" charset="0"/>
+                <a:cs typeface="Lato" charset="0"/>
+              </a:endParaRPr>
+            </a:p>
+          </p:txBody>
+        </p:sp>
+        <p:pic>
+          <p:nvPicPr>
+            <p:cNvPr id="9" name="Bild 8"/>
+            <p:cNvPicPr>
+              <a:picLocks noChangeAspect="1"/>
+            </p:cNvPicPr>
+            <p:nvPr/>
+          </p:nvPicPr>
+          <p:blipFill>
+            <a:blip r:embed="rId4">
+              <a:extLst>
+                <a:ext uri="{28A0092B-C50C-407E-A947-70E740481C1C}">
+                  <a14:useLocalDpi xmlns:a14="http://schemas.microsoft.com/office/drawing/2010/main" val="0"/>
+                </a:ext>
+              </a:extLst>
+            </a:blip>
+            <a:stretch>
+              <a:fillRect/>
+            </a:stretch>
+          </p:blipFill>
+          <p:spPr>
+            <a:xfrm>
+              <a:off x="3581637" y="5903080"/>
+              <a:ext cx="447554" cy="447554"/>
+            </a:xfrm>
+            <a:prstGeom prst="rect">
+              <a:avLst/>
+            </a:prstGeom>
+          </p:spPr>
+        </p:pic>
+      </p:grpSp>
+      <p:grpSp>
+        <p:nvGrpSpPr>
+          <p:cNvPr id="7" name="Gruppierung 6"/>
+          <p:cNvGrpSpPr/>
+          <p:nvPr/>
+        </p:nvGrpSpPr>
+        <p:grpSpPr>
+          <a:xfrm>
+            <a:off x="5631340" y="5903080"/>
+            <a:ext cx="1398852" cy="770254"/>
+            <a:chOff x="4660060" y="5903080"/>
+            <a:chExt cx="1398852" cy="770254"/>
+          </a:xfrm>
+        </p:grpSpPr>
+        <p:sp>
+          <p:nvSpPr>
+            <p:cNvPr id="10" name="Textfeld 9"/>
+            <p:cNvSpPr txBox="1"/>
+            <p:nvPr/>
+          </p:nvSpPr>
+          <p:spPr>
+            <a:xfrm>
+              <a:off x="4660060" y="6396335"/>
+              <a:ext cx="1398852" cy="276999"/>
+            </a:xfrm>
+            <a:prstGeom prst="rect">
+              <a:avLst/>
+            </a:prstGeom>
+            <a:noFill/>
+          </p:spPr>
+          <p:txBody>
+            <a:bodyPr wrap="square" rtlCol="0">
+              <a:spAutoFit/>
+            </a:bodyPr>
+            <a:lstStyle/>
+            <a:p>
+              <a:pPr algn="ctr"/>
+              <a:r>
+                <a:rPr lang="de-DE" sz="1200" b="1" dirty="0">
+                  <a:latin typeface="Lato" charset="0"/>
+                  <a:ea typeface="Lato" charset="0"/>
+                  <a:cs typeface="Lato" charset="0"/>
+                </a:rPr>
+                <a:t>Schulleitung</a:t>
+              </a:r>
+            </a:p>
+          </p:txBody>
+        </p:sp>
+        <p:pic>
+          <p:nvPicPr>
+            <p:cNvPr id="11" name="Bild 10"/>
+            <p:cNvPicPr>
+              <a:picLocks noChangeAspect="1"/>
+            </p:cNvPicPr>
+            <p:nvPr/>
+          </p:nvPicPr>
+          <p:blipFill>
+            <a:blip r:embed="rId5">
+              <a:extLst>
+                <a:ext uri="{28A0092B-C50C-407E-A947-70E740481C1C}">
+                  <a14:useLocalDpi xmlns:a14="http://schemas.microsoft.com/office/drawing/2010/main" val="0"/>
+                </a:ext>
+              </a:extLst>
+            </a:blip>
+            <a:stretch>
+              <a:fillRect/>
+            </a:stretch>
+          </p:blipFill>
+          <p:spPr>
+            <a:xfrm>
+              <a:off x="5135709" y="5903080"/>
+              <a:ext cx="447554" cy="447554"/>
+            </a:xfrm>
+            <a:prstGeom prst="rect">
+              <a:avLst/>
+            </a:prstGeom>
+          </p:spPr>
+        </p:pic>
+      </p:grpSp>
+      <p:grpSp>
+        <p:nvGrpSpPr>
+          <p:cNvPr id="20" name="Gruppierung 19"/>
+          <p:cNvGrpSpPr/>
+          <p:nvPr/>
+        </p:nvGrpSpPr>
+        <p:grpSpPr>
+          <a:xfrm>
+            <a:off x="7671052" y="5881529"/>
+            <a:ext cx="1398852" cy="791805"/>
+            <a:chOff x="6235684" y="5881529"/>
+            <a:chExt cx="1398852" cy="791805"/>
+          </a:xfrm>
+        </p:grpSpPr>
+        <p:sp>
+          <p:nvSpPr>
+            <p:cNvPr id="14" name="Textfeld 13"/>
+            <p:cNvSpPr txBox="1"/>
+            <p:nvPr/>
+          </p:nvSpPr>
+          <p:spPr>
+            <a:xfrm>
+              <a:off x="6235684" y="6396335"/>
+              <a:ext cx="1398852" cy="276999"/>
+            </a:xfrm>
+            <a:prstGeom prst="rect">
+              <a:avLst/>
+            </a:prstGeom>
+            <a:noFill/>
+          </p:spPr>
+          <p:txBody>
+            <a:bodyPr wrap="square" rtlCol="0">
+              <a:spAutoFit/>
+            </a:bodyPr>
+            <a:lstStyle/>
+            <a:p>
+              <a:pPr algn="ctr"/>
+              <a:r>
+                <a:rPr lang="de-DE" sz="1200" b="1" dirty="0">
+                  <a:latin typeface="Lato" charset="0"/>
+                  <a:ea typeface="Lato" charset="0"/>
+                  <a:cs typeface="Lato" charset="0"/>
+                </a:rPr>
+                <a:t>Lehrer*innen</a:t>
+              </a:r>
+            </a:p>
+          </p:txBody>
+        </p:sp>
+        <p:pic>
+          <p:nvPicPr>
+            <p:cNvPr id="15" name="Bild 14"/>
+            <p:cNvPicPr>
+              <a:picLocks noChangeAspect="1"/>
+            </p:cNvPicPr>
+            <p:nvPr/>
+          </p:nvPicPr>
+          <p:blipFill>
+            <a:blip r:embed="rId6">
+              <a:clrChange>
+                <a:clrFrom>
+                  <a:srgbClr val="FFFFFF"/>
+                </a:clrFrom>
+                <a:clrTo>
+                  <a:srgbClr val="FFFFFF">
+                    <a:alpha val="0"/>
+                  </a:srgbClr>
+                </a:clrTo>
+              </a:clrChange>
+              <a:extLst>
+                <a:ext uri="{28A0092B-C50C-407E-A947-70E740481C1C}">
+                  <a14:useLocalDpi xmlns:a14="http://schemas.microsoft.com/office/drawing/2010/main" val="0"/>
+                </a:ext>
+              </a:extLst>
+            </a:blip>
+            <a:stretch>
+              <a:fillRect/>
+            </a:stretch>
+          </p:blipFill>
+          <p:spPr>
+            <a:xfrm>
+              <a:off x="6689782" y="5881529"/>
+              <a:ext cx="490659" cy="490659"/>
+            </a:xfrm>
+            <a:prstGeom prst="rect">
+              <a:avLst/>
+            </a:prstGeom>
+          </p:spPr>
+        </p:pic>
+      </p:grpSp>
+      <p:grpSp>
+        <p:nvGrpSpPr>
+          <p:cNvPr id="48" name="Gruppierung 47"/>
+          <p:cNvGrpSpPr/>
+          <p:nvPr/>
+        </p:nvGrpSpPr>
+        <p:grpSpPr>
+          <a:xfrm>
+            <a:off x="11536690" y="5995958"/>
+            <a:ext cx="1398852" cy="703451"/>
+            <a:chOff x="9413957" y="5969883"/>
+            <a:chExt cx="1398852" cy="703451"/>
+          </a:xfrm>
+        </p:grpSpPr>
+        <p:pic>
+          <p:nvPicPr>
+            <p:cNvPr id="17" name="Bild 16"/>
+            <p:cNvPicPr>
+              <a:picLocks noChangeAspect="1"/>
+            </p:cNvPicPr>
+            <p:nvPr/>
+          </p:nvPicPr>
+          <p:blipFill>
+            <a:blip r:embed="rId7">
+              <a:extLst>
+                <a:ext uri="{28A0092B-C50C-407E-A947-70E740481C1C}">
+                  <a14:useLocalDpi xmlns:a14="http://schemas.microsoft.com/office/drawing/2010/main" val="0"/>
+                </a:ext>
+              </a:extLst>
+            </a:blip>
+            <a:stretch>
+              <a:fillRect/>
+            </a:stretch>
+          </p:blipFill>
+          <p:spPr>
+            <a:xfrm>
+              <a:off x="9889606" y="5969883"/>
+              <a:ext cx="447554" cy="381912"/>
+            </a:xfrm>
+            <a:prstGeom prst="rect">
+              <a:avLst/>
+            </a:prstGeom>
+          </p:spPr>
+        </p:pic>
+        <p:sp>
+          <p:nvSpPr>
+            <p:cNvPr id="18" name="Textfeld 17"/>
+            <p:cNvSpPr txBox="1"/>
+            <p:nvPr/>
+          </p:nvSpPr>
+          <p:spPr>
+            <a:xfrm>
+              <a:off x="9413957" y="6396335"/>
+              <a:ext cx="1398852" cy="276999"/>
+            </a:xfrm>
+            <a:prstGeom prst="rect">
+              <a:avLst/>
+            </a:prstGeom>
+            <a:noFill/>
+          </p:spPr>
+          <p:txBody>
+            <a:bodyPr wrap="square" rtlCol="0">
+              <a:spAutoFit/>
+            </a:bodyPr>
+            <a:lstStyle/>
+            <a:p>
+              <a:pPr algn="ctr"/>
+              <a:r>
+                <a:rPr lang="de-DE" sz="1200" b="1" dirty="0">
+                  <a:latin typeface="Lato" charset="0"/>
+                  <a:ea typeface="Lato" charset="0"/>
+                  <a:cs typeface="Lato" charset="0"/>
+                </a:rPr>
+                <a:t>Eltern</a:t>
+              </a:r>
+            </a:p>
+          </p:txBody>
+        </p:sp>
+      </p:grpSp>
+      <p:grpSp>
+        <p:nvGrpSpPr>
+          <p:cNvPr id="21" name="Gruppierung 20"/>
+          <p:cNvGrpSpPr/>
+          <p:nvPr/>
+        </p:nvGrpSpPr>
+        <p:grpSpPr>
+          <a:xfrm>
+            <a:off x="9710764" y="5849173"/>
+            <a:ext cx="1398852" cy="1008827"/>
+            <a:chOff x="7811309" y="5849173"/>
+            <a:chExt cx="1398852" cy="1008827"/>
+          </a:xfrm>
+        </p:grpSpPr>
+        <p:sp>
+          <p:nvSpPr>
+            <p:cNvPr id="16" name="Textfeld 15"/>
+            <p:cNvSpPr txBox="1"/>
+            <p:nvPr/>
+          </p:nvSpPr>
+          <p:spPr>
+            <a:xfrm>
+              <a:off x="7811309" y="6396335"/>
+              <a:ext cx="1398852" cy="461665"/>
+            </a:xfrm>
+            <a:prstGeom prst="rect">
+              <a:avLst/>
+            </a:prstGeom>
+            <a:noFill/>
+          </p:spPr>
+          <p:txBody>
+            <a:bodyPr wrap="square" rtlCol="0">
+              <a:spAutoFit/>
+            </a:bodyPr>
+            <a:lstStyle/>
+            <a:p>
+              <a:pPr algn="ctr"/>
+              <a:r>
+                <a:rPr lang="de-DE" sz="1200" b="1" dirty="0">
+                  <a:latin typeface="Lato" charset="0"/>
+                  <a:ea typeface="Lato" charset="0"/>
+                  <a:cs typeface="Lato" charset="0"/>
+                </a:rPr>
+                <a:t>Schüler*innen</a:t>
+              </a:r>
+            </a:p>
+            <a:p>
+              <a:pPr algn="ctr"/>
+              <a:endParaRPr lang="de-DE" sz="1200" b="1" dirty="0">
+                <a:latin typeface="Lato" charset="0"/>
+                <a:ea typeface="Lato" charset="0"/>
+                <a:cs typeface="Lato" charset="0"/>
+              </a:endParaRPr>
+            </a:p>
+          </p:txBody>
+        </p:sp>
+        <p:pic>
+          <p:nvPicPr>
+            <p:cNvPr id="19" name="Bild 18"/>
+            <p:cNvPicPr>
+              <a:picLocks noChangeAspect="1"/>
+            </p:cNvPicPr>
+            <p:nvPr/>
+          </p:nvPicPr>
+          <p:blipFill>
+            <a:blip r:embed="rId8">
+              <a:extLst>
+                <a:ext uri="{28A0092B-C50C-407E-A947-70E740481C1C}">
+                  <a14:useLocalDpi xmlns:a14="http://schemas.microsoft.com/office/drawing/2010/main" val="0"/>
+                </a:ext>
+              </a:extLst>
+            </a:blip>
+            <a:stretch>
+              <a:fillRect/>
+            </a:stretch>
+          </p:blipFill>
+          <p:spPr>
+            <a:xfrm>
+              <a:off x="8238383" y="5849173"/>
+              <a:ext cx="544705" cy="544705"/>
+            </a:xfrm>
+            <a:prstGeom prst="rect">
+              <a:avLst/>
+            </a:prstGeom>
+          </p:spPr>
+        </p:pic>
+      </p:grpSp>
+      <p:grpSp>
+        <p:nvGrpSpPr>
+          <p:cNvPr id="12" name="Gruppierung 11"/>
+          <p:cNvGrpSpPr/>
+          <p:nvPr/>
+        </p:nvGrpSpPr>
+        <p:grpSpPr>
+          <a:xfrm>
+            <a:off x="157123" y="806293"/>
+            <a:ext cx="1398852" cy="770253"/>
+            <a:chOff x="124034" y="2193551"/>
+            <a:chExt cx="1398852" cy="770253"/>
+          </a:xfrm>
+        </p:grpSpPr>
+        <p:sp>
+          <p:nvSpPr>
+            <p:cNvPr id="22" name="Textfeld 21"/>
+            <p:cNvSpPr txBox="1"/>
+            <p:nvPr/>
+          </p:nvSpPr>
+          <p:spPr>
+            <a:xfrm>
+              <a:off x="124034" y="2686805"/>
+              <a:ext cx="1398852" cy="276999"/>
+            </a:xfrm>
+            <a:prstGeom prst="rect">
+              <a:avLst/>
+            </a:prstGeom>
+            <a:noFill/>
+          </p:spPr>
+          <p:txBody>
+            <a:bodyPr wrap="square" rtlCol="0">
+              <a:spAutoFit/>
+            </a:bodyPr>
+            <a:lstStyle/>
+            <a:p>
+              <a:pPr algn="ctr"/>
+              <a:r>
+                <a:rPr lang="de-DE" sz="1200" b="1" dirty="0">
+                  <a:latin typeface="Lato" charset="0"/>
+                  <a:ea typeface="Lato" charset="0"/>
+                  <a:cs typeface="Lato" charset="0"/>
+                </a:rPr>
+                <a:t>Monitoring</a:t>
+              </a:r>
+            </a:p>
+          </p:txBody>
+        </p:sp>
+        <p:pic>
+          <p:nvPicPr>
+            <p:cNvPr id="23" name="Bild 22"/>
+            <p:cNvPicPr>
+              <a:picLocks noChangeAspect="1"/>
+            </p:cNvPicPr>
+            <p:nvPr/>
+          </p:nvPicPr>
+          <p:blipFill>
+            <a:blip r:embed="rId9">
+              <a:extLst>
+                <a:ext uri="{28A0092B-C50C-407E-A947-70E740481C1C}">
+                  <a14:useLocalDpi xmlns:a14="http://schemas.microsoft.com/office/drawing/2010/main" val="0"/>
+                </a:ext>
+              </a:extLst>
+            </a:blip>
+            <a:stretch>
+              <a:fillRect/>
+            </a:stretch>
+          </p:blipFill>
+          <p:spPr>
+            <a:xfrm>
+              <a:off x="599683" y="2193551"/>
+              <a:ext cx="447554" cy="447554"/>
+            </a:xfrm>
+            <a:prstGeom prst="rect">
+              <a:avLst/>
+            </a:prstGeom>
+          </p:spPr>
+        </p:pic>
+      </p:grpSp>
+      <p:grpSp>
+        <p:nvGrpSpPr>
+          <p:cNvPr id="30" name="Gruppierung 29"/>
+          <p:cNvGrpSpPr/>
+          <p:nvPr/>
+        </p:nvGrpSpPr>
+        <p:grpSpPr>
+          <a:xfrm>
+            <a:off x="157123" y="2119927"/>
+            <a:ext cx="1398852" cy="770253"/>
+            <a:chOff x="93303" y="3203801"/>
+            <a:chExt cx="1398852" cy="770253"/>
+          </a:xfrm>
+        </p:grpSpPr>
+        <p:sp>
+          <p:nvSpPr>
+            <p:cNvPr id="24" name="Textfeld 23"/>
+            <p:cNvSpPr txBox="1"/>
+            <p:nvPr/>
+          </p:nvSpPr>
+          <p:spPr>
+            <a:xfrm>
+              <a:off x="93303" y="3697055"/>
+              <a:ext cx="1398852" cy="276999"/>
+            </a:xfrm>
+            <a:prstGeom prst="rect">
+              <a:avLst/>
+            </a:prstGeom>
+            <a:noFill/>
+          </p:spPr>
+          <p:txBody>
+            <a:bodyPr wrap="square" rtlCol="0">
+              <a:spAutoFit/>
+            </a:bodyPr>
+            <a:lstStyle/>
+            <a:p>
+              <a:pPr algn="ctr"/>
+              <a:r>
+                <a:rPr lang="de-DE" sz="1200" b="1" dirty="0">
+                  <a:latin typeface="Lato" charset="0"/>
+                  <a:ea typeface="Lato" charset="0"/>
+                  <a:cs typeface="Lato" charset="0"/>
+                </a:rPr>
+                <a:t>Diagnostik</a:t>
+              </a:r>
+            </a:p>
+          </p:txBody>
+        </p:sp>
+        <p:pic>
+          <p:nvPicPr>
+            <p:cNvPr id="25" name="Bild 24"/>
+            <p:cNvPicPr>
+              <a:picLocks noChangeAspect="1"/>
+            </p:cNvPicPr>
+            <p:nvPr/>
+          </p:nvPicPr>
+          <p:blipFill>
+            <a:blip r:embed="rId10">
+              <a:extLst>
+                <a:ext uri="{28A0092B-C50C-407E-A947-70E740481C1C}">
+                  <a14:useLocalDpi xmlns:a14="http://schemas.microsoft.com/office/drawing/2010/main" val="0"/>
+                </a:ext>
+              </a:extLst>
+            </a:blip>
+            <a:stretch>
+              <a:fillRect/>
+            </a:stretch>
+          </p:blipFill>
+          <p:spPr>
+            <a:xfrm>
+              <a:off x="568952" y="3203801"/>
+              <a:ext cx="447554" cy="447554"/>
+            </a:xfrm>
+            <a:prstGeom prst="rect">
+              <a:avLst/>
+            </a:prstGeom>
+          </p:spPr>
+        </p:pic>
+      </p:grpSp>
+      <p:grpSp>
+        <p:nvGrpSpPr>
+          <p:cNvPr id="31" name="Gruppierung 30"/>
+          <p:cNvGrpSpPr/>
+          <p:nvPr/>
+        </p:nvGrpSpPr>
+        <p:grpSpPr>
+          <a:xfrm>
+            <a:off x="157123" y="3433561"/>
+            <a:ext cx="1398852" cy="770253"/>
+            <a:chOff x="18698" y="4259751"/>
+            <a:chExt cx="1398852" cy="770253"/>
+          </a:xfrm>
+        </p:grpSpPr>
+        <p:sp>
+          <p:nvSpPr>
+            <p:cNvPr id="26" name="Textfeld 25"/>
+            <p:cNvSpPr txBox="1"/>
+            <p:nvPr/>
+          </p:nvSpPr>
+          <p:spPr>
+            <a:xfrm>
+              <a:off x="18698" y="4753005"/>
+              <a:ext cx="1398852" cy="276999"/>
+            </a:xfrm>
+            <a:prstGeom prst="rect">
+              <a:avLst/>
+            </a:prstGeom>
+            <a:noFill/>
+          </p:spPr>
+          <p:txBody>
+            <a:bodyPr wrap="square" rtlCol="0">
+              <a:spAutoFit/>
+            </a:bodyPr>
+            <a:lstStyle/>
+            <a:p>
+              <a:pPr algn="ctr"/>
+              <a:r>
+                <a:rPr lang="de-DE" sz="1200" b="1" dirty="0">
+                  <a:latin typeface="Lato" charset="0"/>
+                  <a:ea typeface="Lato" charset="0"/>
+                  <a:cs typeface="Lato" charset="0"/>
+                </a:rPr>
+                <a:t>Feedback</a:t>
+              </a:r>
+            </a:p>
+          </p:txBody>
+        </p:sp>
+        <p:pic>
+          <p:nvPicPr>
+            <p:cNvPr id="27" name="Bild 26"/>
+            <p:cNvPicPr>
+              <a:picLocks noChangeAspect="1"/>
+            </p:cNvPicPr>
+            <p:nvPr/>
+          </p:nvPicPr>
+          <p:blipFill>
+            <a:blip r:embed="rId11">
+              <a:extLst>
+                <a:ext uri="{28A0092B-C50C-407E-A947-70E740481C1C}">
+                  <a14:useLocalDpi xmlns:a14="http://schemas.microsoft.com/office/drawing/2010/main" val="0"/>
+                </a:ext>
+              </a:extLst>
+            </a:blip>
+            <a:stretch>
+              <a:fillRect/>
+            </a:stretch>
+          </p:blipFill>
+          <p:spPr>
+            <a:xfrm>
+              <a:off x="494347" y="4259751"/>
+              <a:ext cx="447554" cy="447554"/>
+            </a:xfrm>
+            <a:prstGeom prst="rect">
+              <a:avLst/>
+            </a:prstGeom>
+          </p:spPr>
+        </p:pic>
+      </p:grpSp>
+      <p:grpSp>
+        <p:nvGrpSpPr>
+          <p:cNvPr id="32" name="Gruppierung 31"/>
+          <p:cNvGrpSpPr/>
+          <p:nvPr/>
+        </p:nvGrpSpPr>
+        <p:grpSpPr>
+          <a:xfrm>
+            <a:off x="157123" y="4747195"/>
+            <a:ext cx="1398852" cy="770253"/>
+            <a:chOff x="-155411" y="5454806"/>
+            <a:chExt cx="1398852" cy="770253"/>
+          </a:xfrm>
+        </p:grpSpPr>
+        <p:sp>
+          <p:nvSpPr>
+            <p:cNvPr id="28" name="Textfeld 27"/>
+            <p:cNvSpPr txBox="1"/>
+            <p:nvPr/>
+          </p:nvSpPr>
+          <p:spPr>
+            <a:xfrm>
+              <a:off x="-155411" y="5948060"/>
+              <a:ext cx="1398852" cy="276999"/>
+            </a:xfrm>
+            <a:prstGeom prst="rect">
+              <a:avLst/>
+            </a:prstGeom>
+            <a:noFill/>
+          </p:spPr>
+          <p:txBody>
+            <a:bodyPr wrap="square" rtlCol="0">
+              <a:spAutoFit/>
+            </a:bodyPr>
+            <a:lstStyle/>
+            <a:p>
+              <a:pPr algn="ctr"/>
+              <a:r>
+                <a:rPr lang="de-DE" sz="1200" b="1" dirty="0">
+                  <a:latin typeface="Lato" charset="0"/>
+                  <a:ea typeface="Lato" charset="0"/>
+                  <a:cs typeface="Lato" charset="0"/>
+                </a:rPr>
+                <a:t>Heuristik</a:t>
+              </a:r>
+            </a:p>
+          </p:txBody>
+        </p:sp>
+        <p:pic>
+          <p:nvPicPr>
+            <p:cNvPr id="29" name="Bild 28"/>
+            <p:cNvPicPr>
+              <a:picLocks noChangeAspect="1"/>
+            </p:cNvPicPr>
+            <p:nvPr/>
+          </p:nvPicPr>
+          <p:blipFill>
+            <a:blip r:embed="rId12">
+              <a:extLst>
+                <a:ext uri="{28A0092B-C50C-407E-A947-70E740481C1C}">
+                  <a14:useLocalDpi xmlns:a14="http://schemas.microsoft.com/office/drawing/2010/main" val="0"/>
+                </a:ext>
+              </a:extLst>
+            </a:blip>
+            <a:stretch>
+              <a:fillRect/>
+            </a:stretch>
+          </p:blipFill>
+          <p:spPr>
+            <a:xfrm>
+              <a:off x="320238" y="5454806"/>
+              <a:ext cx="447554" cy="447554"/>
+            </a:xfrm>
+            <a:prstGeom prst="rect">
+              <a:avLst/>
+            </a:prstGeom>
+          </p:spPr>
+        </p:pic>
+      </p:grpSp>
+      <p:sp>
+        <p:nvSpPr>
+          <p:cNvPr id="33" name="Abgerundetes Rechteck 32"/>
+          <p:cNvSpPr/>
+          <p:nvPr/>
+        </p:nvSpPr>
+        <p:spPr>
+          <a:xfrm>
+            <a:off x="1715773" y="594089"/>
+            <a:ext cx="3933399" cy="1319514"/>
+          </a:xfrm>
+          <a:prstGeom prst="roundRect">
+            <a:avLst/>
+          </a:prstGeom>
+          <a:solidFill>
+            <a:srgbClr val="FFBCB5">
+              <a:alpha val="47000"/>
+            </a:srgbClr>
+          </a:solidFill>
+          <a:ln>
+            <a:noFill/>
+          </a:ln>
+        </p:spPr>
+        <p:style>
+          <a:lnRef idx="2">
+            <a:schemeClr val="accent1">
+              <a:shade val="50000"/>
+            </a:schemeClr>
+          </a:lnRef>
+          <a:fillRef idx="1">
+            <a:schemeClr val="accent1"/>
+          </a:fillRef>
+          <a:effectRef idx="0">
+            <a:schemeClr val="accent1"/>
+          </a:effectRef>
+          <a:fontRef idx="minor">
+            <a:schemeClr val="lt1"/>
+          </a:fontRef>
+        </p:style>
+        <p:txBody>
+          <a:bodyPr rtlCol="0" anchor="ctr"/>
+          <a:lstStyle/>
+          <a:p>
+            <a:pPr algn="ctr"/>
+            <a:endParaRPr lang="de-DE"/>
+          </a:p>
+        </p:txBody>
+      </p:sp>
+      <p:sp>
+        <p:nvSpPr>
+          <p:cNvPr id="34" name="Abgerundetes Rechteck 33"/>
+          <p:cNvSpPr/>
+          <p:nvPr/>
+        </p:nvSpPr>
+        <p:spPr>
+          <a:xfrm>
+            <a:off x="7981664" y="1765300"/>
+            <a:ext cx="4877809" cy="1114758"/>
+          </a:xfrm>
+          <a:prstGeom prst="roundRect">
+            <a:avLst/>
+          </a:prstGeom>
+          <a:solidFill>
+            <a:srgbClr val="FFBCB5">
+              <a:alpha val="47000"/>
+            </a:srgbClr>
+          </a:solidFill>
+          <a:ln>
+            <a:noFill/>
+          </a:ln>
+        </p:spPr>
+        <p:style>
+          <a:lnRef idx="2">
+            <a:schemeClr val="accent1">
+              <a:shade val="50000"/>
+            </a:schemeClr>
+          </a:lnRef>
+          <a:fillRef idx="1">
+            <a:schemeClr val="accent1"/>
+          </a:fillRef>
+          <a:effectRef idx="0">
+            <a:schemeClr val="accent1"/>
+          </a:effectRef>
+          <a:fontRef idx="minor">
+            <a:schemeClr val="lt1"/>
+          </a:fontRef>
+        </p:style>
+        <p:txBody>
+          <a:bodyPr rtlCol="0" anchor="ctr"/>
+          <a:lstStyle/>
+          <a:p>
+            <a:pPr algn="ctr"/>
+            <a:endParaRPr lang="de-DE"/>
+          </a:p>
+        </p:txBody>
+      </p:sp>
+      <p:pic>
+        <p:nvPicPr>
+          <p:cNvPr id="35" name="Bild 34"/>
+          <p:cNvPicPr>
+            <a:picLocks noChangeAspect="1"/>
+          </p:cNvPicPr>
+          <p:nvPr/>
+        </p:nvPicPr>
+        <p:blipFill>
+          <a:blip r:embed="rId13">
+            <a:extLst>
+              <a:ext uri="{28A0092B-C50C-407E-A947-70E740481C1C}">
+                <a14:useLocalDpi xmlns:a14="http://schemas.microsoft.com/office/drawing/2010/main" val="0"/>
+              </a:ext>
+            </a:extLst>
+          </a:blip>
+          <a:stretch>
+            <a:fillRect/>
+          </a:stretch>
+        </p:blipFill>
+        <p:spPr>
+          <a:xfrm>
+            <a:off x="3867788" y="637886"/>
+            <a:ext cx="598818" cy="870612"/>
+          </a:xfrm>
+          <a:prstGeom prst="rect">
+            <a:avLst/>
+          </a:prstGeom>
+        </p:spPr>
+      </p:pic>
+      <p:pic>
+        <p:nvPicPr>
+          <p:cNvPr id="36" name="Bild 35"/>
+          <p:cNvPicPr>
+            <a:picLocks noChangeAspect="1"/>
+          </p:cNvPicPr>
+          <p:nvPr/>
+        </p:nvPicPr>
+        <p:blipFill>
+          <a:blip r:embed="rId14">
+            <a:clrChange>
+              <a:clrFrom>
+                <a:srgbClr val="FFFFFF"/>
+              </a:clrFrom>
+              <a:clrTo>
+                <a:srgbClr val="FFFFFF">
+                  <a:alpha val="0"/>
+                </a:srgbClr>
+              </a:clrTo>
+            </a:clrChange>
+            <a:extLst>
+              <a:ext uri="{28A0092B-C50C-407E-A947-70E740481C1C}">
+                <a14:useLocalDpi xmlns:a14="http://schemas.microsoft.com/office/drawing/2010/main" val="0"/>
+              </a:ext>
+            </a:extLst>
+          </a:blip>
+          <a:stretch>
+            <a:fillRect/>
+          </a:stretch>
+        </p:blipFill>
+        <p:spPr>
+          <a:xfrm>
+            <a:off x="4734574" y="1087277"/>
+            <a:ext cx="677174" cy="712815"/>
+          </a:xfrm>
+          <a:prstGeom prst="rect">
+            <a:avLst/>
+          </a:prstGeom>
+        </p:spPr>
+      </p:pic>
+      <p:pic>
+        <p:nvPicPr>
+          <p:cNvPr id="37" name="Bild 36"/>
+          <p:cNvPicPr>
+            <a:picLocks noChangeAspect="1"/>
+          </p:cNvPicPr>
+          <p:nvPr/>
+        </p:nvPicPr>
+        <p:blipFill rotWithShape="1">
+          <a:blip r:embed="rId15">
+            <a:extLst>
+              <a:ext uri="{28A0092B-C50C-407E-A947-70E740481C1C}">
+                <a14:useLocalDpi xmlns:a14="http://schemas.microsoft.com/office/drawing/2010/main" val="0"/>
+              </a:ext>
+            </a:extLst>
+          </a:blip>
+          <a:srcRect b="24079"/>
+          <a:stretch/>
+        </p:blipFill>
+        <p:spPr>
+          <a:xfrm>
+            <a:off x="2111982" y="746793"/>
+            <a:ext cx="667872" cy="507053"/>
+          </a:xfrm>
+          <a:prstGeom prst="rect">
+            <a:avLst/>
+          </a:prstGeom>
+        </p:spPr>
+      </p:pic>
+      <p:pic>
+        <p:nvPicPr>
+          <p:cNvPr id="38" name="Bild 37"/>
+          <p:cNvPicPr>
+            <a:picLocks noChangeAspect="1"/>
+          </p:cNvPicPr>
+          <p:nvPr/>
+        </p:nvPicPr>
+        <p:blipFill rotWithShape="1">
+          <a:blip r:embed="rId16">
+            <a:extLst>
+              <a:ext uri="{28A0092B-C50C-407E-A947-70E740481C1C}">
+                <a14:useLocalDpi xmlns:a14="http://schemas.microsoft.com/office/drawing/2010/main" val="0"/>
+              </a:ext>
+            </a:extLst>
+          </a:blip>
+          <a:srcRect l="1897" t="4298" r="1918" b="3236"/>
+          <a:stretch/>
+        </p:blipFill>
+        <p:spPr>
+          <a:xfrm>
+            <a:off x="10512975" y="1982301"/>
+            <a:ext cx="1713152" cy="769379"/>
+          </a:xfrm>
+          <a:prstGeom prst="rect">
+            <a:avLst/>
+          </a:prstGeom>
+        </p:spPr>
+      </p:pic>
+      <p:sp>
+        <p:nvSpPr>
+          <p:cNvPr id="40" name="Textfeld 39"/>
+          <p:cNvSpPr txBox="1"/>
+          <p:nvPr/>
+        </p:nvSpPr>
+        <p:spPr>
+          <a:xfrm>
+            <a:off x="7063984" y="3870050"/>
+            <a:ext cx="1537600" cy="307777"/>
+          </a:xfrm>
+          <a:prstGeom prst="rect">
+            <a:avLst/>
+          </a:prstGeom>
+          <a:noFill/>
+        </p:spPr>
+        <p:txBody>
+          <a:bodyPr wrap="none" rtlCol="0">
+            <a:spAutoFit/>
+          </a:bodyPr>
+          <a:lstStyle/>
+          <a:p>
+            <a:r>
+              <a:rPr lang="de-DE" sz="1400" b="1" dirty="0">
+                <a:solidFill>
+                  <a:srgbClr val="A51E41"/>
+                </a:solidFill>
+                <a:latin typeface="Lato" charset="0"/>
+                <a:ea typeface="Lato" charset="0"/>
+                <a:cs typeface="Lato" charset="0"/>
+              </a:rPr>
+              <a:t>Fremdevaluation</a:t>
+            </a:r>
+            <a:endParaRPr lang="de-DE" b="1" dirty="0">
+              <a:solidFill>
+                <a:srgbClr val="A51E41"/>
+              </a:solidFill>
+              <a:latin typeface="Lato" charset="0"/>
+              <a:ea typeface="Lato" charset="0"/>
+              <a:cs typeface="Lato" charset="0"/>
+            </a:endParaRPr>
+          </a:p>
+        </p:txBody>
+      </p:sp>
+      <p:sp>
+        <p:nvSpPr>
+          <p:cNvPr id="45" name="Textfeld 44"/>
+          <p:cNvSpPr txBox="1"/>
+          <p:nvPr/>
+        </p:nvSpPr>
+        <p:spPr>
+          <a:xfrm>
+            <a:off x="8208548" y="2567481"/>
+            <a:ext cx="2041962" cy="307777"/>
+          </a:xfrm>
+          <a:prstGeom prst="rect">
+            <a:avLst/>
+          </a:prstGeom>
+          <a:noFill/>
+        </p:spPr>
+        <p:txBody>
+          <a:bodyPr wrap="square" rtlCol="0">
+            <a:spAutoFit/>
+          </a:bodyPr>
+          <a:lstStyle/>
+          <a:p>
+            <a:pPr algn="ctr"/>
+            <a:r>
+              <a:rPr lang="de-DE" sz="1400" b="1" dirty="0" err="1">
+                <a:solidFill>
+                  <a:srgbClr val="A51E41"/>
+                </a:solidFill>
+                <a:latin typeface="Lato" charset="0"/>
+                <a:ea typeface="Lato" charset="0"/>
+                <a:cs typeface="Lato" charset="0"/>
+              </a:rPr>
+              <a:t>Lernstandserhebungen</a:t>
+            </a:r>
+            <a:endParaRPr lang="de-DE" sz="1400" b="1" dirty="0">
+              <a:solidFill>
+                <a:srgbClr val="A51E41"/>
+              </a:solidFill>
+              <a:latin typeface="Lato" charset="0"/>
+              <a:ea typeface="Lato" charset="0"/>
+              <a:cs typeface="Lato" charset="0"/>
+            </a:endParaRPr>
+          </a:p>
+        </p:txBody>
+      </p:sp>
+      <p:sp>
+        <p:nvSpPr>
+          <p:cNvPr id="46" name="Textfeld 45"/>
+          <p:cNvSpPr txBox="1"/>
+          <p:nvPr/>
+        </p:nvSpPr>
+        <p:spPr>
+          <a:xfrm>
+            <a:off x="1899200" y="1586652"/>
+            <a:ext cx="1611339" cy="307777"/>
+          </a:xfrm>
+          <a:prstGeom prst="rect">
+            <a:avLst/>
+          </a:prstGeom>
+          <a:noFill/>
+        </p:spPr>
+        <p:txBody>
+          <a:bodyPr wrap="none" rtlCol="0">
+            <a:spAutoFit/>
+          </a:bodyPr>
+          <a:lstStyle/>
+          <a:p>
+            <a:r>
+              <a:rPr lang="de-DE" sz="1400" b="1">
+                <a:solidFill>
+                  <a:srgbClr val="A51E41"/>
+                </a:solidFill>
+                <a:latin typeface="Lato" charset="0"/>
+                <a:ea typeface="Lato" charset="0"/>
+                <a:cs typeface="Lato" charset="0"/>
+              </a:rPr>
+              <a:t>Vergleichsstudien</a:t>
+            </a:r>
+            <a:endParaRPr lang="de-DE" b="1" dirty="0">
+              <a:solidFill>
+                <a:srgbClr val="A51E41"/>
+              </a:solidFill>
+              <a:latin typeface="Lato" charset="0"/>
+              <a:ea typeface="Lato" charset="0"/>
+              <a:cs typeface="Lato" charset="0"/>
+            </a:endParaRPr>
+          </a:p>
+        </p:txBody>
+      </p:sp>
+      <p:pic>
+        <p:nvPicPr>
+          <p:cNvPr id="47" name="Bild 46"/>
+          <p:cNvPicPr>
+            <a:picLocks noChangeAspect="1"/>
+          </p:cNvPicPr>
+          <p:nvPr/>
+        </p:nvPicPr>
+        <p:blipFill rotWithShape="1">
+          <a:blip r:embed="rId17">
+            <a:extLst>
+              <a:ext uri="{28A0092B-C50C-407E-A947-70E740481C1C}">
+                <a14:useLocalDpi xmlns:a14="http://schemas.microsoft.com/office/drawing/2010/main" val="0"/>
+              </a:ext>
+            </a:extLst>
+          </a:blip>
+          <a:srcRect r="52939" b="41765"/>
+          <a:stretch/>
+        </p:blipFill>
+        <p:spPr>
+          <a:xfrm>
+            <a:off x="2918042" y="1166998"/>
+            <a:ext cx="923070" cy="452887"/>
+          </a:xfrm>
+          <a:prstGeom prst="rect">
+            <a:avLst/>
+          </a:prstGeom>
+        </p:spPr>
+      </p:pic>
+      <p:cxnSp>
+        <p:nvCxnSpPr>
+          <p:cNvPr id="51" name="Gerade Verbindung mit Pfeil 50"/>
+          <p:cNvCxnSpPr>
+            <a:stCxn id="46" idx="2"/>
+            <a:endCxn id="50" idx="0"/>
+          </p:cNvCxnSpPr>
+          <p:nvPr/>
+        </p:nvCxnSpPr>
+        <p:spPr>
+          <a:xfrm>
+            <a:off x="2704870" y="1894429"/>
+            <a:ext cx="6688512" cy="3767715"/>
+          </a:xfrm>
+          <a:prstGeom prst="straightConnector1">
+            <a:avLst/>
+          </a:prstGeom>
+          <a:ln w="38100">
+            <a:solidFill>
+              <a:srgbClr val="B4A069"/>
+            </a:solidFill>
+            <a:tailEnd type="triangle" w="med" len="lg"/>
+          </a:ln>
+        </p:spPr>
+        <p:style>
+          <a:lnRef idx="1">
+            <a:schemeClr val="accent1"/>
+          </a:lnRef>
+          <a:fillRef idx="0">
+            <a:schemeClr val="accent1"/>
+          </a:fillRef>
+          <a:effectRef idx="0">
+            <a:schemeClr val="accent1"/>
+          </a:effectRef>
+          <a:fontRef idx="minor">
+            <a:schemeClr val="tx1"/>
+          </a:fontRef>
+        </p:style>
+      </p:cxnSp>
+      <p:cxnSp>
+        <p:nvCxnSpPr>
+          <p:cNvPr id="60" name="Gerade Verbindung mit Pfeil 59"/>
+          <p:cNvCxnSpPr>
+            <a:stCxn id="40" idx="2"/>
+            <a:endCxn id="50" idx="0"/>
+          </p:cNvCxnSpPr>
+          <p:nvPr/>
+        </p:nvCxnSpPr>
+        <p:spPr>
+          <a:xfrm>
+            <a:off x="7832784" y="4177827"/>
+            <a:ext cx="1560598" cy="1484317"/>
+          </a:xfrm>
+          <a:prstGeom prst="straightConnector1">
+            <a:avLst/>
+          </a:prstGeom>
+          <a:ln w="38100">
+            <a:solidFill>
+              <a:srgbClr val="B4A069"/>
+            </a:solidFill>
+            <a:tailEnd type="triangle" w="med" len="lg"/>
+          </a:ln>
+        </p:spPr>
+        <p:style>
+          <a:lnRef idx="1">
+            <a:schemeClr val="accent1"/>
+          </a:lnRef>
+          <a:fillRef idx="0">
+            <a:schemeClr val="accent1"/>
+          </a:fillRef>
+          <a:effectRef idx="0">
+            <a:schemeClr val="accent1"/>
+          </a:effectRef>
+          <a:fontRef idx="minor">
+            <a:schemeClr val="tx1"/>
+          </a:fontRef>
+        </p:style>
+      </p:cxnSp>
+      <p:cxnSp>
+        <p:nvCxnSpPr>
+          <p:cNvPr id="63" name="Gerade Verbindung mit Pfeil 62"/>
+          <p:cNvCxnSpPr>
+            <a:stCxn id="45" idx="2"/>
+            <a:endCxn id="50" idx="0"/>
+          </p:cNvCxnSpPr>
+          <p:nvPr/>
+        </p:nvCxnSpPr>
+        <p:spPr>
+          <a:xfrm>
+            <a:off x="9229529" y="2875258"/>
+            <a:ext cx="163853" cy="2786886"/>
+          </a:xfrm>
+          <a:prstGeom prst="straightConnector1">
+            <a:avLst/>
+          </a:prstGeom>
+          <a:ln w="38100">
+            <a:solidFill>
+              <a:srgbClr val="B4A069"/>
+            </a:solidFill>
+            <a:tailEnd type="triangle" w="med" len="lg"/>
+          </a:ln>
+        </p:spPr>
+        <p:style>
+          <a:lnRef idx="1">
+            <a:schemeClr val="accent1"/>
+          </a:lnRef>
+          <a:fillRef idx="0">
+            <a:schemeClr val="accent1"/>
+          </a:fillRef>
+          <a:effectRef idx="0">
+            <a:schemeClr val="accent1"/>
+          </a:effectRef>
+          <a:fontRef idx="minor">
+            <a:schemeClr val="tx1"/>
+          </a:fontRef>
+        </p:style>
+      </p:cxnSp>
+      <p:cxnSp>
+        <p:nvCxnSpPr>
+          <p:cNvPr id="66" name="Gerade Verbindung mit Pfeil 65"/>
+          <p:cNvCxnSpPr>
+            <a:stCxn id="42" idx="2"/>
+            <a:endCxn id="50" idx="0"/>
+          </p:cNvCxnSpPr>
+          <p:nvPr/>
+        </p:nvCxnSpPr>
+        <p:spPr>
+          <a:xfrm flipH="1">
+            <a:off x="9393382" y="3424813"/>
+            <a:ext cx="1773655" cy="2237331"/>
+          </a:xfrm>
+          <a:prstGeom prst="straightConnector1">
+            <a:avLst/>
+          </a:prstGeom>
+          <a:ln w="38100">
+            <a:solidFill>
+              <a:srgbClr val="B4A069"/>
+            </a:solidFill>
+            <a:tailEnd type="triangle" w="med" len="lg"/>
+          </a:ln>
+        </p:spPr>
+        <p:style>
+          <a:lnRef idx="1">
+            <a:schemeClr val="accent1"/>
+          </a:lnRef>
+          <a:fillRef idx="0">
+            <a:schemeClr val="accent1"/>
+          </a:fillRef>
+          <a:effectRef idx="0">
+            <a:schemeClr val="accent1"/>
+          </a:effectRef>
+          <a:fontRef idx="minor">
+            <a:schemeClr val="tx1"/>
+          </a:fontRef>
+        </p:style>
+      </p:cxnSp>
+    </p:spTree>
+    <p:extLst>
+      <p:ext uri="{BB962C8B-B14F-4D97-AF65-F5344CB8AC3E}">
+        <p14:creationId xmlns:p14="http://schemas.microsoft.com/office/powerpoint/2010/main" val="1357572858"/>
+      </p:ext>
+    </p:extLst>
+  </p:cSld>
+  <p:clrMapOvr>
+    <a:masterClrMapping/>
+  </p:clrMapOvr>
+  <p:timing>
+    <p:tnLst>
+      <p:par>
+        <p:cTn id="1" dur="indefinite" restart="never" nodeType="tmRoot"/>
+      </p:par>
+    </p:tnLst>
+  </p:timing>
+</p:sld>
+</file>
+
+<file path=ppt/slides/slide5.xml><?xml version="1.0" encoding="utf-8"?>
+<p:sld xmlns:a="http://schemas.openxmlformats.org/drawingml/2006/main" xmlns:r="http://schemas.openxmlformats.org/officeDocument/2006/relationships" xmlns:p="http://schemas.openxmlformats.org/presentationml/2006/main">
+  <p:cSld>
+    <p:spTree>
+      <p:nvGrpSpPr>
+        <p:cNvPr id="1" name=""/>
+        <p:cNvGrpSpPr/>
+        <p:nvPr/>
+      </p:nvGrpSpPr>
+      <p:grpSpPr>
+        <a:xfrm>
+          <a:off x="0" y="0"/>
+          <a:ext cx="0" cy="0"/>
+          <a:chOff x="0" y="0"/>
+          <a:chExt cx="0" cy="0"/>
+        </a:xfrm>
+      </p:grpSpPr>
+      <p:cxnSp>
+        <p:nvCxnSpPr>
+          <p:cNvPr id="51" name="Gerade Verbindung mit Pfeil 50"/>
+          <p:cNvCxnSpPr>
+            <a:stCxn id="46" idx="2"/>
+          </p:cNvCxnSpPr>
+          <p:nvPr/>
+        </p:nvCxnSpPr>
+        <p:spPr>
+          <a:xfrm>
+            <a:off x="2704870" y="1894429"/>
+            <a:ext cx="5420280" cy="3767715"/>
+          </a:xfrm>
+          <a:prstGeom prst="straightConnector1">
+            <a:avLst/>
+          </a:prstGeom>
+          <a:ln w="38100">
+            <a:solidFill>
+              <a:srgbClr val="B4A069"/>
+            </a:solidFill>
+            <a:tailEnd type="triangle" w="med" len="lg"/>
+          </a:ln>
+        </p:spPr>
+        <p:style>
+          <a:lnRef idx="1">
+            <a:schemeClr val="accent1"/>
+          </a:lnRef>
+          <a:fillRef idx="0">
+            <a:schemeClr val="accent1"/>
+          </a:fillRef>
+          <a:effectRef idx="0">
+            <a:schemeClr val="accent1"/>
+          </a:effectRef>
+          <a:fontRef idx="minor">
+            <a:schemeClr val="tx1"/>
+          </a:fontRef>
+        </p:style>
+      </p:cxnSp>
+      <p:cxnSp>
+        <p:nvCxnSpPr>
+          <p:cNvPr id="60" name="Gerade Verbindung mit Pfeil 59"/>
+          <p:cNvCxnSpPr>
+            <a:stCxn id="40" idx="2"/>
+          </p:cNvCxnSpPr>
+          <p:nvPr/>
+        </p:nvCxnSpPr>
+        <p:spPr>
+          <a:xfrm>
+            <a:off x="7832784" y="4177827"/>
+            <a:ext cx="950998" cy="1534153"/>
+          </a:xfrm>
+          <a:prstGeom prst="straightConnector1">
+            <a:avLst/>
+          </a:prstGeom>
+          <a:ln w="38100">
+            <a:solidFill>
+              <a:srgbClr val="B4A069"/>
+            </a:solidFill>
+            <a:tailEnd type="triangle" w="med" len="lg"/>
+          </a:ln>
+        </p:spPr>
+        <p:style>
+          <a:lnRef idx="1">
+            <a:schemeClr val="accent1"/>
+          </a:lnRef>
+          <a:fillRef idx="0">
+            <a:schemeClr val="accent1"/>
+          </a:fillRef>
+          <a:effectRef idx="0">
+            <a:schemeClr val="accent1"/>
+          </a:effectRef>
+          <a:fontRef idx="minor">
+            <a:schemeClr val="tx1"/>
+          </a:fontRef>
+        </p:style>
+      </p:cxnSp>
+      <p:cxnSp>
+        <p:nvCxnSpPr>
+          <p:cNvPr id="63" name="Gerade Verbindung mit Pfeil 62"/>
+          <p:cNvCxnSpPr>
+            <a:stCxn id="45" idx="2"/>
+            <a:endCxn id="50" idx="0"/>
+          </p:cNvCxnSpPr>
+          <p:nvPr/>
+        </p:nvCxnSpPr>
+        <p:spPr>
+          <a:xfrm>
+            <a:off x="9229529" y="2875258"/>
+            <a:ext cx="163853" cy="2786886"/>
+          </a:xfrm>
+          <a:prstGeom prst="straightConnector1">
+            <a:avLst/>
+          </a:prstGeom>
+          <a:ln w="38100">
+            <a:solidFill>
+              <a:srgbClr val="B4A069"/>
+            </a:solidFill>
+            <a:tailEnd type="triangle" w="med" len="lg"/>
+          </a:ln>
+        </p:spPr>
+        <p:style>
+          <a:lnRef idx="1">
+            <a:schemeClr val="accent1"/>
+          </a:lnRef>
+          <a:fillRef idx="0">
+            <a:schemeClr val="accent1"/>
+          </a:fillRef>
+          <a:effectRef idx="0">
+            <a:schemeClr val="accent1"/>
+          </a:effectRef>
+          <a:fontRef idx="minor">
+            <a:schemeClr val="tx1"/>
+          </a:fontRef>
+        </p:style>
+      </p:cxnSp>
+      <p:cxnSp>
+        <p:nvCxnSpPr>
+          <p:cNvPr id="66" name="Gerade Verbindung mit Pfeil 65"/>
+          <p:cNvCxnSpPr>
+            <a:stCxn id="42" idx="2"/>
+          </p:cNvCxnSpPr>
+          <p:nvPr/>
+        </p:nvCxnSpPr>
+        <p:spPr>
+          <a:xfrm flipH="1">
+            <a:off x="10348781" y="3424813"/>
+            <a:ext cx="818256" cy="2237331"/>
+          </a:xfrm>
+          <a:prstGeom prst="straightConnector1">
+            <a:avLst/>
+          </a:prstGeom>
+          <a:ln w="38100">
+            <a:solidFill>
+              <a:srgbClr val="B4A069"/>
+            </a:solidFill>
+            <a:tailEnd type="triangle" w="med" len="lg"/>
+          </a:ln>
+        </p:spPr>
+        <p:style>
+          <a:lnRef idx="1">
+            <a:schemeClr val="accent1"/>
+          </a:lnRef>
+          <a:fillRef idx="0">
+            <a:schemeClr val="accent1"/>
+          </a:fillRef>
+          <a:effectRef idx="0">
+            <a:schemeClr val="accent1"/>
+          </a:effectRef>
+          <a:fontRef idx="minor">
+            <a:schemeClr val="tx1"/>
+          </a:fontRef>
+        </p:style>
+      </p:cxnSp>
+      <p:grpSp>
+        <p:nvGrpSpPr>
+          <p:cNvPr id="52" name="Gruppierung 51"/>
+          <p:cNvGrpSpPr/>
+          <p:nvPr/>
+        </p:nvGrpSpPr>
+        <p:grpSpPr>
+          <a:xfrm>
+            <a:off x="6178244" y="3117036"/>
+            <a:ext cx="6681229" cy="2458446"/>
+            <a:chOff x="4733692" y="3107676"/>
+            <a:chExt cx="6153076" cy="2458446"/>
+          </a:xfrm>
+        </p:grpSpPr>
+        <p:sp>
+          <p:nvSpPr>
+            <p:cNvPr id="41" name="Abgerundetes Rechteck 40"/>
+            <p:cNvSpPr/>
+            <p:nvPr/>
+          </p:nvSpPr>
+          <p:spPr>
+            <a:xfrm>
+              <a:off x="4733692" y="3110133"/>
+              <a:ext cx="6153076" cy="2455989"/>
+            </a:xfrm>
+            <a:prstGeom prst="roundRect">
+              <a:avLst/>
+            </a:prstGeom>
+            <a:solidFill>
+              <a:srgbClr val="FFBCB5">
+                <a:alpha val="47000"/>
+              </a:srgbClr>
+            </a:solidFill>
+            <a:ln>
+              <a:noFill/>
+            </a:ln>
+          </p:spPr>
+          <p:style>
+            <a:lnRef idx="2">
+              <a:schemeClr val="accent1">
+                <a:shade val="50000"/>
+              </a:schemeClr>
+            </a:lnRef>
+            <a:fillRef idx="1">
+              <a:schemeClr val="accent1"/>
+            </a:fillRef>
+            <a:effectRef idx="0">
+              <a:schemeClr val="accent1"/>
+            </a:effectRef>
+            <a:fontRef idx="minor">
+              <a:schemeClr val="lt1"/>
+            </a:fontRef>
+          </p:style>
+          <p:txBody>
+            <a:bodyPr rtlCol="0" anchor="ctr"/>
+            <a:lstStyle/>
+            <a:p>
+              <a:pPr algn="ctr"/>
+              <a:endParaRPr lang="de-DE"/>
+            </a:p>
+          </p:txBody>
+        </p:sp>
+        <p:sp>
+          <p:nvSpPr>
+            <p:cNvPr id="42" name="Textfeld 41"/>
+            <p:cNvSpPr txBox="1"/>
+            <p:nvPr/>
+          </p:nvSpPr>
+          <p:spPr>
+            <a:xfrm>
+              <a:off x="8574547" y="3107676"/>
+              <a:ext cx="1507144" cy="307777"/>
+            </a:xfrm>
+            <a:prstGeom prst="rect">
+              <a:avLst/>
+            </a:prstGeom>
+            <a:noFill/>
+          </p:spPr>
+          <p:txBody>
+            <a:bodyPr wrap="none" rtlCol="0">
+              <a:spAutoFit/>
+            </a:bodyPr>
+            <a:lstStyle/>
+            <a:p>
+              <a:r>
+                <a:rPr lang="de-DE" sz="1400" b="1" dirty="0">
+                  <a:solidFill>
+                    <a:srgbClr val="A51E41"/>
+                  </a:solidFill>
+                  <a:latin typeface="Lato" charset="0"/>
+                  <a:ea typeface="Lato" charset="0"/>
+                  <a:cs typeface="Lato" charset="0"/>
+                </a:rPr>
+                <a:t>Selbstevaluation</a:t>
+              </a:r>
+            </a:p>
+          </p:txBody>
+        </p:sp>
+        <p:sp>
+          <p:nvSpPr>
+            <p:cNvPr id="43" name="Abgerundetes Rechteck 42"/>
+            <p:cNvSpPr/>
+            <p:nvPr/>
+          </p:nvSpPr>
+          <p:spPr>
+            <a:xfrm>
+              <a:off x="6250539" y="4406244"/>
+              <a:ext cx="2876064" cy="1034749"/>
+            </a:xfrm>
+            <a:prstGeom prst="roundRect">
+              <a:avLst/>
+            </a:prstGeom>
+            <a:solidFill>
+              <a:srgbClr val="FFBCB5">
+                <a:alpha val="47000"/>
+              </a:srgbClr>
+            </a:solidFill>
+            <a:ln>
+              <a:noFill/>
+            </a:ln>
+          </p:spPr>
+          <p:style>
+            <a:lnRef idx="2">
+              <a:schemeClr val="accent1">
+                <a:shade val="50000"/>
+              </a:schemeClr>
+            </a:lnRef>
+            <a:fillRef idx="1">
+              <a:schemeClr val="accent1"/>
+            </a:fillRef>
+            <a:effectRef idx="0">
+              <a:schemeClr val="accent1"/>
+            </a:effectRef>
+            <a:fontRef idx="minor">
+              <a:schemeClr val="lt1"/>
+            </a:fontRef>
+          </p:style>
+          <p:txBody>
+            <a:bodyPr rtlCol="0" anchor="ctr"/>
+            <a:lstStyle/>
+            <a:p>
+              <a:pPr algn="ctr"/>
+              <a:endParaRPr lang="de-DE"/>
+            </a:p>
+          </p:txBody>
+        </p:sp>
+        <p:pic>
+          <p:nvPicPr>
+            <p:cNvPr id="44" name="Picture 5" descr="Icon Titelblatt 1"/>
+            <p:cNvPicPr>
+              <a:picLocks noChangeAspect="1" noChangeArrowheads="1"/>
+            </p:cNvPicPr>
+            <p:nvPr/>
+          </p:nvPicPr>
+          <p:blipFill rotWithShape="1">
+            <a:blip r:embed="rId2">
+              <a:extLst>
+                <a:ext uri="{28A0092B-C50C-407E-A947-70E740481C1C}">
+                  <a14:useLocalDpi xmlns:a14="http://schemas.microsoft.com/office/drawing/2010/main" val="0"/>
+                </a:ext>
+              </a:extLst>
+            </a:blip>
+            <a:srcRect l="599" t="74104" r="78140" b="469"/>
+            <a:stretch/>
+          </p:blipFill>
+          <p:spPr bwMode="auto">
+            <a:xfrm>
+              <a:off x="8484043" y="4682577"/>
+              <a:ext cx="484536" cy="621508"/>
+            </a:xfrm>
+            <a:prstGeom prst="rect">
+              <a:avLst/>
+            </a:prstGeom>
+            <a:noFill/>
+            <a:ln>
+              <a:noFill/>
+            </a:ln>
+            <a:extLst>
+              <a:ext uri="{909E8E84-426E-40DD-AFC4-6F175D3DCCD1}">
+                <a14:hiddenFill xmlns:a14="http://schemas.microsoft.com/office/drawing/2010/main">
+                  <a:solidFill>
+                    <a:srgbClr val="FFFFFF"/>
+                  </a:solidFill>
+                </a14:hiddenFill>
+              </a:ext>
+              <a:ext uri="{91240B29-F687-4F45-9708-019B960494DF}">
+                <a14:hiddenLine xmlns:a14="http://schemas.microsoft.com/office/drawing/2010/main" w="9525">
+                  <a:solidFill>
+                    <a:srgbClr val="000000"/>
+                  </a:solidFill>
+                  <a:miter lim="800000"/>
+                  <a:headEnd/>
+                  <a:tailEnd/>
+                </a14:hiddenLine>
+              </a:ext>
+            </a:extLst>
+          </p:spPr>
+        </p:pic>
+      </p:grpSp>
+      <p:sp>
+        <p:nvSpPr>
+          <p:cNvPr id="50" name="Abgerundetes Rechteck 49"/>
+          <p:cNvSpPr/>
+          <p:nvPr/>
+        </p:nvSpPr>
+        <p:spPr>
+          <a:xfrm>
+            <a:off x="7716982" y="5662144"/>
+            <a:ext cx="3352800" cy="1048922"/>
+          </a:xfrm>
+          <a:prstGeom prst="roundRect">
+            <a:avLst/>
+          </a:prstGeom>
+          <a:solidFill>
+            <a:srgbClr val="B4A069">
+              <a:alpha val="46667"/>
+            </a:srgbClr>
+          </a:solidFill>
+          <a:ln>
+            <a:noFill/>
+          </a:ln>
+        </p:spPr>
+        <p:style>
+          <a:lnRef idx="2">
+            <a:schemeClr val="accent1">
+              <a:shade val="50000"/>
+            </a:schemeClr>
+          </a:lnRef>
+          <a:fillRef idx="1">
+            <a:schemeClr val="accent1"/>
+          </a:fillRef>
+          <a:effectRef idx="0">
+            <a:schemeClr val="accent1"/>
+          </a:effectRef>
+          <a:fontRef idx="minor">
+            <a:schemeClr val="lt1"/>
+          </a:fontRef>
+        </p:style>
+        <p:txBody>
+          <a:bodyPr rtlCol="0" anchor="ctr"/>
+          <a:lstStyle/>
+          <a:p>
+            <a:pPr algn="ctr"/>
+            <a:endParaRPr lang="de-DE"/>
+          </a:p>
+        </p:txBody>
+      </p:sp>
+      <p:sp>
+        <p:nvSpPr>
+          <p:cNvPr id="39" name="Abgerundetes Rechteck 38"/>
+          <p:cNvSpPr/>
+          <p:nvPr/>
+        </p:nvSpPr>
+        <p:spPr>
+          <a:xfrm>
+            <a:off x="3384754" y="1619885"/>
+            <a:ext cx="5685150" cy="2583929"/>
+          </a:xfrm>
+          <a:prstGeom prst="roundRect">
+            <a:avLst/>
+          </a:prstGeom>
+          <a:solidFill>
+            <a:srgbClr val="FFBCB5">
+              <a:alpha val="47000"/>
+            </a:srgbClr>
+          </a:solidFill>
+          <a:ln>
+            <a:noFill/>
+          </a:ln>
+        </p:spPr>
+        <p:style>
+          <a:lnRef idx="2">
+            <a:schemeClr val="accent1">
+              <a:shade val="50000"/>
+            </a:schemeClr>
+          </a:lnRef>
+          <a:fillRef idx="1">
+            <a:schemeClr val="accent1"/>
+          </a:fillRef>
+          <a:effectRef idx="0">
+            <a:schemeClr val="accent1"/>
+          </a:effectRef>
+          <a:fontRef idx="minor">
+            <a:schemeClr val="lt1"/>
+          </a:fontRef>
+        </p:style>
+        <p:txBody>
+          <a:bodyPr rtlCol="0" anchor="ctr"/>
+          <a:lstStyle/>
+          <a:p>
+            <a:pPr algn="ctr"/>
+            <a:endParaRPr lang="de-DE"/>
+          </a:p>
+        </p:txBody>
+      </p:sp>
+      <p:cxnSp>
+        <p:nvCxnSpPr>
+          <p:cNvPr id="5" name="Gerade Verbindung mit Pfeil 4"/>
+          <p:cNvCxnSpPr/>
+          <p:nvPr/>
+        </p:nvCxnSpPr>
+        <p:spPr>
+          <a:xfrm flipV="1">
+            <a:off x="1426369" y="387152"/>
+            <a:ext cx="0" cy="5459769"/>
+          </a:xfrm>
+          <a:prstGeom prst="straightConnector1">
+            <a:avLst/>
+          </a:prstGeom>
+          <a:ln w="38100">
+            <a:solidFill>
+              <a:srgbClr val="A51E41"/>
+            </a:solidFill>
+            <a:tailEnd type="triangle" w="med" len="lg"/>
+          </a:ln>
+        </p:spPr>
+        <p:style>
+          <a:lnRef idx="1">
+            <a:schemeClr val="accent1"/>
+          </a:lnRef>
+          <a:fillRef idx="0">
+            <a:schemeClr val="accent1"/>
+          </a:fillRef>
+          <a:effectRef idx="0">
+            <a:schemeClr val="accent1"/>
+          </a:effectRef>
+          <a:fontRef idx="minor">
+            <a:schemeClr val="tx1"/>
+          </a:fontRef>
+        </p:style>
+      </p:cxnSp>
+      <p:cxnSp>
+        <p:nvCxnSpPr>
+          <p:cNvPr id="6" name="Gerade Verbindung mit Pfeil 5"/>
+          <p:cNvCxnSpPr/>
+          <p:nvPr/>
+        </p:nvCxnSpPr>
+        <p:spPr>
+          <a:xfrm>
+            <a:off x="1331089" y="5711980"/>
+            <a:ext cx="11860276" cy="89446"/>
+          </a:xfrm>
+          <a:prstGeom prst="straightConnector1">
+            <a:avLst/>
+          </a:prstGeom>
+          <a:ln w="38100">
+            <a:solidFill>
+              <a:srgbClr val="A51E41"/>
+            </a:solidFill>
+            <a:tailEnd type="triangle" w="med" len="lg"/>
+          </a:ln>
+        </p:spPr>
+        <p:style>
+          <a:lnRef idx="1">
+            <a:schemeClr val="accent1"/>
+          </a:lnRef>
+          <a:fillRef idx="0">
+            <a:schemeClr val="accent1"/>
+          </a:fillRef>
+          <a:effectRef idx="0">
+            <a:schemeClr val="accent1"/>
+          </a:effectRef>
+          <a:fontRef idx="minor">
+            <a:schemeClr val="tx1"/>
+          </a:fontRef>
+        </p:style>
+      </p:cxnSp>
+      <p:grpSp>
+        <p:nvGrpSpPr>
+          <p:cNvPr id="2" name="Gruppierung 1"/>
+          <p:cNvGrpSpPr/>
+          <p:nvPr/>
+        </p:nvGrpSpPr>
+        <p:grpSpPr>
+          <a:xfrm>
+            <a:off x="1551916" y="5903080"/>
+            <a:ext cx="1398852" cy="770254"/>
+            <a:chOff x="1551916" y="5903080"/>
+            <a:chExt cx="1398852" cy="770254"/>
+          </a:xfrm>
+        </p:grpSpPr>
+        <p:sp>
+          <p:nvSpPr>
+            <p:cNvPr id="13" name="Textfeld 12"/>
+            <p:cNvSpPr txBox="1"/>
+            <p:nvPr/>
+          </p:nvSpPr>
+          <p:spPr>
+            <a:xfrm>
+              <a:off x="1551916" y="6396335"/>
+              <a:ext cx="1398852" cy="276999"/>
+            </a:xfrm>
+            <a:prstGeom prst="rect">
+              <a:avLst/>
+            </a:prstGeom>
+            <a:noFill/>
+          </p:spPr>
+          <p:txBody>
+            <a:bodyPr wrap="square" rtlCol="0">
+              <a:spAutoFit/>
+            </a:bodyPr>
+            <a:lstStyle/>
+            <a:p>
+              <a:pPr algn="ctr"/>
+              <a:r>
+                <a:rPr lang="de-DE" sz="1200" b="1" dirty="0">
+                  <a:latin typeface="Lato" charset="0"/>
+                  <a:ea typeface="Lato" charset="0"/>
+                  <a:cs typeface="Lato" charset="0"/>
+                </a:rPr>
+                <a:t>Öffentlichkeit</a:t>
+              </a:r>
+            </a:p>
+          </p:txBody>
+        </p:sp>
+        <p:pic>
+          <p:nvPicPr>
+            <p:cNvPr id="4" name="Bild 3"/>
+            <p:cNvPicPr>
+              <a:picLocks noChangeAspect="1"/>
+            </p:cNvPicPr>
+            <p:nvPr/>
+          </p:nvPicPr>
+          <p:blipFill>
+            <a:blip r:embed="rId3">
+              <a:duotone>
+                <a:prstClr val="black"/>
+                <a:srgbClr val="515151">
+                  <a:tint val="45000"/>
+                  <a:satMod val="400000"/>
+                </a:srgbClr>
+              </a:duotone>
+            </a:blip>
+            <a:stretch>
+              <a:fillRect/>
+            </a:stretch>
+          </p:blipFill>
+          <p:spPr>
+            <a:xfrm>
+              <a:off x="2027565" y="5903080"/>
+              <a:ext cx="447554" cy="447554"/>
+            </a:xfrm>
+            <a:prstGeom prst="rect">
+              <a:avLst/>
+            </a:prstGeom>
+          </p:spPr>
+        </p:pic>
+      </p:grpSp>
+      <p:grpSp>
+        <p:nvGrpSpPr>
+          <p:cNvPr id="3" name="Gruppierung 2"/>
+          <p:cNvGrpSpPr/>
+          <p:nvPr/>
+        </p:nvGrpSpPr>
+        <p:grpSpPr>
+          <a:xfrm>
+            <a:off x="3591628" y="5903080"/>
+            <a:ext cx="1398852" cy="862587"/>
+            <a:chOff x="3105988" y="5903080"/>
+            <a:chExt cx="1398852" cy="862587"/>
+          </a:xfrm>
+        </p:grpSpPr>
+        <p:sp>
+          <p:nvSpPr>
+            <p:cNvPr id="8" name="Textfeld 7"/>
+            <p:cNvSpPr txBox="1"/>
+            <p:nvPr/>
+          </p:nvSpPr>
+          <p:spPr>
+            <a:xfrm>
+              <a:off x="3105988" y="6304002"/>
+              <a:ext cx="1398852" cy="461665"/>
+            </a:xfrm>
+            <a:prstGeom prst="rect">
+              <a:avLst/>
+            </a:prstGeom>
+            <a:noFill/>
+          </p:spPr>
+          <p:txBody>
+            <a:bodyPr wrap="square" rtlCol="0">
+              <a:spAutoFit/>
+            </a:bodyPr>
+            <a:lstStyle/>
+            <a:p>
+              <a:pPr algn="ctr"/>
+              <a:r>
+                <a:rPr lang="de-DE" sz="1200" b="1">
+                  <a:latin typeface="Lato" charset="0"/>
+                  <a:ea typeface="Lato" charset="0"/>
+                  <a:cs typeface="Lato" charset="0"/>
+                </a:rPr>
+                <a:t>Bildungs-</a:t>
+              </a:r>
+              <a:br>
+                <a:rPr lang="de-DE" sz="1200" b="1">
+                  <a:latin typeface="Lato" charset="0"/>
+                  <a:ea typeface="Lato" charset="0"/>
+                  <a:cs typeface="Lato" charset="0"/>
+                </a:rPr>
+              </a:br>
+              <a:r>
+                <a:rPr lang="de-DE" sz="1200" b="1" dirty="0" err="1">
+                  <a:latin typeface="Lato" charset="0"/>
+                  <a:ea typeface="Lato" charset="0"/>
+                  <a:cs typeface="Lato" charset="0"/>
+                </a:rPr>
+                <a:t>administration</a:t>
+              </a:r>
+              <a:endParaRPr lang="de-DE" sz="1200" b="1" dirty="0">
+                <a:latin typeface="Lato" charset="0"/>
+                <a:ea typeface="Lato" charset="0"/>
+                <a:cs typeface="Lato" charset="0"/>
+              </a:endParaRPr>
+            </a:p>
+          </p:txBody>
+        </p:sp>
+        <p:pic>
+          <p:nvPicPr>
+            <p:cNvPr id="9" name="Bild 8"/>
+            <p:cNvPicPr>
+              <a:picLocks noChangeAspect="1"/>
+            </p:cNvPicPr>
+            <p:nvPr/>
+          </p:nvPicPr>
+          <p:blipFill>
+            <a:blip r:embed="rId4">
+              <a:extLst>
+                <a:ext uri="{28A0092B-C50C-407E-A947-70E740481C1C}">
+                  <a14:useLocalDpi xmlns:a14="http://schemas.microsoft.com/office/drawing/2010/main" val="0"/>
+                </a:ext>
+              </a:extLst>
+            </a:blip>
+            <a:stretch>
+              <a:fillRect/>
+            </a:stretch>
+          </p:blipFill>
+          <p:spPr>
+            <a:xfrm>
+              <a:off x="3581637" y="5903080"/>
+              <a:ext cx="447554" cy="447554"/>
+            </a:xfrm>
+            <a:prstGeom prst="rect">
+              <a:avLst/>
+            </a:prstGeom>
+          </p:spPr>
+        </p:pic>
+      </p:grpSp>
+      <p:grpSp>
+        <p:nvGrpSpPr>
+          <p:cNvPr id="7" name="Gruppierung 6"/>
+          <p:cNvGrpSpPr/>
+          <p:nvPr/>
+        </p:nvGrpSpPr>
+        <p:grpSpPr>
+          <a:xfrm>
+            <a:off x="5631340" y="5903080"/>
+            <a:ext cx="1398852" cy="770254"/>
+            <a:chOff x="4660060" y="5903080"/>
+            <a:chExt cx="1398852" cy="770254"/>
+          </a:xfrm>
+        </p:grpSpPr>
+        <p:sp>
+          <p:nvSpPr>
+            <p:cNvPr id="10" name="Textfeld 9"/>
+            <p:cNvSpPr txBox="1"/>
+            <p:nvPr/>
+          </p:nvSpPr>
+          <p:spPr>
+            <a:xfrm>
+              <a:off x="4660060" y="6396335"/>
+              <a:ext cx="1398852" cy="276999"/>
+            </a:xfrm>
+            <a:prstGeom prst="rect">
+              <a:avLst/>
+            </a:prstGeom>
+            <a:noFill/>
+          </p:spPr>
+          <p:txBody>
+            <a:bodyPr wrap="square" rtlCol="0">
+              <a:spAutoFit/>
+            </a:bodyPr>
+            <a:lstStyle/>
+            <a:p>
+              <a:pPr algn="ctr"/>
+              <a:r>
+                <a:rPr lang="de-DE" sz="1200" b="1" dirty="0">
+                  <a:latin typeface="Lato" charset="0"/>
+                  <a:ea typeface="Lato" charset="0"/>
+                  <a:cs typeface="Lato" charset="0"/>
+                </a:rPr>
+                <a:t>Schulleitung</a:t>
+              </a:r>
+            </a:p>
+          </p:txBody>
+        </p:sp>
+        <p:pic>
+          <p:nvPicPr>
+            <p:cNvPr id="11" name="Bild 10"/>
+            <p:cNvPicPr>
+              <a:picLocks noChangeAspect="1"/>
+            </p:cNvPicPr>
+            <p:nvPr/>
+          </p:nvPicPr>
+          <p:blipFill>
+            <a:blip r:embed="rId5">
+              <a:extLst>
+                <a:ext uri="{28A0092B-C50C-407E-A947-70E740481C1C}">
+                  <a14:useLocalDpi xmlns:a14="http://schemas.microsoft.com/office/drawing/2010/main" val="0"/>
+                </a:ext>
+              </a:extLst>
+            </a:blip>
+            <a:stretch>
+              <a:fillRect/>
+            </a:stretch>
+          </p:blipFill>
+          <p:spPr>
+            <a:xfrm>
+              <a:off x="5135709" y="5903080"/>
+              <a:ext cx="447554" cy="447554"/>
+            </a:xfrm>
+            <a:prstGeom prst="rect">
+              <a:avLst/>
+            </a:prstGeom>
+          </p:spPr>
+        </p:pic>
+      </p:grpSp>
+      <p:grpSp>
+        <p:nvGrpSpPr>
+          <p:cNvPr id="20" name="Gruppierung 19"/>
+          <p:cNvGrpSpPr/>
+          <p:nvPr/>
+        </p:nvGrpSpPr>
+        <p:grpSpPr>
+          <a:xfrm>
+            <a:off x="7671052" y="5881529"/>
+            <a:ext cx="1398852" cy="791805"/>
+            <a:chOff x="6235684" y="5881529"/>
+            <a:chExt cx="1398852" cy="791805"/>
+          </a:xfrm>
+        </p:grpSpPr>
+        <p:sp>
+          <p:nvSpPr>
+            <p:cNvPr id="14" name="Textfeld 13"/>
+            <p:cNvSpPr txBox="1"/>
+            <p:nvPr/>
+          </p:nvSpPr>
+          <p:spPr>
+            <a:xfrm>
+              <a:off x="6235684" y="6396335"/>
+              <a:ext cx="1398852" cy="276999"/>
+            </a:xfrm>
+            <a:prstGeom prst="rect">
+              <a:avLst/>
+            </a:prstGeom>
+            <a:noFill/>
+          </p:spPr>
+          <p:txBody>
+            <a:bodyPr wrap="square" rtlCol="0">
+              <a:spAutoFit/>
+            </a:bodyPr>
+            <a:lstStyle/>
+            <a:p>
+              <a:pPr algn="ctr"/>
+              <a:r>
+                <a:rPr lang="de-DE" sz="1200" b="1" dirty="0">
+                  <a:latin typeface="Lato" charset="0"/>
+                  <a:ea typeface="Lato" charset="0"/>
+                  <a:cs typeface="Lato" charset="0"/>
+                </a:rPr>
+                <a:t>Lehrer*innen</a:t>
+              </a:r>
+            </a:p>
+          </p:txBody>
+        </p:sp>
+        <p:pic>
+          <p:nvPicPr>
+            <p:cNvPr id="15" name="Bild 14"/>
+            <p:cNvPicPr>
+              <a:picLocks noChangeAspect="1"/>
+            </p:cNvPicPr>
+            <p:nvPr/>
+          </p:nvPicPr>
+          <p:blipFill>
+            <a:blip r:embed="rId6">
+              <a:clrChange>
+                <a:clrFrom>
+                  <a:srgbClr val="FFFFFF"/>
+                </a:clrFrom>
+                <a:clrTo>
+                  <a:srgbClr val="FFFFFF">
+                    <a:alpha val="0"/>
+                  </a:srgbClr>
+                </a:clrTo>
+              </a:clrChange>
+              <a:extLst>
+                <a:ext uri="{28A0092B-C50C-407E-A947-70E740481C1C}">
+                  <a14:useLocalDpi xmlns:a14="http://schemas.microsoft.com/office/drawing/2010/main" val="0"/>
+                </a:ext>
+              </a:extLst>
+            </a:blip>
+            <a:stretch>
+              <a:fillRect/>
+            </a:stretch>
+          </p:blipFill>
+          <p:spPr>
+            <a:xfrm>
+              <a:off x="6689782" y="5881529"/>
+              <a:ext cx="490659" cy="490659"/>
+            </a:xfrm>
+            <a:prstGeom prst="rect">
+              <a:avLst/>
+            </a:prstGeom>
+          </p:spPr>
+        </p:pic>
+      </p:grpSp>
+      <p:grpSp>
+        <p:nvGrpSpPr>
+          <p:cNvPr id="48" name="Gruppierung 47"/>
+          <p:cNvGrpSpPr/>
+          <p:nvPr/>
+        </p:nvGrpSpPr>
+        <p:grpSpPr>
+          <a:xfrm>
+            <a:off x="11536690" y="5995958"/>
+            <a:ext cx="1398852" cy="703451"/>
+            <a:chOff x="9413957" y="5969883"/>
+            <a:chExt cx="1398852" cy="703451"/>
+          </a:xfrm>
+        </p:grpSpPr>
+        <p:pic>
+          <p:nvPicPr>
+            <p:cNvPr id="17" name="Bild 16"/>
+            <p:cNvPicPr>
+              <a:picLocks noChangeAspect="1"/>
+            </p:cNvPicPr>
+            <p:nvPr/>
+          </p:nvPicPr>
+          <p:blipFill>
+            <a:blip r:embed="rId7">
+              <a:extLst>
+                <a:ext uri="{28A0092B-C50C-407E-A947-70E740481C1C}">
+                  <a14:useLocalDpi xmlns:a14="http://schemas.microsoft.com/office/drawing/2010/main" val="0"/>
+                </a:ext>
+              </a:extLst>
+            </a:blip>
+            <a:stretch>
+              <a:fillRect/>
+            </a:stretch>
+          </p:blipFill>
+          <p:spPr>
+            <a:xfrm>
+              <a:off x="9889606" y="5969883"/>
+              <a:ext cx="447554" cy="381912"/>
+            </a:xfrm>
+            <a:prstGeom prst="rect">
+              <a:avLst/>
+            </a:prstGeom>
+          </p:spPr>
+        </p:pic>
+        <p:sp>
+          <p:nvSpPr>
+            <p:cNvPr id="18" name="Textfeld 17"/>
+            <p:cNvSpPr txBox="1"/>
+            <p:nvPr/>
+          </p:nvSpPr>
+          <p:spPr>
+            <a:xfrm>
+              <a:off x="9413957" y="6396335"/>
+              <a:ext cx="1398852" cy="276999"/>
+            </a:xfrm>
+            <a:prstGeom prst="rect">
+              <a:avLst/>
+            </a:prstGeom>
+            <a:noFill/>
+          </p:spPr>
+          <p:txBody>
+            <a:bodyPr wrap="square" rtlCol="0">
+              <a:spAutoFit/>
+            </a:bodyPr>
+            <a:lstStyle/>
+            <a:p>
+              <a:pPr algn="ctr"/>
+              <a:r>
+                <a:rPr lang="de-DE" sz="1200" b="1" dirty="0">
+                  <a:latin typeface="Lato" charset="0"/>
+                  <a:ea typeface="Lato" charset="0"/>
+                  <a:cs typeface="Lato" charset="0"/>
+                </a:rPr>
+                <a:t>Eltern</a:t>
+              </a:r>
+            </a:p>
+          </p:txBody>
+        </p:sp>
+      </p:grpSp>
+      <p:grpSp>
+        <p:nvGrpSpPr>
+          <p:cNvPr id="21" name="Gruppierung 20"/>
+          <p:cNvGrpSpPr/>
+          <p:nvPr/>
+        </p:nvGrpSpPr>
+        <p:grpSpPr>
+          <a:xfrm>
+            <a:off x="9710764" y="5849173"/>
+            <a:ext cx="1398852" cy="1008827"/>
+            <a:chOff x="7811309" y="5849173"/>
+            <a:chExt cx="1398852" cy="1008827"/>
+          </a:xfrm>
+        </p:grpSpPr>
+        <p:sp>
+          <p:nvSpPr>
+            <p:cNvPr id="16" name="Textfeld 15"/>
+            <p:cNvSpPr txBox="1"/>
+            <p:nvPr/>
+          </p:nvSpPr>
+          <p:spPr>
+            <a:xfrm>
+              <a:off x="7811309" y="6396335"/>
+              <a:ext cx="1398852" cy="461665"/>
+            </a:xfrm>
+            <a:prstGeom prst="rect">
+              <a:avLst/>
+            </a:prstGeom>
+            <a:noFill/>
+          </p:spPr>
+          <p:txBody>
+            <a:bodyPr wrap="square" rtlCol="0">
+              <a:spAutoFit/>
+            </a:bodyPr>
+            <a:lstStyle/>
+            <a:p>
+              <a:pPr algn="ctr"/>
+              <a:r>
+                <a:rPr lang="de-DE" sz="1200" b="1" dirty="0">
+                  <a:latin typeface="Lato" charset="0"/>
+                  <a:ea typeface="Lato" charset="0"/>
+                  <a:cs typeface="Lato" charset="0"/>
+                </a:rPr>
+                <a:t>Schüler*innen</a:t>
+              </a:r>
+            </a:p>
+            <a:p>
+              <a:pPr algn="ctr"/>
+              <a:endParaRPr lang="de-DE" sz="1200" b="1" dirty="0">
+                <a:latin typeface="Lato" charset="0"/>
+                <a:ea typeface="Lato" charset="0"/>
+                <a:cs typeface="Lato" charset="0"/>
+              </a:endParaRPr>
+            </a:p>
+          </p:txBody>
+        </p:sp>
+        <p:pic>
+          <p:nvPicPr>
+            <p:cNvPr id="19" name="Bild 18"/>
+            <p:cNvPicPr>
+              <a:picLocks noChangeAspect="1"/>
+            </p:cNvPicPr>
+            <p:nvPr/>
+          </p:nvPicPr>
+          <p:blipFill>
+            <a:blip r:embed="rId8">
+              <a:extLst>
+                <a:ext uri="{28A0092B-C50C-407E-A947-70E740481C1C}">
+                  <a14:useLocalDpi xmlns:a14="http://schemas.microsoft.com/office/drawing/2010/main" val="0"/>
+                </a:ext>
+              </a:extLst>
+            </a:blip>
+            <a:stretch>
+              <a:fillRect/>
+            </a:stretch>
+          </p:blipFill>
+          <p:spPr>
+            <a:xfrm>
+              <a:off x="8238383" y="5849173"/>
+              <a:ext cx="544705" cy="544705"/>
+            </a:xfrm>
+            <a:prstGeom prst="rect">
+              <a:avLst/>
+            </a:prstGeom>
+          </p:spPr>
+        </p:pic>
+      </p:grpSp>
+      <p:grpSp>
+        <p:nvGrpSpPr>
+          <p:cNvPr id="12" name="Gruppierung 11"/>
+          <p:cNvGrpSpPr/>
+          <p:nvPr/>
+        </p:nvGrpSpPr>
+        <p:grpSpPr>
+          <a:xfrm>
+            <a:off x="157123" y="806293"/>
+            <a:ext cx="1398852" cy="770253"/>
+            <a:chOff x="124034" y="2193551"/>
+            <a:chExt cx="1398852" cy="770253"/>
+          </a:xfrm>
+        </p:grpSpPr>
+        <p:sp>
+          <p:nvSpPr>
+            <p:cNvPr id="22" name="Textfeld 21"/>
+            <p:cNvSpPr txBox="1"/>
+            <p:nvPr/>
+          </p:nvSpPr>
+          <p:spPr>
+            <a:xfrm>
+              <a:off x="124034" y="2686805"/>
+              <a:ext cx="1398852" cy="276999"/>
+            </a:xfrm>
+            <a:prstGeom prst="rect">
+              <a:avLst/>
+            </a:prstGeom>
+            <a:noFill/>
+          </p:spPr>
+          <p:txBody>
+            <a:bodyPr wrap="square" rtlCol="0">
+              <a:spAutoFit/>
+            </a:bodyPr>
+            <a:lstStyle/>
+            <a:p>
+              <a:pPr algn="ctr"/>
+              <a:r>
+                <a:rPr lang="de-DE" sz="1200" b="1" dirty="0">
+                  <a:latin typeface="Lato" charset="0"/>
+                  <a:ea typeface="Lato" charset="0"/>
+                  <a:cs typeface="Lato" charset="0"/>
+                </a:rPr>
+                <a:t>Monitoring</a:t>
+              </a:r>
+            </a:p>
+          </p:txBody>
+        </p:sp>
+        <p:pic>
+          <p:nvPicPr>
+            <p:cNvPr id="23" name="Bild 22"/>
+            <p:cNvPicPr>
+              <a:picLocks noChangeAspect="1"/>
+            </p:cNvPicPr>
+            <p:nvPr/>
+          </p:nvPicPr>
+          <p:blipFill>
+            <a:blip r:embed="rId9">
+              <a:extLst>
+                <a:ext uri="{28A0092B-C50C-407E-A947-70E740481C1C}">
+                  <a14:useLocalDpi xmlns:a14="http://schemas.microsoft.com/office/drawing/2010/main" val="0"/>
+                </a:ext>
+              </a:extLst>
+            </a:blip>
+            <a:stretch>
+              <a:fillRect/>
+            </a:stretch>
+          </p:blipFill>
+          <p:spPr>
+            <a:xfrm>
+              <a:off x="599683" y="2193551"/>
+              <a:ext cx="447554" cy="447554"/>
+            </a:xfrm>
+            <a:prstGeom prst="rect">
+              <a:avLst/>
+            </a:prstGeom>
+          </p:spPr>
+        </p:pic>
+      </p:grpSp>
+      <p:grpSp>
+        <p:nvGrpSpPr>
+          <p:cNvPr id="30" name="Gruppierung 29"/>
+          <p:cNvGrpSpPr/>
+          <p:nvPr/>
+        </p:nvGrpSpPr>
+        <p:grpSpPr>
+          <a:xfrm>
+            <a:off x="157123" y="2119927"/>
+            <a:ext cx="1398852" cy="770253"/>
+            <a:chOff x="93303" y="3203801"/>
+            <a:chExt cx="1398852" cy="770253"/>
+          </a:xfrm>
+        </p:grpSpPr>
+        <p:sp>
+          <p:nvSpPr>
+            <p:cNvPr id="24" name="Textfeld 23"/>
+            <p:cNvSpPr txBox="1"/>
+            <p:nvPr/>
+          </p:nvSpPr>
+          <p:spPr>
+            <a:xfrm>
+              <a:off x="93303" y="3697055"/>
+              <a:ext cx="1398852" cy="276999"/>
+            </a:xfrm>
+            <a:prstGeom prst="rect">
+              <a:avLst/>
+            </a:prstGeom>
+            <a:noFill/>
+          </p:spPr>
+          <p:txBody>
+            <a:bodyPr wrap="square" rtlCol="0">
+              <a:spAutoFit/>
+            </a:bodyPr>
+            <a:lstStyle/>
+            <a:p>
+              <a:pPr algn="ctr"/>
+              <a:r>
+                <a:rPr lang="de-DE" sz="1200" b="1" dirty="0">
+                  <a:latin typeface="Lato" charset="0"/>
+                  <a:ea typeface="Lato" charset="0"/>
+                  <a:cs typeface="Lato" charset="0"/>
+                </a:rPr>
+                <a:t>Diagnostik</a:t>
+              </a:r>
+            </a:p>
+          </p:txBody>
+        </p:sp>
+        <p:pic>
+          <p:nvPicPr>
+            <p:cNvPr id="25" name="Bild 24"/>
+            <p:cNvPicPr>
+              <a:picLocks noChangeAspect="1"/>
+            </p:cNvPicPr>
+            <p:nvPr/>
+          </p:nvPicPr>
+          <p:blipFill>
+            <a:blip r:embed="rId10">
+              <a:extLst>
+                <a:ext uri="{28A0092B-C50C-407E-A947-70E740481C1C}">
+                  <a14:useLocalDpi xmlns:a14="http://schemas.microsoft.com/office/drawing/2010/main" val="0"/>
+                </a:ext>
+              </a:extLst>
+            </a:blip>
+            <a:stretch>
+              <a:fillRect/>
+            </a:stretch>
+          </p:blipFill>
+          <p:spPr>
+            <a:xfrm>
+              <a:off x="568952" y="3203801"/>
+              <a:ext cx="447554" cy="447554"/>
+            </a:xfrm>
+            <a:prstGeom prst="rect">
+              <a:avLst/>
+            </a:prstGeom>
+          </p:spPr>
+        </p:pic>
+      </p:grpSp>
+      <p:grpSp>
+        <p:nvGrpSpPr>
+          <p:cNvPr id="31" name="Gruppierung 30"/>
+          <p:cNvGrpSpPr/>
+          <p:nvPr/>
+        </p:nvGrpSpPr>
+        <p:grpSpPr>
+          <a:xfrm>
+            <a:off x="157123" y="3433561"/>
+            <a:ext cx="1398852" cy="770253"/>
+            <a:chOff x="18698" y="4259751"/>
+            <a:chExt cx="1398852" cy="770253"/>
+          </a:xfrm>
+        </p:grpSpPr>
+        <p:sp>
+          <p:nvSpPr>
+            <p:cNvPr id="26" name="Textfeld 25"/>
+            <p:cNvSpPr txBox="1"/>
+            <p:nvPr/>
+          </p:nvSpPr>
+          <p:spPr>
+            <a:xfrm>
+              <a:off x="18698" y="4753005"/>
+              <a:ext cx="1398852" cy="276999"/>
+            </a:xfrm>
+            <a:prstGeom prst="rect">
+              <a:avLst/>
+            </a:prstGeom>
+            <a:noFill/>
+          </p:spPr>
+          <p:txBody>
+            <a:bodyPr wrap="square" rtlCol="0">
+              <a:spAutoFit/>
+            </a:bodyPr>
+            <a:lstStyle/>
+            <a:p>
+              <a:pPr algn="ctr"/>
+              <a:r>
+                <a:rPr lang="de-DE" sz="1200" b="1" dirty="0">
+                  <a:latin typeface="Lato" charset="0"/>
+                  <a:ea typeface="Lato" charset="0"/>
+                  <a:cs typeface="Lato" charset="0"/>
+                </a:rPr>
+                <a:t>Feedback</a:t>
+              </a:r>
+            </a:p>
+          </p:txBody>
+        </p:sp>
+        <p:pic>
+          <p:nvPicPr>
+            <p:cNvPr id="27" name="Bild 26"/>
+            <p:cNvPicPr>
+              <a:picLocks noChangeAspect="1"/>
+            </p:cNvPicPr>
+            <p:nvPr/>
+          </p:nvPicPr>
+          <p:blipFill>
+            <a:blip r:embed="rId11">
+              <a:extLst>
+                <a:ext uri="{28A0092B-C50C-407E-A947-70E740481C1C}">
+                  <a14:useLocalDpi xmlns:a14="http://schemas.microsoft.com/office/drawing/2010/main" val="0"/>
+                </a:ext>
+              </a:extLst>
+            </a:blip>
+            <a:stretch>
+              <a:fillRect/>
+            </a:stretch>
+          </p:blipFill>
+          <p:spPr>
+            <a:xfrm>
+              <a:off x="494347" y="4259751"/>
+              <a:ext cx="447554" cy="447554"/>
+            </a:xfrm>
+            <a:prstGeom prst="rect">
+              <a:avLst/>
+            </a:prstGeom>
+          </p:spPr>
+        </p:pic>
+      </p:grpSp>
+      <p:grpSp>
+        <p:nvGrpSpPr>
+          <p:cNvPr id="32" name="Gruppierung 31"/>
+          <p:cNvGrpSpPr/>
+          <p:nvPr/>
+        </p:nvGrpSpPr>
+        <p:grpSpPr>
+          <a:xfrm>
+            <a:off x="157123" y="4747195"/>
+            <a:ext cx="1398852" cy="770253"/>
+            <a:chOff x="-155411" y="5454806"/>
+            <a:chExt cx="1398852" cy="770253"/>
+          </a:xfrm>
+        </p:grpSpPr>
+        <p:sp>
+          <p:nvSpPr>
+            <p:cNvPr id="28" name="Textfeld 27"/>
+            <p:cNvSpPr txBox="1"/>
+            <p:nvPr/>
+          </p:nvSpPr>
+          <p:spPr>
+            <a:xfrm>
+              <a:off x="-155411" y="5948060"/>
+              <a:ext cx="1398852" cy="276999"/>
+            </a:xfrm>
+            <a:prstGeom prst="rect">
+              <a:avLst/>
+            </a:prstGeom>
+            <a:noFill/>
+          </p:spPr>
+          <p:txBody>
+            <a:bodyPr wrap="square" rtlCol="0">
+              <a:spAutoFit/>
+            </a:bodyPr>
+            <a:lstStyle/>
+            <a:p>
+              <a:pPr algn="ctr"/>
+              <a:r>
+                <a:rPr lang="de-DE" sz="1200" b="1" dirty="0">
+                  <a:latin typeface="Lato" charset="0"/>
+                  <a:ea typeface="Lato" charset="0"/>
+                  <a:cs typeface="Lato" charset="0"/>
+                </a:rPr>
+                <a:t>Heuristik</a:t>
+              </a:r>
+            </a:p>
+          </p:txBody>
+        </p:sp>
+        <p:pic>
+          <p:nvPicPr>
+            <p:cNvPr id="29" name="Bild 28"/>
+            <p:cNvPicPr>
+              <a:picLocks noChangeAspect="1"/>
+            </p:cNvPicPr>
+            <p:nvPr/>
+          </p:nvPicPr>
+          <p:blipFill>
+            <a:blip r:embed="rId12">
+              <a:extLst>
+                <a:ext uri="{28A0092B-C50C-407E-A947-70E740481C1C}">
+                  <a14:useLocalDpi xmlns:a14="http://schemas.microsoft.com/office/drawing/2010/main" val="0"/>
+                </a:ext>
+              </a:extLst>
+            </a:blip>
+            <a:stretch>
+              <a:fillRect/>
+            </a:stretch>
+          </p:blipFill>
+          <p:spPr>
+            <a:xfrm>
+              <a:off x="320238" y="5454806"/>
+              <a:ext cx="447554" cy="447554"/>
+            </a:xfrm>
+            <a:prstGeom prst="rect">
+              <a:avLst/>
+            </a:prstGeom>
+          </p:spPr>
+        </p:pic>
+      </p:grpSp>
+      <p:sp>
+        <p:nvSpPr>
+          <p:cNvPr id="33" name="Abgerundetes Rechteck 32"/>
+          <p:cNvSpPr/>
+          <p:nvPr/>
+        </p:nvSpPr>
+        <p:spPr>
+          <a:xfrm>
+            <a:off x="1715773" y="594089"/>
+            <a:ext cx="3933399" cy="1319514"/>
+          </a:xfrm>
+          <a:prstGeom prst="roundRect">
+            <a:avLst/>
+          </a:prstGeom>
+          <a:solidFill>
+            <a:srgbClr val="FFBCB5">
+              <a:alpha val="47000"/>
+            </a:srgbClr>
+          </a:solidFill>
+          <a:ln>
+            <a:noFill/>
+          </a:ln>
+        </p:spPr>
+        <p:style>
+          <a:lnRef idx="2">
+            <a:schemeClr val="accent1">
+              <a:shade val="50000"/>
+            </a:schemeClr>
+          </a:lnRef>
+          <a:fillRef idx="1">
+            <a:schemeClr val="accent1"/>
+          </a:fillRef>
+          <a:effectRef idx="0">
+            <a:schemeClr val="accent1"/>
+          </a:effectRef>
+          <a:fontRef idx="minor">
+            <a:schemeClr val="lt1"/>
+          </a:fontRef>
+        </p:style>
+        <p:txBody>
+          <a:bodyPr rtlCol="0" anchor="ctr"/>
+          <a:lstStyle/>
+          <a:p>
+            <a:pPr algn="ctr"/>
+            <a:endParaRPr lang="de-DE"/>
+          </a:p>
+        </p:txBody>
+      </p:sp>
+      <p:sp>
+        <p:nvSpPr>
+          <p:cNvPr id="34" name="Abgerundetes Rechteck 33"/>
+          <p:cNvSpPr/>
+          <p:nvPr/>
+        </p:nvSpPr>
+        <p:spPr>
+          <a:xfrm>
+            <a:off x="7981664" y="1765300"/>
+            <a:ext cx="4877809" cy="1114758"/>
+          </a:xfrm>
+          <a:prstGeom prst="roundRect">
+            <a:avLst/>
+          </a:prstGeom>
+          <a:solidFill>
+            <a:srgbClr val="FFBCB5">
+              <a:alpha val="47000"/>
+            </a:srgbClr>
+          </a:solidFill>
+          <a:ln>
+            <a:noFill/>
+          </a:ln>
+        </p:spPr>
+        <p:style>
+          <a:lnRef idx="2">
+            <a:schemeClr val="accent1">
+              <a:shade val="50000"/>
+            </a:schemeClr>
+          </a:lnRef>
+          <a:fillRef idx="1">
+            <a:schemeClr val="accent1"/>
+          </a:fillRef>
+          <a:effectRef idx="0">
+            <a:schemeClr val="accent1"/>
+          </a:effectRef>
+          <a:fontRef idx="minor">
+            <a:schemeClr val="lt1"/>
+          </a:fontRef>
+        </p:style>
+        <p:txBody>
+          <a:bodyPr rtlCol="0" anchor="ctr"/>
+          <a:lstStyle/>
+          <a:p>
+            <a:pPr algn="ctr"/>
+            <a:endParaRPr lang="de-DE"/>
+          </a:p>
+        </p:txBody>
+      </p:sp>
+      <p:pic>
+        <p:nvPicPr>
+          <p:cNvPr id="35" name="Bild 34"/>
+          <p:cNvPicPr>
+            <a:picLocks noChangeAspect="1"/>
+          </p:cNvPicPr>
+          <p:nvPr/>
+        </p:nvPicPr>
+        <p:blipFill>
+          <a:blip r:embed="rId13">
+            <a:extLst>
+              <a:ext uri="{28A0092B-C50C-407E-A947-70E740481C1C}">
+                <a14:useLocalDpi xmlns:a14="http://schemas.microsoft.com/office/drawing/2010/main" val="0"/>
+              </a:ext>
+            </a:extLst>
+          </a:blip>
+          <a:stretch>
+            <a:fillRect/>
+          </a:stretch>
+        </p:blipFill>
+        <p:spPr>
+          <a:xfrm>
+            <a:off x="3867788" y="637886"/>
+            <a:ext cx="598818" cy="870612"/>
+          </a:xfrm>
+          <a:prstGeom prst="rect">
+            <a:avLst/>
+          </a:prstGeom>
+        </p:spPr>
+      </p:pic>
+      <p:pic>
+        <p:nvPicPr>
+          <p:cNvPr id="36" name="Bild 35"/>
+          <p:cNvPicPr>
+            <a:picLocks noChangeAspect="1"/>
+          </p:cNvPicPr>
+          <p:nvPr/>
+        </p:nvPicPr>
+        <p:blipFill>
+          <a:blip r:embed="rId14">
+            <a:clrChange>
+              <a:clrFrom>
+                <a:srgbClr val="FFFFFF"/>
+              </a:clrFrom>
+              <a:clrTo>
+                <a:srgbClr val="FFFFFF">
+                  <a:alpha val="0"/>
+                </a:srgbClr>
+              </a:clrTo>
+            </a:clrChange>
+            <a:extLst>
+              <a:ext uri="{28A0092B-C50C-407E-A947-70E740481C1C}">
+                <a14:useLocalDpi xmlns:a14="http://schemas.microsoft.com/office/drawing/2010/main" val="0"/>
+              </a:ext>
+            </a:extLst>
+          </a:blip>
+          <a:stretch>
+            <a:fillRect/>
+          </a:stretch>
+        </p:blipFill>
+        <p:spPr>
+          <a:xfrm>
+            <a:off x="4734574" y="1087277"/>
+            <a:ext cx="677174" cy="712815"/>
+          </a:xfrm>
+          <a:prstGeom prst="rect">
+            <a:avLst/>
+          </a:prstGeom>
+        </p:spPr>
+      </p:pic>
+      <p:pic>
+        <p:nvPicPr>
+          <p:cNvPr id="37" name="Bild 36"/>
+          <p:cNvPicPr>
+            <a:picLocks noChangeAspect="1"/>
+          </p:cNvPicPr>
+          <p:nvPr/>
+        </p:nvPicPr>
+        <p:blipFill rotWithShape="1">
+          <a:blip r:embed="rId15">
+            <a:extLst>
+              <a:ext uri="{28A0092B-C50C-407E-A947-70E740481C1C}">
+                <a14:useLocalDpi xmlns:a14="http://schemas.microsoft.com/office/drawing/2010/main" val="0"/>
+              </a:ext>
+            </a:extLst>
+          </a:blip>
+          <a:srcRect b="24079"/>
+          <a:stretch/>
+        </p:blipFill>
+        <p:spPr>
+          <a:xfrm>
+            <a:off x="2111982" y="746793"/>
+            <a:ext cx="667872" cy="507053"/>
+          </a:xfrm>
+          <a:prstGeom prst="rect">
+            <a:avLst/>
+          </a:prstGeom>
+        </p:spPr>
+      </p:pic>
+      <p:pic>
+        <p:nvPicPr>
+          <p:cNvPr id="38" name="Bild 37"/>
+          <p:cNvPicPr>
+            <a:picLocks noChangeAspect="1"/>
+          </p:cNvPicPr>
+          <p:nvPr/>
+        </p:nvPicPr>
+        <p:blipFill rotWithShape="1">
+          <a:blip r:embed="rId16">
+            <a:extLst>
+              <a:ext uri="{28A0092B-C50C-407E-A947-70E740481C1C}">
+                <a14:useLocalDpi xmlns:a14="http://schemas.microsoft.com/office/drawing/2010/main" val="0"/>
+              </a:ext>
+            </a:extLst>
+          </a:blip>
+          <a:srcRect l="1897" t="4298" r="1918" b="3236"/>
+          <a:stretch/>
+        </p:blipFill>
+        <p:spPr>
+          <a:xfrm>
+            <a:off x="10512975" y="1982301"/>
+            <a:ext cx="1713152" cy="769379"/>
+          </a:xfrm>
+          <a:prstGeom prst="rect">
+            <a:avLst/>
+          </a:prstGeom>
+        </p:spPr>
+      </p:pic>
+      <p:sp>
+        <p:nvSpPr>
+          <p:cNvPr id="40" name="Textfeld 39"/>
+          <p:cNvSpPr txBox="1"/>
+          <p:nvPr/>
+        </p:nvSpPr>
+        <p:spPr>
+          <a:xfrm>
+            <a:off x="7063984" y="3870050"/>
+            <a:ext cx="1537600" cy="307777"/>
+          </a:xfrm>
+          <a:prstGeom prst="rect">
+            <a:avLst/>
+          </a:prstGeom>
+          <a:noFill/>
+        </p:spPr>
+        <p:txBody>
+          <a:bodyPr wrap="none" rtlCol="0">
+            <a:spAutoFit/>
+          </a:bodyPr>
+          <a:lstStyle/>
+          <a:p>
+            <a:r>
+              <a:rPr lang="de-DE" sz="1400" b="1" dirty="0">
+                <a:solidFill>
+                  <a:srgbClr val="A51E41"/>
+                </a:solidFill>
+                <a:latin typeface="Lato" charset="0"/>
+                <a:ea typeface="Lato" charset="0"/>
+                <a:cs typeface="Lato" charset="0"/>
+              </a:rPr>
+              <a:t>Fremdevaluation</a:t>
+            </a:r>
+            <a:endParaRPr lang="de-DE" b="1" dirty="0">
+              <a:solidFill>
+                <a:srgbClr val="A51E41"/>
+              </a:solidFill>
+              <a:latin typeface="Lato" charset="0"/>
+              <a:ea typeface="Lato" charset="0"/>
+              <a:cs typeface="Lato" charset="0"/>
+            </a:endParaRPr>
+          </a:p>
+        </p:txBody>
+      </p:sp>
+      <p:sp>
+        <p:nvSpPr>
+          <p:cNvPr id="45" name="Textfeld 44"/>
+          <p:cNvSpPr txBox="1"/>
+          <p:nvPr/>
+        </p:nvSpPr>
+        <p:spPr>
+          <a:xfrm>
+            <a:off x="8208548" y="2567481"/>
+            <a:ext cx="2041962" cy="307777"/>
+          </a:xfrm>
+          <a:prstGeom prst="rect">
+            <a:avLst/>
+          </a:prstGeom>
+          <a:noFill/>
+        </p:spPr>
+        <p:txBody>
+          <a:bodyPr wrap="square" rtlCol="0">
+            <a:spAutoFit/>
+          </a:bodyPr>
+          <a:lstStyle/>
+          <a:p>
+            <a:pPr algn="ctr"/>
+            <a:r>
+              <a:rPr lang="de-DE" sz="1400" b="1" dirty="0" err="1">
+                <a:solidFill>
+                  <a:srgbClr val="A51E41"/>
+                </a:solidFill>
+                <a:latin typeface="Lato" charset="0"/>
+                <a:ea typeface="Lato" charset="0"/>
+                <a:cs typeface="Lato" charset="0"/>
+              </a:rPr>
+              <a:t>Lernstandserhebungen</a:t>
+            </a:r>
+            <a:endParaRPr lang="de-DE" sz="1400" b="1" dirty="0">
+              <a:solidFill>
+                <a:srgbClr val="A51E41"/>
+              </a:solidFill>
+              <a:latin typeface="Lato" charset="0"/>
+              <a:ea typeface="Lato" charset="0"/>
+              <a:cs typeface="Lato" charset="0"/>
+            </a:endParaRPr>
+          </a:p>
+        </p:txBody>
+      </p:sp>
+      <p:sp>
+        <p:nvSpPr>
+          <p:cNvPr id="46" name="Textfeld 45"/>
+          <p:cNvSpPr txBox="1"/>
+          <p:nvPr/>
+        </p:nvSpPr>
+        <p:spPr>
+          <a:xfrm>
+            <a:off x="1899200" y="1586652"/>
+            <a:ext cx="1611339" cy="307777"/>
+          </a:xfrm>
+          <a:prstGeom prst="rect">
+            <a:avLst/>
+          </a:prstGeom>
+          <a:noFill/>
+        </p:spPr>
+        <p:txBody>
+          <a:bodyPr wrap="none" rtlCol="0">
+            <a:spAutoFit/>
+          </a:bodyPr>
+          <a:lstStyle/>
+          <a:p>
+            <a:r>
+              <a:rPr lang="de-DE" sz="1400" b="1">
+                <a:solidFill>
+                  <a:srgbClr val="A51E41"/>
+                </a:solidFill>
+                <a:latin typeface="Lato" charset="0"/>
+                <a:ea typeface="Lato" charset="0"/>
+                <a:cs typeface="Lato" charset="0"/>
+              </a:rPr>
+              <a:t>Vergleichsstudien</a:t>
+            </a:r>
+            <a:endParaRPr lang="de-DE" b="1" dirty="0">
+              <a:solidFill>
+                <a:srgbClr val="A51E41"/>
+              </a:solidFill>
+              <a:latin typeface="Lato" charset="0"/>
+              <a:ea typeface="Lato" charset="0"/>
+              <a:cs typeface="Lato" charset="0"/>
+            </a:endParaRPr>
+          </a:p>
+        </p:txBody>
+      </p:sp>
+      <p:pic>
+        <p:nvPicPr>
+          <p:cNvPr id="47" name="Bild 46"/>
+          <p:cNvPicPr>
+            <a:picLocks noChangeAspect="1"/>
+          </p:cNvPicPr>
+          <p:nvPr/>
+        </p:nvPicPr>
+        <p:blipFill rotWithShape="1">
+          <a:blip r:embed="rId17">
+            <a:extLst>
+              <a:ext uri="{28A0092B-C50C-407E-A947-70E740481C1C}">
+                <a14:useLocalDpi xmlns:a14="http://schemas.microsoft.com/office/drawing/2010/main" val="0"/>
+              </a:ext>
+            </a:extLst>
+          </a:blip>
+          <a:srcRect r="52939" b="41765"/>
+          <a:stretch/>
+        </p:blipFill>
+        <p:spPr>
+          <a:xfrm>
+            <a:off x="2918042" y="1166998"/>
+            <a:ext cx="923070" cy="452887"/>
+          </a:xfrm>
+          <a:prstGeom prst="rect">
+            <a:avLst/>
+          </a:prstGeom>
+        </p:spPr>
+      </p:pic>
+    </p:spTree>
+    <p:extLst>
+      <p:ext uri="{BB962C8B-B14F-4D97-AF65-F5344CB8AC3E}">
+        <p14:creationId xmlns:p14="http://schemas.microsoft.com/office/powerpoint/2010/main" val="722823579"/>
+      </p:ext>
+    </p:extLst>
+  </p:cSld>
+  <p:clrMapOvr>
+    <a:masterClrMapping/>
+  </p:clrMapOvr>
+  <p:timing>
+    <p:tnLst>
+      <p:par>
+        <p:cTn id="1" dur="indefinite" restart="never" nodeType="tmRoot"/>
+      </p:par>
+    </p:tnLst>
+  </p:timing>
+</p:sld>
+</file>
+
+<file path=ppt/slides/slide6.xml><?xml version="1.0" encoding="utf-8"?>
+<p:sld xmlns:a="http://schemas.openxmlformats.org/drawingml/2006/main" xmlns:r="http://schemas.openxmlformats.org/officeDocument/2006/relationships" xmlns:p="http://schemas.openxmlformats.org/presentationml/2006/main">
+  <p:cSld>
+    <p:spTree>
+      <p:nvGrpSpPr>
+        <p:cNvPr id="1" name=""/>
+        <p:cNvGrpSpPr/>
+        <p:nvPr/>
+      </p:nvGrpSpPr>
+      <p:grpSpPr>
+        <a:xfrm>
+          <a:off x="0" y="0"/>
+          <a:ext cx="0" cy="0"/>
+          <a:chOff x="0" y="0"/>
+          <a:chExt cx="0" cy="0"/>
+        </a:xfrm>
+      </p:grpSpPr>
+      <p:cxnSp>
+        <p:nvCxnSpPr>
+          <p:cNvPr id="6" name="Gerade Verbindung mit Pfeil 5"/>
+          <p:cNvCxnSpPr/>
+          <p:nvPr/>
+        </p:nvCxnSpPr>
+        <p:spPr>
+          <a:xfrm>
+            <a:off x="1331089" y="5711980"/>
+            <a:ext cx="11860276" cy="89446"/>
+          </a:xfrm>
+          <a:prstGeom prst="straightConnector1">
+            <a:avLst/>
+          </a:prstGeom>
+          <a:ln w="38100">
+            <a:solidFill>
+              <a:srgbClr val="A51E41"/>
+            </a:solidFill>
+            <a:tailEnd type="triangle" w="med" len="lg"/>
+          </a:ln>
+        </p:spPr>
+        <p:style>
+          <a:lnRef idx="1">
+            <a:schemeClr val="accent1"/>
+          </a:lnRef>
+          <a:fillRef idx="0">
+            <a:schemeClr val="accent1"/>
+          </a:fillRef>
+          <a:effectRef idx="0">
+            <a:schemeClr val="accent1"/>
+          </a:effectRef>
+          <a:fontRef idx="minor">
+            <a:schemeClr val="tx1"/>
+          </a:fontRef>
+        </p:style>
+      </p:cxnSp>
+      <p:grpSp>
+        <p:nvGrpSpPr>
+          <p:cNvPr id="52" name="Gruppierung 51"/>
+          <p:cNvGrpSpPr/>
+          <p:nvPr/>
+        </p:nvGrpSpPr>
+        <p:grpSpPr>
+          <a:xfrm>
+            <a:off x="6178244" y="3117036"/>
+            <a:ext cx="6681229" cy="2458446"/>
+            <a:chOff x="4733692" y="3107676"/>
+            <a:chExt cx="6153076" cy="2458446"/>
+          </a:xfrm>
+        </p:grpSpPr>
+        <p:sp>
+          <p:nvSpPr>
+            <p:cNvPr id="41" name="Abgerundetes Rechteck 40"/>
+            <p:cNvSpPr/>
+            <p:nvPr/>
+          </p:nvSpPr>
+          <p:spPr>
+            <a:xfrm>
+              <a:off x="4733692" y="3110133"/>
+              <a:ext cx="6153076" cy="2455989"/>
+            </a:xfrm>
+            <a:prstGeom prst="roundRect">
+              <a:avLst/>
+            </a:prstGeom>
+            <a:solidFill>
+              <a:srgbClr val="FFBCB5">
+                <a:alpha val="47000"/>
+              </a:srgbClr>
+            </a:solidFill>
+            <a:ln>
+              <a:noFill/>
+            </a:ln>
+          </p:spPr>
+          <p:style>
+            <a:lnRef idx="2">
+              <a:schemeClr val="accent1">
+                <a:shade val="50000"/>
+              </a:schemeClr>
+            </a:lnRef>
+            <a:fillRef idx="1">
+              <a:schemeClr val="accent1"/>
+            </a:fillRef>
+            <a:effectRef idx="0">
+              <a:schemeClr val="accent1"/>
+            </a:effectRef>
+            <a:fontRef idx="minor">
+              <a:schemeClr val="lt1"/>
+            </a:fontRef>
+          </p:style>
+          <p:txBody>
+            <a:bodyPr rtlCol="0" anchor="ctr"/>
+            <a:lstStyle/>
+            <a:p>
+              <a:pPr algn="ctr"/>
+              <a:endParaRPr lang="de-DE"/>
+            </a:p>
+          </p:txBody>
+        </p:sp>
+        <p:sp>
+          <p:nvSpPr>
+            <p:cNvPr id="42" name="Textfeld 41"/>
+            <p:cNvSpPr txBox="1"/>
+            <p:nvPr/>
+          </p:nvSpPr>
+          <p:spPr>
+            <a:xfrm>
+              <a:off x="8574547" y="3107676"/>
+              <a:ext cx="1520869" cy="307777"/>
+            </a:xfrm>
+            <a:prstGeom prst="rect">
+              <a:avLst/>
+            </a:prstGeom>
+            <a:noFill/>
+          </p:spPr>
+          <p:txBody>
+            <a:bodyPr wrap="none" rtlCol="0">
+              <a:spAutoFit/>
+            </a:bodyPr>
+            <a:lstStyle/>
+            <a:p>
+              <a:r>
+                <a:rPr lang="de-DE" sz="1400" b="1" dirty="0" smtClean="0">
+                  <a:solidFill>
+                    <a:srgbClr val="A51E41"/>
+                  </a:solidFill>
+                  <a:latin typeface="Lato" charset="0"/>
+                  <a:ea typeface="Lato" charset="0"/>
+                  <a:cs typeface="Lato" charset="0"/>
+                </a:rPr>
+                <a:t>Interne Evaluation</a:t>
+              </a:r>
               <a:endParaRPr lang="de-DE" sz="1400" b="1" dirty="0">
                 <a:solidFill>
                   <a:srgbClr val="A51E41"/>
@@ -7441,7 +11313,7 @@
             <p:nvPr/>
           </p:nvPicPr>
           <p:blipFill rotWithShape="1">
-            <a:blip r:embed="rId16">
+            <a:blip r:embed="rId2">
               <a:extLst>
                 <a:ext uri="{28A0092B-C50C-407E-A947-70E740481C1C}">
                   <a14:useLocalDpi xmlns:a14="http://schemas.microsoft.com/office/drawing/2010/main" val="0"/>
@@ -7453,7 +11325,7 @@
           </p:blipFill>
           <p:spPr bwMode="auto">
             <a:xfrm>
-              <a:off x="8484043" y="4682577"/>
+              <a:off x="8088505" y="4682577"/>
               <a:ext cx="484536" cy="621508"/>
             </a:xfrm>
             <a:prstGeom prst="rect">
@@ -7487,14 +11359,1244 @@
       </p:grpSp>
       <p:sp>
         <p:nvSpPr>
+          <p:cNvPr id="50" name="Abgerundetes Rechteck 49"/>
+          <p:cNvSpPr/>
+          <p:nvPr/>
+        </p:nvSpPr>
+        <p:spPr>
+          <a:xfrm>
+            <a:off x="7716982" y="5662144"/>
+            <a:ext cx="3352800" cy="1048922"/>
+          </a:xfrm>
+          <a:prstGeom prst="roundRect">
+            <a:avLst/>
+          </a:prstGeom>
+          <a:solidFill>
+            <a:srgbClr val="B4A069">
+              <a:alpha val="79000"/>
+            </a:srgbClr>
+          </a:solidFill>
+          <a:ln>
+            <a:noFill/>
+          </a:ln>
+        </p:spPr>
+        <p:style>
+          <a:lnRef idx="2">
+            <a:schemeClr val="accent1">
+              <a:shade val="50000"/>
+            </a:schemeClr>
+          </a:lnRef>
+          <a:fillRef idx="1">
+            <a:schemeClr val="accent1"/>
+          </a:fillRef>
+          <a:effectRef idx="0">
+            <a:schemeClr val="accent1"/>
+          </a:effectRef>
+          <a:fontRef idx="minor">
+            <a:schemeClr val="lt1"/>
+          </a:fontRef>
+        </p:style>
+        <p:txBody>
+          <a:bodyPr rtlCol="0" anchor="ctr"/>
+          <a:lstStyle/>
+          <a:p>
+            <a:pPr algn="ctr"/>
+            <a:endParaRPr lang="de-DE"/>
+          </a:p>
+        </p:txBody>
+      </p:sp>
+      <p:sp>
+        <p:nvSpPr>
+          <p:cNvPr id="39" name="Abgerundetes Rechteck 38"/>
+          <p:cNvSpPr/>
+          <p:nvPr/>
+        </p:nvSpPr>
+        <p:spPr>
+          <a:xfrm>
+            <a:off x="3384754" y="1619885"/>
+            <a:ext cx="5685150" cy="2583929"/>
+          </a:xfrm>
+          <a:prstGeom prst="roundRect">
+            <a:avLst/>
+          </a:prstGeom>
+          <a:solidFill>
+            <a:srgbClr val="FFBCB5">
+              <a:alpha val="47000"/>
+            </a:srgbClr>
+          </a:solidFill>
+          <a:ln>
+            <a:noFill/>
+          </a:ln>
+        </p:spPr>
+        <p:style>
+          <a:lnRef idx="2">
+            <a:schemeClr val="accent1">
+              <a:shade val="50000"/>
+            </a:schemeClr>
+          </a:lnRef>
+          <a:fillRef idx="1">
+            <a:schemeClr val="accent1"/>
+          </a:fillRef>
+          <a:effectRef idx="0">
+            <a:schemeClr val="accent1"/>
+          </a:effectRef>
+          <a:fontRef idx="minor">
+            <a:schemeClr val="lt1"/>
+          </a:fontRef>
+        </p:style>
+        <p:txBody>
+          <a:bodyPr rtlCol="0" anchor="ctr"/>
+          <a:lstStyle/>
+          <a:p>
+            <a:pPr algn="ctr"/>
+            <a:endParaRPr lang="de-DE"/>
+          </a:p>
+        </p:txBody>
+      </p:sp>
+      <p:cxnSp>
+        <p:nvCxnSpPr>
+          <p:cNvPr id="5" name="Gerade Verbindung mit Pfeil 4"/>
+          <p:cNvCxnSpPr/>
+          <p:nvPr/>
+        </p:nvCxnSpPr>
+        <p:spPr>
+          <a:xfrm flipV="1">
+            <a:off x="1426369" y="387152"/>
+            <a:ext cx="0" cy="5459769"/>
+          </a:xfrm>
+          <a:prstGeom prst="straightConnector1">
+            <a:avLst/>
+          </a:prstGeom>
+          <a:ln w="38100">
+            <a:solidFill>
+              <a:srgbClr val="A51E41"/>
+            </a:solidFill>
+            <a:tailEnd type="triangle" w="med" len="lg"/>
+          </a:ln>
+        </p:spPr>
+        <p:style>
+          <a:lnRef idx="1">
+            <a:schemeClr val="accent1"/>
+          </a:lnRef>
+          <a:fillRef idx="0">
+            <a:schemeClr val="accent1"/>
+          </a:fillRef>
+          <a:effectRef idx="0">
+            <a:schemeClr val="accent1"/>
+          </a:effectRef>
+          <a:fontRef idx="minor">
+            <a:schemeClr val="tx1"/>
+          </a:fontRef>
+        </p:style>
+      </p:cxnSp>
+      <p:grpSp>
+        <p:nvGrpSpPr>
+          <p:cNvPr id="2" name="Gruppierung 1"/>
+          <p:cNvGrpSpPr/>
+          <p:nvPr/>
+        </p:nvGrpSpPr>
+        <p:grpSpPr>
+          <a:xfrm>
+            <a:off x="1551916" y="5903080"/>
+            <a:ext cx="1398852" cy="770254"/>
+            <a:chOff x="1551916" y="5903080"/>
+            <a:chExt cx="1398852" cy="770254"/>
+          </a:xfrm>
+        </p:grpSpPr>
+        <p:sp>
+          <p:nvSpPr>
+            <p:cNvPr id="13" name="Textfeld 12"/>
+            <p:cNvSpPr txBox="1"/>
+            <p:nvPr/>
+          </p:nvSpPr>
+          <p:spPr>
+            <a:xfrm>
+              <a:off x="1551916" y="6396335"/>
+              <a:ext cx="1398852" cy="276999"/>
+            </a:xfrm>
+            <a:prstGeom prst="rect">
+              <a:avLst/>
+            </a:prstGeom>
+            <a:noFill/>
+          </p:spPr>
+          <p:txBody>
+            <a:bodyPr wrap="square" rtlCol="0">
+              <a:spAutoFit/>
+            </a:bodyPr>
+            <a:lstStyle/>
+            <a:p>
+              <a:pPr algn="ctr"/>
+              <a:r>
+                <a:rPr lang="de-DE" sz="1200" b="1" dirty="0">
+                  <a:latin typeface="Lato" charset="0"/>
+                  <a:ea typeface="Lato" charset="0"/>
+                  <a:cs typeface="Lato" charset="0"/>
+                </a:rPr>
+                <a:t>Öffentlichkeit</a:t>
+              </a:r>
+            </a:p>
+          </p:txBody>
+        </p:sp>
+        <p:pic>
+          <p:nvPicPr>
+            <p:cNvPr id="4" name="Bild 3"/>
+            <p:cNvPicPr>
+              <a:picLocks noChangeAspect="1"/>
+            </p:cNvPicPr>
+            <p:nvPr/>
+          </p:nvPicPr>
+          <p:blipFill>
+            <a:blip r:embed="rId3">
+              <a:duotone>
+                <a:prstClr val="black"/>
+                <a:srgbClr val="515151">
+                  <a:tint val="45000"/>
+                  <a:satMod val="400000"/>
+                </a:srgbClr>
+              </a:duotone>
+            </a:blip>
+            <a:stretch>
+              <a:fillRect/>
+            </a:stretch>
+          </p:blipFill>
+          <p:spPr>
+            <a:xfrm>
+              <a:off x="2027565" y="5903080"/>
+              <a:ext cx="447554" cy="447554"/>
+            </a:xfrm>
+            <a:prstGeom prst="rect">
+              <a:avLst/>
+            </a:prstGeom>
+          </p:spPr>
+        </p:pic>
+      </p:grpSp>
+      <p:grpSp>
+        <p:nvGrpSpPr>
+          <p:cNvPr id="3" name="Gruppierung 2"/>
+          <p:cNvGrpSpPr/>
+          <p:nvPr/>
+        </p:nvGrpSpPr>
+        <p:grpSpPr>
+          <a:xfrm>
+            <a:off x="3591628" y="5903080"/>
+            <a:ext cx="1398852" cy="862587"/>
+            <a:chOff x="3105988" y="5903080"/>
+            <a:chExt cx="1398852" cy="862587"/>
+          </a:xfrm>
+        </p:grpSpPr>
+        <p:sp>
+          <p:nvSpPr>
+            <p:cNvPr id="8" name="Textfeld 7"/>
+            <p:cNvSpPr txBox="1"/>
+            <p:nvPr/>
+          </p:nvSpPr>
+          <p:spPr>
+            <a:xfrm>
+              <a:off x="3105988" y="6304002"/>
+              <a:ext cx="1398852" cy="461665"/>
+            </a:xfrm>
+            <a:prstGeom prst="rect">
+              <a:avLst/>
+            </a:prstGeom>
+            <a:noFill/>
+          </p:spPr>
+          <p:txBody>
+            <a:bodyPr wrap="square" rtlCol="0">
+              <a:spAutoFit/>
+            </a:bodyPr>
+            <a:lstStyle/>
+            <a:p>
+              <a:pPr algn="ctr"/>
+              <a:r>
+                <a:rPr lang="de-DE" sz="1200" b="1">
+                  <a:latin typeface="Lato" charset="0"/>
+                  <a:ea typeface="Lato" charset="0"/>
+                  <a:cs typeface="Lato" charset="0"/>
+                </a:rPr>
+                <a:t>Bildungs-</a:t>
+              </a:r>
+              <a:br>
+                <a:rPr lang="de-DE" sz="1200" b="1">
+                  <a:latin typeface="Lato" charset="0"/>
+                  <a:ea typeface="Lato" charset="0"/>
+                  <a:cs typeface="Lato" charset="0"/>
+                </a:rPr>
+              </a:br>
+              <a:r>
+                <a:rPr lang="de-DE" sz="1200" b="1" dirty="0" err="1">
+                  <a:latin typeface="Lato" charset="0"/>
+                  <a:ea typeface="Lato" charset="0"/>
+                  <a:cs typeface="Lato" charset="0"/>
+                </a:rPr>
+                <a:t>administration</a:t>
+              </a:r>
+              <a:endParaRPr lang="de-DE" sz="1200" b="1" dirty="0">
+                <a:latin typeface="Lato" charset="0"/>
+                <a:ea typeface="Lato" charset="0"/>
+                <a:cs typeface="Lato" charset="0"/>
+              </a:endParaRPr>
+            </a:p>
+          </p:txBody>
+        </p:sp>
+        <p:pic>
+          <p:nvPicPr>
+            <p:cNvPr id="9" name="Bild 8"/>
+            <p:cNvPicPr>
+              <a:picLocks noChangeAspect="1"/>
+            </p:cNvPicPr>
+            <p:nvPr/>
+          </p:nvPicPr>
+          <p:blipFill>
+            <a:blip r:embed="rId4">
+              <a:extLst>
+                <a:ext uri="{28A0092B-C50C-407E-A947-70E740481C1C}">
+                  <a14:useLocalDpi xmlns:a14="http://schemas.microsoft.com/office/drawing/2010/main" val="0"/>
+                </a:ext>
+              </a:extLst>
+            </a:blip>
+            <a:stretch>
+              <a:fillRect/>
+            </a:stretch>
+          </p:blipFill>
+          <p:spPr>
+            <a:xfrm>
+              <a:off x="3581637" y="5903080"/>
+              <a:ext cx="447554" cy="447554"/>
+            </a:xfrm>
+            <a:prstGeom prst="rect">
+              <a:avLst/>
+            </a:prstGeom>
+          </p:spPr>
+        </p:pic>
+      </p:grpSp>
+      <p:grpSp>
+        <p:nvGrpSpPr>
+          <p:cNvPr id="7" name="Gruppierung 6"/>
+          <p:cNvGrpSpPr/>
+          <p:nvPr/>
+        </p:nvGrpSpPr>
+        <p:grpSpPr>
+          <a:xfrm>
+            <a:off x="5631340" y="5903080"/>
+            <a:ext cx="1398852" cy="770254"/>
+            <a:chOff x="4660060" y="5903080"/>
+            <a:chExt cx="1398852" cy="770254"/>
+          </a:xfrm>
+        </p:grpSpPr>
+        <p:sp>
+          <p:nvSpPr>
+            <p:cNvPr id="10" name="Textfeld 9"/>
+            <p:cNvSpPr txBox="1"/>
+            <p:nvPr/>
+          </p:nvSpPr>
+          <p:spPr>
+            <a:xfrm>
+              <a:off x="4660060" y="6396335"/>
+              <a:ext cx="1398852" cy="276999"/>
+            </a:xfrm>
+            <a:prstGeom prst="rect">
+              <a:avLst/>
+            </a:prstGeom>
+            <a:noFill/>
+          </p:spPr>
+          <p:txBody>
+            <a:bodyPr wrap="square" rtlCol="0">
+              <a:spAutoFit/>
+            </a:bodyPr>
+            <a:lstStyle/>
+            <a:p>
+              <a:pPr algn="ctr"/>
+              <a:r>
+                <a:rPr lang="de-DE" sz="1200" b="1" dirty="0">
+                  <a:latin typeface="Lato" charset="0"/>
+                  <a:ea typeface="Lato" charset="0"/>
+                  <a:cs typeface="Lato" charset="0"/>
+                </a:rPr>
+                <a:t>Schulleitung</a:t>
+              </a:r>
+            </a:p>
+          </p:txBody>
+        </p:sp>
+        <p:pic>
+          <p:nvPicPr>
+            <p:cNvPr id="11" name="Bild 10"/>
+            <p:cNvPicPr>
+              <a:picLocks noChangeAspect="1"/>
+            </p:cNvPicPr>
+            <p:nvPr/>
+          </p:nvPicPr>
+          <p:blipFill>
+            <a:blip r:embed="rId5">
+              <a:extLst>
+                <a:ext uri="{28A0092B-C50C-407E-A947-70E740481C1C}">
+                  <a14:useLocalDpi xmlns:a14="http://schemas.microsoft.com/office/drawing/2010/main" val="0"/>
+                </a:ext>
+              </a:extLst>
+            </a:blip>
+            <a:stretch>
+              <a:fillRect/>
+            </a:stretch>
+          </p:blipFill>
+          <p:spPr>
+            <a:xfrm>
+              <a:off x="5135709" y="5903080"/>
+              <a:ext cx="447554" cy="447554"/>
+            </a:xfrm>
+            <a:prstGeom prst="rect">
+              <a:avLst/>
+            </a:prstGeom>
+          </p:spPr>
+        </p:pic>
+      </p:grpSp>
+      <p:grpSp>
+        <p:nvGrpSpPr>
+          <p:cNvPr id="20" name="Gruppierung 19"/>
+          <p:cNvGrpSpPr/>
+          <p:nvPr/>
+        </p:nvGrpSpPr>
+        <p:grpSpPr>
+          <a:xfrm>
+            <a:off x="7671052" y="5881529"/>
+            <a:ext cx="1398852" cy="791805"/>
+            <a:chOff x="6235684" y="5881529"/>
+            <a:chExt cx="1398852" cy="791805"/>
+          </a:xfrm>
+        </p:grpSpPr>
+        <p:sp>
+          <p:nvSpPr>
+            <p:cNvPr id="14" name="Textfeld 13"/>
+            <p:cNvSpPr txBox="1"/>
+            <p:nvPr/>
+          </p:nvSpPr>
+          <p:spPr>
+            <a:xfrm>
+              <a:off x="6235684" y="6396335"/>
+              <a:ext cx="1398852" cy="276999"/>
+            </a:xfrm>
+            <a:prstGeom prst="rect">
+              <a:avLst/>
+            </a:prstGeom>
+            <a:noFill/>
+          </p:spPr>
+          <p:txBody>
+            <a:bodyPr wrap="square" rtlCol="0">
+              <a:spAutoFit/>
+            </a:bodyPr>
+            <a:lstStyle/>
+            <a:p>
+              <a:pPr algn="ctr"/>
+              <a:r>
+                <a:rPr lang="de-DE" sz="1200" b="1" dirty="0">
+                  <a:latin typeface="Lato" charset="0"/>
+                  <a:ea typeface="Lato" charset="0"/>
+                  <a:cs typeface="Lato" charset="0"/>
+                </a:rPr>
+                <a:t>Lehrer*innen</a:t>
+              </a:r>
+            </a:p>
+          </p:txBody>
+        </p:sp>
+        <p:pic>
+          <p:nvPicPr>
+            <p:cNvPr id="15" name="Bild 14"/>
+            <p:cNvPicPr>
+              <a:picLocks noChangeAspect="1"/>
+            </p:cNvPicPr>
+            <p:nvPr/>
+          </p:nvPicPr>
+          <p:blipFill>
+            <a:blip r:embed="rId6">
+              <a:clrChange>
+                <a:clrFrom>
+                  <a:srgbClr val="FFFFFF"/>
+                </a:clrFrom>
+                <a:clrTo>
+                  <a:srgbClr val="FFFFFF">
+                    <a:alpha val="0"/>
+                  </a:srgbClr>
+                </a:clrTo>
+              </a:clrChange>
+              <a:extLst>
+                <a:ext uri="{28A0092B-C50C-407E-A947-70E740481C1C}">
+                  <a14:useLocalDpi xmlns:a14="http://schemas.microsoft.com/office/drawing/2010/main" val="0"/>
+                </a:ext>
+              </a:extLst>
+            </a:blip>
+            <a:stretch>
+              <a:fillRect/>
+            </a:stretch>
+          </p:blipFill>
+          <p:spPr>
+            <a:xfrm>
+              <a:off x="6689782" y="5881529"/>
+              <a:ext cx="490659" cy="490659"/>
+            </a:xfrm>
+            <a:prstGeom prst="rect">
+              <a:avLst/>
+            </a:prstGeom>
+          </p:spPr>
+        </p:pic>
+      </p:grpSp>
+      <p:grpSp>
+        <p:nvGrpSpPr>
+          <p:cNvPr id="48" name="Gruppierung 47"/>
+          <p:cNvGrpSpPr/>
+          <p:nvPr/>
+        </p:nvGrpSpPr>
+        <p:grpSpPr>
+          <a:xfrm>
+            <a:off x="11536690" y="5995958"/>
+            <a:ext cx="1398852" cy="703451"/>
+            <a:chOff x="9413957" y="5969883"/>
+            <a:chExt cx="1398852" cy="703451"/>
+          </a:xfrm>
+        </p:grpSpPr>
+        <p:pic>
+          <p:nvPicPr>
+            <p:cNvPr id="17" name="Bild 16"/>
+            <p:cNvPicPr>
+              <a:picLocks noChangeAspect="1"/>
+            </p:cNvPicPr>
+            <p:nvPr/>
+          </p:nvPicPr>
+          <p:blipFill>
+            <a:blip r:embed="rId7">
+              <a:extLst>
+                <a:ext uri="{28A0092B-C50C-407E-A947-70E740481C1C}">
+                  <a14:useLocalDpi xmlns:a14="http://schemas.microsoft.com/office/drawing/2010/main" val="0"/>
+                </a:ext>
+              </a:extLst>
+            </a:blip>
+            <a:stretch>
+              <a:fillRect/>
+            </a:stretch>
+          </p:blipFill>
+          <p:spPr>
+            <a:xfrm>
+              <a:off x="9889606" y="5969883"/>
+              <a:ext cx="447554" cy="381912"/>
+            </a:xfrm>
+            <a:prstGeom prst="rect">
+              <a:avLst/>
+            </a:prstGeom>
+          </p:spPr>
+        </p:pic>
+        <p:sp>
+          <p:nvSpPr>
+            <p:cNvPr id="18" name="Textfeld 17"/>
+            <p:cNvSpPr txBox="1"/>
+            <p:nvPr/>
+          </p:nvSpPr>
+          <p:spPr>
+            <a:xfrm>
+              <a:off x="9413957" y="6396335"/>
+              <a:ext cx="1398852" cy="276999"/>
+            </a:xfrm>
+            <a:prstGeom prst="rect">
+              <a:avLst/>
+            </a:prstGeom>
+            <a:noFill/>
+          </p:spPr>
+          <p:txBody>
+            <a:bodyPr wrap="square" rtlCol="0">
+              <a:spAutoFit/>
+            </a:bodyPr>
+            <a:lstStyle/>
+            <a:p>
+              <a:pPr algn="ctr"/>
+              <a:r>
+                <a:rPr lang="de-DE" sz="1200" b="1" dirty="0">
+                  <a:latin typeface="Lato" charset="0"/>
+                  <a:ea typeface="Lato" charset="0"/>
+                  <a:cs typeface="Lato" charset="0"/>
+                </a:rPr>
+                <a:t>Eltern</a:t>
+              </a:r>
+            </a:p>
+          </p:txBody>
+        </p:sp>
+      </p:grpSp>
+      <p:grpSp>
+        <p:nvGrpSpPr>
+          <p:cNvPr id="21" name="Gruppierung 20"/>
+          <p:cNvGrpSpPr/>
+          <p:nvPr/>
+        </p:nvGrpSpPr>
+        <p:grpSpPr>
+          <a:xfrm>
+            <a:off x="9710764" y="5849173"/>
+            <a:ext cx="1398852" cy="1008827"/>
+            <a:chOff x="7811309" y="5849173"/>
+            <a:chExt cx="1398852" cy="1008827"/>
+          </a:xfrm>
+        </p:grpSpPr>
+        <p:sp>
+          <p:nvSpPr>
+            <p:cNvPr id="16" name="Textfeld 15"/>
+            <p:cNvSpPr txBox="1"/>
+            <p:nvPr/>
+          </p:nvSpPr>
+          <p:spPr>
+            <a:xfrm>
+              <a:off x="7811309" y="6396335"/>
+              <a:ext cx="1398852" cy="461665"/>
+            </a:xfrm>
+            <a:prstGeom prst="rect">
+              <a:avLst/>
+            </a:prstGeom>
+            <a:noFill/>
+          </p:spPr>
+          <p:txBody>
+            <a:bodyPr wrap="square" rtlCol="0">
+              <a:spAutoFit/>
+            </a:bodyPr>
+            <a:lstStyle/>
+            <a:p>
+              <a:pPr algn="ctr"/>
+              <a:r>
+                <a:rPr lang="de-DE" sz="1200" b="1" dirty="0">
+                  <a:latin typeface="Lato" charset="0"/>
+                  <a:ea typeface="Lato" charset="0"/>
+                  <a:cs typeface="Lato" charset="0"/>
+                </a:rPr>
+                <a:t>Schüler*innen</a:t>
+              </a:r>
+            </a:p>
+            <a:p>
+              <a:pPr algn="ctr"/>
+              <a:endParaRPr lang="de-DE" sz="1200" b="1" dirty="0">
+                <a:latin typeface="Lato" charset="0"/>
+                <a:ea typeface="Lato" charset="0"/>
+                <a:cs typeface="Lato" charset="0"/>
+              </a:endParaRPr>
+            </a:p>
+          </p:txBody>
+        </p:sp>
+        <p:pic>
+          <p:nvPicPr>
+            <p:cNvPr id="19" name="Bild 18"/>
+            <p:cNvPicPr>
+              <a:picLocks noChangeAspect="1"/>
+            </p:cNvPicPr>
+            <p:nvPr/>
+          </p:nvPicPr>
+          <p:blipFill>
+            <a:blip r:embed="rId8">
+              <a:extLst>
+                <a:ext uri="{28A0092B-C50C-407E-A947-70E740481C1C}">
+                  <a14:useLocalDpi xmlns:a14="http://schemas.microsoft.com/office/drawing/2010/main" val="0"/>
+                </a:ext>
+              </a:extLst>
+            </a:blip>
+            <a:stretch>
+              <a:fillRect/>
+            </a:stretch>
+          </p:blipFill>
+          <p:spPr>
+            <a:xfrm>
+              <a:off x="8238383" y="5849173"/>
+              <a:ext cx="544705" cy="544705"/>
+            </a:xfrm>
+            <a:prstGeom prst="rect">
+              <a:avLst/>
+            </a:prstGeom>
+          </p:spPr>
+        </p:pic>
+      </p:grpSp>
+      <p:grpSp>
+        <p:nvGrpSpPr>
+          <p:cNvPr id="12" name="Gruppierung 11"/>
+          <p:cNvGrpSpPr/>
+          <p:nvPr/>
+        </p:nvGrpSpPr>
+        <p:grpSpPr>
+          <a:xfrm>
+            <a:off x="157123" y="806293"/>
+            <a:ext cx="1398852" cy="770253"/>
+            <a:chOff x="124034" y="2193551"/>
+            <a:chExt cx="1398852" cy="770253"/>
+          </a:xfrm>
+        </p:grpSpPr>
+        <p:sp>
+          <p:nvSpPr>
+            <p:cNvPr id="22" name="Textfeld 21"/>
+            <p:cNvSpPr txBox="1"/>
+            <p:nvPr/>
+          </p:nvSpPr>
+          <p:spPr>
+            <a:xfrm>
+              <a:off x="124034" y="2686805"/>
+              <a:ext cx="1398852" cy="276999"/>
+            </a:xfrm>
+            <a:prstGeom prst="rect">
+              <a:avLst/>
+            </a:prstGeom>
+            <a:noFill/>
+          </p:spPr>
+          <p:txBody>
+            <a:bodyPr wrap="square" rtlCol="0">
+              <a:spAutoFit/>
+            </a:bodyPr>
+            <a:lstStyle/>
+            <a:p>
+              <a:pPr algn="ctr"/>
+              <a:r>
+                <a:rPr lang="de-DE" sz="1200" b="1" dirty="0">
+                  <a:latin typeface="Lato" charset="0"/>
+                  <a:ea typeface="Lato" charset="0"/>
+                  <a:cs typeface="Lato" charset="0"/>
+                </a:rPr>
+                <a:t>Monitoring</a:t>
+              </a:r>
+            </a:p>
+          </p:txBody>
+        </p:sp>
+        <p:pic>
+          <p:nvPicPr>
+            <p:cNvPr id="23" name="Bild 22"/>
+            <p:cNvPicPr>
+              <a:picLocks noChangeAspect="1"/>
+            </p:cNvPicPr>
+            <p:nvPr/>
+          </p:nvPicPr>
+          <p:blipFill>
+            <a:blip r:embed="rId9">
+              <a:extLst>
+                <a:ext uri="{28A0092B-C50C-407E-A947-70E740481C1C}">
+                  <a14:useLocalDpi xmlns:a14="http://schemas.microsoft.com/office/drawing/2010/main" val="0"/>
+                </a:ext>
+              </a:extLst>
+            </a:blip>
+            <a:stretch>
+              <a:fillRect/>
+            </a:stretch>
+          </p:blipFill>
+          <p:spPr>
+            <a:xfrm>
+              <a:off x="599683" y="2193551"/>
+              <a:ext cx="447554" cy="447554"/>
+            </a:xfrm>
+            <a:prstGeom prst="rect">
+              <a:avLst/>
+            </a:prstGeom>
+          </p:spPr>
+        </p:pic>
+      </p:grpSp>
+      <p:grpSp>
+        <p:nvGrpSpPr>
+          <p:cNvPr id="30" name="Gruppierung 29"/>
+          <p:cNvGrpSpPr/>
+          <p:nvPr/>
+        </p:nvGrpSpPr>
+        <p:grpSpPr>
+          <a:xfrm>
+            <a:off x="157123" y="2119927"/>
+            <a:ext cx="1398852" cy="770253"/>
+            <a:chOff x="93303" y="3203801"/>
+            <a:chExt cx="1398852" cy="770253"/>
+          </a:xfrm>
+        </p:grpSpPr>
+        <p:sp>
+          <p:nvSpPr>
+            <p:cNvPr id="24" name="Textfeld 23"/>
+            <p:cNvSpPr txBox="1"/>
+            <p:nvPr/>
+          </p:nvSpPr>
+          <p:spPr>
+            <a:xfrm>
+              <a:off x="93303" y="3697055"/>
+              <a:ext cx="1398852" cy="276999"/>
+            </a:xfrm>
+            <a:prstGeom prst="rect">
+              <a:avLst/>
+            </a:prstGeom>
+            <a:noFill/>
+          </p:spPr>
+          <p:txBody>
+            <a:bodyPr wrap="square" rtlCol="0">
+              <a:spAutoFit/>
+            </a:bodyPr>
+            <a:lstStyle/>
+            <a:p>
+              <a:pPr algn="ctr"/>
+              <a:r>
+                <a:rPr lang="de-DE" sz="1200" b="1" dirty="0">
+                  <a:latin typeface="Lato" charset="0"/>
+                  <a:ea typeface="Lato" charset="0"/>
+                  <a:cs typeface="Lato" charset="0"/>
+                </a:rPr>
+                <a:t>Diagnostik</a:t>
+              </a:r>
+            </a:p>
+          </p:txBody>
+        </p:sp>
+        <p:pic>
+          <p:nvPicPr>
+            <p:cNvPr id="25" name="Bild 24"/>
+            <p:cNvPicPr>
+              <a:picLocks noChangeAspect="1"/>
+            </p:cNvPicPr>
+            <p:nvPr/>
+          </p:nvPicPr>
+          <p:blipFill>
+            <a:blip r:embed="rId10">
+              <a:extLst>
+                <a:ext uri="{28A0092B-C50C-407E-A947-70E740481C1C}">
+                  <a14:useLocalDpi xmlns:a14="http://schemas.microsoft.com/office/drawing/2010/main" val="0"/>
+                </a:ext>
+              </a:extLst>
+            </a:blip>
+            <a:stretch>
+              <a:fillRect/>
+            </a:stretch>
+          </p:blipFill>
+          <p:spPr>
+            <a:xfrm>
+              <a:off x="568952" y="3203801"/>
+              <a:ext cx="447554" cy="447554"/>
+            </a:xfrm>
+            <a:prstGeom prst="rect">
+              <a:avLst/>
+            </a:prstGeom>
+          </p:spPr>
+        </p:pic>
+      </p:grpSp>
+      <p:grpSp>
+        <p:nvGrpSpPr>
+          <p:cNvPr id="31" name="Gruppierung 30"/>
+          <p:cNvGrpSpPr/>
+          <p:nvPr/>
+        </p:nvGrpSpPr>
+        <p:grpSpPr>
+          <a:xfrm>
+            <a:off x="157123" y="3433561"/>
+            <a:ext cx="1398852" cy="770253"/>
+            <a:chOff x="18698" y="4259751"/>
+            <a:chExt cx="1398852" cy="770253"/>
+          </a:xfrm>
+        </p:grpSpPr>
+        <p:sp>
+          <p:nvSpPr>
+            <p:cNvPr id="26" name="Textfeld 25"/>
+            <p:cNvSpPr txBox="1"/>
+            <p:nvPr/>
+          </p:nvSpPr>
+          <p:spPr>
+            <a:xfrm>
+              <a:off x="18698" y="4753005"/>
+              <a:ext cx="1398852" cy="276999"/>
+            </a:xfrm>
+            <a:prstGeom prst="rect">
+              <a:avLst/>
+            </a:prstGeom>
+            <a:noFill/>
+          </p:spPr>
+          <p:txBody>
+            <a:bodyPr wrap="square" rtlCol="0">
+              <a:spAutoFit/>
+            </a:bodyPr>
+            <a:lstStyle/>
+            <a:p>
+              <a:pPr algn="ctr"/>
+              <a:r>
+                <a:rPr lang="de-DE" sz="1200" b="1" dirty="0">
+                  <a:latin typeface="Lato" charset="0"/>
+                  <a:ea typeface="Lato" charset="0"/>
+                  <a:cs typeface="Lato" charset="0"/>
+                </a:rPr>
+                <a:t>Feedback</a:t>
+              </a:r>
+            </a:p>
+          </p:txBody>
+        </p:sp>
+        <p:pic>
+          <p:nvPicPr>
+            <p:cNvPr id="27" name="Bild 26"/>
+            <p:cNvPicPr>
+              <a:picLocks noChangeAspect="1"/>
+            </p:cNvPicPr>
+            <p:nvPr/>
+          </p:nvPicPr>
+          <p:blipFill>
+            <a:blip r:embed="rId11">
+              <a:extLst>
+                <a:ext uri="{28A0092B-C50C-407E-A947-70E740481C1C}">
+                  <a14:useLocalDpi xmlns:a14="http://schemas.microsoft.com/office/drawing/2010/main" val="0"/>
+                </a:ext>
+              </a:extLst>
+            </a:blip>
+            <a:stretch>
+              <a:fillRect/>
+            </a:stretch>
+          </p:blipFill>
+          <p:spPr>
+            <a:xfrm>
+              <a:off x="494347" y="4259751"/>
+              <a:ext cx="447554" cy="447554"/>
+            </a:xfrm>
+            <a:prstGeom prst="rect">
+              <a:avLst/>
+            </a:prstGeom>
+          </p:spPr>
+        </p:pic>
+      </p:grpSp>
+      <p:grpSp>
+        <p:nvGrpSpPr>
+          <p:cNvPr id="32" name="Gruppierung 31"/>
+          <p:cNvGrpSpPr/>
+          <p:nvPr/>
+        </p:nvGrpSpPr>
+        <p:grpSpPr>
+          <a:xfrm>
+            <a:off x="157123" y="4747195"/>
+            <a:ext cx="1398852" cy="770253"/>
+            <a:chOff x="-155411" y="5454806"/>
+            <a:chExt cx="1398852" cy="770253"/>
+          </a:xfrm>
+        </p:grpSpPr>
+        <p:sp>
+          <p:nvSpPr>
+            <p:cNvPr id="28" name="Textfeld 27"/>
+            <p:cNvSpPr txBox="1"/>
+            <p:nvPr/>
+          </p:nvSpPr>
+          <p:spPr>
+            <a:xfrm>
+              <a:off x="-155411" y="5948060"/>
+              <a:ext cx="1398852" cy="276999"/>
+            </a:xfrm>
+            <a:prstGeom prst="rect">
+              <a:avLst/>
+            </a:prstGeom>
+            <a:noFill/>
+          </p:spPr>
+          <p:txBody>
+            <a:bodyPr wrap="square" rtlCol="0">
+              <a:spAutoFit/>
+            </a:bodyPr>
+            <a:lstStyle/>
+            <a:p>
+              <a:pPr algn="ctr"/>
+              <a:r>
+                <a:rPr lang="de-DE" sz="1200" b="1" dirty="0">
+                  <a:latin typeface="Lato" charset="0"/>
+                  <a:ea typeface="Lato" charset="0"/>
+                  <a:cs typeface="Lato" charset="0"/>
+                </a:rPr>
+                <a:t>Heuristik</a:t>
+              </a:r>
+            </a:p>
+          </p:txBody>
+        </p:sp>
+        <p:pic>
+          <p:nvPicPr>
+            <p:cNvPr id="29" name="Bild 28"/>
+            <p:cNvPicPr>
+              <a:picLocks noChangeAspect="1"/>
+            </p:cNvPicPr>
+            <p:nvPr/>
+          </p:nvPicPr>
+          <p:blipFill>
+            <a:blip r:embed="rId12">
+              <a:extLst>
+                <a:ext uri="{28A0092B-C50C-407E-A947-70E740481C1C}">
+                  <a14:useLocalDpi xmlns:a14="http://schemas.microsoft.com/office/drawing/2010/main" val="0"/>
+                </a:ext>
+              </a:extLst>
+            </a:blip>
+            <a:stretch>
+              <a:fillRect/>
+            </a:stretch>
+          </p:blipFill>
+          <p:spPr>
+            <a:xfrm>
+              <a:off x="320238" y="5454806"/>
+              <a:ext cx="447554" cy="447554"/>
+            </a:xfrm>
+            <a:prstGeom prst="rect">
+              <a:avLst/>
+            </a:prstGeom>
+          </p:spPr>
+        </p:pic>
+      </p:grpSp>
+      <p:sp>
+        <p:nvSpPr>
+          <p:cNvPr id="33" name="Abgerundetes Rechteck 32"/>
+          <p:cNvSpPr/>
+          <p:nvPr/>
+        </p:nvSpPr>
+        <p:spPr>
+          <a:xfrm>
+            <a:off x="1715773" y="594089"/>
+            <a:ext cx="3933399" cy="1319514"/>
+          </a:xfrm>
+          <a:prstGeom prst="roundRect">
+            <a:avLst/>
+          </a:prstGeom>
+          <a:solidFill>
+            <a:srgbClr val="FFBCB5">
+              <a:alpha val="47000"/>
+            </a:srgbClr>
+          </a:solidFill>
+          <a:ln>
+            <a:noFill/>
+          </a:ln>
+        </p:spPr>
+        <p:style>
+          <a:lnRef idx="2">
+            <a:schemeClr val="accent1">
+              <a:shade val="50000"/>
+            </a:schemeClr>
+          </a:lnRef>
+          <a:fillRef idx="1">
+            <a:schemeClr val="accent1"/>
+          </a:fillRef>
+          <a:effectRef idx="0">
+            <a:schemeClr val="accent1"/>
+          </a:effectRef>
+          <a:fontRef idx="minor">
+            <a:schemeClr val="lt1"/>
+          </a:fontRef>
+        </p:style>
+        <p:txBody>
+          <a:bodyPr rtlCol="0" anchor="ctr"/>
+          <a:lstStyle/>
+          <a:p>
+            <a:pPr algn="ctr"/>
+            <a:endParaRPr lang="de-DE"/>
+          </a:p>
+        </p:txBody>
+      </p:sp>
+      <p:sp>
+        <p:nvSpPr>
+          <p:cNvPr id="34" name="Abgerundetes Rechteck 33"/>
+          <p:cNvSpPr/>
+          <p:nvPr/>
+        </p:nvSpPr>
+        <p:spPr>
+          <a:xfrm>
+            <a:off x="7981664" y="1765300"/>
+            <a:ext cx="4877809" cy="1114758"/>
+          </a:xfrm>
+          <a:prstGeom prst="roundRect">
+            <a:avLst/>
+          </a:prstGeom>
+          <a:solidFill>
+            <a:srgbClr val="FFBCB5">
+              <a:alpha val="47000"/>
+            </a:srgbClr>
+          </a:solidFill>
+          <a:ln>
+            <a:noFill/>
+          </a:ln>
+        </p:spPr>
+        <p:style>
+          <a:lnRef idx="2">
+            <a:schemeClr val="accent1">
+              <a:shade val="50000"/>
+            </a:schemeClr>
+          </a:lnRef>
+          <a:fillRef idx="1">
+            <a:schemeClr val="accent1"/>
+          </a:fillRef>
+          <a:effectRef idx="0">
+            <a:schemeClr val="accent1"/>
+          </a:effectRef>
+          <a:fontRef idx="minor">
+            <a:schemeClr val="lt1"/>
+          </a:fontRef>
+        </p:style>
+        <p:txBody>
+          <a:bodyPr rtlCol="0" anchor="ctr"/>
+          <a:lstStyle/>
+          <a:p>
+            <a:pPr algn="ctr"/>
+            <a:endParaRPr lang="de-DE"/>
+          </a:p>
+        </p:txBody>
+      </p:sp>
+      <p:pic>
+        <p:nvPicPr>
+          <p:cNvPr id="35" name="Bild 34"/>
+          <p:cNvPicPr>
+            <a:picLocks noChangeAspect="1"/>
+          </p:cNvPicPr>
+          <p:nvPr/>
+        </p:nvPicPr>
+        <p:blipFill>
+          <a:blip r:embed="rId13">
+            <a:extLst>
+              <a:ext uri="{28A0092B-C50C-407E-A947-70E740481C1C}">
+                <a14:useLocalDpi xmlns:a14="http://schemas.microsoft.com/office/drawing/2010/main" val="0"/>
+              </a:ext>
+            </a:extLst>
+          </a:blip>
+          <a:stretch>
+            <a:fillRect/>
+          </a:stretch>
+        </p:blipFill>
+        <p:spPr>
+          <a:xfrm>
+            <a:off x="3867788" y="637886"/>
+            <a:ext cx="598818" cy="870612"/>
+          </a:xfrm>
+          <a:prstGeom prst="rect">
+            <a:avLst/>
+          </a:prstGeom>
+        </p:spPr>
+      </p:pic>
+      <p:pic>
+        <p:nvPicPr>
+          <p:cNvPr id="36" name="Bild 35"/>
+          <p:cNvPicPr>
+            <a:picLocks noChangeAspect="1"/>
+          </p:cNvPicPr>
+          <p:nvPr/>
+        </p:nvPicPr>
+        <p:blipFill>
+          <a:blip r:embed="rId14">
+            <a:clrChange>
+              <a:clrFrom>
+                <a:srgbClr val="FFFFFF"/>
+              </a:clrFrom>
+              <a:clrTo>
+                <a:srgbClr val="FFFFFF">
+                  <a:alpha val="0"/>
+                </a:srgbClr>
+              </a:clrTo>
+            </a:clrChange>
+            <a:extLst>
+              <a:ext uri="{28A0092B-C50C-407E-A947-70E740481C1C}">
+                <a14:useLocalDpi xmlns:a14="http://schemas.microsoft.com/office/drawing/2010/main" val="0"/>
+              </a:ext>
+            </a:extLst>
+          </a:blip>
+          <a:stretch>
+            <a:fillRect/>
+          </a:stretch>
+        </p:blipFill>
+        <p:spPr>
+          <a:xfrm>
+            <a:off x="4734574" y="1087277"/>
+            <a:ext cx="677174" cy="712815"/>
+          </a:xfrm>
+          <a:prstGeom prst="rect">
+            <a:avLst/>
+          </a:prstGeom>
+        </p:spPr>
+      </p:pic>
+      <p:pic>
+        <p:nvPicPr>
+          <p:cNvPr id="37" name="Bild 36"/>
+          <p:cNvPicPr>
+            <a:picLocks noChangeAspect="1"/>
+          </p:cNvPicPr>
+          <p:nvPr/>
+        </p:nvPicPr>
+        <p:blipFill rotWithShape="1">
+          <a:blip r:embed="rId15">
+            <a:extLst>
+              <a:ext uri="{28A0092B-C50C-407E-A947-70E740481C1C}">
+                <a14:useLocalDpi xmlns:a14="http://schemas.microsoft.com/office/drawing/2010/main" val="0"/>
+              </a:ext>
+            </a:extLst>
+          </a:blip>
+          <a:srcRect b="24079"/>
+          <a:stretch/>
+        </p:blipFill>
+        <p:spPr>
+          <a:xfrm>
+            <a:off x="2111982" y="746793"/>
+            <a:ext cx="667872" cy="507053"/>
+          </a:xfrm>
+          <a:prstGeom prst="rect">
+            <a:avLst/>
+          </a:prstGeom>
+        </p:spPr>
+      </p:pic>
+      <p:pic>
+        <p:nvPicPr>
+          <p:cNvPr id="38" name="Bild 37"/>
+          <p:cNvPicPr>
+            <a:picLocks noChangeAspect="1"/>
+          </p:cNvPicPr>
+          <p:nvPr/>
+        </p:nvPicPr>
+        <p:blipFill rotWithShape="1">
+          <a:blip r:embed="rId16">
+            <a:extLst>
+              <a:ext uri="{28A0092B-C50C-407E-A947-70E740481C1C}">
+                <a14:useLocalDpi xmlns:a14="http://schemas.microsoft.com/office/drawing/2010/main" val="0"/>
+              </a:ext>
+            </a:extLst>
+          </a:blip>
+          <a:srcRect l="1897" t="4298" r="1918" b="3236"/>
+          <a:stretch/>
+        </p:blipFill>
+        <p:spPr>
+          <a:xfrm>
+            <a:off x="10512975" y="1982301"/>
+            <a:ext cx="1713152" cy="769379"/>
+          </a:xfrm>
+          <a:prstGeom prst="rect">
+            <a:avLst/>
+          </a:prstGeom>
+        </p:spPr>
+      </p:pic>
+      <p:sp>
+        <p:nvSpPr>
+          <p:cNvPr id="40" name="Textfeld 39"/>
+          <p:cNvSpPr txBox="1"/>
+          <p:nvPr/>
+        </p:nvSpPr>
+        <p:spPr>
+          <a:xfrm>
+            <a:off x="7063984" y="3870050"/>
+            <a:ext cx="1451038" cy="307777"/>
+          </a:xfrm>
+          <a:prstGeom prst="rect">
+            <a:avLst/>
+          </a:prstGeom>
+          <a:noFill/>
+        </p:spPr>
+        <p:txBody>
+          <a:bodyPr wrap="none" rtlCol="0">
+            <a:spAutoFit/>
+          </a:bodyPr>
+          <a:lstStyle/>
+          <a:p>
+            <a:r>
+              <a:rPr lang="de-DE" sz="1400" b="1" dirty="0" smtClean="0">
+                <a:solidFill>
+                  <a:srgbClr val="A51E41"/>
+                </a:solidFill>
+                <a:latin typeface="Lato" charset="0"/>
+                <a:ea typeface="Lato" charset="0"/>
+                <a:cs typeface="Lato" charset="0"/>
+              </a:rPr>
+              <a:t>Schulinspektion</a:t>
+            </a:r>
+            <a:endParaRPr lang="de-DE" b="1" dirty="0">
+              <a:solidFill>
+                <a:srgbClr val="A51E41"/>
+              </a:solidFill>
+              <a:latin typeface="Lato" charset="0"/>
+              <a:ea typeface="Lato" charset="0"/>
+              <a:cs typeface="Lato" charset="0"/>
+            </a:endParaRPr>
+          </a:p>
+        </p:txBody>
+      </p:sp>
+      <p:sp>
+        <p:nvSpPr>
           <p:cNvPr id="45" name="Textfeld 44"/>
           <p:cNvSpPr txBox="1"/>
           <p:nvPr/>
         </p:nvSpPr>
         <p:spPr>
           <a:xfrm>
-            <a:off x="8208547" y="2527893"/>
-            <a:ext cx="2755611" cy="307777"/>
+            <a:off x="8208548" y="2567481"/>
+            <a:ext cx="2041962" cy="307777"/>
           </a:xfrm>
           <a:prstGeom prst="rect">
             <a:avLst/>
@@ -7507,6 +12609,7 @@
           </a:bodyPr>
           <a:lstStyle/>
           <a:p>
+            <a:pPr algn="ctr"/>
             <a:r>
               <a:rPr lang="de-DE" sz="1400" b="1" dirty="0" err="1">
                 <a:solidFill>
@@ -7602,10 +12705,1241 @@
           </a:prstGeom>
         </p:spPr>
       </p:pic>
+      <p:cxnSp>
+        <p:nvCxnSpPr>
+          <p:cNvPr id="51" name="Gerade Verbindung mit Pfeil 50"/>
+          <p:cNvCxnSpPr>
+            <a:stCxn id="46" idx="2"/>
+          </p:cNvCxnSpPr>
+          <p:nvPr/>
+        </p:nvCxnSpPr>
+        <p:spPr>
+          <a:xfrm>
+            <a:off x="2704870" y="1894429"/>
+            <a:ext cx="5420280" cy="3767715"/>
+          </a:xfrm>
+          <a:prstGeom prst="straightConnector1">
+            <a:avLst/>
+          </a:prstGeom>
+          <a:ln w="38100">
+            <a:solidFill>
+              <a:srgbClr val="B4A069"/>
+            </a:solidFill>
+            <a:tailEnd type="triangle" w="med" len="lg"/>
+          </a:ln>
+        </p:spPr>
+        <p:style>
+          <a:lnRef idx="1">
+            <a:schemeClr val="accent1"/>
+          </a:lnRef>
+          <a:fillRef idx="0">
+            <a:schemeClr val="accent1"/>
+          </a:fillRef>
+          <a:effectRef idx="0">
+            <a:schemeClr val="accent1"/>
+          </a:effectRef>
+          <a:fontRef idx="minor">
+            <a:schemeClr val="tx1"/>
+          </a:fontRef>
+        </p:style>
+      </p:cxnSp>
+      <p:cxnSp>
+        <p:nvCxnSpPr>
+          <p:cNvPr id="60" name="Gerade Verbindung mit Pfeil 59"/>
+          <p:cNvCxnSpPr>
+            <a:stCxn id="40" idx="2"/>
+          </p:cNvCxnSpPr>
+          <p:nvPr/>
+        </p:nvCxnSpPr>
+        <p:spPr>
+          <a:xfrm>
+            <a:off x="7789503" y="4177827"/>
+            <a:ext cx="994279" cy="1534153"/>
+          </a:xfrm>
+          <a:prstGeom prst="straightConnector1">
+            <a:avLst/>
+          </a:prstGeom>
+          <a:ln w="38100">
+            <a:solidFill>
+              <a:srgbClr val="B4A069"/>
+            </a:solidFill>
+            <a:tailEnd type="triangle" w="med" len="lg"/>
+          </a:ln>
+        </p:spPr>
+        <p:style>
+          <a:lnRef idx="1">
+            <a:schemeClr val="accent1"/>
+          </a:lnRef>
+          <a:fillRef idx="0">
+            <a:schemeClr val="accent1"/>
+          </a:fillRef>
+          <a:effectRef idx="0">
+            <a:schemeClr val="accent1"/>
+          </a:effectRef>
+          <a:fontRef idx="minor">
+            <a:schemeClr val="tx1"/>
+          </a:fontRef>
+        </p:style>
+      </p:cxnSp>
+      <p:cxnSp>
+        <p:nvCxnSpPr>
+          <p:cNvPr id="63" name="Gerade Verbindung mit Pfeil 62"/>
+          <p:cNvCxnSpPr>
+            <a:stCxn id="45" idx="2"/>
+            <a:endCxn id="50" idx="0"/>
+          </p:cNvCxnSpPr>
+          <p:nvPr/>
+        </p:nvCxnSpPr>
+        <p:spPr>
+          <a:xfrm>
+            <a:off x="9229529" y="2875258"/>
+            <a:ext cx="163853" cy="2786886"/>
+          </a:xfrm>
+          <a:prstGeom prst="straightConnector1">
+            <a:avLst/>
+          </a:prstGeom>
+          <a:ln w="38100">
+            <a:solidFill>
+              <a:srgbClr val="B4A069"/>
+            </a:solidFill>
+            <a:tailEnd type="triangle" w="med" len="lg"/>
+          </a:ln>
+        </p:spPr>
+        <p:style>
+          <a:lnRef idx="1">
+            <a:schemeClr val="accent1"/>
+          </a:lnRef>
+          <a:fillRef idx="0">
+            <a:schemeClr val="accent1"/>
+          </a:fillRef>
+          <a:effectRef idx="0">
+            <a:schemeClr val="accent1"/>
+          </a:effectRef>
+          <a:fontRef idx="minor">
+            <a:schemeClr val="tx1"/>
+          </a:fontRef>
+        </p:style>
+      </p:cxnSp>
+      <p:cxnSp>
+        <p:nvCxnSpPr>
+          <p:cNvPr id="66" name="Gerade Verbindung mit Pfeil 65"/>
+          <p:cNvCxnSpPr>
+            <a:stCxn id="42" idx="2"/>
+          </p:cNvCxnSpPr>
+          <p:nvPr/>
+        </p:nvCxnSpPr>
+        <p:spPr>
+          <a:xfrm flipH="1">
+            <a:off x="10348791" y="3424813"/>
+            <a:ext cx="825697" cy="2237331"/>
+          </a:xfrm>
+          <a:prstGeom prst="straightConnector1">
+            <a:avLst/>
+          </a:prstGeom>
+          <a:ln w="38100">
+            <a:solidFill>
+              <a:srgbClr val="B4A069"/>
+            </a:solidFill>
+            <a:tailEnd type="triangle" w="med" len="lg"/>
+          </a:ln>
+        </p:spPr>
+        <p:style>
+          <a:lnRef idx="1">
+            <a:schemeClr val="accent1"/>
+          </a:lnRef>
+          <a:fillRef idx="0">
+            <a:schemeClr val="accent1"/>
+          </a:fillRef>
+          <a:effectRef idx="0">
+            <a:schemeClr val="accent1"/>
+          </a:effectRef>
+          <a:fontRef idx="minor">
+            <a:schemeClr val="tx1"/>
+          </a:fontRef>
+        </p:style>
+      </p:cxnSp>
     </p:spTree>
     <p:extLst>
       <p:ext uri="{BB962C8B-B14F-4D97-AF65-F5344CB8AC3E}">
-        <p14:creationId xmlns:p14="http://schemas.microsoft.com/office/powerpoint/2010/main" val="441004641"/>
+        <p14:creationId xmlns:p14="http://schemas.microsoft.com/office/powerpoint/2010/main" val="1857221797"/>
+      </p:ext>
+    </p:extLst>
+  </p:cSld>
+  <p:clrMapOvr>
+    <a:masterClrMapping/>
+  </p:clrMapOvr>
+  <p:timing>
+    <p:tnLst>
+      <p:par>
+        <p:cTn id="1" dur="indefinite" restart="never" nodeType="tmRoot"/>
+      </p:par>
+    </p:tnLst>
+  </p:timing>
+</p:sld>
+</file>
+
+<file path=ppt/slides/slide7.xml><?xml version="1.0" encoding="utf-8"?>
+<p:sld xmlns:a="http://schemas.openxmlformats.org/drawingml/2006/main" xmlns:r="http://schemas.openxmlformats.org/officeDocument/2006/relationships" xmlns:p="http://schemas.openxmlformats.org/presentationml/2006/main">
+  <p:cSld>
+    <p:spTree>
+      <p:nvGrpSpPr>
+        <p:cNvPr id="1" name=""/>
+        <p:cNvGrpSpPr/>
+        <p:nvPr/>
+      </p:nvGrpSpPr>
+      <p:grpSpPr>
+        <a:xfrm>
+          <a:off x="0" y="0"/>
+          <a:ext cx="0" cy="0"/>
+          <a:chOff x="0" y="0"/>
+          <a:chExt cx="0" cy="0"/>
+        </a:xfrm>
+      </p:grpSpPr>
+      <p:sp>
+        <p:nvSpPr>
+          <p:cNvPr id="55" name="Abgerundetes Rechteck 54"/>
+          <p:cNvSpPr/>
+          <p:nvPr/>
+        </p:nvSpPr>
+        <p:spPr>
+          <a:xfrm>
+            <a:off x="7351616" y="1762819"/>
+            <a:ext cx="1744619" cy="1773935"/>
+          </a:xfrm>
+          <a:prstGeom prst="roundRect">
+            <a:avLst/>
+          </a:prstGeom>
+          <a:solidFill>
+            <a:srgbClr val="FFBCB5">
+              <a:alpha val="47000"/>
+            </a:srgbClr>
+          </a:solidFill>
+          <a:ln>
+            <a:noFill/>
+          </a:ln>
+        </p:spPr>
+        <p:style>
+          <a:lnRef idx="2">
+            <a:schemeClr val="accent1">
+              <a:shade val="50000"/>
+            </a:schemeClr>
+          </a:lnRef>
+          <a:fillRef idx="1">
+            <a:schemeClr val="accent1"/>
+          </a:fillRef>
+          <a:effectRef idx="0">
+            <a:schemeClr val="accent1"/>
+          </a:effectRef>
+          <a:fontRef idx="minor">
+            <a:schemeClr val="lt1"/>
+          </a:fontRef>
+        </p:style>
+        <p:txBody>
+          <a:bodyPr rtlCol="0" anchor="ctr"/>
+          <a:lstStyle/>
+          <a:p>
+            <a:pPr algn="ctr"/>
+            <a:r>
+              <a:rPr lang="de-DE" sz="2400" b="1" dirty="0" smtClean="0">
+                <a:solidFill>
+                  <a:srgbClr val="A51E41"/>
+                </a:solidFill>
+              </a:rPr>
+              <a:t>Aktion</a:t>
+            </a:r>
+            <a:endParaRPr lang="de-DE" sz="2400" b="1" dirty="0">
+              <a:solidFill>
+                <a:srgbClr val="A51E41"/>
+              </a:solidFill>
+            </a:endParaRPr>
+          </a:p>
+        </p:txBody>
+      </p:sp>
+      <p:sp>
+        <p:nvSpPr>
+          <p:cNvPr id="39" name="Abgerundetes Rechteck 38"/>
+          <p:cNvSpPr/>
+          <p:nvPr/>
+        </p:nvSpPr>
+        <p:spPr>
+          <a:xfrm>
+            <a:off x="2972843" y="4169758"/>
+            <a:ext cx="8254567" cy="855577"/>
+          </a:xfrm>
+          <a:prstGeom prst="roundRect">
+            <a:avLst/>
+          </a:prstGeom>
+          <a:solidFill>
+            <a:srgbClr val="FFBCB5">
+              <a:alpha val="47000"/>
+            </a:srgbClr>
+          </a:solidFill>
+          <a:ln>
+            <a:noFill/>
+          </a:ln>
+        </p:spPr>
+        <p:style>
+          <a:lnRef idx="2">
+            <a:schemeClr val="accent1">
+              <a:shade val="50000"/>
+            </a:schemeClr>
+          </a:lnRef>
+          <a:fillRef idx="1">
+            <a:schemeClr val="accent1"/>
+          </a:fillRef>
+          <a:effectRef idx="0">
+            <a:schemeClr val="accent1"/>
+          </a:effectRef>
+          <a:fontRef idx="minor">
+            <a:schemeClr val="lt1"/>
+          </a:fontRef>
+        </p:style>
+        <p:txBody>
+          <a:bodyPr rtlCol="0" anchor="ctr"/>
+          <a:lstStyle/>
+          <a:p>
+            <a:pPr algn="ctr"/>
+            <a:r>
+              <a:rPr lang="de-DE" sz="2600" b="1" dirty="0" smtClean="0">
+                <a:solidFill>
+                  <a:srgbClr val="A51E41"/>
+                </a:solidFill>
+              </a:rPr>
+              <a:t>Schulische Bedingungen</a:t>
+            </a:r>
+            <a:endParaRPr lang="de-DE" sz="2600" b="1" dirty="0">
+              <a:solidFill>
+                <a:srgbClr val="A51E41"/>
+              </a:solidFill>
+            </a:endParaRPr>
+          </a:p>
+        </p:txBody>
+      </p:sp>
+      <p:cxnSp>
+        <p:nvCxnSpPr>
+          <p:cNvPr id="5" name="Gerade Verbindung mit Pfeil 4"/>
+          <p:cNvCxnSpPr>
+            <a:endCxn id="53" idx="1"/>
+          </p:cNvCxnSpPr>
+          <p:nvPr/>
+        </p:nvCxnSpPr>
+        <p:spPr>
+          <a:xfrm>
+            <a:off x="2625371" y="2649785"/>
+            <a:ext cx="347472" cy="3"/>
+          </a:xfrm>
+          <a:prstGeom prst="straightConnector1">
+            <a:avLst/>
+          </a:prstGeom>
+          <a:ln w="38100">
+            <a:solidFill>
+              <a:srgbClr val="A51E41"/>
+            </a:solidFill>
+            <a:tailEnd type="triangle" w="med" len="lg"/>
+          </a:ln>
+        </p:spPr>
+        <p:style>
+          <a:lnRef idx="1">
+            <a:schemeClr val="accent1"/>
+          </a:lnRef>
+          <a:fillRef idx="0">
+            <a:schemeClr val="accent1"/>
+          </a:fillRef>
+          <a:effectRef idx="0">
+            <a:schemeClr val="accent1"/>
+          </a:effectRef>
+          <a:fontRef idx="minor">
+            <a:schemeClr val="tx1"/>
+          </a:fontRef>
+        </p:style>
+      </p:cxnSp>
+      <p:sp>
+        <p:nvSpPr>
+          <p:cNvPr id="34" name="Abgerundetes Rechteck 33"/>
+          <p:cNvSpPr/>
+          <p:nvPr/>
+        </p:nvSpPr>
+        <p:spPr>
+          <a:xfrm>
+            <a:off x="2972843" y="5310687"/>
+            <a:ext cx="8254567" cy="775517"/>
+          </a:xfrm>
+          <a:prstGeom prst="roundRect">
+            <a:avLst/>
+          </a:prstGeom>
+          <a:solidFill>
+            <a:srgbClr val="FFBCB5">
+              <a:alpha val="47000"/>
+            </a:srgbClr>
+          </a:solidFill>
+          <a:ln>
+            <a:noFill/>
+          </a:ln>
+        </p:spPr>
+        <p:style>
+          <a:lnRef idx="2">
+            <a:schemeClr val="accent1">
+              <a:shade val="50000"/>
+            </a:schemeClr>
+          </a:lnRef>
+          <a:fillRef idx="1">
+            <a:schemeClr val="accent1"/>
+          </a:fillRef>
+          <a:effectRef idx="0">
+            <a:schemeClr val="accent1"/>
+          </a:effectRef>
+          <a:fontRef idx="minor">
+            <a:schemeClr val="lt1"/>
+          </a:fontRef>
+        </p:style>
+        <p:txBody>
+          <a:bodyPr rtlCol="0" anchor="ctr"/>
+          <a:lstStyle/>
+          <a:p>
+            <a:pPr algn="ctr"/>
+            <a:r>
+              <a:rPr lang="de-DE" sz="2800" b="1" dirty="0" smtClean="0">
+                <a:solidFill>
+                  <a:srgbClr val="A51E41"/>
+                </a:solidFill>
+              </a:rPr>
+              <a:t>Externe Bedingungen</a:t>
+            </a:r>
+            <a:endParaRPr lang="de-DE" sz="2800" b="1" dirty="0">
+              <a:solidFill>
+                <a:srgbClr val="A51E41"/>
+              </a:solidFill>
+            </a:endParaRPr>
+          </a:p>
+        </p:txBody>
+      </p:sp>
+      <p:sp>
+        <p:nvSpPr>
+          <p:cNvPr id="50" name="Abgerundetes Rechteck 49"/>
+          <p:cNvSpPr/>
+          <p:nvPr/>
+        </p:nvSpPr>
+        <p:spPr>
+          <a:xfrm>
+            <a:off x="9483465" y="1762817"/>
+            <a:ext cx="1743946" cy="1773935"/>
+          </a:xfrm>
+          <a:prstGeom prst="roundRect">
+            <a:avLst/>
+          </a:prstGeom>
+          <a:solidFill>
+            <a:srgbClr val="FFBCB5">
+              <a:alpha val="47000"/>
+            </a:srgbClr>
+          </a:solidFill>
+          <a:ln>
+            <a:noFill/>
+          </a:ln>
+        </p:spPr>
+        <p:style>
+          <a:lnRef idx="2">
+            <a:schemeClr val="accent1">
+              <a:shade val="50000"/>
+            </a:schemeClr>
+          </a:lnRef>
+          <a:fillRef idx="1">
+            <a:schemeClr val="accent1"/>
+          </a:fillRef>
+          <a:effectRef idx="0">
+            <a:schemeClr val="accent1"/>
+          </a:effectRef>
+          <a:fontRef idx="minor">
+            <a:schemeClr val="lt1"/>
+          </a:fontRef>
+        </p:style>
+        <p:txBody>
+          <a:bodyPr rtlCol="0" anchor="ctr"/>
+          <a:lstStyle/>
+          <a:p>
+            <a:pPr algn="ctr"/>
+            <a:r>
+              <a:rPr lang="de-DE" sz="2400" b="1" dirty="0" smtClean="0">
+                <a:solidFill>
+                  <a:srgbClr val="A51E41"/>
+                </a:solidFill>
+              </a:rPr>
+              <a:t>Evaluation</a:t>
+            </a:r>
+            <a:endParaRPr lang="de-DE" sz="2400" b="1" dirty="0">
+              <a:solidFill>
+                <a:srgbClr val="A51E41"/>
+              </a:solidFill>
+            </a:endParaRPr>
+          </a:p>
+        </p:txBody>
+      </p:sp>
+      <p:sp>
+        <p:nvSpPr>
+          <p:cNvPr id="51" name="Abgerundetes Rechteck 50"/>
+          <p:cNvSpPr/>
+          <p:nvPr/>
+        </p:nvSpPr>
+        <p:spPr>
+          <a:xfrm>
+            <a:off x="2972843" y="271181"/>
+            <a:ext cx="8254567" cy="855577"/>
+          </a:xfrm>
+          <a:prstGeom prst="roundRect">
+            <a:avLst/>
+          </a:prstGeom>
+          <a:solidFill>
+            <a:srgbClr val="FFBCB5">
+              <a:alpha val="47000"/>
+            </a:srgbClr>
+          </a:solidFill>
+          <a:ln>
+            <a:noFill/>
+          </a:ln>
+        </p:spPr>
+        <p:style>
+          <a:lnRef idx="2">
+            <a:schemeClr val="accent1">
+              <a:shade val="50000"/>
+            </a:schemeClr>
+          </a:lnRef>
+          <a:fillRef idx="1">
+            <a:schemeClr val="accent1"/>
+          </a:fillRef>
+          <a:effectRef idx="0">
+            <a:schemeClr val="accent1"/>
+          </a:effectRef>
+          <a:fontRef idx="minor">
+            <a:schemeClr val="lt1"/>
+          </a:fontRef>
+        </p:style>
+        <p:txBody>
+          <a:bodyPr rtlCol="0" anchor="ctr"/>
+          <a:lstStyle/>
+          <a:p>
+            <a:pPr algn="ctr"/>
+            <a:r>
+              <a:rPr lang="de-DE" sz="2800" b="1" dirty="0" smtClean="0">
+                <a:solidFill>
+                  <a:srgbClr val="A51E41"/>
+                </a:solidFill>
+              </a:rPr>
+              <a:t>Individuelle Bedingungen</a:t>
+            </a:r>
+            <a:endParaRPr lang="de-DE" sz="2800" b="1" dirty="0">
+              <a:solidFill>
+                <a:srgbClr val="A51E41"/>
+              </a:solidFill>
+            </a:endParaRPr>
+          </a:p>
+        </p:txBody>
+      </p:sp>
+      <p:sp>
+        <p:nvSpPr>
+          <p:cNvPr id="53" name="Abgerundetes Rechteck 52"/>
+          <p:cNvSpPr/>
+          <p:nvPr/>
+        </p:nvSpPr>
+        <p:spPr>
+          <a:xfrm>
+            <a:off x="2972843" y="1762820"/>
+            <a:ext cx="1800325" cy="1773935"/>
+          </a:xfrm>
+          <a:prstGeom prst="roundRect">
+            <a:avLst/>
+          </a:prstGeom>
+          <a:solidFill>
+            <a:srgbClr val="FFBCB5">
+              <a:alpha val="47000"/>
+            </a:srgbClr>
+          </a:solidFill>
+          <a:ln>
+            <a:noFill/>
+          </a:ln>
+        </p:spPr>
+        <p:style>
+          <a:lnRef idx="2">
+            <a:schemeClr val="accent1">
+              <a:shade val="50000"/>
+            </a:schemeClr>
+          </a:lnRef>
+          <a:fillRef idx="1">
+            <a:schemeClr val="accent1"/>
+          </a:fillRef>
+          <a:effectRef idx="0">
+            <a:schemeClr val="accent1"/>
+          </a:effectRef>
+          <a:fontRef idx="minor">
+            <a:schemeClr val="lt1"/>
+          </a:fontRef>
+        </p:style>
+        <p:txBody>
+          <a:bodyPr rtlCol="0" anchor="ctr"/>
+          <a:lstStyle/>
+          <a:p>
+            <a:pPr algn="ctr"/>
+            <a:r>
+              <a:rPr lang="de-DE" sz="2400" b="1" dirty="0" smtClean="0">
+                <a:solidFill>
+                  <a:srgbClr val="A51E41"/>
+                </a:solidFill>
+              </a:rPr>
+              <a:t>Rezeption</a:t>
+            </a:r>
+            <a:endParaRPr lang="de-DE" sz="2400" b="1" dirty="0">
+              <a:solidFill>
+                <a:srgbClr val="A51E41"/>
+              </a:solidFill>
+            </a:endParaRPr>
+          </a:p>
+        </p:txBody>
+      </p:sp>
+      <p:sp>
+        <p:nvSpPr>
+          <p:cNvPr id="54" name="Abgerundetes Rechteck 53"/>
+          <p:cNvSpPr/>
+          <p:nvPr/>
+        </p:nvSpPr>
+        <p:spPr>
+          <a:xfrm>
+            <a:off x="5164062" y="1762820"/>
+            <a:ext cx="1800325" cy="1773935"/>
+          </a:xfrm>
+          <a:prstGeom prst="roundRect">
+            <a:avLst/>
+          </a:prstGeom>
+          <a:solidFill>
+            <a:srgbClr val="FFBCB5">
+              <a:alpha val="47000"/>
+            </a:srgbClr>
+          </a:solidFill>
+          <a:ln>
+            <a:noFill/>
+          </a:ln>
+        </p:spPr>
+        <p:style>
+          <a:lnRef idx="2">
+            <a:schemeClr val="accent1">
+              <a:shade val="50000"/>
+            </a:schemeClr>
+          </a:lnRef>
+          <a:fillRef idx="1">
+            <a:schemeClr val="accent1"/>
+          </a:fillRef>
+          <a:effectRef idx="0">
+            <a:schemeClr val="accent1"/>
+          </a:effectRef>
+          <a:fontRef idx="minor">
+            <a:schemeClr val="lt1"/>
+          </a:fontRef>
+        </p:style>
+        <p:txBody>
+          <a:bodyPr rtlCol="0" anchor="ctr"/>
+          <a:lstStyle/>
+          <a:p>
+            <a:pPr algn="ctr"/>
+            <a:r>
+              <a:rPr lang="de-DE" sz="2400" b="1" dirty="0" smtClean="0">
+                <a:solidFill>
+                  <a:srgbClr val="A51E41"/>
+                </a:solidFill>
+              </a:rPr>
+              <a:t>Reflexion</a:t>
+            </a:r>
+            <a:endParaRPr lang="de-DE" sz="2400" b="1" dirty="0">
+              <a:solidFill>
+                <a:srgbClr val="A51E41"/>
+              </a:solidFill>
+            </a:endParaRPr>
+          </a:p>
+        </p:txBody>
+      </p:sp>
+      <p:sp>
+        <p:nvSpPr>
+          <p:cNvPr id="56" name="Abgerundetes Rechteck 55"/>
+          <p:cNvSpPr/>
+          <p:nvPr/>
+        </p:nvSpPr>
+        <p:spPr>
+          <a:xfrm>
+            <a:off x="1220032" y="271181"/>
+            <a:ext cx="1405339" cy="5841387"/>
+          </a:xfrm>
+          <a:prstGeom prst="roundRect">
+            <a:avLst/>
+          </a:prstGeom>
+          <a:solidFill>
+            <a:srgbClr val="FFBCB5">
+              <a:alpha val="47000"/>
+            </a:srgbClr>
+          </a:solidFill>
+          <a:ln>
+            <a:noFill/>
+          </a:ln>
+        </p:spPr>
+        <p:style>
+          <a:lnRef idx="2">
+            <a:schemeClr val="accent1">
+              <a:shade val="50000"/>
+            </a:schemeClr>
+          </a:lnRef>
+          <a:fillRef idx="1">
+            <a:schemeClr val="accent1"/>
+          </a:fillRef>
+          <a:effectRef idx="0">
+            <a:schemeClr val="accent1"/>
+          </a:effectRef>
+          <a:fontRef idx="minor">
+            <a:schemeClr val="lt1"/>
+          </a:fontRef>
+        </p:style>
+        <p:txBody>
+          <a:bodyPr vert="vert270" rtlCol="0" anchor="ctr"/>
+          <a:lstStyle/>
+          <a:p>
+            <a:pPr algn="ctr"/>
+            <a:r>
+              <a:rPr lang="de-DE" sz="3200" b="1" dirty="0" smtClean="0">
+                <a:solidFill>
+                  <a:srgbClr val="A51E41"/>
+                </a:solidFill>
+              </a:rPr>
+              <a:t>Information</a:t>
+            </a:r>
+            <a:endParaRPr lang="de-DE" b="1" dirty="0">
+              <a:solidFill>
+                <a:srgbClr val="A51E41"/>
+              </a:solidFill>
+            </a:endParaRPr>
+          </a:p>
+        </p:txBody>
+      </p:sp>
+      <p:cxnSp>
+        <p:nvCxnSpPr>
+          <p:cNvPr id="61" name="Gerade Verbindung mit Pfeil 60"/>
+          <p:cNvCxnSpPr>
+            <a:stCxn id="53" idx="3"/>
+          </p:cNvCxnSpPr>
+          <p:nvPr/>
+        </p:nvCxnSpPr>
+        <p:spPr>
+          <a:xfrm>
+            <a:off x="4773168" y="2649788"/>
+            <a:ext cx="390894" cy="0"/>
+          </a:xfrm>
+          <a:prstGeom prst="straightConnector1">
+            <a:avLst/>
+          </a:prstGeom>
+          <a:ln w="38100">
+            <a:solidFill>
+              <a:srgbClr val="A51E41"/>
+            </a:solidFill>
+            <a:tailEnd type="triangle" w="med" len="lg"/>
+          </a:ln>
+        </p:spPr>
+        <p:style>
+          <a:lnRef idx="1">
+            <a:schemeClr val="accent1"/>
+          </a:lnRef>
+          <a:fillRef idx="0">
+            <a:schemeClr val="accent1"/>
+          </a:fillRef>
+          <a:effectRef idx="0">
+            <a:schemeClr val="accent1"/>
+          </a:effectRef>
+          <a:fontRef idx="minor">
+            <a:schemeClr val="tx1"/>
+          </a:fontRef>
+        </p:style>
+      </p:cxnSp>
+      <p:cxnSp>
+        <p:nvCxnSpPr>
+          <p:cNvPr id="64" name="Gerade Verbindung mit Pfeil 63"/>
+          <p:cNvCxnSpPr>
+            <a:stCxn id="54" idx="3"/>
+            <a:endCxn id="55" idx="1"/>
+          </p:cNvCxnSpPr>
+          <p:nvPr/>
+        </p:nvCxnSpPr>
+        <p:spPr>
+          <a:xfrm flipV="1">
+            <a:off x="6964387" y="2649787"/>
+            <a:ext cx="387229" cy="1"/>
+          </a:xfrm>
+          <a:prstGeom prst="straightConnector1">
+            <a:avLst/>
+          </a:prstGeom>
+          <a:ln w="38100">
+            <a:solidFill>
+              <a:srgbClr val="A51E41"/>
+            </a:solidFill>
+            <a:tailEnd type="triangle" w="med" len="lg"/>
+          </a:ln>
+        </p:spPr>
+        <p:style>
+          <a:lnRef idx="1">
+            <a:schemeClr val="accent1"/>
+          </a:lnRef>
+          <a:fillRef idx="0">
+            <a:schemeClr val="accent1"/>
+          </a:fillRef>
+          <a:effectRef idx="0">
+            <a:schemeClr val="accent1"/>
+          </a:effectRef>
+          <a:fontRef idx="minor">
+            <a:schemeClr val="tx1"/>
+          </a:fontRef>
+        </p:style>
+      </p:cxnSp>
+      <p:cxnSp>
+        <p:nvCxnSpPr>
+          <p:cNvPr id="67" name="Gerade Verbindung mit Pfeil 66"/>
+          <p:cNvCxnSpPr>
+            <a:stCxn id="55" idx="3"/>
+            <a:endCxn id="50" idx="1"/>
+          </p:cNvCxnSpPr>
+          <p:nvPr/>
+        </p:nvCxnSpPr>
+        <p:spPr>
+          <a:xfrm flipV="1">
+            <a:off x="9096235" y="2649785"/>
+            <a:ext cx="387230" cy="2"/>
+          </a:xfrm>
+          <a:prstGeom prst="straightConnector1">
+            <a:avLst/>
+          </a:prstGeom>
+          <a:ln w="38100">
+            <a:solidFill>
+              <a:srgbClr val="A51E41"/>
+            </a:solidFill>
+            <a:tailEnd type="triangle" w="med" len="lg"/>
+          </a:ln>
+        </p:spPr>
+        <p:style>
+          <a:lnRef idx="1">
+            <a:schemeClr val="accent1"/>
+          </a:lnRef>
+          <a:fillRef idx="0">
+            <a:schemeClr val="accent1"/>
+          </a:fillRef>
+          <a:effectRef idx="0">
+            <a:schemeClr val="accent1"/>
+          </a:effectRef>
+          <a:fontRef idx="minor">
+            <a:schemeClr val="tx1"/>
+          </a:fontRef>
+        </p:style>
+      </p:cxnSp>
+      <p:cxnSp>
+        <p:nvCxnSpPr>
+          <p:cNvPr id="73" name="Gerade Verbindung mit Pfeil 72"/>
+          <p:cNvCxnSpPr>
+            <a:endCxn id="53" idx="2"/>
+          </p:cNvCxnSpPr>
+          <p:nvPr/>
+        </p:nvCxnSpPr>
+        <p:spPr>
+          <a:xfrm flipH="1" flipV="1">
+            <a:off x="3873006" y="3536755"/>
+            <a:ext cx="5447" cy="633003"/>
+          </a:xfrm>
+          <a:prstGeom prst="straightConnector1">
+            <a:avLst/>
+          </a:prstGeom>
+          <a:ln w="38100">
+            <a:solidFill>
+              <a:srgbClr val="A51E41"/>
+            </a:solidFill>
+            <a:tailEnd type="triangle" w="med" len="lg"/>
+          </a:ln>
+        </p:spPr>
+        <p:style>
+          <a:lnRef idx="1">
+            <a:schemeClr val="accent1"/>
+          </a:lnRef>
+          <a:fillRef idx="0">
+            <a:schemeClr val="accent1"/>
+          </a:fillRef>
+          <a:effectRef idx="0">
+            <a:schemeClr val="accent1"/>
+          </a:effectRef>
+          <a:fontRef idx="minor">
+            <a:schemeClr val="tx1"/>
+          </a:fontRef>
+        </p:style>
+      </p:cxnSp>
+      <p:cxnSp>
+        <p:nvCxnSpPr>
+          <p:cNvPr id="80" name="Gerade Verbindung mit Pfeil 79"/>
+          <p:cNvCxnSpPr>
+            <a:endCxn id="54" idx="2"/>
+          </p:cNvCxnSpPr>
+          <p:nvPr/>
+        </p:nvCxnSpPr>
+        <p:spPr>
+          <a:xfrm flipV="1">
+            <a:off x="6061946" y="3536755"/>
+            <a:ext cx="2279" cy="633002"/>
+          </a:xfrm>
+          <a:prstGeom prst="straightConnector1">
+            <a:avLst/>
+          </a:prstGeom>
+          <a:ln w="38100">
+            <a:solidFill>
+              <a:srgbClr val="A51E41"/>
+            </a:solidFill>
+            <a:tailEnd type="triangle" w="med" len="lg"/>
+          </a:ln>
+        </p:spPr>
+        <p:style>
+          <a:lnRef idx="1">
+            <a:schemeClr val="accent1"/>
+          </a:lnRef>
+          <a:fillRef idx="0">
+            <a:schemeClr val="accent1"/>
+          </a:fillRef>
+          <a:effectRef idx="0">
+            <a:schemeClr val="accent1"/>
+          </a:effectRef>
+          <a:fontRef idx="minor">
+            <a:schemeClr val="tx1"/>
+          </a:fontRef>
+        </p:style>
+      </p:cxnSp>
+      <p:cxnSp>
+        <p:nvCxnSpPr>
+          <p:cNvPr id="81" name="Gerade Verbindung mit Pfeil 80"/>
+          <p:cNvCxnSpPr>
+            <a:endCxn id="55" idx="2"/>
+          </p:cNvCxnSpPr>
+          <p:nvPr/>
+        </p:nvCxnSpPr>
+        <p:spPr>
+          <a:xfrm flipH="1" flipV="1">
+            <a:off x="8223926" y="3536754"/>
+            <a:ext cx="1340" cy="635906"/>
+          </a:xfrm>
+          <a:prstGeom prst="straightConnector1">
+            <a:avLst/>
+          </a:prstGeom>
+          <a:ln w="38100">
+            <a:solidFill>
+              <a:srgbClr val="A51E41"/>
+            </a:solidFill>
+            <a:tailEnd type="triangle" w="med" len="lg"/>
+          </a:ln>
+        </p:spPr>
+        <p:style>
+          <a:lnRef idx="1">
+            <a:schemeClr val="accent1"/>
+          </a:lnRef>
+          <a:fillRef idx="0">
+            <a:schemeClr val="accent1"/>
+          </a:fillRef>
+          <a:effectRef idx="0">
+            <a:schemeClr val="accent1"/>
+          </a:effectRef>
+          <a:fontRef idx="minor">
+            <a:schemeClr val="tx1"/>
+          </a:fontRef>
+        </p:style>
+      </p:cxnSp>
+      <p:cxnSp>
+        <p:nvCxnSpPr>
+          <p:cNvPr id="88" name="Gerade Verbindung mit Pfeil 87"/>
+          <p:cNvCxnSpPr/>
+          <p:nvPr/>
+        </p:nvCxnSpPr>
+        <p:spPr>
+          <a:xfrm flipV="1">
+            <a:off x="10243421" y="3536754"/>
+            <a:ext cx="0" cy="633003"/>
+          </a:xfrm>
+          <a:prstGeom prst="straightConnector1">
+            <a:avLst/>
+          </a:prstGeom>
+          <a:ln w="38100">
+            <a:solidFill>
+              <a:srgbClr val="A51E41"/>
+            </a:solidFill>
+            <a:tailEnd type="triangle" w="med" len="lg"/>
+          </a:ln>
+        </p:spPr>
+        <p:style>
+          <a:lnRef idx="1">
+            <a:schemeClr val="accent1"/>
+          </a:lnRef>
+          <a:fillRef idx="0">
+            <a:schemeClr val="accent1"/>
+          </a:fillRef>
+          <a:effectRef idx="0">
+            <a:schemeClr val="accent1"/>
+          </a:effectRef>
+          <a:fontRef idx="minor">
+            <a:schemeClr val="tx1"/>
+          </a:fontRef>
+        </p:style>
+      </p:cxnSp>
+      <p:cxnSp>
+        <p:nvCxnSpPr>
+          <p:cNvPr id="89" name="Gerade Verbindung mit Pfeil 88"/>
+          <p:cNvCxnSpPr/>
+          <p:nvPr/>
+        </p:nvCxnSpPr>
+        <p:spPr>
+          <a:xfrm flipH="1" flipV="1">
+            <a:off x="7279341" y="5025335"/>
+            <a:ext cx="2908" cy="281661"/>
+          </a:xfrm>
+          <a:prstGeom prst="straightConnector1">
+            <a:avLst/>
+          </a:prstGeom>
+          <a:ln w="38100">
+            <a:solidFill>
+              <a:srgbClr val="A51E41"/>
+            </a:solidFill>
+            <a:tailEnd type="triangle" w="med" len="lg"/>
+          </a:ln>
+        </p:spPr>
+        <p:style>
+          <a:lnRef idx="1">
+            <a:schemeClr val="accent1"/>
+          </a:lnRef>
+          <a:fillRef idx="0">
+            <a:schemeClr val="accent1"/>
+          </a:fillRef>
+          <a:effectRef idx="0">
+            <a:schemeClr val="accent1"/>
+          </a:effectRef>
+          <a:fontRef idx="minor">
+            <a:schemeClr val="tx1"/>
+          </a:fontRef>
+        </p:style>
+      </p:cxnSp>
+      <p:cxnSp>
+        <p:nvCxnSpPr>
+          <p:cNvPr id="91" name="Gerade Verbindung mit Pfeil 90"/>
+          <p:cNvCxnSpPr/>
+          <p:nvPr/>
+        </p:nvCxnSpPr>
+        <p:spPr>
+          <a:xfrm flipV="1">
+            <a:off x="10539208" y="3536754"/>
+            <a:ext cx="0" cy="633003"/>
+          </a:xfrm>
+          <a:prstGeom prst="straightConnector1">
+            <a:avLst/>
+          </a:prstGeom>
+          <a:ln w="38100">
+            <a:solidFill>
+              <a:srgbClr val="A51E41"/>
+            </a:solidFill>
+            <a:headEnd type="triangle" w="med" len="lg"/>
+            <a:tailEnd type="none" w="med" len="lg"/>
+          </a:ln>
+        </p:spPr>
+        <p:style>
+          <a:lnRef idx="1">
+            <a:schemeClr val="accent1"/>
+          </a:lnRef>
+          <a:fillRef idx="0">
+            <a:schemeClr val="accent1"/>
+          </a:fillRef>
+          <a:effectRef idx="0">
+            <a:schemeClr val="accent1"/>
+          </a:effectRef>
+          <a:fontRef idx="minor">
+            <a:schemeClr val="tx1"/>
+          </a:fontRef>
+        </p:style>
+      </p:cxnSp>
+      <p:cxnSp>
+        <p:nvCxnSpPr>
+          <p:cNvPr id="92" name="Gerade Verbindung mit Pfeil 91"/>
+          <p:cNvCxnSpPr/>
+          <p:nvPr/>
+        </p:nvCxnSpPr>
+        <p:spPr>
+          <a:xfrm flipH="1" flipV="1">
+            <a:off x="10253272" y="1124262"/>
+            <a:ext cx="5860" cy="638555"/>
+          </a:xfrm>
+          <a:prstGeom prst="straightConnector1">
+            <a:avLst/>
+          </a:prstGeom>
+          <a:ln w="38100">
+            <a:solidFill>
+              <a:srgbClr val="A51E41"/>
+            </a:solidFill>
+            <a:tailEnd type="triangle" w="med" len="lg"/>
+          </a:ln>
+        </p:spPr>
+        <p:style>
+          <a:lnRef idx="1">
+            <a:schemeClr val="accent1"/>
+          </a:lnRef>
+          <a:fillRef idx="0">
+            <a:schemeClr val="accent1"/>
+          </a:fillRef>
+          <a:effectRef idx="0">
+            <a:schemeClr val="accent1"/>
+          </a:effectRef>
+          <a:fontRef idx="minor">
+            <a:schemeClr val="tx1"/>
+          </a:fontRef>
+        </p:style>
+      </p:cxnSp>
+      <p:cxnSp>
+        <p:nvCxnSpPr>
+          <p:cNvPr id="93" name="Gerade Verbindung mit Pfeil 92"/>
+          <p:cNvCxnSpPr/>
+          <p:nvPr/>
+        </p:nvCxnSpPr>
+        <p:spPr>
+          <a:xfrm flipV="1">
+            <a:off x="10554919" y="1124262"/>
+            <a:ext cx="0" cy="638555"/>
+          </a:xfrm>
+          <a:prstGeom prst="straightConnector1">
+            <a:avLst/>
+          </a:prstGeom>
+          <a:ln w="38100">
+            <a:solidFill>
+              <a:srgbClr val="A51E41"/>
+            </a:solidFill>
+            <a:headEnd type="triangle" w="med" len="lg"/>
+            <a:tailEnd type="none" w="med" len="lg"/>
+          </a:ln>
+        </p:spPr>
+        <p:style>
+          <a:lnRef idx="1">
+            <a:schemeClr val="accent1"/>
+          </a:lnRef>
+          <a:fillRef idx="0">
+            <a:schemeClr val="accent1"/>
+          </a:fillRef>
+          <a:effectRef idx="0">
+            <a:schemeClr val="accent1"/>
+          </a:effectRef>
+          <a:fontRef idx="minor">
+            <a:schemeClr val="tx1"/>
+          </a:fontRef>
+        </p:style>
+      </p:cxnSp>
+      <p:cxnSp>
+        <p:nvCxnSpPr>
+          <p:cNvPr id="117" name="Gerade Verbindung mit Pfeil 116"/>
+          <p:cNvCxnSpPr/>
+          <p:nvPr/>
+        </p:nvCxnSpPr>
+        <p:spPr>
+          <a:xfrm flipV="1">
+            <a:off x="8223926" y="1124262"/>
+            <a:ext cx="0" cy="638555"/>
+          </a:xfrm>
+          <a:prstGeom prst="straightConnector1">
+            <a:avLst/>
+          </a:prstGeom>
+          <a:ln w="38100">
+            <a:solidFill>
+              <a:srgbClr val="A51E41"/>
+            </a:solidFill>
+            <a:headEnd type="triangle" w="med" len="lg"/>
+            <a:tailEnd type="none" w="med" len="lg"/>
+          </a:ln>
+        </p:spPr>
+        <p:style>
+          <a:lnRef idx="1">
+            <a:schemeClr val="accent1"/>
+          </a:lnRef>
+          <a:fillRef idx="0">
+            <a:schemeClr val="accent1"/>
+          </a:fillRef>
+          <a:effectRef idx="0">
+            <a:schemeClr val="accent1"/>
+          </a:effectRef>
+          <a:fontRef idx="minor">
+            <a:schemeClr val="tx1"/>
+          </a:fontRef>
+        </p:style>
+      </p:cxnSp>
+      <p:cxnSp>
+        <p:nvCxnSpPr>
+          <p:cNvPr id="118" name="Gerade Verbindung mit Pfeil 117"/>
+          <p:cNvCxnSpPr/>
+          <p:nvPr/>
+        </p:nvCxnSpPr>
+        <p:spPr>
+          <a:xfrm flipV="1">
+            <a:off x="6051918" y="1124262"/>
+            <a:ext cx="0" cy="638555"/>
+          </a:xfrm>
+          <a:prstGeom prst="straightConnector1">
+            <a:avLst/>
+          </a:prstGeom>
+          <a:ln w="38100">
+            <a:solidFill>
+              <a:srgbClr val="A51E41"/>
+            </a:solidFill>
+            <a:headEnd type="triangle" w="med" len="lg"/>
+            <a:tailEnd type="none" w="med" len="lg"/>
+          </a:ln>
+        </p:spPr>
+        <p:style>
+          <a:lnRef idx="1">
+            <a:schemeClr val="accent1"/>
+          </a:lnRef>
+          <a:fillRef idx="0">
+            <a:schemeClr val="accent1"/>
+          </a:fillRef>
+          <a:effectRef idx="0">
+            <a:schemeClr val="accent1"/>
+          </a:effectRef>
+          <a:fontRef idx="minor">
+            <a:schemeClr val="tx1"/>
+          </a:fontRef>
+        </p:style>
+      </p:cxnSp>
+      <p:cxnSp>
+        <p:nvCxnSpPr>
+          <p:cNvPr id="119" name="Gerade Verbindung mit Pfeil 118"/>
+          <p:cNvCxnSpPr/>
+          <p:nvPr/>
+        </p:nvCxnSpPr>
+        <p:spPr>
+          <a:xfrm flipV="1">
+            <a:off x="3873006" y="1124262"/>
+            <a:ext cx="0" cy="638555"/>
+          </a:xfrm>
+          <a:prstGeom prst="straightConnector1">
+            <a:avLst/>
+          </a:prstGeom>
+          <a:ln w="38100">
+            <a:solidFill>
+              <a:srgbClr val="A51E41"/>
+            </a:solidFill>
+            <a:headEnd type="triangle" w="med" len="lg"/>
+            <a:tailEnd type="none" w="med" len="lg"/>
+          </a:ln>
+        </p:spPr>
+        <p:style>
+          <a:lnRef idx="1">
+            <a:schemeClr val="accent1"/>
+          </a:lnRef>
+          <a:fillRef idx="0">
+            <a:schemeClr val="accent1"/>
+          </a:fillRef>
+          <a:effectRef idx="0">
+            <a:schemeClr val="accent1"/>
+          </a:effectRef>
+          <a:fontRef idx="minor">
+            <a:schemeClr val="tx1"/>
+          </a:fontRef>
+        </p:style>
+      </p:cxnSp>
+    </p:spTree>
+    <p:extLst>
+      <p:ext uri="{BB962C8B-B14F-4D97-AF65-F5344CB8AC3E}">
+        <p14:creationId xmlns:p14="http://schemas.microsoft.com/office/powerpoint/2010/main" val="1338851251"/>
       </p:ext>
     </p:extLst>
   </p:cSld>

--- a/Img/Tabelle_Rueckmeldesysteme.pptx
+++ b/Img/Tabelle_Rueckmeldesysteme.pptx
@@ -16,17 +16,21 @@
     <p:sldId id="264" r:id="rId10"/>
     <p:sldId id="265" r:id="rId11"/>
     <p:sldId id="266" r:id="rId12"/>
-    <p:sldId id="271" r:id="rId13"/>
-    <p:sldId id="272" r:id="rId14"/>
+    <p:sldId id="286" r:id="rId13"/>
+    <p:sldId id="287" r:id="rId14"/>
     <p:sldId id="269" r:id="rId15"/>
-    <p:sldId id="274" r:id="rId16"/>
-    <p:sldId id="275" r:id="rId17"/>
-    <p:sldId id="281" r:id="rId18"/>
-    <p:sldId id="276" r:id="rId19"/>
-    <p:sldId id="277" r:id="rId20"/>
-    <p:sldId id="278" r:id="rId21"/>
-    <p:sldId id="280" r:id="rId22"/>
-    <p:sldId id="279" r:id="rId23"/>
+    <p:sldId id="282" r:id="rId16"/>
+    <p:sldId id="283" r:id="rId17"/>
+    <p:sldId id="274" r:id="rId18"/>
+    <p:sldId id="275" r:id="rId19"/>
+    <p:sldId id="285" r:id="rId20"/>
+    <p:sldId id="281" r:id="rId21"/>
+    <p:sldId id="284" r:id="rId22"/>
+    <p:sldId id="276" r:id="rId23"/>
+    <p:sldId id="277" r:id="rId24"/>
+    <p:sldId id="278" r:id="rId25"/>
+    <p:sldId id="280" r:id="rId26"/>
+    <p:sldId id="279" r:id="rId27"/>
   </p:sldIdLst>
   <p:sldSz cx="15971838" cy="6858000"/>
   <p:notesSz cx="6858000" cy="9144000"/>
@@ -5978,9 +5982,9 @@
         <p:grpSpPr>
           <a:xfrm>
             <a:off x="1551916" y="5903080"/>
-            <a:ext cx="1398852" cy="770254"/>
+            <a:ext cx="1398852" cy="801032"/>
             <a:chOff x="1551916" y="5903080"/>
-            <a:chExt cx="1398852" cy="770254"/>
+            <a:chExt cx="1398852" cy="801032"/>
           </a:xfrm>
         </p:grpSpPr>
         <p:sp>
@@ -5992,7 +5996,7 @@
           <p:spPr>
             <a:xfrm>
               <a:off x="1551916" y="6396335"/>
-              <a:ext cx="1398852" cy="276999"/>
+              <a:ext cx="1398852" cy="307777"/>
             </a:xfrm>
             <a:prstGeom prst="rect">
               <a:avLst/>
@@ -6007,7 +6011,7 @@
             <a:p>
               <a:pPr algn="ctr"/>
               <a:r>
-                <a:rPr lang="de-DE" sz="1200" b="1" dirty="0">
+                <a:rPr lang="de-DE" sz="1400" b="1" dirty="0">
                   <a:latin typeface="Lato" charset="0"/>
                   <a:ea typeface="Lato" charset="0"/>
                   <a:cs typeface="Lato" charset="0"/>
@@ -6059,9 +6063,9 @@
         <p:grpSpPr>
           <a:xfrm>
             <a:off x="3292370" y="5903080"/>
-            <a:ext cx="1398852" cy="862587"/>
+            <a:ext cx="1398852" cy="924142"/>
             <a:chOff x="3105988" y="5903080"/>
-            <a:chExt cx="1398852" cy="862587"/>
+            <a:chExt cx="1398852" cy="924142"/>
           </a:xfrm>
         </p:grpSpPr>
         <p:sp>
@@ -6073,7 +6077,7 @@
           <p:spPr>
             <a:xfrm>
               <a:off x="3105988" y="6304002"/>
-              <a:ext cx="1398852" cy="461665"/>
+              <a:ext cx="1398852" cy="523220"/>
             </a:xfrm>
             <a:prstGeom prst="rect">
               <a:avLst/>
@@ -6088,7 +6092,7 @@
             <a:p>
               <a:pPr algn="ctr"/>
               <a:r>
-                <a:rPr lang="de-DE" sz="1200" b="1">
+                <a:rPr lang="de-DE" sz="1400" b="1">
                   <a:latin typeface="Lato" charset="0"/>
                   <a:ea typeface="Lato" charset="0"/>
                   <a:cs typeface="Lato" charset="0"/>
@@ -6096,21 +6100,21 @@
                 <a:t>Bildungs-</a:t>
               </a:r>
               <a:br>
-                <a:rPr lang="de-DE" sz="1200" b="1">
+                <a:rPr lang="de-DE" sz="1400" b="1">
                   <a:latin typeface="Lato" charset="0"/>
                   <a:ea typeface="Lato" charset="0"/>
                   <a:cs typeface="Lato" charset="0"/>
                 </a:rPr>
               </a:br>
               <a:r>
-                <a:rPr lang="de-DE" sz="1200" b="1" dirty="0" err="1">
+                <a:rPr lang="de-DE" sz="1400" b="1" dirty="0" err="1">
                   <a:latin typeface="Lato" charset="0"/>
                   <a:ea typeface="Lato" charset="0"/>
                   <a:cs typeface="Lato" charset="0"/>
                 </a:rPr>
                 <a:t>administration</a:t>
               </a:r>
-              <a:endParaRPr lang="de-DE" sz="1200" b="1" dirty="0">
+              <a:endParaRPr lang="de-DE" sz="1400" b="1" dirty="0">
                 <a:latin typeface="Lato" charset="0"/>
                 <a:ea typeface="Lato" charset="0"/>
                 <a:cs typeface="Lato" charset="0"/>
@@ -6158,9 +6162,9 @@
         <p:grpSpPr>
           <a:xfrm>
             <a:off x="5032824" y="5903080"/>
-            <a:ext cx="1398852" cy="770254"/>
+            <a:ext cx="1398852" cy="801032"/>
             <a:chOff x="4660060" y="5903080"/>
-            <a:chExt cx="1398852" cy="770254"/>
+            <a:chExt cx="1398852" cy="801032"/>
           </a:xfrm>
         </p:grpSpPr>
         <p:sp>
@@ -6172,7 +6176,7 @@
           <p:spPr>
             <a:xfrm>
               <a:off x="4660060" y="6396335"/>
-              <a:ext cx="1398852" cy="276999"/>
+              <a:ext cx="1398852" cy="307777"/>
             </a:xfrm>
             <a:prstGeom prst="rect">
               <a:avLst/>
@@ -6187,7 +6191,7 @@
             <a:p>
               <a:pPr algn="ctr"/>
               <a:r>
-                <a:rPr lang="de-DE" sz="1200" b="1" dirty="0">
+                <a:rPr lang="de-DE" sz="1400" b="1" dirty="0">
                   <a:latin typeface="Lato" charset="0"/>
                   <a:ea typeface="Lato" charset="0"/>
                   <a:cs typeface="Lato" charset="0"/>
@@ -6237,9 +6241,9 @@
         <p:grpSpPr>
           <a:xfrm>
             <a:off x="6773278" y="5881529"/>
-            <a:ext cx="1398852" cy="791805"/>
+            <a:ext cx="1398852" cy="822583"/>
             <a:chOff x="6235684" y="5881529"/>
-            <a:chExt cx="1398852" cy="791805"/>
+            <a:chExt cx="1398852" cy="822583"/>
           </a:xfrm>
         </p:grpSpPr>
         <p:sp>
@@ -6251,7 +6255,7 @@
           <p:spPr>
             <a:xfrm>
               <a:off x="6235684" y="6396335"/>
-              <a:ext cx="1398852" cy="276999"/>
+              <a:ext cx="1398852" cy="307777"/>
             </a:xfrm>
             <a:prstGeom prst="rect">
               <a:avLst/>
@@ -6266,7 +6270,7 @@
             <a:p>
               <a:pPr algn="ctr"/>
               <a:r>
-                <a:rPr lang="de-DE" sz="1200" b="1" dirty="0">
+                <a:rPr lang="de-DE" sz="1400" b="1" dirty="0">
                   <a:latin typeface="Lato" charset="0"/>
                   <a:ea typeface="Lato" charset="0"/>
                   <a:cs typeface="Lato" charset="0"/>
@@ -6316,9 +6320,9 @@
         <p:grpSpPr>
           <a:xfrm>
             <a:off x="10254185" y="5969883"/>
-            <a:ext cx="1398852" cy="703451"/>
+            <a:ext cx="1398852" cy="734229"/>
             <a:chOff x="9413957" y="5969883"/>
-            <a:chExt cx="1398852" cy="703451"/>
+            <a:chExt cx="1398852" cy="734229"/>
           </a:xfrm>
         </p:grpSpPr>
         <p:pic>
@@ -6360,7 +6364,7 @@
           <p:spPr>
             <a:xfrm>
               <a:off x="9413957" y="6396335"/>
-              <a:ext cx="1398852" cy="276999"/>
+              <a:ext cx="1398852" cy="307777"/>
             </a:xfrm>
             <a:prstGeom prst="rect">
               <a:avLst/>
@@ -6375,7 +6379,7 @@
             <a:p>
               <a:pPr algn="ctr"/>
               <a:r>
-                <a:rPr lang="de-DE" sz="1200" b="1" dirty="0">
+                <a:rPr lang="de-DE" sz="1400" b="1" dirty="0">
                   <a:latin typeface="Lato" charset="0"/>
                   <a:ea typeface="Lato" charset="0"/>
                   <a:cs typeface="Lato" charset="0"/>
@@ -6395,9 +6399,9 @@
         <p:grpSpPr>
           <a:xfrm>
             <a:off x="8513732" y="5849173"/>
-            <a:ext cx="1398852" cy="1008827"/>
+            <a:ext cx="1398852" cy="1070382"/>
             <a:chOff x="7811309" y="5849173"/>
-            <a:chExt cx="1398852" cy="1008827"/>
+            <a:chExt cx="1398852" cy="1070382"/>
           </a:xfrm>
         </p:grpSpPr>
         <p:sp>
@@ -6409,7 +6413,7 @@
           <p:spPr>
             <a:xfrm>
               <a:off x="7811309" y="6396335"/>
-              <a:ext cx="1398852" cy="461665"/>
+              <a:ext cx="1398852" cy="523220"/>
             </a:xfrm>
             <a:prstGeom prst="rect">
               <a:avLst/>
@@ -6424,7 +6428,7 @@
             <a:p>
               <a:pPr algn="ctr"/>
               <a:r>
-                <a:rPr lang="de-DE" sz="1200" b="1" dirty="0">
+                <a:rPr lang="de-DE" sz="1400" b="1" dirty="0">
                   <a:latin typeface="Lato" charset="0"/>
                   <a:ea typeface="Lato" charset="0"/>
                   <a:cs typeface="Lato" charset="0"/>
@@ -6434,7 +6438,7 @@
             </a:p>
             <a:p>
               <a:pPr algn="ctr"/>
-              <a:endParaRPr lang="de-DE" sz="1200" b="1" dirty="0">
+              <a:endParaRPr lang="de-DE" sz="1400" b="1" dirty="0">
                 <a:latin typeface="Lato" charset="0"/>
                 <a:ea typeface="Lato" charset="0"/>
                 <a:cs typeface="Lato" charset="0"/>
@@ -6482,9 +6486,9 @@
         <p:grpSpPr>
           <a:xfrm>
             <a:off x="157123" y="2112565"/>
-            <a:ext cx="1398852" cy="770253"/>
+            <a:ext cx="1398852" cy="801031"/>
             <a:chOff x="124034" y="2193551"/>
-            <a:chExt cx="1398852" cy="770253"/>
+            <a:chExt cx="1398852" cy="801031"/>
           </a:xfrm>
         </p:grpSpPr>
         <p:sp>
@@ -6496,7 +6500,7 @@
           <p:spPr>
             <a:xfrm>
               <a:off x="124034" y="2686805"/>
-              <a:ext cx="1398852" cy="276999"/>
+              <a:ext cx="1398852" cy="307777"/>
             </a:xfrm>
             <a:prstGeom prst="rect">
               <a:avLst/>
@@ -6511,7 +6515,7 @@
             <a:p>
               <a:pPr algn="ctr"/>
               <a:r>
-                <a:rPr lang="de-DE" sz="1200" b="1" dirty="0">
+                <a:rPr lang="de-DE" sz="1400" b="1" dirty="0">
                   <a:latin typeface="Lato" charset="0"/>
                   <a:ea typeface="Lato" charset="0"/>
                   <a:cs typeface="Lato" charset="0"/>
@@ -6561,9 +6565,9 @@
         <p:grpSpPr>
           <a:xfrm>
             <a:off x="157123" y="3426199"/>
-            <a:ext cx="1398852" cy="770253"/>
+            <a:ext cx="1398852" cy="801031"/>
             <a:chOff x="93303" y="3203801"/>
-            <a:chExt cx="1398852" cy="770253"/>
+            <a:chExt cx="1398852" cy="801031"/>
           </a:xfrm>
         </p:grpSpPr>
         <p:sp>
@@ -6575,7 +6579,7 @@
           <p:spPr>
             <a:xfrm>
               <a:off x="93303" y="3697055"/>
-              <a:ext cx="1398852" cy="276999"/>
+              <a:ext cx="1398852" cy="307777"/>
             </a:xfrm>
             <a:prstGeom prst="rect">
               <a:avLst/>
@@ -6590,7 +6594,7 @@
             <a:p>
               <a:pPr algn="ctr"/>
               <a:r>
-                <a:rPr lang="de-DE" sz="1200" b="1" dirty="0">
+                <a:rPr lang="de-DE" sz="1400" b="1" dirty="0">
                   <a:latin typeface="Lato" charset="0"/>
                   <a:ea typeface="Lato" charset="0"/>
                   <a:cs typeface="Lato" charset="0"/>
@@ -6640,9 +6644,9 @@
         <p:grpSpPr>
           <a:xfrm>
             <a:off x="157123" y="4739833"/>
-            <a:ext cx="1398852" cy="770253"/>
+            <a:ext cx="1398852" cy="801031"/>
             <a:chOff x="18698" y="4259751"/>
-            <a:chExt cx="1398852" cy="770253"/>
+            <a:chExt cx="1398852" cy="801031"/>
           </a:xfrm>
         </p:grpSpPr>
         <p:sp>
@@ -6654,7 +6658,7 @@
           <p:spPr>
             <a:xfrm>
               <a:off x="18698" y="4753005"/>
-              <a:ext cx="1398852" cy="276999"/>
+              <a:ext cx="1398852" cy="307777"/>
             </a:xfrm>
             <a:prstGeom prst="rect">
               <a:avLst/>
@@ -6669,7 +6673,7 @@
             <a:p>
               <a:pPr algn="ctr"/>
               <a:r>
-                <a:rPr lang="de-DE" sz="1200" b="1" dirty="0">
+                <a:rPr lang="de-DE" sz="1400" b="1" dirty="0">
                   <a:latin typeface="Lato" charset="0"/>
                   <a:ea typeface="Lato" charset="0"/>
                   <a:cs typeface="Lato" charset="0"/>
@@ -6814,8 +6818,8 @@
         </p:nvSpPr>
         <p:spPr>
           <a:xfrm>
-            <a:off x="3581786" y="5110740"/>
-            <a:ext cx="1451038" cy="307777"/>
+            <a:off x="3809625" y="5023559"/>
+            <a:ext cx="1816523" cy="369332"/>
           </a:xfrm>
           <a:prstGeom prst="rect">
             <a:avLst/>
@@ -6829,7 +6833,7 @@
           <a:lstStyle/>
           <a:p>
             <a:r>
-              <a:rPr lang="de-DE" sz="1400" b="1" dirty="0" smtClean="0">
+              <a:rPr lang="de-DE" b="1" dirty="0" smtClean="0">
                 <a:solidFill>
                   <a:srgbClr val="A51E41"/>
                 </a:solidFill>
@@ -6838,6 +6842,50 @@
                 <a:cs typeface="Lato" charset="0"/>
               </a:rPr>
               <a:t>Schulinspektion</a:t>
+            </a:r>
+            <a:endParaRPr lang="de-DE" sz="2400" b="1" dirty="0">
+              <a:solidFill>
+                <a:srgbClr val="A51E41"/>
+              </a:solidFill>
+              <a:latin typeface="Lato" charset="0"/>
+              <a:ea typeface="Lato" charset="0"/>
+              <a:cs typeface="Lato" charset="0"/>
+            </a:endParaRPr>
+          </a:p>
+        </p:txBody>
+      </p:sp>
+      <p:sp>
+        <p:nvSpPr>
+          <p:cNvPr id="45" name="Textfeld 44"/>
+          <p:cNvSpPr txBox="1"/>
+          <p:nvPr/>
+        </p:nvSpPr>
+        <p:spPr>
+          <a:xfrm>
+            <a:off x="9044447" y="3734787"/>
+            <a:ext cx="2755611" cy="369332"/>
+          </a:xfrm>
+          <a:prstGeom prst="rect">
+            <a:avLst/>
+          </a:prstGeom>
+          <a:noFill/>
+        </p:spPr>
+        <p:txBody>
+          <a:bodyPr wrap="square" rtlCol="0">
+            <a:spAutoFit/>
+          </a:bodyPr>
+          <a:lstStyle/>
+          <a:p>
+            <a:r>
+              <a:rPr lang="de-DE" b="1" dirty="0" err="1">
+                <a:solidFill>
+                  <a:srgbClr val="A51E41"/>
+                </a:solidFill>
+                <a:latin typeface="Lato" charset="0"/>
+                <a:ea typeface="Lato" charset="0"/>
+                <a:cs typeface="Lato" charset="0"/>
+              </a:rPr>
+              <a:t>Lernstandserhebungen</a:t>
             </a:r>
             <a:endParaRPr lang="de-DE" b="1" dirty="0">
               <a:solidFill>
@@ -6852,58 +6900,14 @@
       </p:sp>
       <p:sp>
         <p:nvSpPr>
-          <p:cNvPr id="45" name="Textfeld 44"/>
-          <p:cNvSpPr txBox="1"/>
-          <p:nvPr/>
-        </p:nvSpPr>
-        <p:spPr>
-          <a:xfrm>
-            <a:off x="9485511" y="3819561"/>
-            <a:ext cx="2755611" cy="307777"/>
-          </a:xfrm>
-          <a:prstGeom prst="rect">
-            <a:avLst/>
-          </a:prstGeom>
-          <a:noFill/>
-        </p:spPr>
-        <p:txBody>
-          <a:bodyPr wrap="square" rtlCol="0">
-            <a:spAutoFit/>
-          </a:bodyPr>
-          <a:lstStyle/>
-          <a:p>
-            <a:r>
-              <a:rPr lang="de-DE" sz="1400" b="1" dirty="0" err="1">
-                <a:solidFill>
-                  <a:srgbClr val="A51E41"/>
-                </a:solidFill>
-                <a:latin typeface="Lato" charset="0"/>
-                <a:ea typeface="Lato" charset="0"/>
-                <a:cs typeface="Lato" charset="0"/>
-              </a:rPr>
-              <a:t>Lernstandserhebungen</a:t>
-            </a:r>
-            <a:endParaRPr lang="de-DE" sz="1400" b="1" dirty="0">
-              <a:solidFill>
-                <a:srgbClr val="A51E41"/>
-              </a:solidFill>
-              <a:latin typeface="Lato" charset="0"/>
-              <a:ea typeface="Lato" charset="0"/>
-              <a:cs typeface="Lato" charset="0"/>
-            </a:endParaRPr>
-          </a:p>
-        </p:txBody>
-      </p:sp>
-      <p:sp>
-        <p:nvSpPr>
           <p:cNvPr id="46" name="Textfeld 45"/>
           <p:cNvSpPr txBox="1"/>
           <p:nvPr/>
         </p:nvSpPr>
         <p:spPr>
           <a:xfrm>
-            <a:off x="1810636" y="2704803"/>
-            <a:ext cx="1611339" cy="307777"/>
+            <a:off x="1828936" y="2112565"/>
+            <a:ext cx="2020105" cy="369332"/>
           </a:xfrm>
           <a:prstGeom prst="rect">
             <a:avLst/>
@@ -6917,7 +6921,7 @@
           <a:lstStyle/>
           <a:p>
             <a:r>
-              <a:rPr lang="de-DE" sz="1400" b="1" dirty="0">
+              <a:rPr lang="de-DE" b="1" dirty="0">
                 <a:solidFill>
                   <a:srgbClr val="A51E41"/>
                 </a:solidFill>
@@ -6927,7 +6931,7 @@
               </a:rPr>
               <a:t>Vergleichsstudien</a:t>
             </a:r>
-            <a:endParaRPr lang="de-DE" b="1" dirty="0">
+            <a:endParaRPr lang="de-DE" sz="2400" b="1" dirty="0">
               <a:solidFill>
                 <a:srgbClr val="A51E41"/>
               </a:solidFill>
@@ -6977,6 +6981,54 @@
       </p:grpSpPr>
       <p:sp>
         <p:nvSpPr>
+          <p:cNvPr id="34" name="Abgerundetes Rechteck 33"/>
+          <p:cNvSpPr/>
+          <p:nvPr/>
+        </p:nvSpPr>
+        <p:spPr>
+          <a:xfrm>
+            <a:off x="6773278" y="3081694"/>
+            <a:ext cx="4879760" cy="1114758"/>
+          </a:xfrm>
+          <a:prstGeom prst="roundRect">
+            <a:avLst/>
+          </a:prstGeom>
+          <a:solidFill>
+            <a:schemeClr val="bg1">
+              <a:alpha val="47000"/>
+            </a:schemeClr>
+          </a:solidFill>
+          <a:ln>
+            <a:noFill/>
+          </a:ln>
+        </p:spPr>
+        <p:style>
+          <a:lnRef idx="2">
+            <a:schemeClr val="accent1">
+              <a:shade val="50000"/>
+            </a:schemeClr>
+          </a:lnRef>
+          <a:fillRef idx="1">
+            <a:schemeClr val="accent1"/>
+          </a:fillRef>
+          <a:effectRef idx="0">
+            <a:schemeClr val="accent1"/>
+          </a:effectRef>
+          <a:fontRef idx="minor">
+            <a:schemeClr val="lt1"/>
+          </a:fontRef>
+        </p:style>
+        <p:txBody>
+          <a:bodyPr rtlCol="0" anchor="ctr"/>
+          <a:lstStyle/>
+          <a:p>
+            <a:pPr algn="ctr"/>
+            <a:endParaRPr lang="de-DE"/>
+          </a:p>
+        </p:txBody>
+      </p:sp>
+      <p:sp>
+        <p:nvSpPr>
           <p:cNvPr id="39" name="Abgerundetes Rechteck 38"/>
           <p:cNvSpPr/>
           <p:nvPr/>
@@ -7104,9 +7156,9 @@
         <p:grpSpPr>
           <a:xfrm>
             <a:off x="1551916" y="5903080"/>
-            <a:ext cx="1398852" cy="770254"/>
+            <a:ext cx="1398852" cy="801032"/>
             <a:chOff x="1551916" y="5903080"/>
-            <a:chExt cx="1398852" cy="770254"/>
+            <a:chExt cx="1398852" cy="801032"/>
           </a:xfrm>
         </p:grpSpPr>
         <p:sp>
@@ -7118,7 +7170,7 @@
           <p:spPr>
             <a:xfrm>
               <a:off x="1551916" y="6396335"/>
-              <a:ext cx="1398852" cy="276999"/>
+              <a:ext cx="1398852" cy="307777"/>
             </a:xfrm>
             <a:prstGeom prst="rect">
               <a:avLst/>
@@ -7133,7 +7185,7 @@
             <a:p>
               <a:pPr algn="ctr"/>
               <a:r>
-                <a:rPr lang="de-DE" sz="1200" b="1" dirty="0">
+                <a:rPr lang="de-DE" sz="1400" b="1" dirty="0">
                   <a:latin typeface="Lato" charset="0"/>
                   <a:ea typeface="Lato" charset="0"/>
                   <a:cs typeface="Lato" charset="0"/>
@@ -7185,9 +7237,9 @@
         <p:grpSpPr>
           <a:xfrm>
             <a:off x="3292370" y="5903080"/>
-            <a:ext cx="1398852" cy="862587"/>
+            <a:ext cx="1398852" cy="924142"/>
             <a:chOff x="3105988" y="5903080"/>
-            <a:chExt cx="1398852" cy="862587"/>
+            <a:chExt cx="1398852" cy="924142"/>
           </a:xfrm>
         </p:grpSpPr>
         <p:sp>
@@ -7199,7 +7251,7 @@
           <p:spPr>
             <a:xfrm>
               <a:off x="3105988" y="6304002"/>
-              <a:ext cx="1398852" cy="461665"/>
+              <a:ext cx="1398852" cy="523220"/>
             </a:xfrm>
             <a:prstGeom prst="rect">
               <a:avLst/>
@@ -7214,7 +7266,7 @@
             <a:p>
               <a:pPr algn="ctr"/>
               <a:r>
-                <a:rPr lang="de-DE" sz="1200" b="1">
+                <a:rPr lang="de-DE" sz="1400" b="1">
                   <a:latin typeface="Lato" charset="0"/>
                   <a:ea typeface="Lato" charset="0"/>
                   <a:cs typeface="Lato" charset="0"/>
@@ -7222,21 +7274,21 @@
                 <a:t>Bildungs-</a:t>
               </a:r>
               <a:br>
-                <a:rPr lang="de-DE" sz="1200" b="1">
+                <a:rPr lang="de-DE" sz="1400" b="1">
                   <a:latin typeface="Lato" charset="0"/>
                   <a:ea typeface="Lato" charset="0"/>
                   <a:cs typeface="Lato" charset="0"/>
                 </a:rPr>
               </a:br>
               <a:r>
-                <a:rPr lang="de-DE" sz="1200" b="1" dirty="0" err="1">
+                <a:rPr lang="de-DE" sz="1400" b="1" dirty="0" err="1">
                   <a:latin typeface="Lato" charset="0"/>
                   <a:ea typeface="Lato" charset="0"/>
                   <a:cs typeface="Lato" charset="0"/>
                 </a:rPr>
                 <a:t>administration</a:t>
               </a:r>
-              <a:endParaRPr lang="de-DE" sz="1200" b="1" dirty="0">
+              <a:endParaRPr lang="de-DE" sz="1400" b="1" dirty="0">
                 <a:latin typeface="Lato" charset="0"/>
                 <a:ea typeface="Lato" charset="0"/>
                 <a:cs typeface="Lato" charset="0"/>
@@ -7284,9 +7336,9 @@
         <p:grpSpPr>
           <a:xfrm>
             <a:off x="5032824" y="5903080"/>
-            <a:ext cx="1398852" cy="770254"/>
+            <a:ext cx="1398852" cy="801032"/>
             <a:chOff x="4660060" y="5903080"/>
-            <a:chExt cx="1398852" cy="770254"/>
+            <a:chExt cx="1398852" cy="801032"/>
           </a:xfrm>
         </p:grpSpPr>
         <p:sp>
@@ -7298,7 +7350,7 @@
           <p:spPr>
             <a:xfrm>
               <a:off x="4660060" y="6396335"/>
-              <a:ext cx="1398852" cy="276999"/>
+              <a:ext cx="1398852" cy="307777"/>
             </a:xfrm>
             <a:prstGeom prst="rect">
               <a:avLst/>
@@ -7313,7 +7365,7 @@
             <a:p>
               <a:pPr algn="ctr"/>
               <a:r>
-                <a:rPr lang="de-DE" sz="1200" b="1" dirty="0">
+                <a:rPr lang="de-DE" sz="1400" b="1" dirty="0">
                   <a:latin typeface="Lato" charset="0"/>
                   <a:ea typeface="Lato" charset="0"/>
                   <a:cs typeface="Lato" charset="0"/>
@@ -7363,9 +7415,9 @@
         <p:grpSpPr>
           <a:xfrm>
             <a:off x="6773278" y="5881529"/>
-            <a:ext cx="1398852" cy="791805"/>
+            <a:ext cx="1398852" cy="822583"/>
             <a:chOff x="6235684" y="5881529"/>
-            <a:chExt cx="1398852" cy="791805"/>
+            <a:chExt cx="1398852" cy="822583"/>
           </a:xfrm>
         </p:grpSpPr>
         <p:sp>
@@ -7377,7 +7429,7 @@
           <p:spPr>
             <a:xfrm>
               <a:off x="6235684" y="6396335"/>
-              <a:ext cx="1398852" cy="276999"/>
+              <a:ext cx="1398852" cy="307777"/>
             </a:xfrm>
             <a:prstGeom prst="rect">
               <a:avLst/>
@@ -7392,7 +7444,7 @@
             <a:p>
               <a:pPr algn="ctr"/>
               <a:r>
-                <a:rPr lang="de-DE" sz="1200" b="1" dirty="0">
+                <a:rPr lang="de-DE" sz="1400" b="1" dirty="0">
                   <a:latin typeface="Lato" charset="0"/>
                   <a:ea typeface="Lato" charset="0"/>
                   <a:cs typeface="Lato" charset="0"/>
@@ -7435,28 +7487,58 @@
       </p:grpSp>
       <p:grpSp>
         <p:nvGrpSpPr>
-          <p:cNvPr id="12" name="Gruppierung 11"/>
+          <p:cNvPr id="48" name="Gruppierung 47"/>
           <p:cNvGrpSpPr/>
           <p:nvPr/>
         </p:nvGrpSpPr>
         <p:grpSpPr>
           <a:xfrm>
-            <a:off x="157123" y="2112565"/>
-            <a:ext cx="1398852" cy="770253"/>
-            <a:chOff x="124034" y="2193551"/>
-            <a:chExt cx="1398852" cy="770253"/>
+            <a:off x="10254185" y="5969883"/>
+            <a:ext cx="1398852" cy="734229"/>
+            <a:chOff x="9413957" y="5969883"/>
+            <a:chExt cx="1398852" cy="734229"/>
           </a:xfrm>
         </p:grpSpPr>
+        <p:pic>
+          <p:nvPicPr>
+            <p:cNvPr id="17" name="Bild 16"/>
+            <p:cNvPicPr>
+              <a:picLocks noChangeAspect="1"/>
+            </p:cNvPicPr>
+            <p:nvPr/>
+          </p:nvPicPr>
+          <p:blipFill>
+            <a:blip r:embed="rId6">
+              <a:extLst>
+                <a:ext uri="{28A0092B-C50C-407E-A947-70E740481C1C}">
+                  <a14:useLocalDpi xmlns:a14="http://schemas.microsoft.com/office/drawing/2010/main" val="0"/>
+                </a:ext>
+              </a:extLst>
+            </a:blip>
+            <a:stretch>
+              <a:fillRect/>
+            </a:stretch>
+          </p:blipFill>
+          <p:spPr>
+            <a:xfrm>
+              <a:off x="9889606" y="5969883"/>
+              <a:ext cx="447554" cy="381912"/>
+            </a:xfrm>
+            <a:prstGeom prst="rect">
+              <a:avLst/>
+            </a:prstGeom>
+          </p:spPr>
+        </p:pic>
         <p:sp>
           <p:nvSpPr>
-            <p:cNvPr id="22" name="Textfeld 21"/>
+            <p:cNvPr id="18" name="Textfeld 17"/>
             <p:cNvSpPr txBox="1"/>
             <p:nvPr/>
           </p:nvSpPr>
           <p:spPr>
             <a:xfrm>
-              <a:off x="124034" y="2686805"/>
-              <a:ext cx="1398852" cy="276999"/>
+              <a:off x="9413957" y="6396335"/>
+              <a:ext cx="1398852" cy="307777"/>
             </a:xfrm>
             <a:prstGeom prst="rect">
               <a:avLst/>
@@ -7471,7 +7553,143 @@
             <a:p>
               <a:pPr algn="ctr"/>
               <a:r>
-                <a:rPr lang="de-DE" sz="1200" b="1" dirty="0">
+                <a:rPr lang="de-DE" sz="1400" b="1" dirty="0">
+                  <a:latin typeface="Lato" charset="0"/>
+                  <a:ea typeface="Lato" charset="0"/>
+                  <a:cs typeface="Lato" charset="0"/>
+                </a:rPr>
+                <a:t>Eltern</a:t>
+              </a:r>
+            </a:p>
+          </p:txBody>
+        </p:sp>
+      </p:grpSp>
+      <p:grpSp>
+        <p:nvGrpSpPr>
+          <p:cNvPr id="21" name="Gruppierung 20"/>
+          <p:cNvGrpSpPr/>
+          <p:nvPr/>
+        </p:nvGrpSpPr>
+        <p:grpSpPr>
+          <a:xfrm>
+            <a:off x="8513732" y="5849173"/>
+            <a:ext cx="1398852" cy="1070382"/>
+            <a:chOff x="7811309" y="5849173"/>
+            <a:chExt cx="1398852" cy="1070382"/>
+          </a:xfrm>
+        </p:grpSpPr>
+        <p:sp>
+          <p:nvSpPr>
+            <p:cNvPr id="16" name="Textfeld 15"/>
+            <p:cNvSpPr txBox="1"/>
+            <p:nvPr/>
+          </p:nvSpPr>
+          <p:spPr>
+            <a:xfrm>
+              <a:off x="7811309" y="6396335"/>
+              <a:ext cx="1398852" cy="523220"/>
+            </a:xfrm>
+            <a:prstGeom prst="rect">
+              <a:avLst/>
+            </a:prstGeom>
+            <a:noFill/>
+          </p:spPr>
+          <p:txBody>
+            <a:bodyPr wrap="square" rtlCol="0">
+              <a:spAutoFit/>
+            </a:bodyPr>
+            <a:lstStyle/>
+            <a:p>
+              <a:pPr algn="ctr"/>
+              <a:r>
+                <a:rPr lang="de-DE" sz="1400" b="1" dirty="0">
+                  <a:latin typeface="Lato" charset="0"/>
+                  <a:ea typeface="Lato" charset="0"/>
+                  <a:cs typeface="Lato" charset="0"/>
+                </a:rPr>
+                <a:t>Schüler*innen</a:t>
+              </a:r>
+            </a:p>
+            <a:p>
+              <a:pPr algn="ctr"/>
+              <a:endParaRPr lang="de-DE" sz="1400" b="1" dirty="0">
+                <a:latin typeface="Lato" charset="0"/>
+                <a:ea typeface="Lato" charset="0"/>
+                <a:cs typeface="Lato" charset="0"/>
+              </a:endParaRPr>
+            </a:p>
+          </p:txBody>
+        </p:sp>
+        <p:pic>
+          <p:nvPicPr>
+            <p:cNvPr id="19" name="Bild 18"/>
+            <p:cNvPicPr>
+              <a:picLocks noChangeAspect="1"/>
+            </p:cNvPicPr>
+            <p:nvPr/>
+          </p:nvPicPr>
+          <p:blipFill>
+            <a:blip r:embed="rId7">
+              <a:extLst>
+                <a:ext uri="{28A0092B-C50C-407E-A947-70E740481C1C}">
+                  <a14:useLocalDpi xmlns:a14="http://schemas.microsoft.com/office/drawing/2010/main" val="0"/>
+                </a:ext>
+              </a:extLst>
+            </a:blip>
+            <a:stretch>
+              <a:fillRect/>
+            </a:stretch>
+          </p:blipFill>
+          <p:spPr>
+            <a:xfrm>
+              <a:off x="8238383" y="5849173"/>
+              <a:ext cx="544705" cy="544705"/>
+            </a:xfrm>
+            <a:prstGeom prst="rect">
+              <a:avLst/>
+            </a:prstGeom>
+          </p:spPr>
+        </p:pic>
+      </p:grpSp>
+      <p:grpSp>
+        <p:nvGrpSpPr>
+          <p:cNvPr id="12" name="Gruppierung 11"/>
+          <p:cNvGrpSpPr/>
+          <p:nvPr/>
+        </p:nvGrpSpPr>
+        <p:grpSpPr>
+          <a:xfrm>
+            <a:off x="157123" y="2112565"/>
+            <a:ext cx="1398852" cy="801031"/>
+            <a:chOff x="124034" y="2193551"/>
+            <a:chExt cx="1398852" cy="801031"/>
+          </a:xfrm>
+        </p:grpSpPr>
+        <p:sp>
+          <p:nvSpPr>
+            <p:cNvPr id="22" name="Textfeld 21"/>
+            <p:cNvSpPr txBox="1"/>
+            <p:nvPr/>
+          </p:nvSpPr>
+          <p:spPr>
+            <a:xfrm>
+              <a:off x="124034" y="2686805"/>
+              <a:ext cx="1398852" cy="307777"/>
+            </a:xfrm>
+            <a:prstGeom prst="rect">
+              <a:avLst/>
+            </a:prstGeom>
+            <a:noFill/>
+          </p:spPr>
+          <p:txBody>
+            <a:bodyPr wrap="square" rtlCol="0">
+              <a:spAutoFit/>
+            </a:bodyPr>
+            <a:lstStyle/>
+            <a:p>
+              <a:pPr algn="ctr"/>
+              <a:r>
+                <a:rPr lang="de-DE" sz="1400" b="1" dirty="0">
                   <a:latin typeface="Lato" charset="0"/>
                   <a:ea typeface="Lato" charset="0"/>
                   <a:cs typeface="Lato" charset="0"/>
@@ -7490,7 +7708,7 @@
             <p:nvPr/>
           </p:nvPicPr>
           <p:blipFill>
-            <a:blip r:embed="rId6">
+            <a:blip r:embed="rId8">
               <a:extLst>
                 <a:ext uri="{28A0092B-C50C-407E-A947-70E740481C1C}">
                   <a14:useLocalDpi xmlns:a14="http://schemas.microsoft.com/office/drawing/2010/main" val="0"/>
@@ -7521,9 +7739,9 @@
         <p:grpSpPr>
           <a:xfrm>
             <a:off x="157123" y="3426199"/>
-            <a:ext cx="1398852" cy="770253"/>
+            <a:ext cx="1398852" cy="801031"/>
             <a:chOff x="93303" y="3203801"/>
-            <a:chExt cx="1398852" cy="770253"/>
+            <a:chExt cx="1398852" cy="801031"/>
           </a:xfrm>
         </p:grpSpPr>
         <p:sp>
@@ -7535,7 +7753,7 @@
           <p:spPr>
             <a:xfrm>
               <a:off x="93303" y="3697055"/>
-              <a:ext cx="1398852" cy="276999"/>
+              <a:ext cx="1398852" cy="307777"/>
             </a:xfrm>
             <a:prstGeom prst="rect">
               <a:avLst/>
@@ -7550,7 +7768,7 @@
             <a:p>
               <a:pPr algn="ctr"/>
               <a:r>
-                <a:rPr lang="de-DE" sz="1200" b="1" dirty="0">
+                <a:rPr lang="de-DE" sz="1400" b="1" dirty="0">
                   <a:latin typeface="Lato" charset="0"/>
                   <a:ea typeface="Lato" charset="0"/>
                   <a:cs typeface="Lato" charset="0"/>
@@ -7569,7 +7787,7 @@
             <p:nvPr/>
           </p:nvPicPr>
           <p:blipFill>
-            <a:blip r:embed="rId7">
+            <a:blip r:embed="rId9">
               <a:extLst>
                 <a:ext uri="{28A0092B-C50C-407E-A947-70E740481C1C}">
                   <a14:useLocalDpi xmlns:a14="http://schemas.microsoft.com/office/drawing/2010/main" val="0"/>
@@ -7600,9 +7818,9 @@
         <p:grpSpPr>
           <a:xfrm>
             <a:off x="157123" y="4739833"/>
-            <a:ext cx="1398852" cy="770253"/>
+            <a:ext cx="1398852" cy="801031"/>
             <a:chOff x="18698" y="4259751"/>
-            <a:chExt cx="1398852" cy="770253"/>
+            <a:chExt cx="1398852" cy="801031"/>
           </a:xfrm>
         </p:grpSpPr>
         <p:sp>
@@ -7614,7 +7832,7 @@
           <p:spPr>
             <a:xfrm>
               <a:off x="18698" y="4753005"/>
-              <a:ext cx="1398852" cy="276999"/>
+              <a:ext cx="1398852" cy="307777"/>
             </a:xfrm>
             <a:prstGeom prst="rect">
               <a:avLst/>
@@ -7629,7 +7847,7 @@
             <a:p>
               <a:pPr algn="ctr"/>
               <a:r>
-                <a:rPr lang="de-DE" sz="1200" b="1" dirty="0">
+                <a:rPr lang="de-DE" sz="1400" b="1" dirty="0">
                   <a:latin typeface="Lato" charset="0"/>
                   <a:ea typeface="Lato" charset="0"/>
                   <a:cs typeface="Lato" charset="0"/>
@@ -7648,7 +7866,7 @@
             <p:nvPr/>
           </p:nvPicPr>
           <p:blipFill>
-            <a:blip r:embed="rId8">
+            <a:blip r:embed="rId10">
               <a:extLst>
                 <a:ext uri="{28A0092B-C50C-407E-A947-70E740481C1C}">
                   <a14:useLocalDpi xmlns:a14="http://schemas.microsoft.com/office/drawing/2010/main" val="0"/>
@@ -7726,8 +7944,8 @@
         </p:nvSpPr>
         <p:spPr>
           <a:xfrm>
-            <a:off x="3581786" y="5110740"/>
-            <a:ext cx="1451038" cy="307777"/>
+            <a:off x="3809625" y="5023559"/>
+            <a:ext cx="1816523" cy="369332"/>
           </a:xfrm>
           <a:prstGeom prst="rect">
             <a:avLst/>
@@ -7741,7 +7959,7 @@
           <a:lstStyle/>
           <a:p>
             <a:r>
-              <a:rPr lang="de-DE" sz="1400" b="1" dirty="0" smtClean="0">
+              <a:rPr lang="de-DE" b="1" dirty="0" smtClean="0">
                 <a:solidFill>
                   <a:srgbClr val="A51E41"/>
                 </a:solidFill>
@@ -7751,7 +7969,7 @@
               </a:rPr>
               <a:t>Schulinspektion</a:t>
             </a:r>
-            <a:endParaRPr lang="de-DE" b="1" dirty="0">
+            <a:endParaRPr lang="de-DE" sz="2400" b="1" dirty="0">
               <a:solidFill>
                 <a:srgbClr val="A51E41"/>
               </a:solidFill>
@@ -7764,14 +7982,58 @@
       </p:sp>
       <p:sp>
         <p:nvSpPr>
+          <p:cNvPr id="45" name="Textfeld 44"/>
+          <p:cNvSpPr txBox="1"/>
+          <p:nvPr/>
+        </p:nvSpPr>
+        <p:spPr>
+          <a:xfrm>
+            <a:off x="9044447" y="3734787"/>
+            <a:ext cx="2755611" cy="369332"/>
+          </a:xfrm>
+          <a:prstGeom prst="rect">
+            <a:avLst/>
+          </a:prstGeom>
+          <a:noFill/>
+        </p:spPr>
+        <p:txBody>
+          <a:bodyPr wrap="square" rtlCol="0">
+            <a:spAutoFit/>
+          </a:bodyPr>
+          <a:lstStyle/>
+          <a:p>
+            <a:r>
+              <a:rPr lang="de-DE" b="1" dirty="0" err="1">
+                <a:solidFill>
+                  <a:schemeClr val="bg1"/>
+                </a:solidFill>
+                <a:latin typeface="Lato" charset="0"/>
+                <a:ea typeface="Lato" charset="0"/>
+                <a:cs typeface="Lato" charset="0"/>
+              </a:rPr>
+              <a:t>Lernstandserhebungen</a:t>
+            </a:r>
+            <a:endParaRPr lang="de-DE" b="1" dirty="0">
+              <a:solidFill>
+                <a:schemeClr val="bg1"/>
+              </a:solidFill>
+              <a:latin typeface="Lato" charset="0"/>
+              <a:ea typeface="Lato" charset="0"/>
+              <a:cs typeface="Lato" charset="0"/>
+            </a:endParaRPr>
+          </a:p>
+        </p:txBody>
+      </p:sp>
+      <p:sp>
+        <p:nvSpPr>
           <p:cNvPr id="46" name="Textfeld 45"/>
           <p:cNvSpPr txBox="1"/>
           <p:nvPr/>
         </p:nvSpPr>
         <p:spPr>
           <a:xfrm>
-            <a:off x="1810636" y="2704803"/>
-            <a:ext cx="1611339" cy="307777"/>
+            <a:off x="1828936" y="2112565"/>
+            <a:ext cx="2020105" cy="369332"/>
           </a:xfrm>
           <a:prstGeom prst="rect">
             <a:avLst/>
@@ -7785,7 +8047,7 @@
           <a:lstStyle/>
           <a:p>
             <a:r>
-              <a:rPr lang="de-DE" sz="1400" b="1" dirty="0">
+              <a:rPr lang="de-DE" b="1" dirty="0">
                 <a:solidFill>
                   <a:srgbClr val="A51E41"/>
                 </a:solidFill>
@@ -7795,7 +8057,7 @@
               </a:rPr>
               <a:t>Vergleichsstudien</a:t>
             </a:r>
-            <a:endParaRPr lang="de-DE" b="1" dirty="0">
+            <a:endParaRPr lang="de-DE" sz="2400" b="1" dirty="0">
               <a:solidFill>
                 <a:srgbClr val="A51E41"/>
               </a:solidFill>
@@ -7809,7 +8071,7 @@
     </p:spTree>
     <p:extLst>
       <p:ext uri="{BB962C8B-B14F-4D97-AF65-F5344CB8AC3E}">
-        <p14:creationId xmlns:p14="http://schemas.microsoft.com/office/powerpoint/2010/main" val="1303893063"/>
+        <p14:creationId xmlns:p14="http://schemas.microsoft.com/office/powerpoint/2010/main" val="1283251310"/>
       </p:ext>
     </p:extLst>
   </p:cSld>
@@ -7843,6 +8105,102 @@
           <a:chExt cx="0" cy="0"/>
         </a:xfrm>
       </p:grpSpPr>
+      <p:sp>
+        <p:nvSpPr>
+          <p:cNvPr id="34" name="Abgerundetes Rechteck 33"/>
+          <p:cNvSpPr/>
+          <p:nvPr/>
+        </p:nvSpPr>
+        <p:spPr>
+          <a:xfrm>
+            <a:off x="6773278" y="3081694"/>
+            <a:ext cx="4879760" cy="1114758"/>
+          </a:xfrm>
+          <a:prstGeom prst="roundRect">
+            <a:avLst/>
+          </a:prstGeom>
+          <a:solidFill>
+            <a:schemeClr val="bg1">
+              <a:alpha val="47000"/>
+            </a:schemeClr>
+          </a:solidFill>
+          <a:ln>
+            <a:noFill/>
+          </a:ln>
+        </p:spPr>
+        <p:style>
+          <a:lnRef idx="2">
+            <a:schemeClr val="accent1">
+              <a:shade val="50000"/>
+            </a:schemeClr>
+          </a:lnRef>
+          <a:fillRef idx="1">
+            <a:schemeClr val="accent1"/>
+          </a:fillRef>
+          <a:effectRef idx="0">
+            <a:schemeClr val="accent1"/>
+          </a:effectRef>
+          <a:fontRef idx="minor">
+            <a:schemeClr val="lt1"/>
+          </a:fontRef>
+        </p:style>
+        <p:txBody>
+          <a:bodyPr rtlCol="0" anchor="ctr"/>
+          <a:lstStyle/>
+          <a:p>
+            <a:pPr algn="ctr"/>
+            <a:endParaRPr lang="de-DE"/>
+          </a:p>
+        </p:txBody>
+      </p:sp>
+      <p:sp>
+        <p:nvSpPr>
+          <p:cNvPr id="39" name="Abgerundetes Rechteck 38"/>
+          <p:cNvSpPr/>
+          <p:nvPr/>
+        </p:nvSpPr>
+        <p:spPr>
+          <a:xfrm>
+            <a:off x="3292370" y="2926157"/>
+            <a:ext cx="4916177" cy="2583929"/>
+          </a:xfrm>
+          <a:prstGeom prst="roundRect">
+            <a:avLst/>
+          </a:prstGeom>
+          <a:solidFill>
+            <a:schemeClr val="bg1">
+              <a:alpha val="47000"/>
+            </a:schemeClr>
+          </a:solidFill>
+          <a:ln>
+            <a:noFill/>
+          </a:ln>
+        </p:spPr>
+        <p:style>
+          <a:lnRef idx="2">
+            <a:schemeClr val="accent1">
+              <a:shade val="50000"/>
+            </a:schemeClr>
+          </a:lnRef>
+          <a:fillRef idx="1">
+            <a:schemeClr val="accent1"/>
+          </a:fillRef>
+          <a:effectRef idx="0">
+            <a:schemeClr val="accent1"/>
+          </a:effectRef>
+          <a:fontRef idx="minor">
+            <a:schemeClr val="lt1"/>
+          </a:fontRef>
+        </p:style>
+        <p:txBody>
+          <a:bodyPr rtlCol="0" anchor="ctr"/>
+          <a:lstStyle/>
+          <a:p>
+            <a:pPr algn="ctr"/>
+            <a:endParaRPr lang="de-DE"/>
+          </a:p>
+        </p:txBody>
+      </p:sp>
       <p:cxnSp>
         <p:nvCxnSpPr>
           <p:cNvPr id="5" name="Gerade Verbindung mit Pfeil 4"/>
@@ -7924,9 +8282,9 @@
         <p:grpSpPr>
           <a:xfrm>
             <a:off x="1551916" y="5903080"/>
-            <a:ext cx="1398852" cy="770254"/>
+            <a:ext cx="1398852" cy="801032"/>
             <a:chOff x="1551916" y="5903080"/>
-            <a:chExt cx="1398852" cy="770254"/>
+            <a:chExt cx="1398852" cy="801032"/>
           </a:xfrm>
         </p:grpSpPr>
         <p:sp>
@@ -7938,7 +8296,7 @@
           <p:spPr>
             <a:xfrm>
               <a:off x="1551916" y="6396335"/>
-              <a:ext cx="1398852" cy="276999"/>
+              <a:ext cx="1398852" cy="307777"/>
             </a:xfrm>
             <a:prstGeom prst="rect">
               <a:avLst/>
@@ -7953,7 +8311,7 @@
             <a:p>
               <a:pPr algn="ctr"/>
               <a:r>
-                <a:rPr lang="de-DE" sz="1200" b="1" dirty="0">
+                <a:rPr lang="de-DE" sz="1400" b="1" dirty="0">
                   <a:latin typeface="Lato" charset="0"/>
                   <a:ea typeface="Lato" charset="0"/>
                   <a:cs typeface="Lato" charset="0"/>
@@ -8005,9 +8363,9 @@
         <p:grpSpPr>
           <a:xfrm>
             <a:off x="3292370" y="5903080"/>
-            <a:ext cx="1398852" cy="862587"/>
+            <a:ext cx="1398852" cy="924142"/>
             <a:chOff x="3105988" y="5903080"/>
-            <a:chExt cx="1398852" cy="862587"/>
+            <a:chExt cx="1398852" cy="924142"/>
           </a:xfrm>
         </p:grpSpPr>
         <p:sp>
@@ -8019,7 +8377,7 @@
           <p:spPr>
             <a:xfrm>
               <a:off x="3105988" y="6304002"/>
-              <a:ext cx="1398852" cy="461665"/>
+              <a:ext cx="1398852" cy="523220"/>
             </a:xfrm>
             <a:prstGeom prst="rect">
               <a:avLst/>
@@ -8034,7 +8392,7 @@
             <a:p>
               <a:pPr algn="ctr"/>
               <a:r>
-                <a:rPr lang="de-DE" sz="1200" b="1">
+                <a:rPr lang="de-DE" sz="1400" b="1">
                   <a:latin typeface="Lato" charset="0"/>
                   <a:ea typeface="Lato" charset="0"/>
                   <a:cs typeface="Lato" charset="0"/>
@@ -8042,21 +8400,21 @@
                 <a:t>Bildungs-</a:t>
               </a:r>
               <a:br>
-                <a:rPr lang="de-DE" sz="1200" b="1">
+                <a:rPr lang="de-DE" sz="1400" b="1">
                   <a:latin typeface="Lato" charset="0"/>
                   <a:ea typeface="Lato" charset="0"/>
                   <a:cs typeface="Lato" charset="0"/>
                 </a:rPr>
               </a:br>
               <a:r>
-                <a:rPr lang="de-DE" sz="1200" b="1" dirty="0" err="1">
+                <a:rPr lang="de-DE" sz="1400" b="1" dirty="0" err="1">
                   <a:latin typeface="Lato" charset="0"/>
                   <a:ea typeface="Lato" charset="0"/>
                   <a:cs typeface="Lato" charset="0"/>
                 </a:rPr>
                 <a:t>administration</a:t>
               </a:r>
-              <a:endParaRPr lang="de-DE" sz="1200" b="1" dirty="0">
+              <a:endParaRPr lang="de-DE" sz="1400" b="1" dirty="0">
                 <a:latin typeface="Lato" charset="0"/>
                 <a:ea typeface="Lato" charset="0"/>
                 <a:cs typeface="Lato" charset="0"/>
@@ -8097,28 +8455,28 @@
       </p:grpSp>
       <p:grpSp>
         <p:nvGrpSpPr>
-          <p:cNvPr id="12" name="Gruppierung 11"/>
+          <p:cNvPr id="7" name="Gruppierung 6"/>
           <p:cNvGrpSpPr/>
           <p:nvPr/>
         </p:nvGrpSpPr>
         <p:grpSpPr>
           <a:xfrm>
-            <a:off x="157123" y="2112565"/>
-            <a:ext cx="1398852" cy="770253"/>
-            <a:chOff x="124034" y="2193551"/>
-            <a:chExt cx="1398852" cy="770253"/>
+            <a:off x="5032824" y="5903080"/>
+            <a:ext cx="1398852" cy="801032"/>
+            <a:chOff x="4660060" y="5903080"/>
+            <a:chExt cx="1398852" cy="801032"/>
           </a:xfrm>
         </p:grpSpPr>
         <p:sp>
           <p:nvSpPr>
-            <p:cNvPr id="22" name="Textfeld 21"/>
+            <p:cNvPr id="10" name="Textfeld 9"/>
             <p:cNvSpPr txBox="1"/>
             <p:nvPr/>
           </p:nvSpPr>
           <p:spPr>
             <a:xfrm>
-              <a:off x="124034" y="2686805"/>
-              <a:ext cx="1398852" cy="276999"/>
+              <a:off x="4660060" y="6396335"/>
+              <a:ext cx="1398852" cy="307777"/>
             </a:xfrm>
             <a:prstGeom prst="rect">
               <a:avLst/>
@@ -8133,7 +8491,331 @@
             <a:p>
               <a:pPr algn="ctr"/>
               <a:r>
-                <a:rPr lang="de-DE" sz="1200" b="1" dirty="0">
+                <a:rPr lang="de-DE" sz="1400" b="1" dirty="0">
+                  <a:latin typeface="Lato" charset="0"/>
+                  <a:ea typeface="Lato" charset="0"/>
+                  <a:cs typeface="Lato" charset="0"/>
+                </a:rPr>
+                <a:t>Schulleitung</a:t>
+              </a:r>
+            </a:p>
+          </p:txBody>
+        </p:sp>
+        <p:pic>
+          <p:nvPicPr>
+            <p:cNvPr id="11" name="Bild 10"/>
+            <p:cNvPicPr>
+              <a:picLocks noChangeAspect="1"/>
+            </p:cNvPicPr>
+            <p:nvPr/>
+          </p:nvPicPr>
+          <p:blipFill>
+            <a:blip r:embed="rId4">
+              <a:extLst>
+                <a:ext uri="{28A0092B-C50C-407E-A947-70E740481C1C}">
+                  <a14:useLocalDpi xmlns:a14="http://schemas.microsoft.com/office/drawing/2010/main" val="0"/>
+                </a:ext>
+              </a:extLst>
+            </a:blip>
+            <a:stretch>
+              <a:fillRect/>
+            </a:stretch>
+          </p:blipFill>
+          <p:spPr>
+            <a:xfrm>
+              <a:off x="5135709" y="5903080"/>
+              <a:ext cx="447554" cy="447554"/>
+            </a:xfrm>
+            <a:prstGeom prst="rect">
+              <a:avLst/>
+            </a:prstGeom>
+          </p:spPr>
+        </p:pic>
+      </p:grpSp>
+      <p:grpSp>
+        <p:nvGrpSpPr>
+          <p:cNvPr id="20" name="Gruppierung 19"/>
+          <p:cNvGrpSpPr/>
+          <p:nvPr/>
+        </p:nvGrpSpPr>
+        <p:grpSpPr>
+          <a:xfrm>
+            <a:off x="6773278" y="5881529"/>
+            <a:ext cx="1398852" cy="822583"/>
+            <a:chOff x="6235684" y="5881529"/>
+            <a:chExt cx="1398852" cy="822583"/>
+          </a:xfrm>
+        </p:grpSpPr>
+        <p:sp>
+          <p:nvSpPr>
+            <p:cNvPr id="14" name="Textfeld 13"/>
+            <p:cNvSpPr txBox="1"/>
+            <p:nvPr/>
+          </p:nvSpPr>
+          <p:spPr>
+            <a:xfrm>
+              <a:off x="6235684" y="6396335"/>
+              <a:ext cx="1398852" cy="307777"/>
+            </a:xfrm>
+            <a:prstGeom prst="rect">
+              <a:avLst/>
+            </a:prstGeom>
+            <a:noFill/>
+          </p:spPr>
+          <p:txBody>
+            <a:bodyPr wrap="square" rtlCol="0">
+              <a:spAutoFit/>
+            </a:bodyPr>
+            <a:lstStyle/>
+            <a:p>
+              <a:pPr algn="ctr"/>
+              <a:r>
+                <a:rPr lang="de-DE" sz="1400" b="1" dirty="0">
+                  <a:latin typeface="Lato" charset="0"/>
+                  <a:ea typeface="Lato" charset="0"/>
+                  <a:cs typeface="Lato" charset="0"/>
+                </a:rPr>
+                <a:t>Lehrer*innen</a:t>
+              </a:r>
+            </a:p>
+          </p:txBody>
+        </p:sp>
+        <p:pic>
+          <p:nvPicPr>
+            <p:cNvPr id="15" name="Bild 14"/>
+            <p:cNvPicPr>
+              <a:picLocks noChangeAspect="1"/>
+            </p:cNvPicPr>
+            <p:nvPr/>
+          </p:nvPicPr>
+          <p:blipFill>
+            <a:blip r:embed="rId5">
+              <a:extLst>
+                <a:ext uri="{28A0092B-C50C-407E-A947-70E740481C1C}">
+                  <a14:useLocalDpi xmlns:a14="http://schemas.microsoft.com/office/drawing/2010/main" val="0"/>
+                </a:ext>
+              </a:extLst>
+            </a:blip>
+            <a:stretch>
+              <a:fillRect/>
+            </a:stretch>
+          </p:blipFill>
+          <p:spPr>
+            <a:xfrm>
+              <a:off x="6689782" y="5881529"/>
+              <a:ext cx="490659" cy="490659"/>
+            </a:xfrm>
+            <a:prstGeom prst="rect">
+              <a:avLst/>
+            </a:prstGeom>
+          </p:spPr>
+        </p:pic>
+      </p:grpSp>
+      <p:grpSp>
+        <p:nvGrpSpPr>
+          <p:cNvPr id="48" name="Gruppierung 47"/>
+          <p:cNvGrpSpPr/>
+          <p:nvPr/>
+        </p:nvGrpSpPr>
+        <p:grpSpPr>
+          <a:xfrm>
+            <a:off x="10254185" y="5969883"/>
+            <a:ext cx="1398852" cy="734229"/>
+            <a:chOff x="9413957" y="5969883"/>
+            <a:chExt cx="1398852" cy="734229"/>
+          </a:xfrm>
+        </p:grpSpPr>
+        <p:pic>
+          <p:nvPicPr>
+            <p:cNvPr id="17" name="Bild 16"/>
+            <p:cNvPicPr>
+              <a:picLocks noChangeAspect="1"/>
+            </p:cNvPicPr>
+            <p:nvPr/>
+          </p:nvPicPr>
+          <p:blipFill>
+            <a:blip r:embed="rId6">
+              <a:extLst>
+                <a:ext uri="{28A0092B-C50C-407E-A947-70E740481C1C}">
+                  <a14:useLocalDpi xmlns:a14="http://schemas.microsoft.com/office/drawing/2010/main" val="0"/>
+                </a:ext>
+              </a:extLst>
+            </a:blip>
+            <a:stretch>
+              <a:fillRect/>
+            </a:stretch>
+          </p:blipFill>
+          <p:spPr>
+            <a:xfrm>
+              <a:off x="9889606" y="5969883"/>
+              <a:ext cx="447554" cy="381912"/>
+            </a:xfrm>
+            <a:prstGeom prst="rect">
+              <a:avLst/>
+            </a:prstGeom>
+          </p:spPr>
+        </p:pic>
+        <p:sp>
+          <p:nvSpPr>
+            <p:cNvPr id="18" name="Textfeld 17"/>
+            <p:cNvSpPr txBox="1"/>
+            <p:nvPr/>
+          </p:nvSpPr>
+          <p:spPr>
+            <a:xfrm>
+              <a:off x="9413957" y="6396335"/>
+              <a:ext cx="1398852" cy="307777"/>
+            </a:xfrm>
+            <a:prstGeom prst="rect">
+              <a:avLst/>
+            </a:prstGeom>
+            <a:noFill/>
+          </p:spPr>
+          <p:txBody>
+            <a:bodyPr wrap="square" rtlCol="0">
+              <a:spAutoFit/>
+            </a:bodyPr>
+            <a:lstStyle/>
+            <a:p>
+              <a:pPr algn="ctr"/>
+              <a:r>
+                <a:rPr lang="de-DE" sz="1400" b="1" dirty="0">
+                  <a:latin typeface="Lato" charset="0"/>
+                  <a:ea typeface="Lato" charset="0"/>
+                  <a:cs typeface="Lato" charset="0"/>
+                </a:rPr>
+                <a:t>Eltern</a:t>
+              </a:r>
+            </a:p>
+          </p:txBody>
+        </p:sp>
+      </p:grpSp>
+      <p:grpSp>
+        <p:nvGrpSpPr>
+          <p:cNvPr id="21" name="Gruppierung 20"/>
+          <p:cNvGrpSpPr/>
+          <p:nvPr/>
+        </p:nvGrpSpPr>
+        <p:grpSpPr>
+          <a:xfrm>
+            <a:off x="8513732" y="5849173"/>
+            <a:ext cx="1398852" cy="1070382"/>
+            <a:chOff x="7811309" y="5849173"/>
+            <a:chExt cx="1398852" cy="1070382"/>
+          </a:xfrm>
+        </p:grpSpPr>
+        <p:sp>
+          <p:nvSpPr>
+            <p:cNvPr id="16" name="Textfeld 15"/>
+            <p:cNvSpPr txBox="1"/>
+            <p:nvPr/>
+          </p:nvSpPr>
+          <p:spPr>
+            <a:xfrm>
+              <a:off x="7811309" y="6396335"/>
+              <a:ext cx="1398852" cy="523220"/>
+            </a:xfrm>
+            <a:prstGeom prst="rect">
+              <a:avLst/>
+            </a:prstGeom>
+            <a:noFill/>
+          </p:spPr>
+          <p:txBody>
+            <a:bodyPr wrap="square" rtlCol="0">
+              <a:spAutoFit/>
+            </a:bodyPr>
+            <a:lstStyle/>
+            <a:p>
+              <a:pPr algn="ctr"/>
+              <a:r>
+                <a:rPr lang="de-DE" sz="1400" b="1" dirty="0">
+                  <a:latin typeface="Lato" charset="0"/>
+                  <a:ea typeface="Lato" charset="0"/>
+                  <a:cs typeface="Lato" charset="0"/>
+                </a:rPr>
+                <a:t>Schüler*innen</a:t>
+              </a:r>
+            </a:p>
+            <a:p>
+              <a:pPr algn="ctr"/>
+              <a:endParaRPr lang="de-DE" sz="1400" b="1" dirty="0">
+                <a:latin typeface="Lato" charset="0"/>
+                <a:ea typeface="Lato" charset="0"/>
+                <a:cs typeface="Lato" charset="0"/>
+              </a:endParaRPr>
+            </a:p>
+          </p:txBody>
+        </p:sp>
+        <p:pic>
+          <p:nvPicPr>
+            <p:cNvPr id="19" name="Bild 18"/>
+            <p:cNvPicPr>
+              <a:picLocks noChangeAspect="1"/>
+            </p:cNvPicPr>
+            <p:nvPr/>
+          </p:nvPicPr>
+          <p:blipFill>
+            <a:blip r:embed="rId7">
+              <a:extLst>
+                <a:ext uri="{28A0092B-C50C-407E-A947-70E740481C1C}">
+                  <a14:useLocalDpi xmlns:a14="http://schemas.microsoft.com/office/drawing/2010/main" val="0"/>
+                </a:ext>
+              </a:extLst>
+            </a:blip>
+            <a:stretch>
+              <a:fillRect/>
+            </a:stretch>
+          </p:blipFill>
+          <p:spPr>
+            <a:xfrm>
+              <a:off x="8238383" y="5849173"/>
+              <a:ext cx="544705" cy="544705"/>
+            </a:xfrm>
+            <a:prstGeom prst="rect">
+              <a:avLst/>
+            </a:prstGeom>
+          </p:spPr>
+        </p:pic>
+      </p:grpSp>
+      <p:grpSp>
+        <p:nvGrpSpPr>
+          <p:cNvPr id="12" name="Gruppierung 11"/>
+          <p:cNvGrpSpPr/>
+          <p:nvPr/>
+        </p:nvGrpSpPr>
+        <p:grpSpPr>
+          <a:xfrm>
+            <a:off x="157123" y="2112565"/>
+            <a:ext cx="1398852" cy="801031"/>
+            <a:chOff x="124034" y="2193551"/>
+            <a:chExt cx="1398852" cy="801031"/>
+          </a:xfrm>
+        </p:grpSpPr>
+        <p:sp>
+          <p:nvSpPr>
+            <p:cNvPr id="22" name="Textfeld 21"/>
+            <p:cNvSpPr txBox="1"/>
+            <p:nvPr/>
+          </p:nvSpPr>
+          <p:spPr>
+            <a:xfrm>
+              <a:off x="124034" y="2686805"/>
+              <a:ext cx="1398852" cy="307777"/>
+            </a:xfrm>
+            <a:prstGeom prst="rect">
+              <a:avLst/>
+            </a:prstGeom>
+            <a:noFill/>
+          </p:spPr>
+          <p:txBody>
+            <a:bodyPr wrap="square" rtlCol="0">
+              <a:spAutoFit/>
+            </a:bodyPr>
+            <a:lstStyle/>
+            <a:p>
+              <a:pPr algn="ctr"/>
+              <a:r>
+                <a:rPr lang="de-DE" sz="1400" b="1" dirty="0">
                   <a:latin typeface="Lato" charset="0"/>
                   <a:ea typeface="Lato" charset="0"/>
                   <a:cs typeface="Lato" charset="0"/>
@@ -8152,7 +8834,7 @@
             <p:nvPr/>
           </p:nvPicPr>
           <p:blipFill>
-            <a:blip r:embed="rId4">
+            <a:blip r:embed="rId8">
               <a:extLst>
                 <a:ext uri="{28A0092B-C50C-407E-A947-70E740481C1C}">
                   <a14:useLocalDpi xmlns:a14="http://schemas.microsoft.com/office/drawing/2010/main" val="0"/>
@@ -8183,9 +8865,9 @@
         <p:grpSpPr>
           <a:xfrm>
             <a:off x="157123" y="3426199"/>
-            <a:ext cx="1398852" cy="770253"/>
+            <a:ext cx="1398852" cy="801031"/>
             <a:chOff x="93303" y="3203801"/>
-            <a:chExt cx="1398852" cy="770253"/>
+            <a:chExt cx="1398852" cy="801031"/>
           </a:xfrm>
         </p:grpSpPr>
         <p:sp>
@@ -8197,7 +8879,7 @@
           <p:spPr>
             <a:xfrm>
               <a:off x="93303" y="3697055"/>
-              <a:ext cx="1398852" cy="276999"/>
+              <a:ext cx="1398852" cy="307777"/>
             </a:xfrm>
             <a:prstGeom prst="rect">
               <a:avLst/>
@@ -8212,7 +8894,7 @@
             <a:p>
               <a:pPr algn="ctr"/>
               <a:r>
-                <a:rPr lang="de-DE" sz="1200" b="1" dirty="0">
+                <a:rPr lang="de-DE" sz="1400" b="1" dirty="0">
                   <a:latin typeface="Lato" charset="0"/>
                   <a:ea typeface="Lato" charset="0"/>
                   <a:cs typeface="Lato" charset="0"/>
@@ -8231,7 +8913,7 @@
             <p:nvPr/>
           </p:nvPicPr>
           <p:blipFill>
-            <a:blip r:embed="rId5">
+            <a:blip r:embed="rId9">
               <a:extLst>
                 <a:ext uri="{28A0092B-C50C-407E-A947-70E740481C1C}">
                   <a14:useLocalDpi xmlns:a14="http://schemas.microsoft.com/office/drawing/2010/main" val="0"/>
@@ -8262,9 +8944,9 @@
         <p:grpSpPr>
           <a:xfrm>
             <a:off x="157123" y="4739833"/>
-            <a:ext cx="1398852" cy="770253"/>
+            <a:ext cx="1398852" cy="801031"/>
             <a:chOff x="18698" y="4259751"/>
-            <a:chExt cx="1398852" cy="770253"/>
+            <a:chExt cx="1398852" cy="801031"/>
           </a:xfrm>
         </p:grpSpPr>
         <p:sp>
@@ -8276,7 +8958,7 @@
           <p:spPr>
             <a:xfrm>
               <a:off x="18698" y="4753005"/>
-              <a:ext cx="1398852" cy="276999"/>
+              <a:ext cx="1398852" cy="307777"/>
             </a:xfrm>
             <a:prstGeom prst="rect">
               <a:avLst/>
@@ -8291,7 +8973,7 @@
             <a:p>
               <a:pPr algn="ctr"/>
               <a:r>
-                <a:rPr lang="de-DE" sz="1200" b="1" dirty="0">
+                <a:rPr lang="de-DE" sz="1400" b="1" dirty="0">
                   <a:latin typeface="Lato" charset="0"/>
                   <a:ea typeface="Lato" charset="0"/>
                   <a:cs typeface="Lato" charset="0"/>
@@ -8310,7 +8992,7 @@
             <p:nvPr/>
           </p:nvPicPr>
           <p:blipFill>
-            <a:blip r:embed="rId6">
+            <a:blip r:embed="rId10">
               <a:extLst>
                 <a:ext uri="{28A0092B-C50C-407E-A947-70E740481C1C}">
                   <a14:useLocalDpi xmlns:a14="http://schemas.microsoft.com/office/drawing/2010/main" val="0"/>
@@ -8382,14 +9064,14 @@
       </p:sp>
       <p:sp>
         <p:nvSpPr>
-          <p:cNvPr id="46" name="Textfeld 45"/>
+          <p:cNvPr id="40" name="Textfeld 39"/>
           <p:cNvSpPr txBox="1"/>
           <p:nvPr/>
         </p:nvSpPr>
         <p:spPr>
           <a:xfrm>
-            <a:off x="1810636" y="2704803"/>
-            <a:ext cx="1611339" cy="307777"/>
+            <a:off x="3809625" y="5023559"/>
+            <a:ext cx="1816523" cy="369332"/>
           </a:xfrm>
           <a:prstGeom prst="rect">
             <a:avLst/>
@@ -8403,7 +9085,95 @@
           <a:lstStyle/>
           <a:p>
             <a:r>
-              <a:rPr lang="de-DE" sz="1400" b="1" dirty="0">
+              <a:rPr lang="de-DE" b="1" dirty="0" smtClean="0">
+                <a:solidFill>
+                  <a:schemeClr val="bg1"/>
+                </a:solidFill>
+                <a:latin typeface="Lato" charset="0"/>
+                <a:ea typeface="Lato" charset="0"/>
+                <a:cs typeface="Lato" charset="0"/>
+              </a:rPr>
+              <a:t>Schulinspektion</a:t>
+            </a:r>
+            <a:endParaRPr lang="de-DE" sz="2400" b="1" dirty="0">
+              <a:solidFill>
+                <a:schemeClr val="bg1"/>
+              </a:solidFill>
+              <a:latin typeface="Lato" charset="0"/>
+              <a:ea typeface="Lato" charset="0"/>
+              <a:cs typeface="Lato" charset="0"/>
+            </a:endParaRPr>
+          </a:p>
+        </p:txBody>
+      </p:sp>
+      <p:sp>
+        <p:nvSpPr>
+          <p:cNvPr id="45" name="Textfeld 44"/>
+          <p:cNvSpPr txBox="1"/>
+          <p:nvPr/>
+        </p:nvSpPr>
+        <p:spPr>
+          <a:xfrm>
+            <a:off x="9044447" y="3734787"/>
+            <a:ext cx="2755611" cy="369332"/>
+          </a:xfrm>
+          <a:prstGeom prst="rect">
+            <a:avLst/>
+          </a:prstGeom>
+          <a:noFill/>
+        </p:spPr>
+        <p:txBody>
+          <a:bodyPr wrap="square" rtlCol="0">
+            <a:spAutoFit/>
+          </a:bodyPr>
+          <a:lstStyle/>
+          <a:p>
+            <a:r>
+              <a:rPr lang="de-DE" b="1" dirty="0" err="1">
+                <a:solidFill>
+                  <a:schemeClr val="bg1"/>
+                </a:solidFill>
+                <a:latin typeface="Lato" charset="0"/>
+                <a:ea typeface="Lato" charset="0"/>
+                <a:cs typeface="Lato" charset="0"/>
+              </a:rPr>
+              <a:t>Lernstandserhebungen</a:t>
+            </a:r>
+            <a:endParaRPr lang="de-DE" b="1" dirty="0">
+              <a:solidFill>
+                <a:schemeClr val="bg1"/>
+              </a:solidFill>
+              <a:latin typeface="Lato" charset="0"/>
+              <a:ea typeface="Lato" charset="0"/>
+              <a:cs typeface="Lato" charset="0"/>
+            </a:endParaRPr>
+          </a:p>
+        </p:txBody>
+      </p:sp>
+      <p:sp>
+        <p:nvSpPr>
+          <p:cNvPr id="46" name="Textfeld 45"/>
+          <p:cNvSpPr txBox="1"/>
+          <p:nvPr/>
+        </p:nvSpPr>
+        <p:spPr>
+          <a:xfrm>
+            <a:off x="1828936" y="2112565"/>
+            <a:ext cx="2020105" cy="369332"/>
+          </a:xfrm>
+          <a:prstGeom prst="rect">
+            <a:avLst/>
+          </a:prstGeom>
+          <a:noFill/>
+        </p:spPr>
+        <p:txBody>
+          <a:bodyPr wrap="none" rtlCol="0">
+            <a:spAutoFit/>
+          </a:bodyPr>
+          <a:lstStyle/>
+          <a:p>
+            <a:r>
+              <a:rPr lang="de-DE" b="1" dirty="0">
                 <a:solidFill>
                   <a:srgbClr val="A51E41"/>
                 </a:solidFill>
@@ -8413,7 +9183,7 @@
               </a:rPr>
               <a:t>Vergleichsstudien</a:t>
             </a:r>
-            <a:endParaRPr lang="de-DE" b="1" dirty="0">
+            <a:endParaRPr lang="de-DE" sz="2400" b="1" dirty="0">
               <a:solidFill>
                 <a:srgbClr val="A51E41"/>
               </a:solidFill>
@@ -8427,7 +9197,7 @@
     </p:spTree>
     <p:extLst>
       <p:ext uri="{BB962C8B-B14F-4D97-AF65-F5344CB8AC3E}">
-        <p14:creationId xmlns:p14="http://schemas.microsoft.com/office/powerpoint/2010/main" val="836031346"/>
+        <p14:creationId xmlns:p14="http://schemas.microsoft.com/office/powerpoint/2010/main" val="441584659"/>
       </p:ext>
     </p:extLst>
   </p:cSld>
@@ -8471,7 +9241,7 @@
             <p:ph idx="1"/>
             <p:extLst>
               <p:ext uri="{D42A27DB-BD31-4B8C-83A1-F6EECF244321}">
-                <p14:modId xmlns:p14="http://schemas.microsoft.com/office/powerpoint/2010/main" val="1830345876"/>
+                <p14:modId xmlns:p14="http://schemas.microsoft.com/office/powerpoint/2010/main" val="1282193674"/>
               </p:ext>
             </p:extLst>
           </p:nvPr>
@@ -8730,18 +9500,13 @@
                     <a:p>
                       <a:pPr algn="ctr"/>
                       <a:r>
-                        <a:rPr lang="de-DE" smtClean="0">
+                        <a:rPr lang="de-DE" dirty="0" smtClean="0">
                           <a:latin typeface="Lato" charset="0"/>
                           <a:ea typeface="Lato" charset="0"/>
                           <a:cs typeface="Lato" charset="0"/>
                         </a:rPr>
                         <a:t>Schülerleistung</a:t>
                       </a:r>
-                      <a:endParaRPr lang="de-DE" dirty="0" smtClean="0">
-                        <a:latin typeface="Lato" charset="0"/>
-                        <a:ea typeface="Lato" charset="0"/>
-                        <a:cs typeface="Lato" charset="0"/>
-                      </a:endParaRPr>
                     </a:p>
                   </a:txBody>
                   <a:tcPr anchor="ctr">
@@ -9242,6 +10007,1662 @@
 </file>
 
 <file path=ppt/slides/slide15.xml><?xml version="1.0" encoding="utf-8"?>
+<p:sld xmlns:a="http://schemas.openxmlformats.org/drawingml/2006/main" xmlns:r="http://schemas.openxmlformats.org/officeDocument/2006/relationships" xmlns:p="http://schemas.openxmlformats.org/presentationml/2006/main">
+  <p:cSld>
+    <p:spTree>
+      <p:nvGrpSpPr>
+        <p:cNvPr id="1" name=""/>
+        <p:cNvGrpSpPr/>
+        <p:nvPr/>
+      </p:nvGrpSpPr>
+      <p:grpSpPr>
+        <a:xfrm>
+          <a:off x="0" y="0"/>
+          <a:ext cx="0" cy="0"/>
+          <a:chOff x="0" y="0"/>
+          <a:chExt cx="0" cy="0"/>
+        </a:xfrm>
+      </p:grpSpPr>
+      <p:graphicFrame>
+        <p:nvGraphicFramePr>
+          <p:cNvPr id="4" name="Inhaltsplatzhalter 3"/>
+          <p:cNvGraphicFramePr>
+            <a:graphicFrameLocks noGrp="1"/>
+          </p:cNvGraphicFramePr>
+          <p:nvPr>
+            <p:ph idx="1"/>
+            <p:extLst>
+              <p:ext uri="{D42A27DB-BD31-4B8C-83A1-F6EECF244321}">
+                <p14:modId xmlns:p14="http://schemas.microsoft.com/office/powerpoint/2010/main" val="1823471233"/>
+              </p:ext>
+            </p:extLst>
+          </p:nvPr>
+        </p:nvGraphicFramePr>
+        <p:xfrm>
+          <a:off x="2000919" y="1825625"/>
+          <a:ext cx="6788078" cy="3106756"/>
+        </p:xfrm>
+        <a:graphic>
+          <a:graphicData uri="http://schemas.openxmlformats.org/drawingml/2006/table">
+            <a:tbl>
+              <a:tblPr firstRow="1" bandRow="1">
+                <a:tableStyleId>{2D5ABB26-0587-4C30-8999-92F81FD0307C}</a:tableStyleId>
+              </a:tblPr>
+              <a:tblGrid>
+                <a:gridCol w="1411269"/>
+                <a:gridCol w="2262691"/>
+                <a:gridCol w="3114118"/>
+              </a:tblGrid>
+              <a:tr h="616669">
+                <a:tc>
+                  <a:txBody>
+                    <a:bodyPr/>
+                    <a:lstStyle/>
+                    <a:p>
+                      <a:endParaRPr lang="de-DE" dirty="0">
+                        <a:solidFill>
+                          <a:srgbClr val="A51E41"/>
+                        </a:solidFill>
+                        <a:latin typeface="Lato" charset="0"/>
+                        <a:ea typeface="Lato" charset="0"/>
+                        <a:cs typeface="Lato" charset="0"/>
+                      </a:endParaRPr>
+                    </a:p>
+                  </a:txBody>
+                  <a:tcPr anchor="ctr">
+                    <a:lnL>
+                      <a:noFill/>
+                    </a:lnL>
+                    <a:lnR>
+                      <a:noFill/>
+                    </a:lnR>
+                    <a:lnT>
+                      <a:noFill/>
+                    </a:lnT>
+                    <a:lnB>
+                      <a:noFill/>
+                    </a:lnB>
+                    <a:lnTlToBr w="12700" cmpd="sng">
+                      <a:noFill/>
+                      <a:prstDash val="solid"/>
+                    </a:lnTlToBr>
+                    <a:lnBlToTr w="12700" cmpd="sng">
+                      <a:noFill/>
+                      <a:prstDash val="solid"/>
+                    </a:lnBlToTr>
+                    <a:solidFill>
+                      <a:srgbClr val="FFE0DD">
+                        <a:alpha val="72941"/>
+                      </a:srgbClr>
+                    </a:solidFill>
+                  </a:tcPr>
+                </a:tc>
+                <a:tc>
+                  <a:txBody>
+                    <a:bodyPr/>
+                    <a:lstStyle/>
+                    <a:p>
+                      <a:pPr algn="ctr"/>
+                      <a:r>
+                        <a:rPr lang="de-DE" b="1" dirty="0" smtClean="0">
+                          <a:solidFill>
+                            <a:srgbClr val="A51E41"/>
+                          </a:solidFill>
+                          <a:latin typeface="Lato" charset="0"/>
+                          <a:ea typeface="Lato" charset="0"/>
+                          <a:cs typeface="Lato" charset="0"/>
+                        </a:rPr>
+                        <a:t>Institutionalisierte Rückmeldesysteme</a:t>
+                      </a:r>
+                      <a:endParaRPr lang="de-DE" b="1" dirty="0">
+                        <a:solidFill>
+                          <a:srgbClr val="A51E41"/>
+                        </a:solidFill>
+                        <a:latin typeface="Lato" charset="0"/>
+                        <a:ea typeface="Lato" charset="0"/>
+                        <a:cs typeface="Lato" charset="0"/>
+                      </a:endParaRPr>
+                    </a:p>
+                  </a:txBody>
+                  <a:tcPr anchor="ctr">
+                    <a:lnL>
+                      <a:noFill/>
+                    </a:lnL>
+                    <a:lnR>
+                      <a:noFill/>
+                    </a:lnR>
+                    <a:lnT>
+                      <a:noFill/>
+                    </a:lnT>
+                    <a:lnB>
+                      <a:noFill/>
+                    </a:lnB>
+                    <a:lnTlToBr w="12700" cmpd="sng">
+                      <a:noFill/>
+                      <a:prstDash val="solid"/>
+                    </a:lnTlToBr>
+                    <a:lnBlToTr w="12700" cmpd="sng">
+                      <a:noFill/>
+                      <a:prstDash val="solid"/>
+                    </a:lnBlToTr>
+                    <a:solidFill>
+                      <a:srgbClr val="FFE0DD">
+                        <a:alpha val="72941"/>
+                      </a:srgbClr>
+                    </a:solidFill>
+                  </a:tcPr>
+                </a:tc>
+                <a:tc>
+                  <a:txBody>
+                    <a:bodyPr/>
+                    <a:lstStyle/>
+                    <a:p>
+                      <a:pPr algn="ctr"/>
+                      <a:r>
+                        <a:rPr lang="de-DE" b="1" dirty="0" smtClean="0">
+                          <a:solidFill>
+                            <a:schemeClr val="bg1"/>
+                          </a:solidFill>
+                          <a:latin typeface="Lato" charset="0"/>
+                          <a:ea typeface="Lato" charset="0"/>
+                          <a:cs typeface="Lato" charset="0"/>
+                        </a:rPr>
+                        <a:t>Daten </a:t>
+                      </a:r>
+                      <a:r>
+                        <a:rPr lang="de-DE" b="1" i="1" dirty="0" smtClean="0">
+                          <a:solidFill>
+                            <a:schemeClr val="bg1"/>
+                          </a:solidFill>
+                          <a:latin typeface="Lato" charset="0"/>
+                          <a:ea typeface="Lato" charset="0"/>
+                          <a:cs typeface="Lato" charset="0"/>
+                        </a:rPr>
+                        <a:t>für</a:t>
+                      </a:r>
+                      <a:r>
+                        <a:rPr lang="de-DE" b="1" baseline="0" dirty="0" smtClean="0">
+                          <a:solidFill>
+                            <a:schemeClr val="bg1"/>
+                          </a:solidFill>
+                          <a:latin typeface="Lato" charset="0"/>
+                          <a:ea typeface="Lato" charset="0"/>
+                          <a:cs typeface="Lato" charset="0"/>
+                        </a:rPr>
+                        <a:t> die Unterrichts</a:t>
+                      </a:r>
+                      <a:r>
+                        <a:rPr lang="de-DE" b="1" i="1" baseline="0" dirty="0" smtClean="0">
+                          <a:solidFill>
+                            <a:schemeClr val="bg1"/>
+                          </a:solidFill>
+                          <a:latin typeface="Lato" charset="0"/>
+                          <a:ea typeface="Lato" charset="0"/>
+                          <a:cs typeface="Lato" charset="0"/>
+                        </a:rPr>
+                        <a:t>entwicklung</a:t>
+                      </a:r>
+                      <a:endParaRPr lang="de-DE" b="1" i="1" dirty="0">
+                        <a:solidFill>
+                          <a:schemeClr val="bg1"/>
+                        </a:solidFill>
+                        <a:latin typeface="Lato" charset="0"/>
+                        <a:ea typeface="Lato" charset="0"/>
+                        <a:cs typeface="Lato" charset="0"/>
+                      </a:endParaRPr>
+                    </a:p>
+                  </a:txBody>
+                  <a:tcPr anchor="ctr">
+                    <a:lnL>
+                      <a:noFill/>
+                    </a:lnL>
+                    <a:lnR>
+                      <a:noFill/>
+                    </a:lnR>
+                    <a:lnT>
+                      <a:noFill/>
+                    </a:lnT>
+                    <a:lnB>
+                      <a:noFill/>
+                    </a:lnB>
+                    <a:lnTlToBr w="12700" cmpd="sng">
+                      <a:noFill/>
+                      <a:prstDash val="solid"/>
+                    </a:lnTlToBr>
+                    <a:lnBlToTr w="12700" cmpd="sng">
+                      <a:noFill/>
+                      <a:prstDash val="solid"/>
+                    </a:lnBlToTr>
+                    <a:solidFill>
+                      <a:schemeClr val="bg1"/>
+                    </a:solidFill>
+                  </a:tcPr>
+                </a:tc>
+              </a:tr>
+              <a:tr h="616669">
+                <a:tc>
+                  <a:txBody>
+                    <a:bodyPr/>
+                    <a:lstStyle/>
+                    <a:p>
+                      <a:r>
+                        <a:rPr lang="de-DE" b="1" dirty="0" smtClean="0">
+                          <a:latin typeface="Lato" charset="0"/>
+                          <a:ea typeface="Lato" charset="0"/>
+                          <a:cs typeface="Lato" charset="0"/>
+                        </a:rPr>
+                        <a:t>Gegenstand</a:t>
+                      </a:r>
+                      <a:endParaRPr lang="de-DE" b="1" dirty="0">
+                        <a:latin typeface="Lato" charset="0"/>
+                        <a:ea typeface="Lato" charset="0"/>
+                        <a:cs typeface="Lato" charset="0"/>
+                      </a:endParaRPr>
+                    </a:p>
+                  </a:txBody>
+                  <a:tcPr anchor="ctr">
+                    <a:lnL>
+                      <a:noFill/>
+                    </a:lnL>
+                    <a:lnR>
+                      <a:noFill/>
+                    </a:lnR>
+                    <a:lnT>
+                      <a:noFill/>
+                    </a:lnT>
+                    <a:lnB>
+                      <a:noFill/>
+                    </a:lnB>
+                    <a:lnTlToBr w="12700" cmpd="sng">
+                      <a:noFill/>
+                      <a:prstDash val="solid"/>
+                    </a:lnTlToBr>
+                    <a:lnBlToTr w="12700" cmpd="sng">
+                      <a:noFill/>
+                      <a:prstDash val="solid"/>
+                    </a:lnBlToTr>
+                  </a:tcPr>
+                </a:tc>
+                <a:tc>
+                  <a:txBody>
+                    <a:bodyPr/>
+                    <a:lstStyle/>
+                    <a:p>
+                      <a:pPr algn="ctr"/>
+                      <a:r>
+                        <a:rPr lang="de-DE" dirty="0" smtClean="0">
+                          <a:latin typeface="Lato" charset="0"/>
+                          <a:ea typeface="Lato" charset="0"/>
+                          <a:cs typeface="Lato" charset="0"/>
+                        </a:rPr>
+                        <a:t>Schülerleistung</a:t>
+                      </a:r>
+                    </a:p>
+                  </a:txBody>
+                  <a:tcPr anchor="ctr">
+                    <a:lnL>
+                      <a:noFill/>
+                    </a:lnL>
+                    <a:lnR>
+                      <a:noFill/>
+                    </a:lnR>
+                    <a:lnT>
+                      <a:noFill/>
+                    </a:lnT>
+                    <a:lnB>
+                      <a:noFill/>
+                    </a:lnB>
+                    <a:lnTlToBr w="12700" cmpd="sng">
+                      <a:noFill/>
+                      <a:prstDash val="solid"/>
+                    </a:lnTlToBr>
+                    <a:lnBlToTr w="12700" cmpd="sng">
+                      <a:noFill/>
+                      <a:prstDash val="solid"/>
+                    </a:lnBlToTr>
+                  </a:tcPr>
+                </a:tc>
+                <a:tc>
+                  <a:txBody>
+                    <a:bodyPr/>
+                    <a:lstStyle/>
+                    <a:p>
+                      <a:pPr algn="ctr"/>
+                      <a:r>
+                        <a:rPr lang="de-DE" dirty="0" smtClean="0">
+                          <a:solidFill>
+                            <a:schemeClr val="bg1"/>
+                          </a:solidFill>
+                          <a:latin typeface="Lato" charset="0"/>
+                          <a:ea typeface="Lato" charset="0"/>
+                          <a:cs typeface="Lato" charset="0"/>
+                        </a:rPr>
+                        <a:t>Unterrichtsqualität</a:t>
+                      </a:r>
+                      <a:endParaRPr lang="de-DE" dirty="0">
+                        <a:solidFill>
+                          <a:schemeClr val="bg1"/>
+                        </a:solidFill>
+                        <a:latin typeface="Lato" charset="0"/>
+                        <a:ea typeface="Lato" charset="0"/>
+                        <a:cs typeface="Lato" charset="0"/>
+                      </a:endParaRPr>
+                    </a:p>
+                  </a:txBody>
+                  <a:tcPr anchor="ctr">
+                    <a:lnL>
+                      <a:noFill/>
+                    </a:lnL>
+                    <a:lnR>
+                      <a:noFill/>
+                    </a:lnR>
+                    <a:lnT>
+                      <a:noFill/>
+                    </a:lnT>
+                    <a:lnB>
+                      <a:noFill/>
+                    </a:lnB>
+                    <a:lnTlToBr w="12700" cmpd="sng">
+                      <a:noFill/>
+                      <a:prstDash val="solid"/>
+                    </a:lnTlToBr>
+                    <a:lnBlToTr w="12700" cmpd="sng">
+                      <a:noFill/>
+                      <a:prstDash val="solid"/>
+                    </a:lnBlToTr>
+                    <a:solidFill>
+                      <a:schemeClr val="bg1"/>
+                    </a:solidFill>
+                  </a:tcPr>
+                </a:tc>
+              </a:tr>
+              <a:tr h="616669">
+                <a:tc>
+                  <a:txBody>
+                    <a:bodyPr/>
+                    <a:lstStyle/>
+                    <a:p>
+                      <a:r>
+                        <a:rPr lang="de-DE" b="1" dirty="0" smtClean="0">
+                          <a:latin typeface="Lato" charset="0"/>
+                          <a:ea typeface="Lato" charset="0"/>
+                          <a:cs typeface="Lato" charset="0"/>
+                        </a:rPr>
+                        <a:t>Zeitspanne</a:t>
+                      </a:r>
+                      <a:endParaRPr lang="de-DE" b="1" dirty="0">
+                        <a:latin typeface="Lato" charset="0"/>
+                        <a:ea typeface="Lato" charset="0"/>
+                        <a:cs typeface="Lato" charset="0"/>
+                      </a:endParaRPr>
+                    </a:p>
+                  </a:txBody>
+                  <a:tcPr anchor="ctr">
+                    <a:lnL>
+                      <a:noFill/>
+                    </a:lnL>
+                    <a:lnR>
+                      <a:noFill/>
+                    </a:lnR>
+                    <a:lnT>
+                      <a:noFill/>
+                    </a:lnT>
+                    <a:lnB>
+                      <a:noFill/>
+                    </a:lnB>
+                    <a:lnTlToBr w="12700" cmpd="sng">
+                      <a:noFill/>
+                      <a:prstDash val="solid"/>
+                    </a:lnTlToBr>
+                    <a:lnBlToTr w="12700" cmpd="sng">
+                      <a:noFill/>
+                      <a:prstDash val="solid"/>
+                    </a:lnBlToTr>
+                  </a:tcPr>
+                </a:tc>
+                <a:tc>
+                  <a:txBody>
+                    <a:bodyPr/>
+                    <a:lstStyle/>
+                    <a:p>
+                      <a:pPr algn="ctr"/>
+                      <a:r>
+                        <a:rPr lang="de-DE" dirty="0" smtClean="0">
+                          <a:latin typeface="Lato" charset="0"/>
+                          <a:ea typeface="Lato" charset="0"/>
+                          <a:cs typeface="Lato" charset="0"/>
+                        </a:rPr>
+                        <a:t>mehrere Monate</a:t>
+                      </a:r>
+                      <a:endParaRPr lang="de-DE" dirty="0">
+                        <a:latin typeface="Lato" charset="0"/>
+                        <a:ea typeface="Lato" charset="0"/>
+                        <a:cs typeface="Lato" charset="0"/>
+                      </a:endParaRPr>
+                    </a:p>
+                  </a:txBody>
+                  <a:tcPr anchor="ctr">
+                    <a:lnL>
+                      <a:noFill/>
+                    </a:lnL>
+                    <a:lnR>
+                      <a:noFill/>
+                    </a:lnR>
+                    <a:lnT>
+                      <a:noFill/>
+                    </a:lnT>
+                    <a:lnB>
+                      <a:noFill/>
+                    </a:lnB>
+                    <a:lnTlToBr w="12700" cmpd="sng">
+                      <a:noFill/>
+                      <a:prstDash val="solid"/>
+                    </a:lnTlToBr>
+                    <a:lnBlToTr w="12700" cmpd="sng">
+                      <a:noFill/>
+                      <a:prstDash val="solid"/>
+                    </a:lnBlToTr>
+                  </a:tcPr>
+                </a:tc>
+                <a:tc>
+                  <a:txBody>
+                    <a:bodyPr/>
+                    <a:lstStyle/>
+                    <a:p>
+                      <a:pPr algn="ctr"/>
+                      <a:r>
+                        <a:rPr lang="de-DE" dirty="0" smtClean="0">
+                          <a:solidFill>
+                            <a:schemeClr val="bg1"/>
+                          </a:solidFill>
+                          <a:latin typeface="Lato" charset="0"/>
+                          <a:ea typeface="Lato" charset="0"/>
+                          <a:cs typeface="Lato" charset="0"/>
+                        </a:rPr>
+                        <a:t>unmittelbar</a:t>
+                      </a:r>
+                      <a:endParaRPr lang="de-DE" dirty="0">
+                        <a:solidFill>
+                          <a:schemeClr val="bg1"/>
+                        </a:solidFill>
+                        <a:latin typeface="Lato" charset="0"/>
+                        <a:ea typeface="Lato" charset="0"/>
+                        <a:cs typeface="Lato" charset="0"/>
+                      </a:endParaRPr>
+                    </a:p>
+                  </a:txBody>
+                  <a:tcPr anchor="ctr">
+                    <a:lnL>
+                      <a:noFill/>
+                    </a:lnL>
+                    <a:lnR>
+                      <a:noFill/>
+                    </a:lnR>
+                    <a:lnT>
+                      <a:noFill/>
+                    </a:lnT>
+                    <a:lnB>
+                      <a:noFill/>
+                    </a:lnB>
+                    <a:lnTlToBr w="12700" cmpd="sng">
+                      <a:noFill/>
+                      <a:prstDash val="solid"/>
+                    </a:lnTlToBr>
+                    <a:lnBlToTr w="12700" cmpd="sng">
+                      <a:noFill/>
+                      <a:prstDash val="solid"/>
+                    </a:lnBlToTr>
+                    <a:solidFill>
+                      <a:schemeClr val="bg1"/>
+                    </a:solidFill>
+                  </a:tcPr>
+                </a:tc>
+              </a:tr>
+              <a:tr h="616669">
+                <a:tc>
+                  <a:txBody>
+                    <a:bodyPr/>
+                    <a:lstStyle/>
+                    <a:p>
+                      <a:r>
+                        <a:rPr lang="de-DE" b="1" dirty="0" smtClean="0">
+                          <a:latin typeface="Lato" charset="0"/>
+                          <a:ea typeface="Lato" charset="0"/>
+                          <a:cs typeface="Lato" charset="0"/>
+                        </a:rPr>
+                        <a:t>Perspektive</a:t>
+                      </a:r>
+                      <a:endParaRPr lang="de-DE" b="1" dirty="0">
+                        <a:latin typeface="Lato" charset="0"/>
+                        <a:ea typeface="Lato" charset="0"/>
+                        <a:cs typeface="Lato" charset="0"/>
+                      </a:endParaRPr>
+                    </a:p>
+                  </a:txBody>
+                  <a:tcPr anchor="ctr">
+                    <a:lnL>
+                      <a:noFill/>
+                    </a:lnL>
+                    <a:lnR>
+                      <a:noFill/>
+                    </a:lnR>
+                    <a:lnT>
+                      <a:noFill/>
+                    </a:lnT>
+                    <a:lnB>
+                      <a:noFill/>
+                    </a:lnB>
+                    <a:lnTlToBr w="12700" cmpd="sng">
+                      <a:noFill/>
+                      <a:prstDash val="solid"/>
+                    </a:lnTlToBr>
+                    <a:lnBlToTr w="12700" cmpd="sng">
+                      <a:noFill/>
+                      <a:prstDash val="solid"/>
+                    </a:lnBlToTr>
+                  </a:tcPr>
+                </a:tc>
+                <a:tc>
+                  <a:txBody>
+                    <a:bodyPr/>
+                    <a:lstStyle/>
+                    <a:p>
+                      <a:pPr algn="ctr"/>
+                      <a:r>
+                        <a:rPr lang="de-DE" dirty="0" smtClean="0">
+                          <a:latin typeface="Lato" charset="0"/>
+                          <a:ea typeface="Lato" charset="0"/>
+                          <a:cs typeface="Lato" charset="0"/>
+                        </a:rPr>
+                        <a:t>retrospektiv</a:t>
+                      </a:r>
+                      <a:endParaRPr lang="de-DE" dirty="0">
+                        <a:latin typeface="Lato" charset="0"/>
+                        <a:ea typeface="Lato" charset="0"/>
+                        <a:cs typeface="Lato" charset="0"/>
+                      </a:endParaRPr>
+                    </a:p>
+                  </a:txBody>
+                  <a:tcPr anchor="ctr">
+                    <a:lnL>
+                      <a:noFill/>
+                    </a:lnL>
+                    <a:lnR>
+                      <a:noFill/>
+                    </a:lnR>
+                    <a:lnT>
+                      <a:noFill/>
+                    </a:lnT>
+                    <a:lnB>
+                      <a:noFill/>
+                    </a:lnB>
+                    <a:lnTlToBr w="12700" cmpd="sng">
+                      <a:noFill/>
+                      <a:prstDash val="solid"/>
+                    </a:lnTlToBr>
+                    <a:lnBlToTr w="12700" cmpd="sng">
+                      <a:noFill/>
+                      <a:prstDash val="solid"/>
+                    </a:lnBlToTr>
+                  </a:tcPr>
+                </a:tc>
+                <a:tc>
+                  <a:txBody>
+                    <a:bodyPr/>
+                    <a:lstStyle/>
+                    <a:p>
+                      <a:pPr algn="ctr"/>
+                      <a:r>
+                        <a:rPr lang="de-DE" dirty="0" smtClean="0">
+                          <a:solidFill>
+                            <a:schemeClr val="bg1"/>
+                          </a:solidFill>
+                          <a:latin typeface="Lato" charset="0"/>
+                          <a:ea typeface="Lato" charset="0"/>
+                          <a:cs typeface="Lato" charset="0"/>
+                        </a:rPr>
+                        <a:t>prospektiv</a:t>
+                      </a:r>
+                      <a:endParaRPr lang="de-DE" dirty="0">
+                        <a:solidFill>
+                          <a:schemeClr val="bg1"/>
+                        </a:solidFill>
+                        <a:latin typeface="Lato" charset="0"/>
+                        <a:ea typeface="Lato" charset="0"/>
+                        <a:cs typeface="Lato" charset="0"/>
+                      </a:endParaRPr>
+                    </a:p>
+                  </a:txBody>
+                  <a:tcPr anchor="ctr">
+                    <a:lnL>
+                      <a:noFill/>
+                    </a:lnL>
+                    <a:lnR>
+                      <a:noFill/>
+                    </a:lnR>
+                    <a:lnT>
+                      <a:noFill/>
+                    </a:lnT>
+                    <a:lnB>
+                      <a:noFill/>
+                    </a:lnB>
+                    <a:lnTlToBr w="12700" cmpd="sng">
+                      <a:noFill/>
+                      <a:prstDash val="solid"/>
+                    </a:lnTlToBr>
+                    <a:lnBlToTr w="12700" cmpd="sng">
+                      <a:noFill/>
+                      <a:prstDash val="solid"/>
+                    </a:lnBlToTr>
+                    <a:solidFill>
+                      <a:schemeClr val="bg1"/>
+                    </a:solidFill>
+                  </a:tcPr>
+                </a:tc>
+              </a:tr>
+              <a:tr h="616669">
+                <a:tc>
+                  <a:txBody>
+                    <a:bodyPr/>
+                    <a:lstStyle/>
+                    <a:p>
+                      <a:endParaRPr lang="de-DE" dirty="0">
+                        <a:latin typeface="Lato" charset="0"/>
+                        <a:ea typeface="Lato" charset="0"/>
+                        <a:cs typeface="Lato" charset="0"/>
+                      </a:endParaRPr>
+                    </a:p>
+                  </a:txBody>
+                  <a:tcPr anchor="ctr">
+                    <a:lnL>
+                      <a:noFill/>
+                    </a:lnL>
+                    <a:lnR>
+                      <a:noFill/>
+                    </a:lnR>
+                    <a:lnT>
+                      <a:noFill/>
+                    </a:lnT>
+                    <a:lnB>
+                      <a:noFill/>
+                    </a:lnB>
+                    <a:lnTlToBr w="12700" cmpd="sng">
+                      <a:noFill/>
+                      <a:prstDash val="solid"/>
+                    </a:lnTlToBr>
+                    <a:lnBlToTr w="12700" cmpd="sng">
+                      <a:noFill/>
+                      <a:prstDash val="solid"/>
+                    </a:lnBlToTr>
+                    <a:solidFill>
+                      <a:srgbClr val="FFE0DD"/>
+                    </a:solidFill>
+                  </a:tcPr>
+                </a:tc>
+                <a:tc>
+                  <a:txBody>
+                    <a:bodyPr/>
+                    <a:lstStyle/>
+                    <a:p>
+                      <a:pPr algn="ctr"/>
+                      <a:r>
+                        <a:rPr lang="de-DE" b="1" i="1" dirty="0" err="1" smtClean="0">
+                          <a:solidFill>
+                            <a:srgbClr val="A51E41"/>
+                          </a:solidFill>
+                          <a:latin typeface="Lato" charset="0"/>
+                          <a:ea typeface="Lato" charset="0"/>
+                          <a:cs typeface="Lato" charset="0"/>
+                        </a:rPr>
+                        <a:t>summativ</a:t>
+                      </a:r>
+                      <a:endParaRPr lang="de-DE" b="1" i="1" dirty="0">
+                        <a:solidFill>
+                          <a:srgbClr val="A51E41"/>
+                        </a:solidFill>
+                        <a:latin typeface="Lato" charset="0"/>
+                        <a:ea typeface="Lato" charset="0"/>
+                        <a:cs typeface="Lato" charset="0"/>
+                      </a:endParaRPr>
+                    </a:p>
+                  </a:txBody>
+                  <a:tcPr anchor="ctr">
+                    <a:lnL>
+                      <a:noFill/>
+                    </a:lnL>
+                    <a:lnR>
+                      <a:noFill/>
+                    </a:lnR>
+                    <a:lnT>
+                      <a:noFill/>
+                    </a:lnT>
+                    <a:lnB>
+                      <a:noFill/>
+                    </a:lnB>
+                    <a:lnTlToBr w="12700" cmpd="sng">
+                      <a:noFill/>
+                      <a:prstDash val="solid"/>
+                    </a:lnTlToBr>
+                    <a:lnBlToTr w="12700" cmpd="sng">
+                      <a:noFill/>
+                      <a:prstDash val="solid"/>
+                    </a:lnBlToTr>
+                    <a:solidFill>
+                      <a:srgbClr val="FFE0DD"/>
+                    </a:solidFill>
+                  </a:tcPr>
+                </a:tc>
+                <a:tc>
+                  <a:txBody>
+                    <a:bodyPr/>
+                    <a:lstStyle/>
+                    <a:p>
+                      <a:pPr algn="ctr"/>
+                      <a:r>
+                        <a:rPr lang="de-DE" b="1" i="1" dirty="0" smtClean="0">
+                          <a:solidFill>
+                            <a:schemeClr val="bg1"/>
+                          </a:solidFill>
+                          <a:latin typeface="Lato" charset="0"/>
+                          <a:ea typeface="Lato" charset="0"/>
+                          <a:cs typeface="Lato" charset="0"/>
+                        </a:rPr>
+                        <a:t>formativ</a:t>
+                      </a:r>
+                      <a:endParaRPr lang="de-DE" b="1" i="1" dirty="0">
+                        <a:solidFill>
+                          <a:schemeClr val="bg1"/>
+                        </a:solidFill>
+                        <a:latin typeface="Lato" charset="0"/>
+                        <a:ea typeface="Lato" charset="0"/>
+                        <a:cs typeface="Lato" charset="0"/>
+                      </a:endParaRPr>
+                    </a:p>
+                  </a:txBody>
+                  <a:tcPr anchor="ctr">
+                    <a:lnL>
+                      <a:noFill/>
+                    </a:lnL>
+                    <a:lnR>
+                      <a:noFill/>
+                    </a:lnR>
+                    <a:lnT>
+                      <a:noFill/>
+                    </a:lnT>
+                    <a:lnB>
+                      <a:noFill/>
+                    </a:lnB>
+                    <a:lnTlToBr w="12700" cmpd="sng">
+                      <a:noFill/>
+                      <a:prstDash val="solid"/>
+                    </a:lnTlToBr>
+                    <a:lnBlToTr w="12700" cmpd="sng">
+                      <a:noFill/>
+                      <a:prstDash val="solid"/>
+                    </a:lnBlToTr>
+                    <a:solidFill>
+                      <a:schemeClr val="bg1"/>
+                    </a:solidFill>
+                  </a:tcPr>
+                </a:tc>
+              </a:tr>
+            </a:tbl>
+          </a:graphicData>
+        </a:graphic>
+      </p:graphicFrame>
+    </p:spTree>
+    <p:extLst>
+      <p:ext uri="{BB962C8B-B14F-4D97-AF65-F5344CB8AC3E}">
+        <p14:creationId xmlns:p14="http://schemas.microsoft.com/office/powerpoint/2010/main" val="1685153901"/>
+      </p:ext>
+    </p:extLst>
+  </p:cSld>
+  <p:clrMapOvr>
+    <a:masterClrMapping/>
+  </p:clrMapOvr>
+</p:sld>
+</file>
+
+<file path=ppt/slides/slide16.xml><?xml version="1.0" encoding="utf-8"?>
+<p:sld xmlns:a="http://schemas.openxmlformats.org/drawingml/2006/main" xmlns:r="http://schemas.openxmlformats.org/officeDocument/2006/relationships" xmlns:p="http://schemas.openxmlformats.org/presentationml/2006/main">
+  <p:cSld>
+    <p:spTree>
+      <p:nvGrpSpPr>
+        <p:cNvPr id="1" name=""/>
+        <p:cNvGrpSpPr/>
+        <p:nvPr/>
+      </p:nvGrpSpPr>
+      <p:grpSpPr>
+        <a:xfrm>
+          <a:off x="0" y="0"/>
+          <a:ext cx="0" cy="0"/>
+          <a:chOff x="0" y="0"/>
+          <a:chExt cx="0" cy="0"/>
+        </a:xfrm>
+      </p:grpSpPr>
+      <p:graphicFrame>
+        <p:nvGraphicFramePr>
+          <p:cNvPr id="4" name="Inhaltsplatzhalter 3"/>
+          <p:cNvGraphicFramePr>
+            <a:graphicFrameLocks noGrp="1"/>
+          </p:cNvGraphicFramePr>
+          <p:nvPr>
+            <p:ph idx="1"/>
+            <p:extLst>
+              <p:ext uri="{D42A27DB-BD31-4B8C-83A1-F6EECF244321}">
+                <p14:modId xmlns:p14="http://schemas.microsoft.com/office/powerpoint/2010/main" val="1570910333"/>
+              </p:ext>
+            </p:extLst>
+          </p:nvPr>
+        </p:nvGraphicFramePr>
+        <p:xfrm>
+          <a:off x="2000919" y="1825625"/>
+          <a:ext cx="6788078" cy="3106756"/>
+        </p:xfrm>
+        <a:graphic>
+          <a:graphicData uri="http://schemas.openxmlformats.org/drawingml/2006/table">
+            <a:tbl>
+              <a:tblPr firstRow="1" bandRow="1">
+                <a:tableStyleId>{2D5ABB26-0587-4C30-8999-92F81FD0307C}</a:tableStyleId>
+              </a:tblPr>
+              <a:tblGrid>
+                <a:gridCol w="1411269"/>
+                <a:gridCol w="2262691"/>
+                <a:gridCol w="3114118"/>
+              </a:tblGrid>
+              <a:tr h="616669">
+                <a:tc>
+                  <a:txBody>
+                    <a:bodyPr/>
+                    <a:lstStyle/>
+                    <a:p>
+                      <a:endParaRPr lang="de-DE" dirty="0">
+                        <a:solidFill>
+                          <a:srgbClr val="A51E41"/>
+                        </a:solidFill>
+                        <a:latin typeface="Lato" charset="0"/>
+                        <a:ea typeface="Lato" charset="0"/>
+                        <a:cs typeface="Lato" charset="0"/>
+                      </a:endParaRPr>
+                    </a:p>
+                  </a:txBody>
+                  <a:tcPr anchor="ctr">
+                    <a:lnL>
+                      <a:noFill/>
+                    </a:lnL>
+                    <a:lnR>
+                      <a:noFill/>
+                    </a:lnR>
+                    <a:lnT>
+                      <a:noFill/>
+                    </a:lnT>
+                    <a:lnB>
+                      <a:noFill/>
+                    </a:lnB>
+                    <a:lnTlToBr w="12700" cmpd="sng">
+                      <a:noFill/>
+                      <a:prstDash val="solid"/>
+                    </a:lnTlToBr>
+                    <a:lnBlToTr w="12700" cmpd="sng">
+                      <a:noFill/>
+                      <a:prstDash val="solid"/>
+                    </a:lnBlToTr>
+                    <a:solidFill>
+                      <a:srgbClr val="FFE0DD">
+                        <a:alpha val="72941"/>
+                      </a:srgbClr>
+                    </a:solidFill>
+                  </a:tcPr>
+                </a:tc>
+                <a:tc>
+                  <a:txBody>
+                    <a:bodyPr/>
+                    <a:lstStyle/>
+                    <a:p>
+                      <a:pPr algn="ctr"/>
+                      <a:r>
+                        <a:rPr lang="de-DE" b="1" dirty="0" smtClean="0">
+                          <a:solidFill>
+                            <a:schemeClr val="bg1"/>
+                          </a:solidFill>
+                          <a:latin typeface="Lato" charset="0"/>
+                          <a:ea typeface="Lato" charset="0"/>
+                          <a:cs typeface="Lato" charset="0"/>
+                        </a:rPr>
+                        <a:t>Institutionalisierte Rückmeldesysteme</a:t>
+                      </a:r>
+                      <a:endParaRPr lang="de-DE" b="1" dirty="0">
+                        <a:solidFill>
+                          <a:schemeClr val="bg1"/>
+                        </a:solidFill>
+                        <a:latin typeface="Lato" charset="0"/>
+                        <a:ea typeface="Lato" charset="0"/>
+                        <a:cs typeface="Lato" charset="0"/>
+                      </a:endParaRPr>
+                    </a:p>
+                  </a:txBody>
+                  <a:tcPr anchor="ctr">
+                    <a:lnL>
+                      <a:noFill/>
+                    </a:lnL>
+                    <a:lnR>
+                      <a:noFill/>
+                    </a:lnR>
+                    <a:lnT>
+                      <a:noFill/>
+                    </a:lnT>
+                    <a:lnB>
+                      <a:noFill/>
+                    </a:lnB>
+                    <a:lnTlToBr w="12700" cmpd="sng">
+                      <a:noFill/>
+                      <a:prstDash val="solid"/>
+                    </a:lnTlToBr>
+                    <a:lnBlToTr w="12700" cmpd="sng">
+                      <a:noFill/>
+                      <a:prstDash val="solid"/>
+                    </a:lnBlToTr>
+                    <a:solidFill>
+                      <a:schemeClr val="bg1"/>
+                    </a:solidFill>
+                  </a:tcPr>
+                </a:tc>
+                <a:tc>
+                  <a:txBody>
+                    <a:bodyPr/>
+                    <a:lstStyle/>
+                    <a:p>
+                      <a:pPr algn="ctr"/>
+                      <a:r>
+                        <a:rPr lang="de-DE" b="1" dirty="0" smtClean="0">
+                          <a:solidFill>
+                            <a:schemeClr val="bg1"/>
+                          </a:solidFill>
+                          <a:latin typeface="Lato" charset="0"/>
+                          <a:ea typeface="Lato" charset="0"/>
+                          <a:cs typeface="Lato" charset="0"/>
+                        </a:rPr>
+                        <a:t>Daten </a:t>
+                      </a:r>
+                      <a:r>
+                        <a:rPr lang="de-DE" b="1" i="1" dirty="0" smtClean="0">
+                          <a:solidFill>
+                            <a:schemeClr val="bg1"/>
+                          </a:solidFill>
+                          <a:latin typeface="Lato" charset="0"/>
+                          <a:ea typeface="Lato" charset="0"/>
+                          <a:cs typeface="Lato" charset="0"/>
+                        </a:rPr>
+                        <a:t>für</a:t>
+                      </a:r>
+                      <a:r>
+                        <a:rPr lang="de-DE" b="1" baseline="0" dirty="0" smtClean="0">
+                          <a:solidFill>
+                            <a:schemeClr val="bg1"/>
+                          </a:solidFill>
+                          <a:latin typeface="Lato" charset="0"/>
+                          <a:ea typeface="Lato" charset="0"/>
+                          <a:cs typeface="Lato" charset="0"/>
+                        </a:rPr>
+                        <a:t> die Unterrichts</a:t>
+                      </a:r>
+                      <a:r>
+                        <a:rPr lang="de-DE" b="1" i="1" baseline="0" dirty="0" smtClean="0">
+                          <a:solidFill>
+                            <a:schemeClr val="bg1"/>
+                          </a:solidFill>
+                          <a:latin typeface="Lato" charset="0"/>
+                          <a:ea typeface="Lato" charset="0"/>
+                          <a:cs typeface="Lato" charset="0"/>
+                        </a:rPr>
+                        <a:t>entwicklung</a:t>
+                      </a:r>
+                      <a:endParaRPr lang="de-DE" b="1" i="1" dirty="0">
+                        <a:solidFill>
+                          <a:schemeClr val="bg1"/>
+                        </a:solidFill>
+                        <a:latin typeface="Lato" charset="0"/>
+                        <a:ea typeface="Lato" charset="0"/>
+                        <a:cs typeface="Lato" charset="0"/>
+                      </a:endParaRPr>
+                    </a:p>
+                  </a:txBody>
+                  <a:tcPr anchor="ctr">
+                    <a:lnL>
+                      <a:noFill/>
+                    </a:lnL>
+                    <a:lnR>
+                      <a:noFill/>
+                    </a:lnR>
+                    <a:lnT>
+                      <a:noFill/>
+                    </a:lnT>
+                    <a:lnB>
+                      <a:noFill/>
+                    </a:lnB>
+                    <a:lnTlToBr w="12700" cmpd="sng">
+                      <a:noFill/>
+                      <a:prstDash val="solid"/>
+                    </a:lnTlToBr>
+                    <a:lnBlToTr w="12700" cmpd="sng">
+                      <a:noFill/>
+                      <a:prstDash val="solid"/>
+                    </a:lnBlToTr>
+                    <a:solidFill>
+                      <a:schemeClr val="bg1"/>
+                    </a:solidFill>
+                  </a:tcPr>
+                </a:tc>
+              </a:tr>
+              <a:tr h="616669">
+                <a:tc>
+                  <a:txBody>
+                    <a:bodyPr/>
+                    <a:lstStyle/>
+                    <a:p>
+                      <a:r>
+                        <a:rPr lang="de-DE" b="1" dirty="0" smtClean="0">
+                          <a:latin typeface="Lato" charset="0"/>
+                          <a:ea typeface="Lato" charset="0"/>
+                          <a:cs typeface="Lato" charset="0"/>
+                        </a:rPr>
+                        <a:t>Gegenstand</a:t>
+                      </a:r>
+                      <a:endParaRPr lang="de-DE" b="1" dirty="0">
+                        <a:latin typeface="Lato" charset="0"/>
+                        <a:ea typeface="Lato" charset="0"/>
+                        <a:cs typeface="Lato" charset="0"/>
+                      </a:endParaRPr>
+                    </a:p>
+                  </a:txBody>
+                  <a:tcPr anchor="ctr">
+                    <a:lnL>
+                      <a:noFill/>
+                    </a:lnL>
+                    <a:lnR>
+                      <a:noFill/>
+                    </a:lnR>
+                    <a:lnT>
+                      <a:noFill/>
+                    </a:lnT>
+                    <a:lnB>
+                      <a:noFill/>
+                    </a:lnB>
+                    <a:lnTlToBr w="12700" cmpd="sng">
+                      <a:noFill/>
+                      <a:prstDash val="solid"/>
+                    </a:lnTlToBr>
+                    <a:lnBlToTr w="12700" cmpd="sng">
+                      <a:noFill/>
+                      <a:prstDash val="solid"/>
+                    </a:lnBlToTr>
+                  </a:tcPr>
+                </a:tc>
+                <a:tc>
+                  <a:txBody>
+                    <a:bodyPr/>
+                    <a:lstStyle/>
+                    <a:p>
+                      <a:pPr algn="ctr"/>
+                      <a:r>
+                        <a:rPr lang="de-DE" dirty="0" smtClean="0">
+                          <a:solidFill>
+                            <a:schemeClr val="bg1"/>
+                          </a:solidFill>
+                          <a:latin typeface="Lato" charset="0"/>
+                          <a:ea typeface="Lato" charset="0"/>
+                          <a:cs typeface="Lato" charset="0"/>
+                        </a:rPr>
+                        <a:t>Schülerleistung</a:t>
+                      </a:r>
+                    </a:p>
+                  </a:txBody>
+                  <a:tcPr anchor="ctr">
+                    <a:lnL>
+                      <a:noFill/>
+                    </a:lnL>
+                    <a:lnR>
+                      <a:noFill/>
+                    </a:lnR>
+                    <a:lnT>
+                      <a:noFill/>
+                    </a:lnT>
+                    <a:lnB>
+                      <a:noFill/>
+                    </a:lnB>
+                    <a:lnTlToBr w="12700" cmpd="sng">
+                      <a:noFill/>
+                      <a:prstDash val="solid"/>
+                    </a:lnTlToBr>
+                    <a:lnBlToTr w="12700" cmpd="sng">
+                      <a:noFill/>
+                      <a:prstDash val="solid"/>
+                    </a:lnBlToTr>
+                    <a:solidFill>
+                      <a:schemeClr val="bg1"/>
+                    </a:solidFill>
+                  </a:tcPr>
+                </a:tc>
+                <a:tc>
+                  <a:txBody>
+                    <a:bodyPr/>
+                    <a:lstStyle/>
+                    <a:p>
+                      <a:pPr algn="ctr"/>
+                      <a:r>
+                        <a:rPr lang="de-DE" dirty="0" smtClean="0">
+                          <a:solidFill>
+                            <a:schemeClr val="bg1"/>
+                          </a:solidFill>
+                          <a:latin typeface="Lato" charset="0"/>
+                          <a:ea typeface="Lato" charset="0"/>
+                          <a:cs typeface="Lato" charset="0"/>
+                        </a:rPr>
+                        <a:t>Unterrichtsqualität</a:t>
+                      </a:r>
+                      <a:endParaRPr lang="de-DE" dirty="0">
+                        <a:solidFill>
+                          <a:schemeClr val="bg1"/>
+                        </a:solidFill>
+                        <a:latin typeface="Lato" charset="0"/>
+                        <a:ea typeface="Lato" charset="0"/>
+                        <a:cs typeface="Lato" charset="0"/>
+                      </a:endParaRPr>
+                    </a:p>
+                  </a:txBody>
+                  <a:tcPr anchor="ctr">
+                    <a:lnL>
+                      <a:noFill/>
+                    </a:lnL>
+                    <a:lnR>
+                      <a:noFill/>
+                    </a:lnR>
+                    <a:lnT>
+                      <a:noFill/>
+                    </a:lnT>
+                    <a:lnB>
+                      <a:noFill/>
+                    </a:lnB>
+                    <a:lnTlToBr w="12700" cmpd="sng">
+                      <a:noFill/>
+                      <a:prstDash val="solid"/>
+                    </a:lnTlToBr>
+                    <a:lnBlToTr w="12700" cmpd="sng">
+                      <a:noFill/>
+                      <a:prstDash val="solid"/>
+                    </a:lnBlToTr>
+                    <a:solidFill>
+                      <a:schemeClr val="bg1"/>
+                    </a:solidFill>
+                  </a:tcPr>
+                </a:tc>
+              </a:tr>
+              <a:tr h="616669">
+                <a:tc>
+                  <a:txBody>
+                    <a:bodyPr/>
+                    <a:lstStyle/>
+                    <a:p>
+                      <a:r>
+                        <a:rPr lang="de-DE" b="1" dirty="0" smtClean="0">
+                          <a:latin typeface="Lato" charset="0"/>
+                          <a:ea typeface="Lato" charset="0"/>
+                          <a:cs typeface="Lato" charset="0"/>
+                        </a:rPr>
+                        <a:t>Zeitspanne</a:t>
+                      </a:r>
+                      <a:endParaRPr lang="de-DE" b="1" dirty="0">
+                        <a:latin typeface="Lato" charset="0"/>
+                        <a:ea typeface="Lato" charset="0"/>
+                        <a:cs typeface="Lato" charset="0"/>
+                      </a:endParaRPr>
+                    </a:p>
+                  </a:txBody>
+                  <a:tcPr anchor="ctr">
+                    <a:lnL>
+                      <a:noFill/>
+                    </a:lnL>
+                    <a:lnR>
+                      <a:noFill/>
+                    </a:lnR>
+                    <a:lnT>
+                      <a:noFill/>
+                    </a:lnT>
+                    <a:lnB>
+                      <a:noFill/>
+                    </a:lnB>
+                    <a:lnTlToBr w="12700" cmpd="sng">
+                      <a:noFill/>
+                      <a:prstDash val="solid"/>
+                    </a:lnTlToBr>
+                    <a:lnBlToTr w="12700" cmpd="sng">
+                      <a:noFill/>
+                      <a:prstDash val="solid"/>
+                    </a:lnBlToTr>
+                  </a:tcPr>
+                </a:tc>
+                <a:tc>
+                  <a:txBody>
+                    <a:bodyPr/>
+                    <a:lstStyle/>
+                    <a:p>
+                      <a:pPr algn="ctr"/>
+                      <a:r>
+                        <a:rPr lang="de-DE" dirty="0" smtClean="0">
+                          <a:solidFill>
+                            <a:schemeClr val="bg1"/>
+                          </a:solidFill>
+                          <a:latin typeface="Lato" charset="0"/>
+                          <a:ea typeface="Lato" charset="0"/>
+                          <a:cs typeface="Lato" charset="0"/>
+                        </a:rPr>
+                        <a:t>mehrere Monate</a:t>
+                      </a:r>
+                      <a:endParaRPr lang="de-DE" dirty="0">
+                        <a:solidFill>
+                          <a:schemeClr val="bg1"/>
+                        </a:solidFill>
+                        <a:latin typeface="Lato" charset="0"/>
+                        <a:ea typeface="Lato" charset="0"/>
+                        <a:cs typeface="Lato" charset="0"/>
+                      </a:endParaRPr>
+                    </a:p>
+                  </a:txBody>
+                  <a:tcPr anchor="ctr">
+                    <a:lnL>
+                      <a:noFill/>
+                    </a:lnL>
+                    <a:lnR>
+                      <a:noFill/>
+                    </a:lnR>
+                    <a:lnT>
+                      <a:noFill/>
+                    </a:lnT>
+                    <a:lnB>
+                      <a:noFill/>
+                    </a:lnB>
+                    <a:lnTlToBr w="12700" cmpd="sng">
+                      <a:noFill/>
+                      <a:prstDash val="solid"/>
+                    </a:lnTlToBr>
+                    <a:lnBlToTr w="12700" cmpd="sng">
+                      <a:noFill/>
+                      <a:prstDash val="solid"/>
+                    </a:lnBlToTr>
+                    <a:solidFill>
+                      <a:schemeClr val="bg1"/>
+                    </a:solidFill>
+                  </a:tcPr>
+                </a:tc>
+                <a:tc>
+                  <a:txBody>
+                    <a:bodyPr/>
+                    <a:lstStyle/>
+                    <a:p>
+                      <a:pPr algn="ctr"/>
+                      <a:r>
+                        <a:rPr lang="de-DE" dirty="0" smtClean="0">
+                          <a:solidFill>
+                            <a:schemeClr val="bg1"/>
+                          </a:solidFill>
+                          <a:latin typeface="Lato" charset="0"/>
+                          <a:ea typeface="Lato" charset="0"/>
+                          <a:cs typeface="Lato" charset="0"/>
+                        </a:rPr>
+                        <a:t>unmittelbar</a:t>
+                      </a:r>
+                      <a:endParaRPr lang="de-DE" dirty="0">
+                        <a:solidFill>
+                          <a:schemeClr val="bg1"/>
+                        </a:solidFill>
+                        <a:latin typeface="Lato" charset="0"/>
+                        <a:ea typeface="Lato" charset="0"/>
+                        <a:cs typeface="Lato" charset="0"/>
+                      </a:endParaRPr>
+                    </a:p>
+                  </a:txBody>
+                  <a:tcPr anchor="ctr">
+                    <a:lnL>
+                      <a:noFill/>
+                    </a:lnL>
+                    <a:lnR>
+                      <a:noFill/>
+                    </a:lnR>
+                    <a:lnT>
+                      <a:noFill/>
+                    </a:lnT>
+                    <a:lnB>
+                      <a:noFill/>
+                    </a:lnB>
+                    <a:lnTlToBr w="12700" cmpd="sng">
+                      <a:noFill/>
+                      <a:prstDash val="solid"/>
+                    </a:lnTlToBr>
+                    <a:lnBlToTr w="12700" cmpd="sng">
+                      <a:noFill/>
+                      <a:prstDash val="solid"/>
+                    </a:lnBlToTr>
+                    <a:solidFill>
+                      <a:schemeClr val="bg1"/>
+                    </a:solidFill>
+                  </a:tcPr>
+                </a:tc>
+              </a:tr>
+              <a:tr h="616669">
+                <a:tc>
+                  <a:txBody>
+                    <a:bodyPr/>
+                    <a:lstStyle/>
+                    <a:p>
+                      <a:r>
+                        <a:rPr lang="de-DE" b="1" dirty="0" smtClean="0">
+                          <a:latin typeface="Lato" charset="0"/>
+                          <a:ea typeface="Lato" charset="0"/>
+                          <a:cs typeface="Lato" charset="0"/>
+                        </a:rPr>
+                        <a:t>Perspektive</a:t>
+                      </a:r>
+                      <a:endParaRPr lang="de-DE" b="1" dirty="0">
+                        <a:latin typeface="Lato" charset="0"/>
+                        <a:ea typeface="Lato" charset="0"/>
+                        <a:cs typeface="Lato" charset="0"/>
+                      </a:endParaRPr>
+                    </a:p>
+                  </a:txBody>
+                  <a:tcPr anchor="ctr">
+                    <a:lnL>
+                      <a:noFill/>
+                    </a:lnL>
+                    <a:lnR>
+                      <a:noFill/>
+                    </a:lnR>
+                    <a:lnT>
+                      <a:noFill/>
+                    </a:lnT>
+                    <a:lnB>
+                      <a:noFill/>
+                    </a:lnB>
+                    <a:lnTlToBr w="12700" cmpd="sng">
+                      <a:noFill/>
+                      <a:prstDash val="solid"/>
+                    </a:lnTlToBr>
+                    <a:lnBlToTr w="12700" cmpd="sng">
+                      <a:noFill/>
+                      <a:prstDash val="solid"/>
+                    </a:lnBlToTr>
+                  </a:tcPr>
+                </a:tc>
+                <a:tc>
+                  <a:txBody>
+                    <a:bodyPr/>
+                    <a:lstStyle/>
+                    <a:p>
+                      <a:pPr algn="ctr"/>
+                      <a:r>
+                        <a:rPr lang="de-DE" dirty="0" smtClean="0">
+                          <a:solidFill>
+                            <a:schemeClr val="bg1"/>
+                          </a:solidFill>
+                          <a:latin typeface="Lato" charset="0"/>
+                          <a:ea typeface="Lato" charset="0"/>
+                          <a:cs typeface="Lato" charset="0"/>
+                        </a:rPr>
+                        <a:t>retrospektiv</a:t>
+                      </a:r>
+                      <a:endParaRPr lang="de-DE" dirty="0">
+                        <a:solidFill>
+                          <a:schemeClr val="bg1"/>
+                        </a:solidFill>
+                        <a:latin typeface="Lato" charset="0"/>
+                        <a:ea typeface="Lato" charset="0"/>
+                        <a:cs typeface="Lato" charset="0"/>
+                      </a:endParaRPr>
+                    </a:p>
+                  </a:txBody>
+                  <a:tcPr anchor="ctr">
+                    <a:lnL>
+                      <a:noFill/>
+                    </a:lnL>
+                    <a:lnR>
+                      <a:noFill/>
+                    </a:lnR>
+                    <a:lnT>
+                      <a:noFill/>
+                    </a:lnT>
+                    <a:lnB>
+                      <a:noFill/>
+                    </a:lnB>
+                    <a:lnTlToBr w="12700" cmpd="sng">
+                      <a:noFill/>
+                      <a:prstDash val="solid"/>
+                    </a:lnTlToBr>
+                    <a:lnBlToTr w="12700" cmpd="sng">
+                      <a:noFill/>
+                      <a:prstDash val="solid"/>
+                    </a:lnBlToTr>
+                    <a:solidFill>
+                      <a:schemeClr val="bg1"/>
+                    </a:solidFill>
+                  </a:tcPr>
+                </a:tc>
+                <a:tc>
+                  <a:txBody>
+                    <a:bodyPr/>
+                    <a:lstStyle/>
+                    <a:p>
+                      <a:pPr algn="ctr"/>
+                      <a:r>
+                        <a:rPr lang="de-DE" dirty="0" smtClean="0">
+                          <a:solidFill>
+                            <a:schemeClr val="bg1"/>
+                          </a:solidFill>
+                          <a:latin typeface="Lato" charset="0"/>
+                          <a:ea typeface="Lato" charset="0"/>
+                          <a:cs typeface="Lato" charset="0"/>
+                        </a:rPr>
+                        <a:t>prospektiv</a:t>
+                      </a:r>
+                      <a:endParaRPr lang="de-DE" dirty="0">
+                        <a:solidFill>
+                          <a:schemeClr val="bg1"/>
+                        </a:solidFill>
+                        <a:latin typeface="Lato" charset="0"/>
+                        <a:ea typeface="Lato" charset="0"/>
+                        <a:cs typeface="Lato" charset="0"/>
+                      </a:endParaRPr>
+                    </a:p>
+                  </a:txBody>
+                  <a:tcPr anchor="ctr">
+                    <a:lnL>
+                      <a:noFill/>
+                    </a:lnL>
+                    <a:lnR>
+                      <a:noFill/>
+                    </a:lnR>
+                    <a:lnT>
+                      <a:noFill/>
+                    </a:lnT>
+                    <a:lnB>
+                      <a:noFill/>
+                    </a:lnB>
+                    <a:lnTlToBr w="12700" cmpd="sng">
+                      <a:noFill/>
+                      <a:prstDash val="solid"/>
+                    </a:lnTlToBr>
+                    <a:lnBlToTr w="12700" cmpd="sng">
+                      <a:noFill/>
+                      <a:prstDash val="solid"/>
+                    </a:lnBlToTr>
+                    <a:solidFill>
+                      <a:schemeClr val="bg1"/>
+                    </a:solidFill>
+                  </a:tcPr>
+                </a:tc>
+              </a:tr>
+              <a:tr h="616669">
+                <a:tc>
+                  <a:txBody>
+                    <a:bodyPr/>
+                    <a:lstStyle/>
+                    <a:p>
+                      <a:endParaRPr lang="de-DE" dirty="0">
+                        <a:latin typeface="Lato" charset="0"/>
+                        <a:ea typeface="Lato" charset="0"/>
+                        <a:cs typeface="Lato" charset="0"/>
+                      </a:endParaRPr>
+                    </a:p>
+                  </a:txBody>
+                  <a:tcPr anchor="ctr">
+                    <a:lnL>
+                      <a:noFill/>
+                    </a:lnL>
+                    <a:lnR>
+                      <a:noFill/>
+                    </a:lnR>
+                    <a:lnT>
+                      <a:noFill/>
+                    </a:lnT>
+                    <a:lnB>
+                      <a:noFill/>
+                    </a:lnB>
+                    <a:lnTlToBr w="12700" cmpd="sng">
+                      <a:noFill/>
+                      <a:prstDash val="solid"/>
+                    </a:lnTlToBr>
+                    <a:lnBlToTr w="12700" cmpd="sng">
+                      <a:noFill/>
+                      <a:prstDash val="solid"/>
+                    </a:lnBlToTr>
+                    <a:solidFill>
+                      <a:srgbClr val="FFE0DD"/>
+                    </a:solidFill>
+                  </a:tcPr>
+                </a:tc>
+                <a:tc>
+                  <a:txBody>
+                    <a:bodyPr/>
+                    <a:lstStyle/>
+                    <a:p>
+                      <a:pPr algn="ctr"/>
+                      <a:r>
+                        <a:rPr lang="de-DE" b="1" i="1" dirty="0" err="1" smtClean="0">
+                          <a:solidFill>
+                            <a:schemeClr val="bg1"/>
+                          </a:solidFill>
+                          <a:latin typeface="Lato" charset="0"/>
+                          <a:ea typeface="Lato" charset="0"/>
+                          <a:cs typeface="Lato" charset="0"/>
+                        </a:rPr>
+                        <a:t>summativ</a:t>
+                      </a:r>
+                      <a:endParaRPr lang="de-DE" b="1" i="1" dirty="0">
+                        <a:solidFill>
+                          <a:schemeClr val="bg1"/>
+                        </a:solidFill>
+                        <a:latin typeface="Lato" charset="0"/>
+                        <a:ea typeface="Lato" charset="0"/>
+                        <a:cs typeface="Lato" charset="0"/>
+                      </a:endParaRPr>
+                    </a:p>
+                  </a:txBody>
+                  <a:tcPr anchor="ctr">
+                    <a:lnL>
+                      <a:noFill/>
+                    </a:lnL>
+                    <a:lnR>
+                      <a:noFill/>
+                    </a:lnR>
+                    <a:lnT>
+                      <a:noFill/>
+                    </a:lnT>
+                    <a:lnB>
+                      <a:noFill/>
+                    </a:lnB>
+                    <a:lnTlToBr w="12700" cmpd="sng">
+                      <a:noFill/>
+                      <a:prstDash val="solid"/>
+                    </a:lnTlToBr>
+                    <a:lnBlToTr w="12700" cmpd="sng">
+                      <a:noFill/>
+                      <a:prstDash val="solid"/>
+                    </a:lnBlToTr>
+                    <a:solidFill>
+                      <a:schemeClr val="bg1"/>
+                    </a:solidFill>
+                  </a:tcPr>
+                </a:tc>
+                <a:tc>
+                  <a:txBody>
+                    <a:bodyPr/>
+                    <a:lstStyle/>
+                    <a:p>
+                      <a:pPr algn="ctr"/>
+                      <a:r>
+                        <a:rPr lang="de-DE" b="1" i="1" dirty="0" smtClean="0">
+                          <a:solidFill>
+                            <a:schemeClr val="bg1"/>
+                          </a:solidFill>
+                          <a:latin typeface="Lato" charset="0"/>
+                          <a:ea typeface="Lato" charset="0"/>
+                          <a:cs typeface="Lato" charset="0"/>
+                        </a:rPr>
+                        <a:t>formativ</a:t>
+                      </a:r>
+                      <a:endParaRPr lang="de-DE" b="1" i="1" dirty="0">
+                        <a:solidFill>
+                          <a:schemeClr val="bg1"/>
+                        </a:solidFill>
+                        <a:latin typeface="Lato" charset="0"/>
+                        <a:ea typeface="Lato" charset="0"/>
+                        <a:cs typeface="Lato" charset="0"/>
+                      </a:endParaRPr>
+                    </a:p>
+                  </a:txBody>
+                  <a:tcPr anchor="ctr">
+                    <a:lnL>
+                      <a:noFill/>
+                    </a:lnL>
+                    <a:lnR>
+                      <a:noFill/>
+                    </a:lnR>
+                    <a:lnT>
+                      <a:noFill/>
+                    </a:lnT>
+                    <a:lnB>
+                      <a:noFill/>
+                    </a:lnB>
+                    <a:lnTlToBr w="12700" cmpd="sng">
+                      <a:noFill/>
+                      <a:prstDash val="solid"/>
+                    </a:lnTlToBr>
+                    <a:lnBlToTr w="12700" cmpd="sng">
+                      <a:noFill/>
+                      <a:prstDash val="solid"/>
+                    </a:lnBlToTr>
+                    <a:solidFill>
+                      <a:schemeClr val="bg1"/>
+                    </a:solidFill>
+                  </a:tcPr>
+                </a:tc>
+              </a:tr>
+            </a:tbl>
+          </a:graphicData>
+        </a:graphic>
+      </p:graphicFrame>
+    </p:spTree>
+    <p:extLst>
+      <p:ext uri="{BB962C8B-B14F-4D97-AF65-F5344CB8AC3E}">
+        <p14:creationId xmlns:p14="http://schemas.microsoft.com/office/powerpoint/2010/main" val="1148665698"/>
+      </p:ext>
+    </p:extLst>
+  </p:cSld>
+  <p:clrMapOvr>
+    <a:masterClrMapping/>
+  </p:clrMapOvr>
+</p:sld>
+</file>
+
+<file path=ppt/slides/slide17.xml><?xml version="1.0" encoding="utf-8"?>
 <p:sld xmlns:a="http://schemas.openxmlformats.org/drawingml/2006/main" xmlns:r="http://schemas.openxmlformats.org/officeDocument/2006/relationships" xmlns:p="http://schemas.openxmlformats.org/presentationml/2006/main">
   <p:cSld>
     <p:spTree>
@@ -9850,7 +12271,7 @@
 </p:sld>
 </file>
 
-<file path=ppt/slides/slide16.xml><?xml version="1.0" encoding="utf-8"?>
+<file path=ppt/slides/slide18.xml><?xml version="1.0" encoding="utf-8"?>
 <p:sld xmlns:a="http://schemas.openxmlformats.org/drawingml/2006/main" xmlns:r="http://schemas.openxmlformats.org/officeDocument/2006/relationships" xmlns:p="http://schemas.openxmlformats.org/presentationml/2006/main">
   <p:cSld>
     <p:spTree>
@@ -10212,7 +12633,7 @@
         </p:blipFill>
         <p:spPr>
           <a:xfrm>
-            <a:off x="6528401" y="2198615"/>
+            <a:off x="6568162" y="2300869"/>
             <a:ext cx="714953" cy="1039459"/>
           </a:xfrm>
           <a:prstGeom prst="rect">
@@ -10241,7 +12662,7 @@
         </p:blipFill>
         <p:spPr>
           <a:xfrm>
-            <a:off x="5250924" y="2184661"/>
+            <a:off x="5467091" y="1913622"/>
             <a:ext cx="1101071" cy="540220"/>
           </a:xfrm>
           <a:prstGeom prst="rect">
@@ -10270,7 +12691,7 @@
         </p:blipFill>
         <p:spPr bwMode="auto">
           <a:xfrm>
-            <a:off x="5642846" y="3385830"/>
+            <a:off x="5306709" y="2970219"/>
             <a:ext cx="885555" cy="766846"/>
           </a:xfrm>
           <a:prstGeom prst="rect">
@@ -10411,6 +12832,41 @@
           </a:prstGeom>
         </p:spPr>
       </p:pic>
+      <p:pic>
+        <p:nvPicPr>
+          <p:cNvPr id="2" name="Bild 1"/>
+          <p:cNvPicPr>
+            <a:picLocks noChangeAspect="1"/>
+          </p:cNvPicPr>
+          <p:nvPr/>
+        </p:nvPicPr>
+        <p:blipFill>
+          <a:blip r:embed="rId11">
+            <a:clrChange>
+              <a:clrFrom>
+                <a:srgbClr val="FFFFFF"/>
+              </a:clrFrom>
+              <a:clrTo>
+                <a:srgbClr val="FFFFFF">
+                  <a:alpha val="0"/>
+                </a:srgbClr>
+              </a:clrTo>
+            </a:clrChange>
+          </a:blip>
+          <a:stretch>
+            <a:fillRect/>
+          </a:stretch>
+        </p:blipFill>
+        <p:spPr>
+          <a:xfrm>
+            <a:off x="6214714" y="3737065"/>
+            <a:ext cx="1178989" cy="619469"/>
+          </a:xfrm>
+          <a:prstGeom prst="rect">
+            <a:avLst/>
+          </a:prstGeom>
+        </p:spPr>
+      </p:pic>
     </p:spTree>
     <p:extLst>
       <p:ext uri="{BB962C8B-B14F-4D97-AF65-F5344CB8AC3E}">
@@ -10424,7 +12880,7 @@
 </p:sld>
 </file>
 
-<file path=ppt/slides/slide17.xml><?xml version="1.0" encoding="utf-8"?>
+<file path=ppt/slides/slide19.xml><?xml version="1.0" encoding="utf-8"?>
 <p:sld xmlns:a="http://schemas.openxmlformats.org/drawingml/2006/main" xmlns:r="http://schemas.openxmlformats.org/officeDocument/2006/relationships" xmlns:p="http://schemas.openxmlformats.org/presentationml/2006/main">
   <p:cSld>
     <p:spTree>
@@ -10786,7 +13242,7 @@
         </p:blipFill>
         <p:spPr>
           <a:xfrm>
-            <a:off x="6528401" y="2198615"/>
+            <a:off x="6568162" y="2300869"/>
             <a:ext cx="714953" cy="1039459"/>
           </a:xfrm>
           <a:prstGeom prst="rect">
@@ -10815,7 +13271,7 @@
         </p:blipFill>
         <p:spPr>
           <a:xfrm>
-            <a:off x="5250924" y="2184661"/>
+            <a:off x="5467091" y="1913622"/>
             <a:ext cx="1101071" cy="540220"/>
           </a:xfrm>
           <a:prstGeom prst="rect">
@@ -10844,7 +13300,7 @@
         </p:blipFill>
         <p:spPr bwMode="auto">
           <a:xfrm>
-            <a:off x="5642846" y="3385830"/>
+            <a:off x="5306709" y="2970219"/>
             <a:ext cx="885555" cy="766846"/>
           </a:xfrm>
           <a:prstGeom prst="rect">
@@ -10985,9 +13441,44 @@
           </a:prstGeom>
         </p:spPr>
       </p:pic>
+      <p:pic>
+        <p:nvPicPr>
+          <p:cNvPr id="2" name="Bild 1"/>
+          <p:cNvPicPr>
+            <a:picLocks noChangeAspect="1"/>
+          </p:cNvPicPr>
+          <p:nvPr/>
+        </p:nvPicPr>
+        <p:blipFill>
+          <a:blip r:embed="rId11">
+            <a:clrChange>
+              <a:clrFrom>
+                <a:srgbClr val="FFFFFF"/>
+              </a:clrFrom>
+              <a:clrTo>
+                <a:srgbClr val="FFFFFF">
+                  <a:alpha val="0"/>
+                </a:srgbClr>
+              </a:clrTo>
+            </a:clrChange>
+          </a:blip>
+          <a:stretch>
+            <a:fillRect/>
+          </a:stretch>
+        </p:blipFill>
+        <p:spPr>
+          <a:xfrm>
+            <a:off x="6214714" y="3737065"/>
+            <a:ext cx="1178989" cy="619469"/>
+          </a:xfrm>
+          <a:prstGeom prst="rect">
+            <a:avLst/>
+          </a:prstGeom>
+        </p:spPr>
+      </p:pic>
       <p:sp>
         <p:nvSpPr>
-          <p:cNvPr id="2" name="Rechteck 1"/>
+          <p:cNvPr id="21" name="Rechteck 20"/>
           <p:cNvSpPr/>
           <p:nvPr/>
         </p:nvSpPr>
@@ -11034,189 +13525,7 @@
     </p:spTree>
     <p:extLst>
       <p:ext uri="{BB962C8B-B14F-4D97-AF65-F5344CB8AC3E}">
-        <p14:creationId xmlns:p14="http://schemas.microsoft.com/office/powerpoint/2010/main" val="1904582366"/>
-      </p:ext>
-    </p:extLst>
-  </p:cSld>
-  <p:clrMapOvr>
-    <a:masterClrMapping/>
-  </p:clrMapOvr>
-</p:sld>
-</file>
-
-<file path=ppt/slides/slide18.xml><?xml version="1.0" encoding="utf-8"?>
-<p:sld xmlns:a="http://schemas.openxmlformats.org/drawingml/2006/main" xmlns:r="http://schemas.openxmlformats.org/officeDocument/2006/relationships" xmlns:p="http://schemas.openxmlformats.org/presentationml/2006/main">
-  <p:cSld>
-    <p:spTree>
-      <p:nvGrpSpPr>
-        <p:cNvPr id="1" name=""/>
-        <p:cNvGrpSpPr/>
-        <p:nvPr/>
-      </p:nvGrpSpPr>
-      <p:grpSpPr>
-        <a:xfrm>
-          <a:off x="0" y="0"/>
-          <a:ext cx="0" cy="0"/>
-          <a:chOff x="0" y="0"/>
-          <a:chExt cx="0" cy="0"/>
-        </a:xfrm>
-      </p:grpSpPr>
-      <p:pic>
-        <p:nvPicPr>
-          <p:cNvPr id="6" name="Inhaltsplatzhalter 5"/>
-          <p:cNvPicPr>
-            <a:picLocks noGrp="1" noChangeAspect="1"/>
-          </p:cNvPicPr>
-          <p:nvPr>
-            <p:ph idx="1"/>
-          </p:nvPr>
-        </p:nvPicPr>
-        <p:blipFill>
-          <a:blip r:embed="rId2"/>
-          <a:stretch>
-            <a:fillRect/>
-          </a:stretch>
-        </p:blipFill>
-        <p:spPr>
-          <a:xfrm>
-            <a:off x="959831" y="2036380"/>
-            <a:ext cx="2971800" cy="3327400"/>
-          </a:xfrm>
-          <a:prstGeom prst="rect">
-            <a:avLst/>
-          </a:prstGeom>
-        </p:spPr>
-      </p:pic>
-      <p:pic>
-        <p:nvPicPr>
-          <p:cNvPr id="7" name="Bild 6"/>
-          <p:cNvPicPr>
-            <a:picLocks noChangeAspect="1"/>
-          </p:cNvPicPr>
-          <p:nvPr/>
-        </p:nvPicPr>
-        <p:blipFill>
-          <a:blip r:embed="rId3"/>
-          <a:stretch>
-            <a:fillRect/>
-          </a:stretch>
-        </p:blipFill>
-        <p:spPr>
-          <a:xfrm>
-            <a:off x="3931631" y="1791447"/>
-            <a:ext cx="3797300" cy="4673600"/>
-          </a:xfrm>
-          <a:prstGeom prst="rect">
-            <a:avLst/>
-          </a:prstGeom>
-        </p:spPr>
-      </p:pic>
-    </p:spTree>
-    <p:extLst>
-      <p:ext uri="{BB962C8B-B14F-4D97-AF65-F5344CB8AC3E}">
-        <p14:creationId xmlns:p14="http://schemas.microsoft.com/office/powerpoint/2010/main" val="859911835"/>
-      </p:ext>
-    </p:extLst>
-  </p:cSld>
-  <p:clrMapOvr>
-    <a:masterClrMapping/>
-  </p:clrMapOvr>
-</p:sld>
-</file>
-
-<file path=ppt/slides/slide19.xml><?xml version="1.0" encoding="utf-8"?>
-<p:sld xmlns:a="http://schemas.openxmlformats.org/drawingml/2006/main" xmlns:r="http://schemas.openxmlformats.org/officeDocument/2006/relationships" xmlns:p="http://schemas.openxmlformats.org/presentationml/2006/main">
-  <p:cSld>
-    <p:spTree>
-      <p:nvGrpSpPr>
-        <p:cNvPr id="1" name=""/>
-        <p:cNvGrpSpPr/>
-        <p:nvPr/>
-      </p:nvGrpSpPr>
-      <p:grpSpPr>
-        <a:xfrm>
-          <a:off x="0" y="0"/>
-          <a:ext cx="0" cy="0"/>
-          <a:chOff x="0" y="0"/>
-          <a:chExt cx="0" cy="0"/>
-        </a:xfrm>
-      </p:grpSpPr>
-      <p:pic>
-        <p:nvPicPr>
-          <p:cNvPr id="4" name="Bild 3"/>
-          <p:cNvPicPr>
-            <a:picLocks noChangeAspect="1"/>
-          </p:cNvPicPr>
-          <p:nvPr/>
-        </p:nvPicPr>
-        <p:blipFill>
-          <a:blip r:embed="rId2"/>
-          <a:stretch>
-            <a:fillRect/>
-          </a:stretch>
-        </p:blipFill>
-        <p:spPr>
-          <a:xfrm>
-            <a:off x="1098064" y="3119083"/>
-            <a:ext cx="2946400" cy="3403600"/>
-          </a:xfrm>
-          <a:prstGeom prst="rect">
-            <a:avLst/>
-          </a:prstGeom>
-        </p:spPr>
-      </p:pic>
-      <p:pic>
-        <p:nvPicPr>
-          <p:cNvPr id="5" name="Bild 4"/>
-          <p:cNvPicPr>
-            <a:picLocks noChangeAspect="1"/>
-          </p:cNvPicPr>
-          <p:nvPr/>
-        </p:nvPicPr>
-        <p:blipFill>
-          <a:blip r:embed="rId3"/>
-          <a:stretch>
-            <a:fillRect/>
-          </a:stretch>
-        </p:blipFill>
-        <p:spPr>
-          <a:xfrm>
-            <a:off x="4313854" y="1438350"/>
-            <a:ext cx="5207000" cy="4686300"/>
-          </a:xfrm>
-          <a:prstGeom prst="rect">
-            <a:avLst/>
-          </a:prstGeom>
-        </p:spPr>
-      </p:pic>
-      <p:pic>
-        <p:nvPicPr>
-          <p:cNvPr id="6" name="Bild 5"/>
-          <p:cNvPicPr>
-            <a:picLocks noChangeAspect="1"/>
-          </p:cNvPicPr>
-          <p:nvPr/>
-        </p:nvPicPr>
-        <p:blipFill>
-          <a:blip r:embed="rId4"/>
-          <a:stretch>
-            <a:fillRect/>
-          </a:stretch>
-        </p:blipFill>
-        <p:spPr>
-          <a:xfrm>
-            <a:off x="1098064" y="831295"/>
-            <a:ext cx="2946400" cy="2438400"/>
-          </a:xfrm>
-          <a:prstGeom prst="rect">
-            <a:avLst/>
-          </a:prstGeom>
-        </p:spPr>
-      </p:pic>
-    </p:spTree>
-    <p:extLst>
-      <p:ext uri="{BB962C8B-B14F-4D97-AF65-F5344CB8AC3E}">
-        <p14:creationId xmlns:p14="http://schemas.microsoft.com/office/powerpoint/2010/main" val="257895163"/>
+        <p14:creationId xmlns:p14="http://schemas.microsoft.com/office/powerpoint/2010/main" val="1615234316"/>
       </p:ext>
     </p:extLst>
   </p:cSld>
@@ -12700,17 +15009,214 @@
           <a:chExt cx="0" cy="0"/>
         </a:xfrm>
       </p:grpSpPr>
+      <p:sp>
+        <p:nvSpPr>
+          <p:cNvPr id="3" name="Legende m. Pfeil nach links u. rechts 2"/>
+          <p:cNvSpPr/>
+          <p:nvPr/>
+        </p:nvSpPr>
+        <p:spPr>
+          <a:xfrm>
+            <a:off x="2485015" y="1667436"/>
+            <a:ext cx="7551869" cy="2861534"/>
+          </a:xfrm>
+          <a:prstGeom prst="leftRightArrowCallout">
+            <a:avLst>
+              <a:gd name="adj1" fmla="val 50000"/>
+              <a:gd name="adj2" fmla="val 25376"/>
+              <a:gd name="adj3" fmla="val 32273"/>
+              <a:gd name="adj4" fmla="val 33878"/>
+            </a:avLst>
+          </a:prstGeom>
+          <a:solidFill>
+            <a:srgbClr val="FFE0DD"/>
+          </a:solidFill>
+          <a:ln>
+            <a:solidFill>
+              <a:srgbClr val="FFE0DD"/>
+            </a:solidFill>
+          </a:ln>
+        </p:spPr>
+        <p:style>
+          <a:lnRef idx="2">
+            <a:schemeClr val="accent1">
+              <a:shade val="50000"/>
+            </a:schemeClr>
+          </a:lnRef>
+          <a:fillRef idx="1">
+            <a:schemeClr val="accent1"/>
+          </a:fillRef>
+          <a:effectRef idx="0">
+            <a:schemeClr val="accent1"/>
+          </a:effectRef>
+          <a:fontRef idx="minor">
+            <a:schemeClr val="lt1"/>
+          </a:fontRef>
+        </p:style>
+        <p:txBody>
+          <a:bodyPr rtlCol="0" anchor="ctr"/>
+          <a:lstStyle/>
+          <a:p>
+            <a:pPr algn="ctr"/>
+            <a:endParaRPr lang="de-DE"/>
+          </a:p>
+        </p:txBody>
+      </p:sp>
+      <p:sp>
+        <p:nvSpPr>
+          <p:cNvPr id="5" name="Textfeld 4"/>
+          <p:cNvSpPr txBox="1"/>
+          <p:nvPr/>
+        </p:nvSpPr>
+        <p:spPr>
+          <a:xfrm>
+            <a:off x="5717688" y="1205771"/>
+            <a:ext cx="1086521" cy="461665"/>
+          </a:xfrm>
+          <a:prstGeom prst="rect">
+            <a:avLst/>
+          </a:prstGeom>
+          <a:noFill/>
+        </p:spPr>
+        <p:txBody>
+          <a:bodyPr wrap="square" rtlCol="0">
+            <a:spAutoFit/>
+          </a:bodyPr>
+          <a:lstStyle/>
+          <a:p>
+            <a:pPr algn="ctr"/>
+            <a:r>
+              <a:rPr lang="de-DE" sz="2400" b="1" smtClean="0">
+                <a:solidFill>
+                  <a:srgbClr val="A51E41"/>
+                </a:solidFill>
+                <a:latin typeface="Lato" charset="0"/>
+                <a:ea typeface="Lato" charset="0"/>
+                <a:cs typeface="Lato" charset="0"/>
+              </a:rPr>
+              <a:t>Daten</a:t>
+            </a:r>
+            <a:endParaRPr lang="de-DE" sz="3200" b="1" dirty="0">
+              <a:solidFill>
+                <a:srgbClr val="A51E41"/>
+              </a:solidFill>
+              <a:latin typeface="Lato" charset="0"/>
+              <a:ea typeface="Lato" charset="0"/>
+              <a:cs typeface="Lato" charset="0"/>
+            </a:endParaRPr>
+          </a:p>
+        </p:txBody>
+      </p:sp>
+      <p:sp>
+        <p:nvSpPr>
+          <p:cNvPr id="6" name="Textfeld 5"/>
+          <p:cNvSpPr txBox="1"/>
+          <p:nvPr/>
+        </p:nvSpPr>
+        <p:spPr>
+          <a:xfrm>
+            <a:off x="3141233" y="2682704"/>
+            <a:ext cx="1947134" cy="830997"/>
+          </a:xfrm>
+          <a:prstGeom prst="rect">
+            <a:avLst/>
+          </a:prstGeom>
+          <a:noFill/>
+        </p:spPr>
+        <p:txBody>
+          <a:bodyPr wrap="square" rtlCol="0">
+            <a:spAutoFit/>
+          </a:bodyPr>
+          <a:lstStyle/>
+          <a:p>
+            <a:pPr algn="ctr"/>
+            <a:r>
+              <a:rPr lang="de-DE" sz="2400" b="1" dirty="0" smtClean="0">
+                <a:solidFill>
+                  <a:srgbClr val="A51E41"/>
+                </a:solidFill>
+                <a:latin typeface="Lato" charset="0"/>
+                <a:ea typeface="Lato" charset="0"/>
+                <a:cs typeface="Lato" charset="0"/>
+              </a:rPr>
+              <a:t>Unterrichts- </a:t>
+            </a:r>
+            <a:r>
+              <a:rPr lang="de-DE" sz="2400" b="1" dirty="0" err="1" smtClean="0">
+                <a:solidFill>
+                  <a:srgbClr val="A51E41"/>
+                </a:solidFill>
+                <a:latin typeface="Lato" charset="0"/>
+                <a:ea typeface="Lato" charset="0"/>
+                <a:cs typeface="Lato" charset="0"/>
+              </a:rPr>
+              <a:t>qualität</a:t>
+            </a:r>
+            <a:endParaRPr lang="de-DE" sz="3200" b="1" dirty="0">
+              <a:solidFill>
+                <a:srgbClr val="A51E41"/>
+              </a:solidFill>
+              <a:latin typeface="Lato" charset="0"/>
+              <a:ea typeface="Lato" charset="0"/>
+              <a:cs typeface="Lato" charset="0"/>
+            </a:endParaRPr>
+          </a:p>
+        </p:txBody>
+      </p:sp>
+      <p:sp>
+        <p:nvSpPr>
+          <p:cNvPr id="7" name="Textfeld 6"/>
+          <p:cNvSpPr txBox="1"/>
+          <p:nvPr/>
+        </p:nvSpPr>
+        <p:spPr>
+          <a:xfrm>
+            <a:off x="7532145" y="2867369"/>
+            <a:ext cx="1814453" cy="461665"/>
+          </a:xfrm>
+          <a:prstGeom prst="rect">
+            <a:avLst/>
+          </a:prstGeom>
+          <a:noFill/>
+        </p:spPr>
+        <p:txBody>
+          <a:bodyPr wrap="square" rtlCol="0">
+            <a:spAutoFit/>
+          </a:bodyPr>
+          <a:lstStyle/>
+          <a:p>
+            <a:pPr algn="ctr"/>
+            <a:r>
+              <a:rPr lang="de-DE" sz="2400" b="1" smtClean="0">
+                <a:solidFill>
+                  <a:srgbClr val="A51E41"/>
+                </a:solidFill>
+                <a:latin typeface="Lato" charset="0"/>
+                <a:ea typeface="Lato" charset="0"/>
+                <a:cs typeface="Lato" charset="0"/>
+              </a:rPr>
+              <a:t>Leistung</a:t>
+            </a:r>
+            <a:endParaRPr lang="de-DE" sz="3200" b="1" dirty="0">
+              <a:solidFill>
+                <a:srgbClr val="A51E41"/>
+              </a:solidFill>
+              <a:latin typeface="Lato" charset="0"/>
+              <a:ea typeface="Lato" charset="0"/>
+              <a:cs typeface="Lato" charset="0"/>
+            </a:endParaRPr>
+          </a:p>
+        </p:txBody>
+      </p:sp>
       <p:pic>
         <p:nvPicPr>
-          <p:cNvPr id="4" name="Inhaltsplatzhalter 3"/>
+          <p:cNvPr id="8" name="Bild 7"/>
           <p:cNvPicPr>
-            <a:picLocks noGrp="1" noChangeAspect="1"/>
+            <a:picLocks noChangeAspect="1"/>
           </p:cNvPicPr>
-          <p:nvPr>
-            <p:ph idx="1"/>
-          </p:nvPr>
+          <p:nvPr/>
         </p:nvPicPr>
-        <p:blipFill rotWithShape="1">
+        <p:blipFill>
           <a:blip r:embed="rId2">
             <a:extLst>
               <a:ext uri="{28A0092B-C50C-407E-A947-70E740481C1C}">
@@ -12718,25 +15224,29 @@
               </a:ext>
             </a:extLst>
           </a:blip>
-          <a:srcRect l="9851" t="8636" b="3262"/>
-          <a:stretch/>
+          <a:stretch>
+            <a:fillRect/>
+          </a:stretch>
         </p:blipFill>
         <p:spPr>
           <a:xfrm>
-            <a:off x="9326152" y="1765247"/>
-            <a:ext cx="2324380" cy="4422474"/>
-          </a:xfrm>
+            <a:off x="1699709" y="2357591"/>
+            <a:ext cx="650226" cy="650226"/>
+          </a:xfrm>
+          <a:prstGeom prst="rect">
+            <a:avLst/>
+          </a:prstGeom>
         </p:spPr>
       </p:pic>
       <p:pic>
         <p:nvPicPr>
-          <p:cNvPr id="5" name="Bild 4"/>
+          <p:cNvPr id="9" name="Bild 8"/>
           <p:cNvPicPr>
             <a:picLocks noChangeAspect="1"/>
           </p:cNvPicPr>
           <p:nvPr/>
         </p:nvPicPr>
-        <p:blipFill rotWithShape="1">
+        <p:blipFill>
           <a:blip r:embed="rId3">
             <a:extLst>
               <a:ext uri="{28A0092B-C50C-407E-A947-70E740481C1C}">
@@ -12744,13 +15254,14 @@
               </a:ext>
             </a:extLst>
           </a:blip>
-          <a:srcRect t="19727"/>
-          <a:stretch/>
+          <a:stretch>
+            <a:fillRect/>
+          </a:stretch>
         </p:blipFill>
         <p:spPr>
           <a:xfrm>
-            <a:off x="338501" y="1936376"/>
-            <a:ext cx="8767482" cy="1360518"/>
+            <a:off x="1841064" y="3329034"/>
+            <a:ext cx="717766" cy="717766"/>
           </a:xfrm>
           <a:prstGeom prst="rect">
             <a:avLst/>
@@ -12759,124 +15270,308 @@
       </p:pic>
       <p:pic>
         <p:nvPicPr>
-          <p:cNvPr id="6" name="Bild 5"/>
+          <p:cNvPr id="11" name="Bild 10"/>
           <p:cNvPicPr>
             <a:picLocks noChangeAspect="1"/>
           </p:cNvPicPr>
           <p:nvPr/>
         </p:nvPicPr>
-        <p:blipFill rotWithShape="1">
+        <p:blipFill>
           <a:blip r:embed="rId4">
+            <a:duotone>
+              <a:prstClr val="black"/>
+              <a:srgbClr val="515151">
+                <a:tint val="45000"/>
+                <a:satMod val="400000"/>
+              </a:srgbClr>
+            </a:duotone>
+            <a:alphaModFix amt="67000"/>
+          </a:blip>
+          <a:stretch>
+            <a:fillRect/>
+          </a:stretch>
+        </p:blipFill>
+        <p:spPr>
+          <a:xfrm>
+            <a:off x="10334250" y="3071921"/>
+            <a:ext cx="514225" cy="514225"/>
+          </a:xfrm>
+          <a:prstGeom prst="rect">
+            <a:avLst/>
+          </a:prstGeom>
+        </p:spPr>
+      </p:pic>
+      <p:pic>
+        <p:nvPicPr>
+          <p:cNvPr id="12" name="Bild 11"/>
+          <p:cNvPicPr>
+            <a:picLocks noChangeAspect="1"/>
+          </p:cNvPicPr>
+          <p:nvPr/>
+        </p:nvPicPr>
+        <p:blipFill>
+          <a:blip r:embed="rId5">
+            <a:alphaModFix amt="69000"/>
             <a:extLst>
               <a:ext uri="{28A0092B-C50C-407E-A947-70E740481C1C}">
                 <a14:useLocalDpi xmlns:a14="http://schemas.microsoft.com/office/drawing/2010/main" val="0"/>
               </a:ext>
             </a:extLst>
           </a:blip>
-          <a:srcRect r="24037" b="38679"/>
+          <a:stretch>
+            <a:fillRect/>
+          </a:stretch>
+        </p:blipFill>
+        <p:spPr>
+          <a:xfrm>
+            <a:off x="10099091" y="2468427"/>
+            <a:ext cx="398942" cy="398942"/>
+          </a:xfrm>
+          <a:prstGeom prst="rect">
+            <a:avLst/>
+          </a:prstGeom>
+        </p:spPr>
+      </p:pic>
+      <p:pic>
+        <p:nvPicPr>
+          <p:cNvPr id="13" name="Bild 12"/>
+          <p:cNvPicPr>
+            <a:picLocks noChangeAspect="1"/>
+          </p:cNvPicPr>
+          <p:nvPr/>
+        </p:nvPicPr>
+        <p:blipFill>
+          <a:blip r:embed="rId6">
+            <a:extLst>
+              <a:ext uri="{28A0092B-C50C-407E-A947-70E740481C1C}">
+                <a14:useLocalDpi xmlns:a14="http://schemas.microsoft.com/office/drawing/2010/main" val="0"/>
+              </a:ext>
+            </a:extLst>
+          </a:blip>
+          <a:stretch>
+            <a:fillRect/>
+          </a:stretch>
+        </p:blipFill>
+        <p:spPr>
+          <a:xfrm>
+            <a:off x="6528401" y="2198615"/>
+            <a:ext cx="714953" cy="1039459"/>
+          </a:xfrm>
+          <a:prstGeom prst="rect">
+            <a:avLst/>
+          </a:prstGeom>
+        </p:spPr>
+      </p:pic>
+      <p:pic>
+        <p:nvPicPr>
+          <p:cNvPr id="14" name="Bild 13"/>
+          <p:cNvPicPr>
+            <a:picLocks noChangeAspect="1"/>
+          </p:cNvPicPr>
+          <p:nvPr/>
+        </p:nvPicPr>
+        <p:blipFill rotWithShape="1">
+          <a:blip r:embed="rId7">
+            <a:extLst>
+              <a:ext uri="{28A0092B-C50C-407E-A947-70E740481C1C}">
+                <a14:useLocalDpi xmlns:a14="http://schemas.microsoft.com/office/drawing/2010/main" val="0"/>
+              </a:ext>
+            </a:extLst>
+          </a:blip>
+          <a:srcRect r="52939" b="41765"/>
           <a:stretch/>
         </p:blipFill>
         <p:spPr>
           <a:xfrm>
-            <a:off x="565168" y="4631494"/>
-            <a:ext cx="8095734" cy="908694"/>
+            <a:off x="5250924" y="2184661"/>
+            <a:ext cx="1101071" cy="540220"/>
           </a:xfrm>
           <a:prstGeom prst="rect">
             <a:avLst/>
           </a:prstGeom>
         </p:spPr>
       </p:pic>
-      <p:cxnSp>
-        <p:nvCxnSpPr>
-          <p:cNvPr id="7" name="Gerade Verbindung mit Pfeil 6"/>
-          <p:cNvCxnSpPr/>
-          <p:nvPr/>
-        </p:nvCxnSpPr>
-        <p:spPr>
-          <a:xfrm>
-            <a:off x="349259" y="3754419"/>
-            <a:ext cx="8848530" cy="0"/>
-          </a:xfrm>
-          <a:prstGeom prst="straightConnector1">
-            <a:avLst/>
-          </a:prstGeom>
-          <a:ln w="38100">
-            <a:solidFill>
-              <a:srgbClr val="BC6261"/>
-            </a:solidFill>
-            <a:tailEnd type="none" w="med" len="lg"/>
-          </a:ln>
-        </p:spPr>
-        <p:style>
-          <a:lnRef idx="1">
-            <a:schemeClr val="accent1"/>
-          </a:lnRef>
-          <a:fillRef idx="0">
-            <a:schemeClr val="accent1"/>
-          </a:fillRef>
-          <a:effectRef idx="0">
-            <a:schemeClr val="accent1"/>
-          </a:effectRef>
-          <a:fontRef idx="minor">
-            <a:schemeClr val="tx1"/>
-          </a:fontRef>
-        </p:style>
-      </p:cxnSp>
-      <p:cxnSp>
-        <p:nvCxnSpPr>
-          <p:cNvPr id="10" name="Gerade Verbindung mit Pfeil 9"/>
-          <p:cNvCxnSpPr/>
-          <p:nvPr/>
-        </p:nvCxnSpPr>
-        <p:spPr>
-          <a:xfrm>
-            <a:off x="9208542" y="1836383"/>
-            <a:ext cx="0" cy="3897443"/>
-          </a:xfrm>
-          <a:prstGeom prst="straightConnector1">
-            <a:avLst/>
-          </a:prstGeom>
-          <a:ln w="38100">
-            <a:solidFill>
-              <a:srgbClr val="BC6261"/>
-            </a:solidFill>
-            <a:tailEnd type="none" w="med" len="lg"/>
-          </a:ln>
-        </p:spPr>
-        <p:style>
-          <a:lnRef idx="1">
-            <a:schemeClr val="accent1"/>
-          </a:lnRef>
-          <a:fillRef idx="0">
-            <a:schemeClr val="accent1"/>
-          </a:fillRef>
-          <a:effectRef idx="0">
-            <a:schemeClr val="accent1"/>
-          </a:effectRef>
-          <a:fontRef idx="minor">
-            <a:schemeClr val="tx1"/>
-          </a:fontRef>
-        </p:style>
-      </p:cxnSp>
+      <p:pic>
+        <p:nvPicPr>
+          <p:cNvPr id="15" name="Picture 6" descr="ttps://shop.ls-bw.de/images/logo.png"/>
+          <p:cNvPicPr>
+            <a:picLocks noChangeAspect="1" noChangeArrowheads="1"/>
+          </p:cNvPicPr>
+          <p:nvPr/>
+        </p:nvPicPr>
+        <p:blipFill rotWithShape="1">
+          <a:blip r:embed="rId8">
+            <a:extLst>
+              <a:ext uri="{28A0092B-C50C-407E-A947-70E740481C1C}">
+                <a14:useLocalDpi xmlns:a14="http://schemas.microsoft.com/office/drawing/2010/main" val="0"/>
+              </a:ext>
+            </a:extLst>
+          </a:blip>
+          <a:srcRect r="68468"/>
+          <a:stretch/>
+        </p:blipFill>
+        <p:spPr bwMode="auto">
+          <a:xfrm>
+            <a:off x="5642846" y="3385830"/>
+            <a:ext cx="885555" cy="766846"/>
+          </a:xfrm>
+          <a:prstGeom prst="rect">
+            <a:avLst/>
+          </a:prstGeom>
+          <a:noFill/>
+          <a:extLst>
+            <a:ext uri="{909E8E84-426E-40DD-AFC4-6F175D3DCCD1}">
+              <a14:hiddenFill xmlns:a14="http://schemas.microsoft.com/office/drawing/2010/main">
+                <a:solidFill>
+                  <a:srgbClr val="FFFFFF"/>
+                </a:solidFill>
+              </a14:hiddenFill>
+            </a:ext>
+          </a:extLst>
+        </p:spPr>
+      </p:pic>
+      <p:pic>
+        <p:nvPicPr>
+          <p:cNvPr id="17" name="Bild 16"/>
+          <p:cNvPicPr>
+            <a:picLocks noChangeAspect="1"/>
+          </p:cNvPicPr>
+          <p:nvPr/>
+        </p:nvPicPr>
+        <p:blipFill>
+          <a:blip r:embed="rId9">
+            <a:extLst>
+              <a:ext uri="{28A0092B-C50C-407E-A947-70E740481C1C}">
+                <a14:useLocalDpi xmlns:a14="http://schemas.microsoft.com/office/drawing/2010/main" val="0"/>
+              </a:ext>
+            </a:extLst>
+          </a:blip>
+          <a:stretch>
+            <a:fillRect/>
+          </a:stretch>
+        </p:blipFill>
+        <p:spPr>
+          <a:xfrm>
+            <a:off x="10457058" y="1910037"/>
+            <a:ext cx="447554" cy="447554"/>
+          </a:xfrm>
+          <a:prstGeom prst="rect">
+            <a:avLst/>
+          </a:prstGeom>
+        </p:spPr>
+      </p:pic>
+      <p:pic>
+        <p:nvPicPr>
+          <p:cNvPr id="18" name="Bild 17"/>
+          <p:cNvPicPr>
+            <a:picLocks noChangeAspect="1"/>
+          </p:cNvPicPr>
+          <p:nvPr/>
+        </p:nvPicPr>
+        <p:blipFill>
+          <a:blip r:embed="rId2">
+            <a:alphaModFix amt="68000"/>
+            <a:extLst>
+              <a:ext uri="{28A0092B-C50C-407E-A947-70E740481C1C}">
+                <a14:useLocalDpi xmlns:a14="http://schemas.microsoft.com/office/drawing/2010/main" val="0"/>
+              </a:ext>
+            </a:extLst>
+          </a:blip>
+          <a:stretch>
+            <a:fillRect/>
+          </a:stretch>
+        </p:blipFill>
+        <p:spPr>
+          <a:xfrm>
+            <a:off x="11207058" y="2682704"/>
+            <a:ext cx="490659" cy="490659"/>
+          </a:xfrm>
+          <a:prstGeom prst="rect">
+            <a:avLst/>
+          </a:prstGeom>
+        </p:spPr>
+      </p:pic>
+      <p:pic>
+        <p:nvPicPr>
+          <p:cNvPr id="19" name="Bild 18"/>
+          <p:cNvPicPr>
+            <a:picLocks noChangeAspect="1"/>
+          </p:cNvPicPr>
+          <p:nvPr/>
+        </p:nvPicPr>
+        <p:blipFill>
+          <a:blip r:embed="rId10">
+            <a:alphaModFix amt="69000"/>
+            <a:extLst>
+              <a:ext uri="{28A0092B-C50C-407E-A947-70E740481C1C}">
+                <a14:useLocalDpi xmlns:a14="http://schemas.microsoft.com/office/drawing/2010/main" val="0"/>
+              </a:ext>
+            </a:extLst>
+          </a:blip>
+          <a:stretch>
+            <a:fillRect/>
+          </a:stretch>
+        </p:blipFill>
+        <p:spPr>
+          <a:xfrm>
+            <a:off x="9862706" y="3724098"/>
+            <a:ext cx="447554" cy="381912"/>
+          </a:xfrm>
+          <a:prstGeom prst="rect">
+            <a:avLst/>
+          </a:prstGeom>
+        </p:spPr>
+      </p:pic>
+      <p:pic>
+        <p:nvPicPr>
+          <p:cNvPr id="20" name="Bild 19"/>
+          <p:cNvPicPr>
+            <a:picLocks noChangeAspect="1"/>
+          </p:cNvPicPr>
+          <p:nvPr/>
+        </p:nvPicPr>
+        <p:blipFill>
+          <a:blip r:embed="rId3">
+            <a:alphaModFix amt="63000"/>
+            <a:extLst>
+              <a:ext uri="{28A0092B-C50C-407E-A947-70E740481C1C}">
+                <a14:useLocalDpi xmlns:a14="http://schemas.microsoft.com/office/drawing/2010/main" val="0"/>
+              </a:ext>
+            </a:extLst>
+          </a:blip>
+          <a:stretch>
+            <a:fillRect/>
+          </a:stretch>
+        </p:blipFill>
+        <p:spPr>
+          <a:xfrm>
+            <a:off x="10866382" y="3582091"/>
+            <a:ext cx="544705" cy="544705"/>
+          </a:xfrm>
+          <a:prstGeom prst="rect">
+            <a:avLst/>
+          </a:prstGeom>
+        </p:spPr>
+      </p:pic>
       <p:sp>
         <p:nvSpPr>
-          <p:cNvPr id="13" name="Rechteck 12"/>
+          <p:cNvPr id="2" name="Rechteck 1"/>
           <p:cNvSpPr/>
           <p:nvPr/>
         </p:nvSpPr>
         <p:spPr>
           <a:xfrm>
-            <a:off x="182880" y="1624405"/>
-            <a:ext cx="11736593" cy="4563316"/>
+            <a:off x="1699709" y="1667436"/>
+            <a:ext cx="3291839" cy="2700169"/>
           </a:xfrm>
           <a:prstGeom prst="rect">
             <a:avLst/>
           </a:prstGeom>
-          <a:noFill/>
-          <a:ln w="41275">
-            <a:solidFill>
-              <a:srgbClr val="BC6261"/>
-            </a:solidFill>
+          <a:solidFill>
+            <a:schemeClr val="bg1"/>
+          </a:solidFill>
+          <a:ln>
+            <a:noFill/>
           </a:ln>
         </p:spPr>
         <p:style>
@@ -12907,7 +15602,7 @@
     </p:spTree>
     <p:extLst>
       <p:ext uri="{BB962C8B-B14F-4D97-AF65-F5344CB8AC3E}">
-        <p14:creationId xmlns:p14="http://schemas.microsoft.com/office/powerpoint/2010/main" val="352223043"/>
+        <p14:creationId xmlns:p14="http://schemas.microsoft.com/office/powerpoint/2010/main" val="1904582366"/>
       </p:ext>
     </p:extLst>
   </p:cSld>
@@ -12918,6 +15613,479 @@
 </file>
 
 <file path=ppt/slides/slide21.xml><?xml version="1.0" encoding="utf-8"?>
+<p:sld xmlns:a="http://schemas.openxmlformats.org/drawingml/2006/main" xmlns:r="http://schemas.openxmlformats.org/officeDocument/2006/relationships" xmlns:p="http://schemas.openxmlformats.org/presentationml/2006/main">
+  <p:cSld>
+    <p:spTree>
+      <p:nvGrpSpPr>
+        <p:cNvPr id="1" name=""/>
+        <p:cNvGrpSpPr/>
+        <p:nvPr/>
+      </p:nvGrpSpPr>
+      <p:grpSpPr>
+        <a:xfrm>
+          <a:off x="0" y="0"/>
+          <a:ext cx="0" cy="0"/>
+          <a:chOff x="0" y="0"/>
+          <a:chExt cx="0" cy="0"/>
+        </a:xfrm>
+      </p:grpSpPr>
+      <p:sp>
+        <p:nvSpPr>
+          <p:cNvPr id="3" name="Legende m. Pfeil nach links u. rechts 2"/>
+          <p:cNvSpPr/>
+          <p:nvPr/>
+        </p:nvSpPr>
+        <p:spPr>
+          <a:xfrm>
+            <a:off x="2485015" y="1667436"/>
+            <a:ext cx="7551869" cy="2861534"/>
+          </a:xfrm>
+          <a:prstGeom prst="leftRightArrowCallout">
+            <a:avLst>
+              <a:gd name="adj1" fmla="val 50000"/>
+              <a:gd name="adj2" fmla="val 25376"/>
+              <a:gd name="adj3" fmla="val 32273"/>
+              <a:gd name="adj4" fmla="val 33878"/>
+            </a:avLst>
+          </a:prstGeom>
+          <a:solidFill>
+            <a:srgbClr val="FFE0DD"/>
+          </a:solidFill>
+          <a:ln>
+            <a:solidFill>
+              <a:srgbClr val="FFE0DD"/>
+            </a:solidFill>
+          </a:ln>
+        </p:spPr>
+        <p:style>
+          <a:lnRef idx="2">
+            <a:schemeClr val="accent1">
+              <a:shade val="50000"/>
+            </a:schemeClr>
+          </a:lnRef>
+          <a:fillRef idx="1">
+            <a:schemeClr val="accent1"/>
+          </a:fillRef>
+          <a:effectRef idx="0">
+            <a:schemeClr val="accent1"/>
+          </a:effectRef>
+          <a:fontRef idx="minor">
+            <a:schemeClr val="lt1"/>
+          </a:fontRef>
+        </p:style>
+        <p:txBody>
+          <a:bodyPr rtlCol="0" anchor="ctr"/>
+          <a:lstStyle/>
+          <a:p>
+            <a:pPr algn="ctr"/>
+            <a:endParaRPr lang="de-DE"/>
+          </a:p>
+        </p:txBody>
+      </p:sp>
+      <p:sp>
+        <p:nvSpPr>
+          <p:cNvPr id="5" name="Textfeld 4"/>
+          <p:cNvSpPr txBox="1"/>
+          <p:nvPr/>
+        </p:nvSpPr>
+        <p:spPr>
+          <a:xfrm>
+            <a:off x="5015752" y="1248802"/>
+            <a:ext cx="2490393" cy="461665"/>
+          </a:xfrm>
+          <a:prstGeom prst="rect">
+            <a:avLst/>
+          </a:prstGeom>
+          <a:noFill/>
+        </p:spPr>
+        <p:txBody>
+          <a:bodyPr wrap="square" rtlCol="0">
+            <a:spAutoFit/>
+          </a:bodyPr>
+          <a:lstStyle/>
+          <a:p>
+            <a:pPr algn="ctr"/>
+            <a:r>
+              <a:rPr lang="de-DE" sz="2400" b="1" smtClean="0">
+                <a:solidFill>
+                  <a:srgbClr val="A51E41"/>
+                </a:solidFill>
+                <a:latin typeface="Lato" charset="0"/>
+                <a:ea typeface="Lato" charset="0"/>
+                <a:cs typeface="Lato" charset="0"/>
+              </a:rPr>
+              <a:t>Informationen</a:t>
+            </a:r>
+            <a:endParaRPr lang="de-DE" sz="3200" b="1" dirty="0">
+              <a:solidFill>
+                <a:srgbClr val="A51E41"/>
+              </a:solidFill>
+              <a:latin typeface="Lato" charset="0"/>
+              <a:ea typeface="Lato" charset="0"/>
+              <a:cs typeface="Lato" charset="0"/>
+            </a:endParaRPr>
+          </a:p>
+        </p:txBody>
+      </p:sp>
+      <p:sp>
+        <p:nvSpPr>
+          <p:cNvPr id="6" name="Textfeld 5"/>
+          <p:cNvSpPr txBox="1"/>
+          <p:nvPr/>
+        </p:nvSpPr>
+        <p:spPr>
+          <a:xfrm>
+            <a:off x="3033806" y="2841088"/>
+            <a:ext cx="1947134" cy="461665"/>
+          </a:xfrm>
+          <a:prstGeom prst="rect">
+            <a:avLst/>
+          </a:prstGeom>
+          <a:noFill/>
+        </p:spPr>
+        <p:txBody>
+          <a:bodyPr wrap="square" rtlCol="0">
+            <a:spAutoFit/>
+          </a:bodyPr>
+          <a:lstStyle/>
+          <a:p>
+            <a:pPr algn="ctr"/>
+            <a:r>
+              <a:rPr lang="de-DE" sz="2400" b="1" smtClean="0">
+                <a:solidFill>
+                  <a:srgbClr val="A51E41"/>
+                </a:solidFill>
+                <a:latin typeface="Lato" charset="0"/>
+                <a:ea typeface="Lato" charset="0"/>
+                <a:cs typeface="Lato" charset="0"/>
+              </a:rPr>
+              <a:t>formativ</a:t>
+            </a:r>
+            <a:endParaRPr lang="de-DE" sz="3200" b="1" dirty="0">
+              <a:solidFill>
+                <a:srgbClr val="A51E41"/>
+              </a:solidFill>
+              <a:latin typeface="Lato" charset="0"/>
+              <a:ea typeface="Lato" charset="0"/>
+              <a:cs typeface="Lato" charset="0"/>
+            </a:endParaRPr>
+          </a:p>
+        </p:txBody>
+      </p:sp>
+      <p:sp>
+        <p:nvSpPr>
+          <p:cNvPr id="7" name="Textfeld 6"/>
+          <p:cNvSpPr txBox="1"/>
+          <p:nvPr/>
+        </p:nvSpPr>
+        <p:spPr>
+          <a:xfrm>
+            <a:off x="7585933" y="2841087"/>
+            <a:ext cx="1814453" cy="461665"/>
+          </a:xfrm>
+          <a:prstGeom prst="rect">
+            <a:avLst/>
+          </a:prstGeom>
+          <a:noFill/>
+        </p:spPr>
+        <p:txBody>
+          <a:bodyPr wrap="square" rtlCol="0">
+            <a:spAutoFit/>
+          </a:bodyPr>
+          <a:lstStyle/>
+          <a:p>
+            <a:pPr algn="ctr"/>
+            <a:r>
+              <a:rPr lang="de-DE" sz="2400" b="1" dirty="0" err="1" smtClean="0">
+                <a:solidFill>
+                  <a:srgbClr val="A51E41"/>
+                </a:solidFill>
+                <a:latin typeface="Lato" charset="0"/>
+                <a:ea typeface="Lato" charset="0"/>
+                <a:cs typeface="Lato" charset="0"/>
+              </a:rPr>
+              <a:t>summativ</a:t>
+            </a:r>
+            <a:endParaRPr lang="de-DE" sz="3200" b="1" dirty="0">
+              <a:solidFill>
+                <a:srgbClr val="A51E41"/>
+              </a:solidFill>
+              <a:latin typeface="Lato" charset="0"/>
+              <a:ea typeface="Lato" charset="0"/>
+              <a:cs typeface="Lato" charset="0"/>
+            </a:endParaRPr>
+          </a:p>
+        </p:txBody>
+      </p:sp>
+      <p:sp>
+        <p:nvSpPr>
+          <p:cNvPr id="22" name="Textfeld 21"/>
+          <p:cNvSpPr txBox="1"/>
+          <p:nvPr/>
+        </p:nvSpPr>
+        <p:spPr>
+          <a:xfrm>
+            <a:off x="170629" y="2471754"/>
+            <a:ext cx="2423905" cy="1200329"/>
+          </a:xfrm>
+          <a:prstGeom prst="rect">
+            <a:avLst/>
+          </a:prstGeom>
+          <a:noFill/>
+        </p:spPr>
+        <p:txBody>
+          <a:bodyPr wrap="square" rtlCol="0">
+            <a:spAutoFit/>
+          </a:bodyPr>
+          <a:lstStyle/>
+          <a:p>
+            <a:pPr algn="ctr"/>
+            <a:r>
+              <a:rPr lang="de-DE" sz="2400" b="1" dirty="0" smtClean="0">
+                <a:solidFill>
+                  <a:srgbClr val="A51E41"/>
+                </a:solidFill>
+                <a:latin typeface="Lato" charset="0"/>
+                <a:ea typeface="Lato" charset="0"/>
+                <a:cs typeface="Lato" charset="0"/>
+              </a:rPr>
+              <a:t>Entwicklung</a:t>
+            </a:r>
+          </a:p>
+          <a:p>
+            <a:pPr algn="ctr"/>
+            <a:r>
+              <a:rPr lang="de-DE" sz="2400" b="1" dirty="0" smtClean="0">
+                <a:solidFill>
+                  <a:srgbClr val="A51E41"/>
+                </a:solidFill>
+                <a:latin typeface="Lato" charset="0"/>
+                <a:ea typeface="Lato" charset="0"/>
+                <a:cs typeface="Lato" charset="0"/>
+              </a:rPr>
+              <a:t>von</a:t>
+            </a:r>
+          </a:p>
+          <a:p>
+            <a:pPr algn="ctr"/>
+            <a:r>
+              <a:rPr lang="de-DE" sz="2400" b="1" dirty="0" smtClean="0">
+                <a:solidFill>
+                  <a:srgbClr val="A51E41"/>
+                </a:solidFill>
+                <a:latin typeface="Lato" charset="0"/>
+                <a:ea typeface="Lato" charset="0"/>
+                <a:cs typeface="Lato" charset="0"/>
+              </a:rPr>
+              <a:t>Professionalität</a:t>
+            </a:r>
+            <a:endParaRPr lang="de-DE" sz="2400" b="1" dirty="0">
+              <a:solidFill>
+                <a:srgbClr val="A51E41"/>
+              </a:solidFill>
+              <a:latin typeface="Lato" charset="0"/>
+              <a:ea typeface="Lato" charset="0"/>
+              <a:cs typeface="Lato" charset="0"/>
+            </a:endParaRPr>
+          </a:p>
+        </p:txBody>
+      </p:sp>
+    </p:spTree>
+    <p:extLst>
+      <p:ext uri="{BB962C8B-B14F-4D97-AF65-F5344CB8AC3E}">
+        <p14:creationId xmlns:p14="http://schemas.microsoft.com/office/powerpoint/2010/main" val="1232794627"/>
+      </p:ext>
+    </p:extLst>
+  </p:cSld>
+  <p:clrMapOvr>
+    <a:masterClrMapping/>
+  </p:clrMapOvr>
+</p:sld>
+</file>
+
+<file path=ppt/slides/slide22.xml><?xml version="1.0" encoding="utf-8"?>
+<p:sld xmlns:a="http://schemas.openxmlformats.org/drawingml/2006/main" xmlns:r="http://schemas.openxmlformats.org/officeDocument/2006/relationships" xmlns:p="http://schemas.openxmlformats.org/presentationml/2006/main">
+  <p:cSld>
+    <p:spTree>
+      <p:nvGrpSpPr>
+        <p:cNvPr id="1" name=""/>
+        <p:cNvGrpSpPr/>
+        <p:nvPr/>
+      </p:nvGrpSpPr>
+      <p:grpSpPr>
+        <a:xfrm>
+          <a:off x="0" y="0"/>
+          <a:ext cx="0" cy="0"/>
+          <a:chOff x="0" y="0"/>
+          <a:chExt cx="0" cy="0"/>
+        </a:xfrm>
+      </p:grpSpPr>
+      <p:pic>
+        <p:nvPicPr>
+          <p:cNvPr id="6" name="Inhaltsplatzhalter 5"/>
+          <p:cNvPicPr>
+            <a:picLocks noGrp="1" noChangeAspect="1"/>
+          </p:cNvPicPr>
+          <p:nvPr>
+            <p:ph idx="1"/>
+          </p:nvPr>
+        </p:nvPicPr>
+        <p:blipFill>
+          <a:blip r:embed="rId2"/>
+          <a:stretch>
+            <a:fillRect/>
+          </a:stretch>
+        </p:blipFill>
+        <p:spPr>
+          <a:xfrm>
+            <a:off x="959831" y="2036380"/>
+            <a:ext cx="2971800" cy="3327400"/>
+          </a:xfrm>
+          <a:prstGeom prst="rect">
+            <a:avLst/>
+          </a:prstGeom>
+        </p:spPr>
+      </p:pic>
+      <p:pic>
+        <p:nvPicPr>
+          <p:cNvPr id="7" name="Bild 6"/>
+          <p:cNvPicPr>
+            <a:picLocks noChangeAspect="1"/>
+          </p:cNvPicPr>
+          <p:nvPr/>
+        </p:nvPicPr>
+        <p:blipFill>
+          <a:blip r:embed="rId3"/>
+          <a:stretch>
+            <a:fillRect/>
+          </a:stretch>
+        </p:blipFill>
+        <p:spPr>
+          <a:xfrm>
+            <a:off x="3931631" y="1791447"/>
+            <a:ext cx="3797300" cy="4673600"/>
+          </a:xfrm>
+          <a:prstGeom prst="rect">
+            <a:avLst/>
+          </a:prstGeom>
+        </p:spPr>
+      </p:pic>
+    </p:spTree>
+    <p:extLst>
+      <p:ext uri="{BB962C8B-B14F-4D97-AF65-F5344CB8AC3E}">
+        <p14:creationId xmlns:p14="http://schemas.microsoft.com/office/powerpoint/2010/main" val="859911835"/>
+      </p:ext>
+    </p:extLst>
+  </p:cSld>
+  <p:clrMapOvr>
+    <a:masterClrMapping/>
+  </p:clrMapOvr>
+</p:sld>
+</file>
+
+<file path=ppt/slides/slide23.xml><?xml version="1.0" encoding="utf-8"?>
+<p:sld xmlns:a="http://schemas.openxmlformats.org/drawingml/2006/main" xmlns:r="http://schemas.openxmlformats.org/officeDocument/2006/relationships" xmlns:p="http://schemas.openxmlformats.org/presentationml/2006/main">
+  <p:cSld>
+    <p:spTree>
+      <p:nvGrpSpPr>
+        <p:cNvPr id="1" name=""/>
+        <p:cNvGrpSpPr/>
+        <p:nvPr/>
+      </p:nvGrpSpPr>
+      <p:grpSpPr>
+        <a:xfrm>
+          <a:off x="0" y="0"/>
+          <a:ext cx="0" cy="0"/>
+          <a:chOff x="0" y="0"/>
+          <a:chExt cx="0" cy="0"/>
+        </a:xfrm>
+      </p:grpSpPr>
+      <p:pic>
+        <p:nvPicPr>
+          <p:cNvPr id="4" name="Bild 3"/>
+          <p:cNvPicPr>
+            <a:picLocks noChangeAspect="1"/>
+          </p:cNvPicPr>
+          <p:nvPr/>
+        </p:nvPicPr>
+        <p:blipFill>
+          <a:blip r:embed="rId2"/>
+          <a:stretch>
+            <a:fillRect/>
+          </a:stretch>
+        </p:blipFill>
+        <p:spPr>
+          <a:xfrm>
+            <a:off x="1098064" y="3119083"/>
+            <a:ext cx="2946400" cy="3403600"/>
+          </a:xfrm>
+          <a:prstGeom prst="rect">
+            <a:avLst/>
+          </a:prstGeom>
+        </p:spPr>
+      </p:pic>
+      <p:pic>
+        <p:nvPicPr>
+          <p:cNvPr id="5" name="Bild 4"/>
+          <p:cNvPicPr>
+            <a:picLocks noChangeAspect="1"/>
+          </p:cNvPicPr>
+          <p:nvPr/>
+        </p:nvPicPr>
+        <p:blipFill>
+          <a:blip r:embed="rId3"/>
+          <a:stretch>
+            <a:fillRect/>
+          </a:stretch>
+        </p:blipFill>
+        <p:spPr>
+          <a:xfrm>
+            <a:off x="4313854" y="1438350"/>
+            <a:ext cx="5207000" cy="4686300"/>
+          </a:xfrm>
+          <a:prstGeom prst="rect">
+            <a:avLst/>
+          </a:prstGeom>
+        </p:spPr>
+      </p:pic>
+      <p:pic>
+        <p:nvPicPr>
+          <p:cNvPr id="6" name="Bild 5"/>
+          <p:cNvPicPr>
+            <a:picLocks noChangeAspect="1"/>
+          </p:cNvPicPr>
+          <p:nvPr/>
+        </p:nvPicPr>
+        <p:blipFill>
+          <a:blip r:embed="rId4"/>
+          <a:stretch>
+            <a:fillRect/>
+          </a:stretch>
+        </p:blipFill>
+        <p:spPr>
+          <a:xfrm>
+            <a:off x="1098064" y="831295"/>
+            <a:ext cx="2946400" cy="2438400"/>
+          </a:xfrm>
+          <a:prstGeom prst="rect">
+            <a:avLst/>
+          </a:prstGeom>
+        </p:spPr>
+      </p:pic>
+    </p:spTree>
+    <p:extLst>
+      <p:ext uri="{BB962C8B-B14F-4D97-AF65-F5344CB8AC3E}">
+        <p14:creationId xmlns:p14="http://schemas.microsoft.com/office/powerpoint/2010/main" val="257895163"/>
+      </p:ext>
+    </p:extLst>
+  </p:cSld>
+  <p:clrMapOvr>
+    <a:masterClrMapping/>
+  </p:clrMapOvr>
+</p:sld>
+</file>
+
+<file path=ppt/slides/slide24.xml><?xml version="1.0" encoding="utf-8"?>
 <p:sld xmlns:a="http://schemas.openxmlformats.org/drawingml/2006/main" xmlns:r="http://schemas.openxmlformats.org/officeDocument/2006/relationships" xmlns:p="http://schemas.openxmlformats.org/presentationml/2006/main">
   <p:cSld>
     <p:spTree>
@@ -13007,6 +16175,240 @@
               </a:ext>
             </a:extLst>
           </a:blip>
+          <a:srcRect r="24037" b="38679"/>
+          <a:stretch/>
+        </p:blipFill>
+        <p:spPr>
+          <a:xfrm>
+            <a:off x="565168" y="4631494"/>
+            <a:ext cx="8095734" cy="908694"/>
+          </a:xfrm>
+          <a:prstGeom prst="rect">
+            <a:avLst/>
+          </a:prstGeom>
+        </p:spPr>
+      </p:pic>
+      <p:cxnSp>
+        <p:nvCxnSpPr>
+          <p:cNvPr id="7" name="Gerade Verbindung mit Pfeil 6"/>
+          <p:cNvCxnSpPr/>
+          <p:nvPr/>
+        </p:nvCxnSpPr>
+        <p:spPr>
+          <a:xfrm>
+            <a:off x="349259" y="3754419"/>
+            <a:ext cx="8848530" cy="0"/>
+          </a:xfrm>
+          <a:prstGeom prst="straightConnector1">
+            <a:avLst/>
+          </a:prstGeom>
+          <a:ln w="38100">
+            <a:solidFill>
+              <a:srgbClr val="BC6261"/>
+            </a:solidFill>
+            <a:tailEnd type="none" w="med" len="lg"/>
+          </a:ln>
+        </p:spPr>
+        <p:style>
+          <a:lnRef idx="1">
+            <a:schemeClr val="accent1"/>
+          </a:lnRef>
+          <a:fillRef idx="0">
+            <a:schemeClr val="accent1"/>
+          </a:fillRef>
+          <a:effectRef idx="0">
+            <a:schemeClr val="accent1"/>
+          </a:effectRef>
+          <a:fontRef idx="minor">
+            <a:schemeClr val="tx1"/>
+          </a:fontRef>
+        </p:style>
+      </p:cxnSp>
+      <p:cxnSp>
+        <p:nvCxnSpPr>
+          <p:cNvPr id="10" name="Gerade Verbindung mit Pfeil 9"/>
+          <p:cNvCxnSpPr/>
+          <p:nvPr/>
+        </p:nvCxnSpPr>
+        <p:spPr>
+          <a:xfrm>
+            <a:off x="9208542" y="1836383"/>
+            <a:ext cx="0" cy="3897443"/>
+          </a:xfrm>
+          <a:prstGeom prst="straightConnector1">
+            <a:avLst/>
+          </a:prstGeom>
+          <a:ln w="38100">
+            <a:solidFill>
+              <a:srgbClr val="BC6261"/>
+            </a:solidFill>
+            <a:tailEnd type="none" w="med" len="lg"/>
+          </a:ln>
+        </p:spPr>
+        <p:style>
+          <a:lnRef idx="1">
+            <a:schemeClr val="accent1"/>
+          </a:lnRef>
+          <a:fillRef idx="0">
+            <a:schemeClr val="accent1"/>
+          </a:fillRef>
+          <a:effectRef idx="0">
+            <a:schemeClr val="accent1"/>
+          </a:effectRef>
+          <a:fontRef idx="minor">
+            <a:schemeClr val="tx1"/>
+          </a:fontRef>
+        </p:style>
+      </p:cxnSp>
+      <p:sp>
+        <p:nvSpPr>
+          <p:cNvPr id="13" name="Rechteck 12"/>
+          <p:cNvSpPr/>
+          <p:nvPr/>
+        </p:nvSpPr>
+        <p:spPr>
+          <a:xfrm>
+            <a:off x="182880" y="1624405"/>
+            <a:ext cx="11736593" cy="4563316"/>
+          </a:xfrm>
+          <a:prstGeom prst="rect">
+            <a:avLst/>
+          </a:prstGeom>
+          <a:noFill/>
+          <a:ln w="41275">
+            <a:solidFill>
+              <a:srgbClr val="BC6261"/>
+            </a:solidFill>
+          </a:ln>
+        </p:spPr>
+        <p:style>
+          <a:lnRef idx="2">
+            <a:schemeClr val="accent1">
+              <a:shade val="50000"/>
+            </a:schemeClr>
+          </a:lnRef>
+          <a:fillRef idx="1">
+            <a:schemeClr val="accent1"/>
+          </a:fillRef>
+          <a:effectRef idx="0">
+            <a:schemeClr val="accent1"/>
+          </a:effectRef>
+          <a:fontRef idx="minor">
+            <a:schemeClr val="lt1"/>
+          </a:fontRef>
+        </p:style>
+        <p:txBody>
+          <a:bodyPr rtlCol="0" anchor="ctr"/>
+          <a:lstStyle/>
+          <a:p>
+            <a:pPr algn="ctr"/>
+            <a:endParaRPr lang="de-DE"/>
+          </a:p>
+        </p:txBody>
+      </p:sp>
+    </p:spTree>
+    <p:extLst>
+      <p:ext uri="{BB962C8B-B14F-4D97-AF65-F5344CB8AC3E}">
+        <p14:creationId xmlns:p14="http://schemas.microsoft.com/office/powerpoint/2010/main" val="352223043"/>
+      </p:ext>
+    </p:extLst>
+  </p:cSld>
+  <p:clrMapOvr>
+    <a:masterClrMapping/>
+  </p:clrMapOvr>
+</p:sld>
+</file>
+
+<file path=ppt/slides/slide25.xml><?xml version="1.0" encoding="utf-8"?>
+<p:sld xmlns:a="http://schemas.openxmlformats.org/drawingml/2006/main" xmlns:r="http://schemas.openxmlformats.org/officeDocument/2006/relationships" xmlns:p="http://schemas.openxmlformats.org/presentationml/2006/main">
+  <p:cSld>
+    <p:spTree>
+      <p:nvGrpSpPr>
+        <p:cNvPr id="1" name=""/>
+        <p:cNvGrpSpPr/>
+        <p:nvPr/>
+      </p:nvGrpSpPr>
+      <p:grpSpPr>
+        <a:xfrm>
+          <a:off x="0" y="0"/>
+          <a:ext cx="0" cy="0"/>
+          <a:chOff x="0" y="0"/>
+          <a:chExt cx="0" cy="0"/>
+        </a:xfrm>
+      </p:grpSpPr>
+      <p:pic>
+        <p:nvPicPr>
+          <p:cNvPr id="4" name="Inhaltsplatzhalter 3"/>
+          <p:cNvPicPr>
+            <a:picLocks noGrp="1" noChangeAspect="1"/>
+          </p:cNvPicPr>
+          <p:nvPr>
+            <p:ph idx="1"/>
+          </p:nvPr>
+        </p:nvPicPr>
+        <p:blipFill rotWithShape="1">
+          <a:blip r:embed="rId2">
+            <a:extLst>
+              <a:ext uri="{28A0092B-C50C-407E-A947-70E740481C1C}">
+                <a14:useLocalDpi xmlns:a14="http://schemas.microsoft.com/office/drawing/2010/main" val="0"/>
+              </a:ext>
+            </a:extLst>
+          </a:blip>
+          <a:srcRect l="9851" t="8636" b="3262"/>
+          <a:stretch/>
+        </p:blipFill>
+        <p:spPr>
+          <a:xfrm>
+            <a:off x="9326152" y="1765247"/>
+            <a:ext cx="2324380" cy="4422474"/>
+          </a:xfrm>
+        </p:spPr>
+      </p:pic>
+      <p:pic>
+        <p:nvPicPr>
+          <p:cNvPr id="5" name="Bild 4"/>
+          <p:cNvPicPr>
+            <a:picLocks noChangeAspect="1"/>
+          </p:cNvPicPr>
+          <p:nvPr/>
+        </p:nvPicPr>
+        <p:blipFill rotWithShape="1">
+          <a:blip r:embed="rId3">
+            <a:extLst>
+              <a:ext uri="{28A0092B-C50C-407E-A947-70E740481C1C}">
+                <a14:useLocalDpi xmlns:a14="http://schemas.microsoft.com/office/drawing/2010/main" val="0"/>
+              </a:ext>
+            </a:extLst>
+          </a:blip>
+          <a:srcRect t="19727"/>
+          <a:stretch/>
+        </p:blipFill>
+        <p:spPr>
+          <a:xfrm>
+            <a:off x="338501" y="1936376"/>
+            <a:ext cx="8767482" cy="1360518"/>
+          </a:xfrm>
+          <a:prstGeom prst="rect">
+            <a:avLst/>
+          </a:prstGeom>
+        </p:spPr>
+      </p:pic>
+      <p:pic>
+        <p:nvPicPr>
+          <p:cNvPr id="6" name="Bild 5"/>
+          <p:cNvPicPr>
+            <a:picLocks noChangeAspect="1"/>
+          </p:cNvPicPr>
+          <p:nvPr/>
+        </p:nvPicPr>
+        <p:blipFill rotWithShape="1">
+          <a:blip r:embed="rId4">
+            <a:extLst>
+              <a:ext uri="{28A0092B-C50C-407E-A947-70E740481C1C}">
+                <a14:useLocalDpi xmlns:a14="http://schemas.microsoft.com/office/drawing/2010/main" val="0"/>
+              </a:ext>
+            </a:extLst>
+          </a:blip>
           <a:srcRect l="-1" t="3970" r="29498" b="59732"/>
           <a:stretch/>
         </p:blipFill>
@@ -13105,7 +16507,7 @@
 </p:sld>
 </file>
 
-<file path=ppt/slides/slide22.xml><?xml version="1.0" encoding="utf-8"?>
+<file path=ppt/slides/slide26.xml><?xml version="1.0" encoding="utf-8"?>
 <p:sld xmlns:a="http://schemas.openxmlformats.org/drawingml/2006/main" xmlns:r="http://schemas.openxmlformats.org/officeDocument/2006/relationships" xmlns:p="http://schemas.openxmlformats.org/presentationml/2006/main">
   <p:cSld>
     <p:spTree>

--- a/Img/Tabelle_Rueckmeldesysteme.pptx
+++ b/Img/Tabelle_Rueckmeldesysteme.pptx
@@ -22,15 +22,19 @@
     <p:sldId id="282" r:id="rId16"/>
     <p:sldId id="283" r:id="rId17"/>
     <p:sldId id="274" r:id="rId18"/>
-    <p:sldId id="275" r:id="rId19"/>
-    <p:sldId id="285" r:id="rId20"/>
-    <p:sldId id="281" r:id="rId21"/>
-    <p:sldId id="284" r:id="rId22"/>
-    <p:sldId id="276" r:id="rId23"/>
-    <p:sldId id="277" r:id="rId24"/>
-    <p:sldId id="278" r:id="rId25"/>
-    <p:sldId id="280" r:id="rId26"/>
-    <p:sldId id="279" r:id="rId27"/>
+    <p:sldId id="288" r:id="rId19"/>
+    <p:sldId id="289" r:id="rId20"/>
+    <p:sldId id="292" r:id="rId21"/>
+    <p:sldId id="293" r:id="rId22"/>
+    <p:sldId id="275" r:id="rId23"/>
+    <p:sldId id="285" r:id="rId24"/>
+    <p:sldId id="281" r:id="rId25"/>
+    <p:sldId id="284" r:id="rId26"/>
+    <p:sldId id="276" r:id="rId27"/>
+    <p:sldId id="277" r:id="rId28"/>
+    <p:sldId id="278" r:id="rId29"/>
+    <p:sldId id="280" r:id="rId30"/>
+    <p:sldId id="279" r:id="rId31"/>
   </p:sldIdLst>
   <p:sldSz cx="15971838" cy="6858000"/>
   <p:notesSz cx="6858000" cy="9144000"/>
@@ -12410,7 +12414,7 @@
           <a:p>
             <a:pPr algn="ctr"/>
             <a:r>
-              <a:rPr lang="de-DE" sz="2400" b="1" dirty="0" smtClean="0">
+              <a:rPr lang="de-DE" sz="2400" b="1" smtClean="0">
                 <a:solidFill>
                   <a:srgbClr val="A51E41"/>
                 </a:solidFill>
@@ -12633,7 +12637,7 @@
         </p:blipFill>
         <p:spPr>
           <a:xfrm>
-            <a:off x="6568162" y="2300869"/>
+            <a:off x="6528401" y="2198615"/>
             <a:ext cx="714953" cy="1039459"/>
           </a:xfrm>
           <a:prstGeom prst="rect">
@@ -12662,7 +12666,7 @@
         </p:blipFill>
         <p:spPr>
           <a:xfrm>
-            <a:off x="5467091" y="1913622"/>
+            <a:off x="5250924" y="2184661"/>
             <a:ext cx="1101071" cy="540220"/>
           </a:xfrm>
           <a:prstGeom prst="rect">
@@ -12691,7 +12695,7 @@
         </p:blipFill>
         <p:spPr bwMode="auto">
           <a:xfrm>
-            <a:off x="5306709" y="2970219"/>
+            <a:off x="5642846" y="3385830"/>
             <a:ext cx="885555" cy="766846"/>
           </a:xfrm>
           <a:prstGeom prst="rect">
@@ -12711,7 +12715,7 @@
       </p:pic>
       <p:pic>
         <p:nvPicPr>
-          <p:cNvPr id="17" name="Bild 16"/>
+          <p:cNvPr id="16" name="Bild 15"/>
           <p:cNvPicPr>
             <a:picLocks noChangeAspect="1"/>
           </p:cNvPicPr>
@@ -12719,129 +12723,6 @@
         </p:nvPicPr>
         <p:blipFill>
           <a:blip r:embed="rId9">
-            <a:extLst>
-              <a:ext uri="{28A0092B-C50C-407E-A947-70E740481C1C}">
-                <a14:useLocalDpi xmlns:a14="http://schemas.microsoft.com/office/drawing/2010/main" val="0"/>
-              </a:ext>
-            </a:extLst>
-          </a:blip>
-          <a:stretch>
-            <a:fillRect/>
-          </a:stretch>
-        </p:blipFill>
-        <p:spPr>
-          <a:xfrm>
-            <a:off x="10457058" y="1910037"/>
-            <a:ext cx="447554" cy="447554"/>
-          </a:xfrm>
-          <a:prstGeom prst="rect">
-            <a:avLst/>
-          </a:prstGeom>
-        </p:spPr>
-      </p:pic>
-      <p:pic>
-        <p:nvPicPr>
-          <p:cNvPr id="18" name="Bild 17"/>
-          <p:cNvPicPr>
-            <a:picLocks noChangeAspect="1"/>
-          </p:cNvPicPr>
-          <p:nvPr/>
-        </p:nvPicPr>
-        <p:blipFill>
-          <a:blip r:embed="rId2">
-            <a:alphaModFix amt="68000"/>
-            <a:extLst>
-              <a:ext uri="{28A0092B-C50C-407E-A947-70E740481C1C}">
-                <a14:useLocalDpi xmlns:a14="http://schemas.microsoft.com/office/drawing/2010/main" val="0"/>
-              </a:ext>
-            </a:extLst>
-          </a:blip>
-          <a:stretch>
-            <a:fillRect/>
-          </a:stretch>
-        </p:blipFill>
-        <p:spPr>
-          <a:xfrm>
-            <a:off x="11207058" y="2682704"/>
-            <a:ext cx="490659" cy="490659"/>
-          </a:xfrm>
-          <a:prstGeom prst="rect">
-            <a:avLst/>
-          </a:prstGeom>
-        </p:spPr>
-      </p:pic>
-      <p:pic>
-        <p:nvPicPr>
-          <p:cNvPr id="19" name="Bild 18"/>
-          <p:cNvPicPr>
-            <a:picLocks noChangeAspect="1"/>
-          </p:cNvPicPr>
-          <p:nvPr/>
-        </p:nvPicPr>
-        <p:blipFill>
-          <a:blip r:embed="rId10">
-            <a:alphaModFix amt="69000"/>
-            <a:extLst>
-              <a:ext uri="{28A0092B-C50C-407E-A947-70E740481C1C}">
-                <a14:useLocalDpi xmlns:a14="http://schemas.microsoft.com/office/drawing/2010/main" val="0"/>
-              </a:ext>
-            </a:extLst>
-          </a:blip>
-          <a:stretch>
-            <a:fillRect/>
-          </a:stretch>
-        </p:blipFill>
-        <p:spPr>
-          <a:xfrm>
-            <a:off x="9862706" y="3724098"/>
-            <a:ext cx="447554" cy="381912"/>
-          </a:xfrm>
-          <a:prstGeom prst="rect">
-            <a:avLst/>
-          </a:prstGeom>
-        </p:spPr>
-      </p:pic>
-      <p:pic>
-        <p:nvPicPr>
-          <p:cNvPr id="20" name="Bild 19"/>
-          <p:cNvPicPr>
-            <a:picLocks noChangeAspect="1"/>
-          </p:cNvPicPr>
-          <p:nvPr/>
-        </p:nvPicPr>
-        <p:blipFill>
-          <a:blip r:embed="rId3">
-            <a:alphaModFix amt="63000"/>
-            <a:extLst>
-              <a:ext uri="{28A0092B-C50C-407E-A947-70E740481C1C}">
-                <a14:useLocalDpi xmlns:a14="http://schemas.microsoft.com/office/drawing/2010/main" val="0"/>
-              </a:ext>
-            </a:extLst>
-          </a:blip>
-          <a:stretch>
-            <a:fillRect/>
-          </a:stretch>
-        </p:blipFill>
-        <p:spPr>
-          <a:xfrm>
-            <a:off x="10866382" y="3582091"/>
-            <a:ext cx="544705" cy="544705"/>
-          </a:xfrm>
-          <a:prstGeom prst="rect">
-            <a:avLst/>
-          </a:prstGeom>
-        </p:spPr>
-      </p:pic>
-      <p:pic>
-        <p:nvPicPr>
-          <p:cNvPr id="2" name="Bild 1"/>
-          <p:cNvPicPr>
-            <a:picLocks noChangeAspect="1"/>
-          </p:cNvPicPr>
-          <p:nvPr/>
-        </p:nvPicPr>
-        <p:blipFill>
-          <a:blip r:embed="rId11">
             <a:clrChange>
               <a:clrFrom>
                 <a:srgbClr val="FFFFFF"/>
@@ -12859,18 +12740,231 @@
         </p:blipFill>
         <p:spPr>
           <a:xfrm>
-            <a:off x="6214714" y="3737065"/>
-            <a:ext cx="1178989" cy="619469"/>
+            <a:off x="2499944" y="2896235"/>
+            <a:ext cx="717766" cy="403934"/>
           </a:xfrm>
           <a:prstGeom prst="rect">
             <a:avLst/>
           </a:prstGeom>
         </p:spPr>
       </p:pic>
+      <p:pic>
+        <p:nvPicPr>
+          <p:cNvPr id="17" name="Bild 16"/>
+          <p:cNvPicPr>
+            <a:picLocks noChangeAspect="1"/>
+          </p:cNvPicPr>
+          <p:nvPr/>
+        </p:nvPicPr>
+        <p:blipFill>
+          <a:blip r:embed="rId10">
+            <a:extLst>
+              <a:ext uri="{28A0092B-C50C-407E-A947-70E740481C1C}">
+                <a14:useLocalDpi xmlns:a14="http://schemas.microsoft.com/office/drawing/2010/main" val="0"/>
+              </a:ext>
+            </a:extLst>
+          </a:blip>
+          <a:stretch>
+            <a:fillRect/>
+          </a:stretch>
+        </p:blipFill>
+        <p:spPr>
+          <a:xfrm>
+            <a:off x="10457058" y="1910037"/>
+            <a:ext cx="447554" cy="447554"/>
+          </a:xfrm>
+          <a:prstGeom prst="rect">
+            <a:avLst/>
+          </a:prstGeom>
+        </p:spPr>
+      </p:pic>
+      <p:pic>
+        <p:nvPicPr>
+          <p:cNvPr id="18" name="Bild 17"/>
+          <p:cNvPicPr>
+            <a:picLocks noChangeAspect="1"/>
+          </p:cNvPicPr>
+          <p:nvPr/>
+        </p:nvPicPr>
+        <p:blipFill>
+          <a:blip r:embed="rId2">
+            <a:alphaModFix amt="68000"/>
+            <a:extLst>
+              <a:ext uri="{28A0092B-C50C-407E-A947-70E740481C1C}">
+                <a14:useLocalDpi xmlns:a14="http://schemas.microsoft.com/office/drawing/2010/main" val="0"/>
+              </a:ext>
+            </a:extLst>
+          </a:blip>
+          <a:stretch>
+            <a:fillRect/>
+          </a:stretch>
+        </p:blipFill>
+        <p:spPr>
+          <a:xfrm>
+            <a:off x="11207058" y="2682704"/>
+            <a:ext cx="490659" cy="490659"/>
+          </a:xfrm>
+          <a:prstGeom prst="rect">
+            <a:avLst/>
+          </a:prstGeom>
+        </p:spPr>
+      </p:pic>
+      <p:pic>
+        <p:nvPicPr>
+          <p:cNvPr id="19" name="Bild 18"/>
+          <p:cNvPicPr>
+            <a:picLocks noChangeAspect="1"/>
+          </p:cNvPicPr>
+          <p:nvPr/>
+        </p:nvPicPr>
+        <p:blipFill>
+          <a:blip r:embed="rId11">
+            <a:alphaModFix amt="69000"/>
+            <a:extLst>
+              <a:ext uri="{28A0092B-C50C-407E-A947-70E740481C1C}">
+                <a14:useLocalDpi xmlns:a14="http://schemas.microsoft.com/office/drawing/2010/main" val="0"/>
+              </a:ext>
+            </a:extLst>
+          </a:blip>
+          <a:stretch>
+            <a:fillRect/>
+          </a:stretch>
+        </p:blipFill>
+        <p:spPr>
+          <a:xfrm>
+            <a:off x="9862706" y="3724098"/>
+            <a:ext cx="447554" cy="381912"/>
+          </a:xfrm>
+          <a:prstGeom prst="rect">
+            <a:avLst/>
+          </a:prstGeom>
+        </p:spPr>
+      </p:pic>
+      <p:pic>
+        <p:nvPicPr>
+          <p:cNvPr id="20" name="Bild 19"/>
+          <p:cNvPicPr>
+            <a:picLocks noChangeAspect="1"/>
+          </p:cNvPicPr>
+          <p:nvPr/>
+        </p:nvPicPr>
+        <p:blipFill>
+          <a:blip r:embed="rId3">
+            <a:alphaModFix amt="63000"/>
+            <a:extLst>
+              <a:ext uri="{28A0092B-C50C-407E-A947-70E740481C1C}">
+                <a14:useLocalDpi xmlns:a14="http://schemas.microsoft.com/office/drawing/2010/main" val="0"/>
+              </a:ext>
+            </a:extLst>
+          </a:blip>
+          <a:stretch>
+            <a:fillRect/>
+          </a:stretch>
+        </p:blipFill>
+        <p:spPr>
+          <a:xfrm>
+            <a:off x="10866382" y="3582091"/>
+            <a:ext cx="544705" cy="544705"/>
+          </a:xfrm>
+          <a:prstGeom prst="rect">
+            <a:avLst/>
+          </a:prstGeom>
+        </p:spPr>
+      </p:pic>
+      <p:sp>
+        <p:nvSpPr>
+          <p:cNvPr id="21" name="Textfeld 20"/>
+          <p:cNvSpPr txBox="1"/>
+          <p:nvPr/>
+        </p:nvSpPr>
+        <p:spPr>
+          <a:xfrm>
+            <a:off x="3649119" y="2064163"/>
+            <a:ext cx="1086521" cy="369332"/>
+          </a:xfrm>
+          <a:prstGeom prst="rect">
+            <a:avLst/>
+          </a:prstGeom>
+          <a:noFill/>
+        </p:spPr>
+        <p:txBody>
+          <a:bodyPr wrap="square" rtlCol="0">
+            <a:spAutoFit/>
+          </a:bodyPr>
+          <a:lstStyle/>
+          <a:p>
+            <a:pPr algn="ctr"/>
+            <a:r>
+              <a:rPr lang="de-DE" b="1" smtClean="0">
+                <a:solidFill>
+                  <a:srgbClr val="A51E41"/>
+                </a:solidFill>
+                <a:latin typeface="Lato" charset="0"/>
+                <a:ea typeface="Lato" charset="0"/>
+                <a:cs typeface="Lato" charset="0"/>
+              </a:rPr>
+              <a:t>formativ</a:t>
+            </a:r>
+            <a:endParaRPr lang="de-DE" sz="2400" b="1" dirty="0">
+              <a:solidFill>
+                <a:srgbClr val="A51E41"/>
+              </a:solidFill>
+              <a:latin typeface="Lato" charset="0"/>
+              <a:ea typeface="Lato" charset="0"/>
+              <a:cs typeface="Lato" charset="0"/>
+            </a:endParaRPr>
+          </a:p>
+        </p:txBody>
+      </p:sp>
+      <p:sp>
+        <p:nvSpPr>
+          <p:cNvPr id="22" name="Textfeld 21"/>
+          <p:cNvSpPr txBox="1"/>
+          <p:nvPr/>
+        </p:nvSpPr>
+        <p:spPr>
+          <a:xfrm>
+            <a:off x="7708525" y="2064163"/>
+            <a:ext cx="1222288" cy="369332"/>
+          </a:xfrm>
+          <a:prstGeom prst="rect">
+            <a:avLst/>
+          </a:prstGeom>
+          <a:noFill/>
+        </p:spPr>
+        <p:txBody>
+          <a:bodyPr wrap="square" rtlCol="0">
+            <a:spAutoFit/>
+          </a:bodyPr>
+          <a:lstStyle/>
+          <a:p>
+            <a:pPr algn="ctr"/>
+            <a:r>
+              <a:rPr lang="de-DE" b="1" smtClean="0">
+                <a:solidFill>
+                  <a:srgbClr val="A51E41"/>
+                </a:solidFill>
+                <a:latin typeface="Lato" charset="0"/>
+                <a:ea typeface="Lato" charset="0"/>
+                <a:cs typeface="Lato" charset="0"/>
+              </a:rPr>
+              <a:t>summativ</a:t>
+            </a:r>
+            <a:endParaRPr lang="de-DE" sz="2400" b="1" dirty="0">
+              <a:solidFill>
+                <a:srgbClr val="A51E41"/>
+              </a:solidFill>
+              <a:latin typeface="Lato" charset="0"/>
+              <a:ea typeface="Lato" charset="0"/>
+              <a:cs typeface="Lato" charset="0"/>
+            </a:endParaRPr>
+          </a:p>
+        </p:txBody>
+      </p:sp>
     </p:spTree>
     <p:extLst>
       <p:ext uri="{BB962C8B-B14F-4D97-AF65-F5344CB8AC3E}">
-        <p14:creationId xmlns:p14="http://schemas.microsoft.com/office/powerpoint/2010/main" val="2139899913"/>
+        <p14:creationId xmlns:p14="http://schemas.microsoft.com/office/powerpoint/2010/main" val="227034908"/>
       </p:ext>
     </p:extLst>
   </p:cSld>
@@ -13019,7 +13113,7 @@
           <a:p>
             <a:pPr algn="ctr"/>
             <a:r>
-              <a:rPr lang="de-DE" sz="2400" b="1" dirty="0" smtClean="0">
+              <a:rPr lang="de-DE" sz="2400" b="1" smtClean="0">
                 <a:solidFill>
                   <a:srgbClr val="A51E41"/>
                 </a:solidFill>
@@ -13242,7 +13336,7 @@
         </p:blipFill>
         <p:spPr>
           <a:xfrm>
-            <a:off x="6568162" y="2300869"/>
+            <a:off x="6528401" y="2198615"/>
             <a:ext cx="714953" cy="1039459"/>
           </a:xfrm>
           <a:prstGeom prst="rect">
@@ -13271,7 +13365,7 @@
         </p:blipFill>
         <p:spPr>
           <a:xfrm>
-            <a:off x="5467091" y="1913622"/>
+            <a:off x="5250924" y="2184661"/>
             <a:ext cx="1101071" cy="540220"/>
           </a:xfrm>
           <a:prstGeom prst="rect">
@@ -13300,7 +13394,7 @@
         </p:blipFill>
         <p:spPr bwMode="auto">
           <a:xfrm>
-            <a:off x="5306709" y="2970219"/>
+            <a:off x="5642846" y="3385830"/>
             <a:ext cx="885555" cy="766846"/>
           </a:xfrm>
           <a:prstGeom prst="rect">
@@ -13441,91 +13535,100 @@
           </a:prstGeom>
         </p:spPr>
       </p:pic>
-      <p:pic>
-        <p:nvPicPr>
-          <p:cNvPr id="2" name="Bild 1"/>
-          <p:cNvPicPr>
-            <a:picLocks noChangeAspect="1"/>
-          </p:cNvPicPr>
-          <p:nvPr/>
-        </p:nvPicPr>
-        <p:blipFill>
-          <a:blip r:embed="rId11">
-            <a:clrChange>
-              <a:clrFrom>
-                <a:srgbClr val="FFFFFF"/>
-              </a:clrFrom>
-              <a:clrTo>
-                <a:srgbClr val="FFFFFF">
-                  <a:alpha val="0"/>
-                </a:srgbClr>
-              </a:clrTo>
-            </a:clrChange>
-          </a:blip>
-          <a:stretch>
-            <a:fillRect/>
-          </a:stretch>
-        </p:blipFill>
-        <p:spPr>
-          <a:xfrm>
-            <a:off x="6214714" y="3737065"/>
-            <a:ext cx="1178989" cy="619469"/>
-          </a:xfrm>
-          <a:prstGeom prst="rect">
-            <a:avLst/>
-          </a:prstGeom>
-        </p:spPr>
-      </p:pic>
       <p:sp>
         <p:nvSpPr>
-          <p:cNvPr id="21" name="Rechteck 20"/>
-          <p:cNvSpPr/>
+          <p:cNvPr id="21" name="Textfeld 20"/>
+          <p:cNvSpPr txBox="1"/>
           <p:nvPr/>
         </p:nvSpPr>
         <p:spPr>
           <a:xfrm>
-            <a:off x="1699709" y="1667436"/>
-            <a:ext cx="3291839" cy="2700169"/>
+            <a:off x="3649119" y="1988857"/>
+            <a:ext cx="1086521" cy="369332"/>
           </a:xfrm>
           <a:prstGeom prst="rect">
             <a:avLst/>
           </a:prstGeom>
-          <a:solidFill>
-            <a:schemeClr val="bg1"/>
-          </a:solidFill>
-          <a:ln>
-            <a:noFill/>
-          </a:ln>
-        </p:spPr>
-        <p:style>
-          <a:lnRef idx="2">
-            <a:schemeClr val="accent1">
-              <a:shade val="50000"/>
-            </a:schemeClr>
-          </a:lnRef>
-          <a:fillRef idx="1">
-            <a:schemeClr val="accent1"/>
-          </a:fillRef>
-          <a:effectRef idx="0">
-            <a:schemeClr val="accent1"/>
-          </a:effectRef>
-          <a:fontRef idx="minor">
-            <a:schemeClr val="lt1"/>
-          </a:fontRef>
-        </p:style>
+          <a:noFill/>
+        </p:spPr>
         <p:txBody>
-          <a:bodyPr rtlCol="0" anchor="ctr"/>
+          <a:bodyPr wrap="square" rtlCol="0">
+            <a:spAutoFit/>
+          </a:bodyPr>
           <a:lstStyle/>
           <a:p>
             <a:pPr algn="ctr"/>
-            <a:endParaRPr lang="de-DE"/>
+            <a:r>
+              <a:rPr lang="de-DE" b="1" dirty="0" smtClean="0">
+                <a:solidFill>
+                  <a:srgbClr val="A51E41"/>
+                </a:solidFill>
+                <a:latin typeface="Lato" charset="0"/>
+                <a:ea typeface="Lato" charset="0"/>
+                <a:cs typeface="Lato" charset="0"/>
+              </a:rPr>
+              <a:t>formativ</a:t>
+            </a:r>
+            <a:endParaRPr lang="de-DE" sz="2400" b="1" dirty="0">
+              <a:solidFill>
+                <a:srgbClr val="A51E41"/>
+              </a:solidFill>
+              <a:latin typeface="Lato" charset="0"/>
+              <a:ea typeface="Lato" charset="0"/>
+              <a:cs typeface="Lato" charset="0"/>
+            </a:endParaRPr>
+          </a:p>
+        </p:txBody>
+      </p:sp>
+      <p:sp>
+        <p:nvSpPr>
+          <p:cNvPr id="22" name="Textfeld 21"/>
+          <p:cNvSpPr txBox="1"/>
+          <p:nvPr/>
+        </p:nvSpPr>
+        <p:spPr>
+          <a:xfrm>
+            <a:off x="7708525" y="1988857"/>
+            <a:ext cx="1222288" cy="369332"/>
+          </a:xfrm>
+          <a:prstGeom prst="rect">
+            <a:avLst/>
+          </a:prstGeom>
+          <a:noFill/>
+        </p:spPr>
+        <p:txBody>
+          <a:bodyPr wrap="square" rtlCol="0">
+            <a:spAutoFit/>
+          </a:bodyPr>
+          <a:lstStyle/>
+          <a:p>
+            <a:pPr algn="ctr"/>
+            <a:r>
+              <a:rPr lang="de-DE" b="1" smtClean="0">
+                <a:solidFill>
+                  <a:srgbClr val="A51E41"/>
+                </a:solidFill>
+                <a:latin typeface="Lato" charset="0"/>
+                <a:ea typeface="Lato" charset="0"/>
+                <a:cs typeface="Lato" charset="0"/>
+              </a:rPr>
+              <a:t>summativ</a:t>
+            </a:r>
+            <a:endParaRPr lang="de-DE" sz="2400" b="1" dirty="0">
+              <a:solidFill>
+                <a:srgbClr val="A51E41"/>
+              </a:solidFill>
+              <a:latin typeface="Lato" charset="0"/>
+              <a:ea typeface="Lato" charset="0"/>
+              <a:cs typeface="Lato" charset="0"/>
+            </a:endParaRPr>
           </a:p>
         </p:txBody>
       </p:sp>
     </p:spTree>
     <p:extLst>
       <p:ext uri="{BB962C8B-B14F-4D97-AF65-F5344CB8AC3E}">
-        <p14:creationId xmlns:p14="http://schemas.microsoft.com/office/powerpoint/2010/main" val="1615234316"/>
+        <p14:creationId xmlns:p14="http://schemas.microsoft.com/office/powerpoint/2010/main" val="1509994"/>
       </p:ext>
     </p:extLst>
   </p:cSld>
@@ -15131,6 +15234,1441 @@
           <a:p>
             <a:pPr algn="ctr"/>
             <a:r>
+              <a:rPr lang="de-DE" sz="2400" b="1" smtClean="0">
+                <a:solidFill>
+                  <a:srgbClr val="A51E41"/>
+                </a:solidFill>
+                <a:latin typeface="Lato" charset="0"/>
+                <a:ea typeface="Lato" charset="0"/>
+                <a:cs typeface="Lato" charset="0"/>
+              </a:rPr>
+              <a:t>Unterrichts- </a:t>
+            </a:r>
+            <a:r>
+              <a:rPr lang="de-DE" sz="2400" b="1" dirty="0" err="1" smtClean="0">
+                <a:solidFill>
+                  <a:srgbClr val="A51E41"/>
+                </a:solidFill>
+                <a:latin typeface="Lato" charset="0"/>
+                <a:ea typeface="Lato" charset="0"/>
+                <a:cs typeface="Lato" charset="0"/>
+              </a:rPr>
+              <a:t>qualität</a:t>
+            </a:r>
+            <a:endParaRPr lang="de-DE" sz="3200" b="1" dirty="0">
+              <a:solidFill>
+                <a:srgbClr val="A51E41"/>
+              </a:solidFill>
+              <a:latin typeface="Lato" charset="0"/>
+              <a:ea typeface="Lato" charset="0"/>
+              <a:cs typeface="Lato" charset="0"/>
+            </a:endParaRPr>
+          </a:p>
+        </p:txBody>
+      </p:sp>
+      <p:sp>
+        <p:nvSpPr>
+          <p:cNvPr id="7" name="Textfeld 6"/>
+          <p:cNvSpPr txBox="1"/>
+          <p:nvPr/>
+        </p:nvSpPr>
+        <p:spPr>
+          <a:xfrm>
+            <a:off x="7532145" y="2867369"/>
+            <a:ext cx="1814453" cy="461665"/>
+          </a:xfrm>
+          <a:prstGeom prst="rect">
+            <a:avLst/>
+          </a:prstGeom>
+          <a:noFill/>
+        </p:spPr>
+        <p:txBody>
+          <a:bodyPr wrap="square" rtlCol="0">
+            <a:spAutoFit/>
+          </a:bodyPr>
+          <a:lstStyle/>
+          <a:p>
+            <a:pPr algn="ctr"/>
+            <a:r>
+              <a:rPr lang="de-DE" sz="2400" b="1" smtClean="0">
+                <a:solidFill>
+                  <a:srgbClr val="A51E41"/>
+                </a:solidFill>
+                <a:latin typeface="Lato" charset="0"/>
+                <a:ea typeface="Lato" charset="0"/>
+                <a:cs typeface="Lato" charset="0"/>
+              </a:rPr>
+              <a:t>Leistung</a:t>
+            </a:r>
+            <a:endParaRPr lang="de-DE" sz="3200" b="1" dirty="0">
+              <a:solidFill>
+                <a:srgbClr val="A51E41"/>
+              </a:solidFill>
+              <a:latin typeface="Lato" charset="0"/>
+              <a:ea typeface="Lato" charset="0"/>
+              <a:cs typeface="Lato" charset="0"/>
+            </a:endParaRPr>
+          </a:p>
+        </p:txBody>
+      </p:sp>
+      <p:pic>
+        <p:nvPicPr>
+          <p:cNvPr id="8" name="Bild 7"/>
+          <p:cNvPicPr>
+            <a:picLocks noChangeAspect="1"/>
+          </p:cNvPicPr>
+          <p:nvPr/>
+        </p:nvPicPr>
+        <p:blipFill>
+          <a:blip r:embed="rId2">
+            <a:extLst>
+              <a:ext uri="{28A0092B-C50C-407E-A947-70E740481C1C}">
+                <a14:useLocalDpi xmlns:a14="http://schemas.microsoft.com/office/drawing/2010/main" val="0"/>
+              </a:ext>
+            </a:extLst>
+          </a:blip>
+          <a:stretch>
+            <a:fillRect/>
+          </a:stretch>
+        </p:blipFill>
+        <p:spPr>
+          <a:xfrm>
+            <a:off x="1699709" y="2357591"/>
+            <a:ext cx="650226" cy="650226"/>
+          </a:xfrm>
+          <a:prstGeom prst="rect">
+            <a:avLst/>
+          </a:prstGeom>
+        </p:spPr>
+      </p:pic>
+      <p:pic>
+        <p:nvPicPr>
+          <p:cNvPr id="9" name="Bild 8"/>
+          <p:cNvPicPr>
+            <a:picLocks noChangeAspect="1"/>
+          </p:cNvPicPr>
+          <p:nvPr/>
+        </p:nvPicPr>
+        <p:blipFill>
+          <a:blip r:embed="rId3">
+            <a:extLst>
+              <a:ext uri="{28A0092B-C50C-407E-A947-70E740481C1C}">
+                <a14:useLocalDpi xmlns:a14="http://schemas.microsoft.com/office/drawing/2010/main" val="0"/>
+              </a:ext>
+            </a:extLst>
+          </a:blip>
+          <a:stretch>
+            <a:fillRect/>
+          </a:stretch>
+        </p:blipFill>
+        <p:spPr>
+          <a:xfrm>
+            <a:off x="1841064" y="3329034"/>
+            <a:ext cx="717766" cy="717766"/>
+          </a:xfrm>
+          <a:prstGeom prst="rect">
+            <a:avLst/>
+          </a:prstGeom>
+        </p:spPr>
+      </p:pic>
+      <p:pic>
+        <p:nvPicPr>
+          <p:cNvPr id="11" name="Bild 10"/>
+          <p:cNvPicPr>
+            <a:picLocks noChangeAspect="1"/>
+          </p:cNvPicPr>
+          <p:nvPr/>
+        </p:nvPicPr>
+        <p:blipFill>
+          <a:blip r:embed="rId4">
+            <a:duotone>
+              <a:prstClr val="black"/>
+              <a:srgbClr val="515151">
+                <a:tint val="45000"/>
+                <a:satMod val="400000"/>
+              </a:srgbClr>
+            </a:duotone>
+            <a:alphaModFix amt="67000"/>
+          </a:blip>
+          <a:stretch>
+            <a:fillRect/>
+          </a:stretch>
+        </p:blipFill>
+        <p:spPr>
+          <a:xfrm>
+            <a:off x="10334250" y="3071921"/>
+            <a:ext cx="514225" cy="514225"/>
+          </a:xfrm>
+          <a:prstGeom prst="rect">
+            <a:avLst/>
+          </a:prstGeom>
+        </p:spPr>
+      </p:pic>
+      <p:pic>
+        <p:nvPicPr>
+          <p:cNvPr id="12" name="Bild 11"/>
+          <p:cNvPicPr>
+            <a:picLocks noChangeAspect="1"/>
+          </p:cNvPicPr>
+          <p:nvPr/>
+        </p:nvPicPr>
+        <p:blipFill>
+          <a:blip r:embed="rId5">
+            <a:alphaModFix amt="69000"/>
+            <a:extLst>
+              <a:ext uri="{28A0092B-C50C-407E-A947-70E740481C1C}">
+                <a14:useLocalDpi xmlns:a14="http://schemas.microsoft.com/office/drawing/2010/main" val="0"/>
+              </a:ext>
+            </a:extLst>
+          </a:blip>
+          <a:stretch>
+            <a:fillRect/>
+          </a:stretch>
+        </p:blipFill>
+        <p:spPr>
+          <a:xfrm>
+            <a:off x="10099091" y="2468427"/>
+            <a:ext cx="398942" cy="398942"/>
+          </a:xfrm>
+          <a:prstGeom prst="rect">
+            <a:avLst/>
+          </a:prstGeom>
+        </p:spPr>
+      </p:pic>
+      <p:pic>
+        <p:nvPicPr>
+          <p:cNvPr id="13" name="Bild 12"/>
+          <p:cNvPicPr>
+            <a:picLocks noChangeAspect="1"/>
+          </p:cNvPicPr>
+          <p:nvPr/>
+        </p:nvPicPr>
+        <p:blipFill>
+          <a:blip r:embed="rId6">
+            <a:extLst>
+              <a:ext uri="{28A0092B-C50C-407E-A947-70E740481C1C}">
+                <a14:useLocalDpi xmlns:a14="http://schemas.microsoft.com/office/drawing/2010/main" val="0"/>
+              </a:ext>
+            </a:extLst>
+          </a:blip>
+          <a:stretch>
+            <a:fillRect/>
+          </a:stretch>
+        </p:blipFill>
+        <p:spPr>
+          <a:xfrm>
+            <a:off x="6528401" y="2198615"/>
+            <a:ext cx="714953" cy="1039459"/>
+          </a:xfrm>
+          <a:prstGeom prst="rect">
+            <a:avLst/>
+          </a:prstGeom>
+        </p:spPr>
+      </p:pic>
+      <p:pic>
+        <p:nvPicPr>
+          <p:cNvPr id="14" name="Bild 13"/>
+          <p:cNvPicPr>
+            <a:picLocks noChangeAspect="1"/>
+          </p:cNvPicPr>
+          <p:nvPr/>
+        </p:nvPicPr>
+        <p:blipFill rotWithShape="1">
+          <a:blip r:embed="rId7">
+            <a:extLst>
+              <a:ext uri="{28A0092B-C50C-407E-A947-70E740481C1C}">
+                <a14:useLocalDpi xmlns:a14="http://schemas.microsoft.com/office/drawing/2010/main" val="0"/>
+              </a:ext>
+            </a:extLst>
+          </a:blip>
+          <a:srcRect r="52939" b="41765"/>
+          <a:stretch/>
+        </p:blipFill>
+        <p:spPr>
+          <a:xfrm>
+            <a:off x="5250924" y="2184661"/>
+            <a:ext cx="1101071" cy="540220"/>
+          </a:xfrm>
+          <a:prstGeom prst="rect">
+            <a:avLst/>
+          </a:prstGeom>
+        </p:spPr>
+      </p:pic>
+      <p:pic>
+        <p:nvPicPr>
+          <p:cNvPr id="15" name="Picture 6" descr="ttps://shop.ls-bw.de/images/logo.png"/>
+          <p:cNvPicPr>
+            <a:picLocks noChangeAspect="1" noChangeArrowheads="1"/>
+          </p:cNvPicPr>
+          <p:nvPr/>
+        </p:nvPicPr>
+        <p:blipFill rotWithShape="1">
+          <a:blip r:embed="rId8">
+            <a:extLst>
+              <a:ext uri="{28A0092B-C50C-407E-A947-70E740481C1C}">
+                <a14:useLocalDpi xmlns:a14="http://schemas.microsoft.com/office/drawing/2010/main" val="0"/>
+              </a:ext>
+            </a:extLst>
+          </a:blip>
+          <a:srcRect r="68468"/>
+          <a:stretch/>
+        </p:blipFill>
+        <p:spPr bwMode="auto">
+          <a:xfrm>
+            <a:off x="5642846" y="3385830"/>
+            <a:ext cx="885555" cy="766846"/>
+          </a:xfrm>
+          <a:prstGeom prst="rect">
+            <a:avLst/>
+          </a:prstGeom>
+          <a:noFill/>
+          <a:extLst>
+            <a:ext uri="{909E8E84-426E-40DD-AFC4-6F175D3DCCD1}">
+              <a14:hiddenFill xmlns:a14="http://schemas.microsoft.com/office/drawing/2010/main">
+                <a:solidFill>
+                  <a:srgbClr val="FFFFFF"/>
+                </a:solidFill>
+              </a14:hiddenFill>
+            </a:ext>
+          </a:extLst>
+        </p:spPr>
+      </p:pic>
+      <p:pic>
+        <p:nvPicPr>
+          <p:cNvPr id="17" name="Bild 16"/>
+          <p:cNvPicPr>
+            <a:picLocks noChangeAspect="1"/>
+          </p:cNvPicPr>
+          <p:nvPr/>
+        </p:nvPicPr>
+        <p:blipFill>
+          <a:blip r:embed="rId9">
+            <a:extLst>
+              <a:ext uri="{28A0092B-C50C-407E-A947-70E740481C1C}">
+                <a14:useLocalDpi xmlns:a14="http://schemas.microsoft.com/office/drawing/2010/main" val="0"/>
+              </a:ext>
+            </a:extLst>
+          </a:blip>
+          <a:stretch>
+            <a:fillRect/>
+          </a:stretch>
+        </p:blipFill>
+        <p:spPr>
+          <a:xfrm>
+            <a:off x="10457058" y="1910037"/>
+            <a:ext cx="447554" cy="447554"/>
+          </a:xfrm>
+          <a:prstGeom prst="rect">
+            <a:avLst/>
+          </a:prstGeom>
+        </p:spPr>
+      </p:pic>
+      <p:pic>
+        <p:nvPicPr>
+          <p:cNvPr id="18" name="Bild 17"/>
+          <p:cNvPicPr>
+            <a:picLocks noChangeAspect="1"/>
+          </p:cNvPicPr>
+          <p:nvPr/>
+        </p:nvPicPr>
+        <p:blipFill>
+          <a:blip r:embed="rId2">
+            <a:alphaModFix amt="68000"/>
+            <a:extLst>
+              <a:ext uri="{28A0092B-C50C-407E-A947-70E740481C1C}">
+                <a14:useLocalDpi xmlns:a14="http://schemas.microsoft.com/office/drawing/2010/main" val="0"/>
+              </a:ext>
+            </a:extLst>
+          </a:blip>
+          <a:stretch>
+            <a:fillRect/>
+          </a:stretch>
+        </p:blipFill>
+        <p:spPr>
+          <a:xfrm>
+            <a:off x="11207058" y="2682704"/>
+            <a:ext cx="490659" cy="490659"/>
+          </a:xfrm>
+          <a:prstGeom prst="rect">
+            <a:avLst/>
+          </a:prstGeom>
+        </p:spPr>
+      </p:pic>
+      <p:pic>
+        <p:nvPicPr>
+          <p:cNvPr id="19" name="Bild 18"/>
+          <p:cNvPicPr>
+            <a:picLocks noChangeAspect="1"/>
+          </p:cNvPicPr>
+          <p:nvPr/>
+        </p:nvPicPr>
+        <p:blipFill>
+          <a:blip r:embed="rId10">
+            <a:alphaModFix amt="69000"/>
+            <a:extLst>
+              <a:ext uri="{28A0092B-C50C-407E-A947-70E740481C1C}">
+                <a14:useLocalDpi xmlns:a14="http://schemas.microsoft.com/office/drawing/2010/main" val="0"/>
+              </a:ext>
+            </a:extLst>
+          </a:blip>
+          <a:stretch>
+            <a:fillRect/>
+          </a:stretch>
+        </p:blipFill>
+        <p:spPr>
+          <a:xfrm>
+            <a:off x="9862706" y="3724098"/>
+            <a:ext cx="447554" cy="381912"/>
+          </a:xfrm>
+          <a:prstGeom prst="rect">
+            <a:avLst/>
+          </a:prstGeom>
+        </p:spPr>
+      </p:pic>
+      <p:pic>
+        <p:nvPicPr>
+          <p:cNvPr id="20" name="Bild 19"/>
+          <p:cNvPicPr>
+            <a:picLocks noChangeAspect="1"/>
+          </p:cNvPicPr>
+          <p:nvPr/>
+        </p:nvPicPr>
+        <p:blipFill>
+          <a:blip r:embed="rId3">
+            <a:alphaModFix amt="63000"/>
+            <a:extLst>
+              <a:ext uri="{28A0092B-C50C-407E-A947-70E740481C1C}">
+                <a14:useLocalDpi xmlns:a14="http://schemas.microsoft.com/office/drawing/2010/main" val="0"/>
+              </a:ext>
+            </a:extLst>
+          </a:blip>
+          <a:stretch>
+            <a:fillRect/>
+          </a:stretch>
+        </p:blipFill>
+        <p:spPr>
+          <a:xfrm>
+            <a:off x="10866382" y="3582091"/>
+            <a:ext cx="544705" cy="544705"/>
+          </a:xfrm>
+          <a:prstGeom prst="rect">
+            <a:avLst/>
+          </a:prstGeom>
+        </p:spPr>
+      </p:pic>
+      <p:sp>
+        <p:nvSpPr>
+          <p:cNvPr id="21" name="Textfeld 20"/>
+          <p:cNvSpPr txBox="1"/>
+          <p:nvPr/>
+        </p:nvSpPr>
+        <p:spPr>
+          <a:xfrm>
+            <a:off x="3649119" y="1988857"/>
+            <a:ext cx="1086521" cy="369332"/>
+          </a:xfrm>
+          <a:prstGeom prst="rect">
+            <a:avLst/>
+          </a:prstGeom>
+          <a:noFill/>
+        </p:spPr>
+        <p:txBody>
+          <a:bodyPr wrap="square" rtlCol="0">
+            <a:spAutoFit/>
+          </a:bodyPr>
+          <a:lstStyle/>
+          <a:p>
+            <a:pPr algn="ctr"/>
+            <a:r>
+              <a:rPr lang="de-DE" b="1" dirty="0" smtClean="0">
+                <a:solidFill>
+                  <a:srgbClr val="A51E41"/>
+                </a:solidFill>
+                <a:latin typeface="Lato" charset="0"/>
+                <a:ea typeface="Lato" charset="0"/>
+                <a:cs typeface="Lato" charset="0"/>
+              </a:rPr>
+              <a:t>formativ</a:t>
+            </a:r>
+            <a:endParaRPr lang="de-DE" sz="2400" b="1" dirty="0">
+              <a:solidFill>
+                <a:srgbClr val="A51E41"/>
+              </a:solidFill>
+              <a:latin typeface="Lato" charset="0"/>
+              <a:ea typeface="Lato" charset="0"/>
+              <a:cs typeface="Lato" charset="0"/>
+            </a:endParaRPr>
+          </a:p>
+        </p:txBody>
+      </p:sp>
+      <p:sp>
+        <p:nvSpPr>
+          <p:cNvPr id="22" name="Textfeld 21"/>
+          <p:cNvSpPr txBox="1"/>
+          <p:nvPr/>
+        </p:nvSpPr>
+        <p:spPr>
+          <a:xfrm>
+            <a:off x="7708525" y="1988857"/>
+            <a:ext cx="1222288" cy="369332"/>
+          </a:xfrm>
+          <a:prstGeom prst="rect">
+            <a:avLst/>
+          </a:prstGeom>
+          <a:noFill/>
+        </p:spPr>
+        <p:txBody>
+          <a:bodyPr wrap="square" rtlCol="0">
+            <a:spAutoFit/>
+          </a:bodyPr>
+          <a:lstStyle/>
+          <a:p>
+            <a:pPr algn="ctr"/>
+            <a:r>
+              <a:rPr lang="de-DE" b="1" smtClean="0">
+                <a:solidFill>
+                  <a:srgbClr val="A51E41"/>
+                </a:solidFill>
+                <a:latin typeface="Lato" charset="0"/>
+                <a:ea typeface="Lato" charset="0"/>
+                <a:cs typeface="Lato" charset="0"/>
+              </a:rPr>
+              <a:t>summativ</a:t>
+            </a:r>
+            <a:endParaRPr lang="de-DE" sz="2400" b="1" dirty="0">
+              <a:solidFill>
+                <a:srgbClr val="A51E41"/>
+              </a:solidFill>
+              <a:latin typeface="Lato" charset="0"/>
+              <a:ea typeface="Lato" charset="0"/>
+              <a:cs typeface="Lato" charset="0"/>
+            </a:endParaRPr>
+          </a:p>
+        </p:txBody>
+      </p:sp>
+      <p:sp>
+        <p:nvSpPr>
+          <p:cNvPr id="23" name="Rechteck 22"/>
+          <p:cNvSpPr/>
+          <p:nvPr/>
+        </p:nvSpPr>
+        <p:spPr>
+          <a:xfrm>
+            <a:off x="7532145" y="1301675"/>
+            <a:ext cx="4165572" cy="3227295"/>
+          </a:xfrm>
+          <a:prstGeom prst="rect">
+            <a:avLst/>
+          </a:prstGeom>
+          <a:solidFill>
+            <a:schemeClr val="bg1"/>
+          </a:solidFill>
+          <a:ln>
+            <a:noFill/>
+          </a:ln>
+        </p:spPr>
+        <p:style>
+          <a:lnRef idx="2">
+            <a:schemeClr val="accent1">
+              <a:shade val="50000"/>
+            </a:schemeClr>
+          </a:lnRef>
+          <a:fillRef idx="1">
+            <a:schemeClr val="accent1"/>
+          </a:fillRef>
+          <a:effectRef idx="0">
+            <a:schemeClr val="accent1"/>
+          </a:effectRef>
+          <a:fontRef idx="minor">
+            <a:schemeClr val="lt1"/>
+          </a:fontRef>
+        </p:style>
+        <p:txBody>
+          <a:bodyPr rtlCol="0" anchor="ctr"/>
+          <a:lstStyle/>
+          <a:p>
+            <a:pPr algn="ctr"/>
+            <a:endParaRPr lang="de-DE"/>
+          </a:p>
+        </p:txBody>
+      </p:sp>
+    </p:spTree>
+    <p:extLst>
+      <p:ext uri="{BB962C8B-B14F-4D97-AF65-F5344CB8AC3E}">
+        <p14:creationId xmlns:p14="http://schemas.microsoft.com/office/powerpoint/2010/main" val="948497966"/>
+      </p:ext>
+    </p:extLst>
+  </p:cSld>
+  <p:clrMapOvr>
+    <a:masterClrMapping/>
+  </p:clrMapOvr>
+</p:sld>
+</file>
+
+<file path=ppt/slides/slide21.xml><?xml version="1.0" encoding="utf-8"?>
+<p:sld xmlns:a="http://schemas.openxmlformats.org/drawingml/2006/main" xmlns:r="http://schemas.openxmlformats.org/officeDocument/2006/relationships" xmlns:p="http://schemas.openxmlformats.org/presentationml/2006/main">
+  <p:cSld>
+    <p:spTree>
+      <p:nvGrpSpPr>
+        <p:cNvPr id="1" name=""/>
+        <p:cNvGrpSpPr/>
+        <p:nvPr/>
+      </p:nvGrpSpPr>
+      <p:grpSpPr>
+        <a:xfrm>
+          <a:off x="0" y="0"/>
+          <a:ext cx="0" cy="0"/>
+          <a:chOff x="0" y="0"/>
+          <a:chExt cx="0" cy="0"/>
+        </a:xfrm>
+      </p:grpSpPr>
+      <p:grpSp>
+        <p:nvGrpSpPr>
+          <p:cNvPr id="2" name="Gruppierung 1"/>
+          <p:cNvGrpSpPr/>
+          <p:nvPr/>
+        </p:nvGrpSpPr>
+        <p:grpSpPr>
+          <a:xfrm>
+            <a:off x="1699709" y="1205771"/>
+            <a:ext cx="9998008" cy="3323200"/>
+            <a:chOff x="1699709" y="1205771"/>
+            <a:chExt cx="9998008" cy="3323200"/>
+          </a:xfrm>
+        </p:grpSpPr>
+        <p:sp>
+          <p:nvSpPr>
+            <p:cNvPr id="3" name="Legende m. Pfeil nach links u. rechts 2"/>
+            <p:cNvSpPr/>
+            <p:nvPr/>
+          </p:nvSpPr>
+          <p:spPr>
+            <a:xfrm>
+              <a:off x="2485015" y="1667436"/>
+              <a:ext cx="7551869" cy="2861534"/>
+            </a:xfrm>
+            <a:prstGeom prst="leftRightArrowCallout">
+              <a:avLst>
+                <a:gd name="adj1" fmla="val 50000"/>
+                <a:gd name="adj2" fmla="val 25376"/>
+                <a:gd name="adj3" fmla="val 32273"/>
+                <a:gd name="adj4" fmla="val 33878"/>
+              </a:avLst>
+            </a:prstGeom>
+            <a:solidFill>
+              <a:srgbClr val="FFE0DD"/>
+            </a:solidFill>
+            <a:ln>
+              <a:solidFill>
+                <a:srgbClr val="FFE0DD"/>
+              </a:solidFill>
+            </a:ln>
+          </p:spPr>
+          <p:style>
+            <a:lnRef idx="2">
+              <a:schemeClr val="accent1">
+                <a:shade val="50000"/>
+              </a:schemeClr>
+            </a:lnRef>
+            <a:fillRef idx="1">
+              <a:schemeClr val="accent1"/>
+            </a:fillRef>
+            <a:effectRef idx="0">
+              <a:schemeClr val="accent1"/>
+            </a:effectRef>
+            <a:fontRef idx="minor">
+              <a:schemeClr val="lt1"/>
+            </a:fontRef>
+          </p:style>
+          <p:txBody>
+            <a:bodyPr rtlCol="0" anchor="ctr"/>
+            <a:lstStyle/>
+            <a:p>
+              <a:pPr algn="ctr"/>
+              <a:endParaRPr lang="de-DE"/>
+            </a:p>
+          </p:txBody>
+        </p:sp>
+        <p:sp>
+          <p:nvSpPr>
+            <p:cNvPr id="5" name="Textfeld 4"/>
+            <p:cNvSpPr txBox="1"/>
+            <p:nvPr/>
+          </p:nvSpPr>
+          <p:spPr>
+            <a:xfrm>
+              <a:off x="5717688" y="1205771"/>
+              <a:ext cx="1086521" cy="461665"/>
+            </a:xfrm>
+            <a:prstGeom prst="rect">
+              <a:avLst/>
+            </a:prstGeom>
+            <a:noFill/>
+          </p:spPr>
+          <p:txBody>
+            <a:bodyPr wrap="square" rtlCol="0">
+              <a:spAutoFit/>
+            </a:bodyPr>
+            <a:lstStyle/>
+            <a:p>
+              <a:pPr algn="ctr"/>
+              <a:r>
+                <a:rPr lang="de-DE" sz="2400" b="1" smtClean="0">
+                  <a:solidFill>
+                    <a:srgbClr val="A51E41"/>
+                  </a:solidFill>
+                  <a:latin typeface="Lato" charset="0"/>
+                  <a:ea typeface="Lato" charset="0"/>
+                  <a:cs typeface="Lato" charset="0"/>
+                </a:rPr>
+                <a:t>Daten</a:t>
+              </a:r>
+              <a:endParaRPr lang="de-DE" sz="3200" b="1" dirty="0">
+                <a:solidFill>
+                  <a:srgbClr val="A51E41"/>
+                </a:solidFill>
+                <a:latin typeface="Lato" charset="0"/>
+                <a:ea typeface="Lato" charset="0"/>
+                <a:cs typeface="Lato" charset="0"/>
+              </a:endParaRPr>
+            </a:p>
+          </p:txBody>
+        </p:sp>
+        <p:sp>
+          <p:nvSpPr>
+            <p:cNvPr id="6" name="Textfeld 5"/>
+            <p:cNvSpPr txBox="1"/>
+            <p:nvPr/>
+          </p:nvSpPr>
+          <p:spPr>
+            <a:xfrm>
+              <a:off x="3141233" y="2682704"/>
+              <a:ext cx="1947134" cy="830997"/>
+            </a:xfrm>
+            <a:prstGeom prst="rect">
+              <a:avLst/>
+            </a:prstGeom>
+            <a:noFill/>
+          </p:spPr>
+          <p:txBody>
+            <a:bodyPr wrap="square" rtlCol="0">
+              <a:spAutoFit/>
+            </a:bodyPr>
+            <a:lstStyle/>
+            <a:p>
+              <a:pPr algn="ctr"/>
+              <a:r>
+                <a:rPr lang="de-DE" sz="2400" b="1" smtClean="0">
+                  <a:solidFill>
+                    <a:srgbClr val="A51E41"/>
+                  </a:solidFill>
+                  <a:latin typeface="Lato" charset="0"/>
+                  <a:ea typeface="Lato" charset="0"/>
+                  <a:cs typeface="Lato" charset="0"/>
+                </a:rPr>
+                <a:t>Unterrichts- </a:t>
+              </a:r>
+              <a:r>
+                <a:rPr lang="de-DE" sz="2400" b="1" dirty="0" err="1" smtClean="0">
+                  <a:solidFill>
+                    <a:srgbClr val="A51E41"/>
+                  </a:solidFill>
+                  <a:latin typeface="Lato" charset="0"/>
+                  <a:ea typeface="Lato" charset="0"/>
+                  <a:cs typeface="Lato" charset="0"/>
+                </a:rPr>
+                <a:t>qualität</a:t>
+              </a:r>
+              <a:endParaRPr lang="de-DE" sz="3200" b="1" dirty="0">
+                <a:solidFill>
+                  <a:srgbClr val="A51E41"/>
+                </a:solidFill>
+                <a:latin typeface="Lato" charset="0"/>
+                <a:ea typeface="Lato" charset="0"/>
+                <a:cs typeface="Lato" charset="0"/>
+              </a:endParaRPr>
+            </a:p>
+          </p:txBody>
+        </p:sp>
+        <p:sp>
+          <p:nvSpPr>
+            <p:cNvPr id="7" name="Textfeld 6"/>
+            <p:cNvSpPr txBox="1"/>
+            <p:nvPr/>
+          </p:nvSpPr>
+          <p:spPr>
+            <a:xfrm>
+              <a:off x="7532145" y="2867369"/>
+              <a:ext cx="1814453" cy="461665"/>
+            </a:xfrm>
+            <a:prstGeom prst="rect">
+              <a:avLst/>
+            </a:prstGeom>
+            <a:noFill/>
+          </p:spPr>
+          <p:txBody>
+            <a:bodyPr wrap="square" rtlCol="0">
+              <a:spAutoFit/>
+            </a:bodyPr>
+            <a:lstStyle/>
+            <a:p>
+              <a:pPr algn="ctr"/>
+              <a:r>
+                <a:rPr lang="de-DE" sz="2400" b="1" smtClean="0">
+                  <a:solidFill>
+                    <a:srgbClr val="A51E41"/>
+                  </a:solidFill>
+                  <a:latin typeface="Lato" charset="0"/>
+                  <a:ea typeface="Lato" charset="0"/>
+                  <a:cs typeface="Lato" charset="0"/>
+                </a:rPr>
+                <a:t>Leistung</a:t>
+              </a:r>
+              <a:endParaRPr lang="de-DE" sz="3200" b="1" dirty="0">
+                <a:solidFill>
+                  <a:srgbClr val="A51E41"/>
+                </a:solidFill>
+                <a:latin typeface="Lato" charset="0"/>
+                <a:ea typeface="Lato" charset="0"/>
+                <a:cs typeface="Lato" charset="0"/>
+              </a:endParaRPr>
+            </a:p>
+          </p:txBody>
+        </p:sp>
+        <p:pic>
+          <p:nvPicPr>
+            <p:cNvPr id="8" name="Bild 7"/>
+            <p:cNvPicPr>
+              <a:picLocks noChangeAspect="1"/>
+            </p:cNvPicPr>
+            <p:nvPr/>
+          </p:nvPicPr>
+          <p:blipFill>
+            <a:blip r:embed="rId2">
+              <a:extLst>
+                <a:ext uri="{28A0092B-C50C-407E-A947-70E740481C1C}">
+                  <a14:useLocalDpi xmlns:a14="http://schemas.microsoft.com/office/drawing/2010/main" val="0"/>
+                </a:ext>
+              </a:extLst>
+            </a:blip>
+            <a:stretch>
+              <a:fillRect/>
+            </a:stretch>
+          </p:blipFill>
+          <p:spPr>
+            <a:xfrm>
+              <a:off x="1699709" y="2357591"/>
+              <a:ext cx="650226" cy="650226"/>
+            </a:xfrm>
+            <a:prstGeom prst="rect">
+              <a:avLst/>
+            </a:prstGeom>
+          </p:spPr>
+        </p:pic>
+        <p:pic>
+          <p:nvPicPr>
+            <p:cNvPr id="9" name="Bild 8"/>
+            <p:cNvPicPr>
+              <a:picLocks noChangeAspect="1"/>
+            </p:cNvPicPr>
+            <p:nvPr/>
+          </p:nvPicPr>
+          <p:blipFill>
+            <a:blip r:embed="rId3">
+              <a:extLst>
+                <a:ext uri="{28A0092B-C50C-407E-A947-70E740481C1C}">
+                  <a14:useLocalDpi xmlns:a14="http://schemas.microsoft.com/office/drawing/2010/main" val="0"/>
+                </a:ext>
+              </a:extLst>
+            </a:blip>
+            <a:stretch>
+              <a:fillRect/>
+            </a:stretch>
+          </p:blipFill>
+          <p:spPr>
+            <a:xfrm>
+              <a:off x="1841064" y="3329034"/>
+              <a:ext cx="717766" cy="717766"/>
+            </a:xfrm>
+            <a:prstGeom prst="rect">
+              <a:avLst/>
+            </a:prstGeom>
+          </p:spPr>
+        </p:pic>
+        <p:pic>
+          <p:nvPicPr>
+            <p:cNvPr id="11" name="Bild 10"/>
+            <p:cNvPicPr>
+              <a:picLocks noChangeAspect="1"/>
+            </p:cNvPicPr>
+            <p:nvPr/>
+          </p:nvPicPr>
+          <p:blipFill>
+            <a:blip r:embed="rId4">
+              <a:duotone>
+                <a:prstClr val="black"/>
+                <a:srgbClr val="515151">
+                  <a:tint val="45000"/>
+                  <a:satMod val="400000"/>
+                </a:srgbClr>
+              </a:duotone>
+              <a:alphaModFix amt="67000"/>
+            </a:blip>
+            <a:stretch>
+              <a:fillRect/>
+            </a:stretch>
+          </p:blipFill>
+          <p:spPr>
+            <a:xfrm>
+              <a:off x="10334250" y="3071921"/>
+              <a:ext cx="514225" cy="514225"/>
+            </a:xfrm>
+            <a:prstGeom prst="rect">
+              <a:avLst/>
+            </a:prstGeom>
+          </p:spPr>
+        </p:pic>
+        <p:pic>
+          <p:nvPicPr>
+            <p:cNvPr id="12" name="Bild 11"/>
+            <p:cNvPicPr>
+              <a:picLocks noChangeAspect="1"/>
+            </p:cNvPicPr>
+            <p:nvPr/>
+          </p:nvPicPr>
+          <p:blipFill>
+            <a:blip r:embed="rId5">
+              <a:alphaModFix amt="69000"/>
+              <a:extLst>
+                <a:ext uri="{28A0092B-C50C-407E-A947-70E740481C1C}">
+                  <a14:useLocalDpi xmlns:a14="http://schemas.microsoft.com/office/drawing/2010/main" val="0"/>
+                </a:ext>
+              </a:extLst>
+            </a:blip>
+            <a:stretch>
+              <a:fillRect/>
+            </a:stretch>
+          </p:blipFill>
+          <p:spPr>
+            <a:xfrm>
+              <a:off x="10099091" y="2468427"/>
+              <a:ext cx="398942" cy="398942"/>
+            </a:xfrm>
+            <a:prstGeom prst="rect">
+              <a:avLst/>
+            </a:prstGeom>
+          </p:spPr>
+        </p:pic>
+        <p:pic>
+          <p:nvPicPr>
+            <p:cNvPr id="13" name="Bild 12"/>
+            <p:cNvPicPr>
+              <a:picLocks noChangeAspect="1"/>
+            </p:cNvPicPr>
+            <p:nvPr/>
+          </p:nvPicPr>
+          <p:blipFill>
+            <a:blip r:embed="rId6">
+              <a:extLst>
+                <a:ext uri="{28A0092B-C50C-407E-A947-70E740481C1C}">
+                  <a14:useLocalDpi xmlns:a14="http://schemas.microsoft.com/office/drawing/2010/main" val="0"/>
+                </a:ext>
+              </a:extLst>
+            </a:blip>
+            <a:stretch>
+              <a:fillRect/>
+            </a:stretch>
+          </p:blipFill>
+          <p:spPr>
+            <a:xfrm>
+              <a:off x="6528401" y="2198615"/>
+              <a:ext cx="714953" cy="1039459"/>
+            </a:xfrm>
+            <a:prstGeom prst="rect">
+              <a:avLst/>
+            </a:prstGeom>
+          </p:spPr>
+        </p:pic>
+        <p:pic>
+          <p:nvPicPr>
+            <p:cNvPr id="14" name="Bild 13"/>
+            <p:cNvPicPr>
+              <a:picLocks noChangeAspect="1"/>
+            </p:cNvPicPr>
+            <p:nvPr/>
+          </p:nvPicPr>
+          <p:blipFill rotWithShape="1">
+            <a:blip r:embed="rId7">
+              <a:extLst>
+                <a:ext uri="{28A0092B-C50C-407E-A947-70E740481C1C}">
+                  <a14:useLocalDpi xmlns:a14="http://schemas.microsoft.com/office/drawing/2010/main" val="0"/>
+                </a:ext>
+              </a:extLst>
+            </a:blip>
+            <a:srcRect r="52939" b="41765"/>
+            <a:stretch/>
+          </p:blipFill>
+          <p:spPr>
+            <a:xfrm>
+              <a:off x="5250924" y="2184661"/>
+              <a:ext cx="1101071" cy="540220"/>
+            </a:xfrm>
+            <a:prstGeom prst="rect">
+              <a:avLst/>
+            </a:prstGeom>
+          </p:spPr>
+        </p:pic>
+        <p:pic>
+          <p:nvPicPr>
+            <p:cNvPr id="15" name="Picture 6" descr="ttps://shop.ls-bw.de/images/logo.png"/>
+            <p:cNvPicPr>
+              <a:picLocks noChangeAspect="1" noChangeArrowheads="1"/>
+            </p:cNvPicPr>
+            <p:nvPr/>
+          </p:nvPicPr>
+          <p:blipFill rotWithShape="1">
+            <a:blip r:embed="rId8">
+              <a:extLst>
+                <a:ext uri="{28A0092B-C50C-407E-A947-70E740481C1C}">
+                  <a14:useLocalDpi xmlns:a14="http://schemas.microsoft.com/office/drawing/2010/main" val="0"/>
+                </a:ext>
+              </a:extLst>
+            </a:blip>
+            <a:srcRect r="68468"/>
+            <a:stretch/>
+          </p:blipFill>
+          <p:spPr bwMode="auto">
+            <a:xfrm>
+              <a:off x="5642846" y="3385830"/>
+              <a:ext cx="885555" cy="766846"/>
+            </a:xfrm>
+            <a:prstGeom prst="rect">
+              <a:avLst/>
+            </a:prstGeom>
+            <a:noFill/>
+            <a:extLst>
+              <a:ext uri="{909E8E84-426E-40DD-AFC4-6F175D3DCCD1}">
+                <a14:hiddenFill xmlns:a14="http://schemas.microsoft.com/office/drawing/2010/main">
+                  <a:solidFill>
+                    <a:srgbClr val="FFFFFF"/>
+                  </a:solidFill>
+                </a14:hiddenFill>
+              </a:ext>
+            </a:extLst>
+          </p:spPr>
+        </p:pic>
+        <p:pic>
+          <p:nvPicPr>
+            <p:cNvPr id="17" name="Bild 16"/>
+            <p:cNvPicPr>
+              <a:picLocks noChangeAspect="1"/>
+            </p:cNvPicPr>
+            <p:nvPr/>
+          </p:nvPicPr>
+          <p:blipFill>
+            <a:blip r:embed="rId9">
+              <a:extLst>
+                <a:ext uri="{28A0092B-C50C-407E-A947-70E740481C1C}">
+                  <a14:useLocalDpi xmlns:a14="http://schemas.microsoft.com/office/drawing/2010/main" val="0"/>
+                </a:ext>
+              </a:extLst>
+            </a:blip>
+            <a:stretch>
+              <a:fillRect/>
+            </a:stretch>
+          </p:blipFill>
+          <p:spPr>
+            <a:xfrm>
+              <a:off x="10457058" y="1910037"/>
+              <a:ext cx="447554" cy="447554"/>
+            </a:xfrm>
+            <a:prstGeom prst="rect">
+              <a:avLst/>
+            </a:prstGeom>
+          </p:spPr>
+        </p:pic>
+        <p:pic>
+          <p:nvPicPr>
+            <p:cNvPr id="18" name="Bild 17"/>
+            <p:cNvPicPr>
+              <a:picLocks noChangeAspect="1"/>
+            </p:cNvPicPr>
+            <p:nvPr/>
+          </p:nvPicPr>
+          <p:blipFill>
+            <a:blip r:embed="rId2">
+              <a:alphaModFix amt="68000"/>
+              <a:extLst>
+                <a:ext uri="{28A0092B-C50C-407E-A947-70E740481C1C}">
+                  <a14:useLocalDpi xmlns:a14="http://schemas.microsoft.com/office/drawing/2010/main" val="0"/>
+                </a:ext>
+              </a:extLst>
+            </a:blip>
+            <a:stretch>
+              <a:fillRect/>
+            </a:stretch>
+          </p:blipFill>
+          <p:spPr>
+            <a:xfrm>
+              <a:off x="11207058" y="2682704"/>
+              <a:ext cx="490659" cy="490659"/>
+            </a:xfrm>
+            <a:prstGeom prst="rect">
+              <a:avLst/>
+            </a:prstGeom>
+          </p:spPr>
+        </p:pic>
+        <p:pic>
+          <p:nvPicPr>
+            <p:cNvPr id="19" name="Bild 18"/>
+            <p:cNvPicPr>
+              <a:picLocks noChangeAspect="1"/>
+            </p:cNvPicPr>
+            <p:nvPr/>
+          </p:nvPicPr>
+          <p:blipFill>
+            <a:blip r:embed="rId10">
+              <a:alphaModFix amt="69000"/>
+              <a:extLst>
+                <a:ext uri="{28A0092B-C50C-407E-A947-70E740481C1C}">
+                  <a14:useLocalDpi xmlns:a14="http://schemas.microsoft.com/office/drawing/2010/main" val="0"/>
+                </a:ext>
+              </a:extLst>
+            </a:blip>
+            <a:stretch>
+              <a:fillRect/>
+            </a:stretch>
+          </p:blipFill>
+          <p:spPr>
+            <a:xfrm>
+              <a:off x="9862706" y="3724098"/>
+              <a:ext cx="447554" cy="381912"/>
+            </a:xfrm>
+            <a:prstGeom prst="rect">
+              <a:avLst/>
+            </a:prstGeom>
+          </p:spPr>
+        </p:pic>
+        <p:pic>
+          <p:nvPicPr>
+            <p:cNvPr id="20" name="Bild 19"/>
+            <p:cNvPicPr>
+              <a:picLocks noChangeAspect="1"/>
+            </p:cNvPicPr>
+            <p:nvPr/>
+          </p:nvPicPr>
+          <p:blipFill>
+            <a:blip r:embed="rId3">
+              <a:alphaModFix amt="63000"/>
+              <a:extLst>
+                <a:ext uri="{28A0092B-C50C-407E-A947-70E740481C1C}">
+                  <a14:useLocalDpi xmlns:a14="http://schemas.microsoft.com/office/drawing/2010/main" val="0"/>
+                </a:ext>
+              </a:extLst>
+            </a:blip>
+            <a:stretch>
+              <a:fillRect/>
+            </a:stretch>
+          </p:blipFill>
+          <p:spPr>
+            <a:xfrm>
+              <a:off x="10866382" y="3582091"/>
+              <a:ext cx="544705" cy="544705"/>
+            </a:xfrm>
+            <a:prstGeom prst="rect">
+              <a:avLst/>
+            </a:prstGeom>
+          </p:spPr>
+        </p:pic>
+        <p:sp>
+          <p:nvSpPr>
+            <p:cNvPr id="21" name="Textfeld 20"/>
+            <p:cNvSpPr txBox="1"/>
+            <p:nvPr/>
+          </p:nvSpPr>
+          <p:spPr>
+            <a:xfrm>
+              <a:off x="3649119" y="1988857"/>
+              <a:ext cx="1086521" cy="369332"/>
+            </a:xfrm>
+            <a:prstGeom prst="rect">
+              <a:avLst/>
+            </a:prstGeom>
+            <a:noFill/>
+          </p:spPr>
+          <p:txBody>
+            <a:bodyPr wrap="square" rtlCol="0">
+              <a:spAutoFit/>
+            </a:bodyPr>
+            <a:lstStyle/>
+            <a:p>
+              <a:pPr algn="ctr"/>
+              <a:r>
+                <a:rPr lang="de-DE" b="1" dirty="0" smtClean="0">
+                  <a:solidFill>
+                    <a:srgbClr val="A51E41"/>
+                  </a:solidFill>
+                  <a:latin typeface="Lato" charset="0"/>
+                  <a:ea typeface="Lato" charset="0"/>
+                  <a:cs typeface="Lato" charset="0"/>
+                </a:rPr>
+                <a:t>formativ</a:t>
+              </a:r>
+              <a:endParaRPr lang="de-DE" sz="2400" b="1" dirty="0">
+                <a:solidFill>
+                  <a:srgbClr val="A51E41"/>
+                </a:solidFill>
+                <a:latin typeface="Lato" charset="0"/>
+                <a:ea typeface="Lato" charset="0"/>
+                <a:cs typeface="Lato" charset="0"/>
+              </a:endParaRPr>
+            </a:p>
+          </p:txBody>
+        </p:sp>
+        <p:sp>
+          <p:nvSpPr>
+            <p:cNvPr id="22" name="Textfeld 21"/>
+            <p:cNvSpPr txBox="1"/>
+            <p:nvPr/>
+          </p:nvSpPr>
+          <p:spPr>
+            <a:xfrm>
+              <a:off x="7708525" y="1988857"/>
+              <a:ext cx="1222288" cy="369332"/>
+            </a:xfrm>
+            <a:prstGeom prst="rect">
+              <a:avLst/>
+            </a:prstGeom>
+            <a:noFill/>
+          </p:spPr>
+          <p:txBody>
+            <a:bodyPr wrap="square" rtlCol="0">
+              <a:spAutoFit/>
+            </a:bodyPr>
+            <a:lstStyle/>
+            <a:p>
+              <a:pPr algn="ctr"/>
+              <a:r>
+                <a:rPr lang="de-DE" b="1" smtClean="0">
+                  <a:solidFill>
+                    <a:srgbClr val="A51E41"/>
+                  </a:solidFill>
+                  <a:latin typeface="Lato" charset="0"/>
+                  <a:ea typeface="Lato" charset="0"/>
+                  <a:cs typeface="Lato" charset="0"/>
+                </a:rPr>
+                <a:t>summativ</a:t>
+              </a:r>
+              <a:endParaRPr lang="de-DE" sz="2400" b="1" dirty="0">
+                <a:solidFill>
+                  <a:srgbClr val="A51E41"/>
+                </a:solidFill>
+                <a:latin typeface="Lato" charset="0"/>
+                <a:ea typeface="Lato" charset="0"/>
+                <a:cs typeface="Lato" charset="0"/>
+              </a:endParaRPr>
+            </a:p>
+          </p:txBody>
+        </p:sp>
+        <p:sp>
+          <p:nvSpPr>
+            <p:cNvPr id="23" name="Rechteck 22"/>
+            <p:cNvSpPr/>
+            <p:nvPr/>
+          </p:nvSpPr>
+          <p:spPr>
+            <a:xfrm>
+              <a:off x="4937760" y="1301675"/>
+              <a:ext cx="6759957" cy="3227296"/>
+            </a:xfrm>
+            <a:prstGeom prst="rect">
+              <a:avLst/>
+            </a:prstGeom>
+            <a:solidFill>
+              <a:schemeClr val="bg1"/>
+            </a:solidFill>
+            <a:ln>
+              <a:noFill/>
+            </a:ln>
+          </p:spPr>
+          <p:style>
+            <a:lnRef idx="2">
+              <a:schemeClr val="accent1">
+                <a:shade val="50000"/>
+              </a:schemeClr>
+            </a:lnRef>
+            <a:fillRef idx="1">
+              <a:schemeClr val="accent1"/>
+            </a:fillRef>
+            <a:effectRef idx="0">
+              <a:schemeClr val="accent1"/>
+            </a:effectRef>
+            <a:fontRef idx="minor">
+              <a:schemeClr val="lt1"/>
+            </a:fontRef>
+          </p:style>
+          <p:txBody>
+            <a:bodyPr rtlCol="0" anchor="ctr"/>
+            <a:lstStyle/>
+            <a:p>
+              <a:pPr algn="ctr"/>
+              <a:endParaRPr lang="de-DE"/>
+            </a:p>
+          </p:txBody>
+        </p:sp>
+      </p:grpSp>
+    </p:spTree>
+    <p:extLst>
+      <p:ext uri="{BB962C8B-B14F-4D97-AF65-F5344CB8AC3E}">
+        <p14:creationId xmlns:p14="http://schemas.microsoft.com/office/powerpoint/2010/main" val="1297219092"/>
+      </p:ext>
+    </p:extLst>
+  </p:cSld>
+  <p:clrMapOvr>
+    <a:masterClrMapping/>
+  </p:clrMapOvr>
+</p:sld>
+</file>
+
+<file path=ppt/slides/slide22.xml><?xml version="1.0" encoding="utf-8"?>
+<p:sld xmlns:a="http://schemas.openxmlformats.org/drawingml/2006/main" xmlns:r="http://schemas.openxmlformats.org/officeDocument/2006/relationships" xmlns:p="http://schemas.openxmlformats.org/presentationml/2006/main">
+  <p:cSld>
+    <p:spTree>
+      <p:nvGrpSpPr>
+        <p:cNvPr id="1" name=""/>
+        <p:cNvGrpSpPr/>
+        <p:nvPr/>
+      </p:nvGrpSpPr>
+      <p:grpSpPr>
+        <a:xfrm>
+          <a:off x="0" y="0"/>
+          <a:ext cx="0" cy="0"/>
+          <a:chOff x="0" y="0"/>
+          <a:chExt cx="0" cy="0"/>
+        </a:xfrm>
+      </p:grpSpPr>
+      <p:sp>
+        <p:nvSpPr>
+          <p:cNvPr id="3" name="Legende m. Pfeil nach links u. rechts 2"/>
+          <p:cNvSpPr/>
+          <p:nvPr/>
+        </p:nvSpPr>
+        <p:spPr>
+          <a:xfrm>
+            <a:off x="2485015" y="1667436"/>
+            <a:ext cx="7551869" cy="2861534"/>
+          </a:xfrm>
+          <a:prstGeom prst="leftRightArrowCallout">
+            <a:avLst>
+              <a:gd name="adj1" fmla="val 50000"/>
+              <a:gd name="adj2" fmla="val 25376"/>
+              <a:gd name="adj3" fmla="val 32273"/>
+              <a:gd name="adj4" fmla="val 33878"/>
+            </a:avLst>
+          </a:prstGeom>
+          <a:solidFill>
+            <a:srgbClr val="FFE0DD"/>
+          </a:solidFill>
+          <a:ln>
+            <a:solidFill>
+              <a:srgbClr val="FFE0DD"/>
+            </a:solidFill>
+          </a:ln>
+        </p:spPr>
+        <p:style>
+          <a:lnRef idx="2">
+            <a:schemeClr val="accent1">
+              <a:shade val="50000"/>
+            </a:schemeClr>
+          </a:lnRef>
+          <a:fillRef idx="1">
+            <a:schemeClr val="accent1"/>
+          </a:fillRef>
+          <a:effectRef idx="0">
+            <a:schemeClr val="accent1"/>
+          </a:effectRef>
+          <a:fontRef idx="minor">
+            <a:schemeClr val="lt1"/>
+          </a:fontRef>
+        </p:style>
+        <p:txBody>
+          <a:bodyPr rtlCol="0" anchor="ctr"/>
+          <a:lstStyle/>
+          <a:p>
+            <a:pPr algn="ctr"/>
+            <a:endParaRPr lang="de-DE"/>
+          </a:p>
+        </p:txBody>
+      </p:sp>
+      <p:sp>
+        <p:nvSpPr>
+          <p:cNvPr id="5" name="Textfeld 4"/>
+          <p:cNvSpPr txBox="1"/>
+          <p:nvPr/>
+        </p:nvSpPr>
+        <p:spPr>
+          <a:xfrm>
+            <a:off x="5717688" y="1205771"/>
+            <a:ext cx="1086521" cy="461665"/>
+          </a:xfrm>
+          <a:prstGeom prst="rect">
+            <a:avLst/>
+          </a:prstGeom>
+          <a:noFill/>
+        </p:spPr>
+        <p:txBody>
+          <a:bodyPr wrap="square" rtlCol="0">
+            <a:spAutoFit/>
+          </a:bodyPr>
+          <a:lstStyle/>
+          <a:p>
+            <a:pPr algn="ctr"/>
+            <a:r>
+              <a:rPr lang="de-DE" sz="2400" b="1" smtClean="0">
+                <a:solidFill>
+                  <a:srgbClr val="A51E41"/>
+                </a:solidFill>
+                <a:latin typeface="Lato" charset="0"/>
+                <a:ea typeface="Lato" charset="0"/>
+                <a:cs typeface="Lato" charset="0"/>
+              </a:rPr>
+              <a:t>Daten</a:t>
+            </a:r>
+            <a:endParaRPr lang="de-DE" sz="3200" b="1" dirty="0">
+              <a:solidFill>
+                <a:srgbClr val="A51E41"/>
+              </a:solidFill>
+              <a:latin typeface="Lato" charset="0"/>
+              <a:ea typeface="Lato" charset="0"/>
+              <a:cs typeface="Lato" charset="0"/>
+            </a:endParaRPr>
+          </a:p>
+        </p:txBody>
+      </p:sp>
+      <p:sp>
+        <p:nvSpPr>
+          <p:cNvPr id="6" name="Textfeld 5"/>
+          <p:cNvSpPr txBox="1"/>
+          <p:nvPr/>
+        </p:nvSpPr>
+        <p:spPr>
+          <a:xfrm>
+            <a:off x="3141233" y="2682704"/>
+            <a:ext cx="1947134" cy="830997"/>
+          </a:xfrm>
+          <a:prstGeom prst="rect">
+            <a:avLst/>
+          </a:prstGeom>
+          <a:noFill/>
+        </p:spPr>
+        <p:txBody>
+          <a:bodyPr wrap="square" rtlCol="0">
+            <a:spAutoFit/>
+          </a:bodyPr>
+          <a:lstStyle/>
+          <a:p>
+            <a:pPr algn="ctr"/>
+            <a:r>
               <a:rPr lang="de-DE" sz="2400" b="1" dirty="0" smtClean="0">
                 <a:solidFill>
                   <a:srgbClr val="A51E41"/>
@@ -15354,6 +16892,1270 @@
         </p:blipFill>
         <p:spPr>
           <a:xfrm>
+            <a:off x="6568162" y="2300869"/>
+            <a:ext cx="714953" cy="1039459"/>
+          </a:xfrm>
+          <a:prstGeom prst="rect">
+            <a:avLst/>
+          </a:prstGeom>
+        </p:spPr>
+      </p:pic>
+      <p:pic>
+        <p:nvPicPr>
+          <p:cNvPr id="14" name="Bild 13"/>
+          <p:cNvPicPr>
+            <a:picLocks noChangeAspect="1"/>
+          </p:cNvPicPr>
+          <p:nvPr/>
+        </p:nvPicPr>
+        <p:blipFill rotWithShape="1">
+          <a:blip r:embed="rId7">
+            <a:extLst>
+              <a:ext uri="{28A0092B-C50C-407E-A947-70E740481C1C}">
+                <a14:useLocalDpi xmlns:a14="http://schemas.microsoft.com/office/drawing/2010/main" val="0"/>
+              </a:ext>
+            </a:extLst>
+          </a:blip>
+          <a:srcRect r="52939" b="41765"/>
+          <a:stretch/>
+        </p:blipFill>
+        <p:spPr>
+          <a:xfrm>
+            <a:off x="5467091" y="1913622"/>
+            <a:ext cx="1101071" cy="540220"/>
+          </a:xfrm>
+          <a:prstGeom prst="rect">
+            <a:avLst/>
+          </a:prstGeom>
+        </p:spPr>
+      </p:pic>
+      <p:pic>
+        <p:nvPicPr>
+          <p:cNvPr id="15" name="Picture 6" descr="ttps://shop.ls-bw.de/images/logo.png"/>
+          <p:cNvPicPr>
+            <a:picLocks noChangeAspect="1" noChangeArrowheads="1"/>
+          </p:cNvPicPr>
+          <p:nvPr/>
+        </p:nvPicPr>
+        <p:blipFill rotWithShape="1">
+          <a:blip r:embed="rId8">
+            <a:extLst>
+              <a:ext uri="{28A0092B-C50C-407E-A947-70E740481C1C}">
+                <a14:useLocalDpi xmlns:a14="http://schemas.microsoft.com/office/drawing/2010/main" val="0"/>
+              </a:ext>
+            </a:extLst>
+          </a:blip>
+          <a:srcRect r="68468"/>
+          <a:stretch/>
+        </p:blipFill>
+        <p:spPr bwMode="auto">
+          <a:xfrm>
+            <a:off x="5306709" y="2970219"/>
+            <a:ext cx="885555" cy="766846"/>
+          </a:xfrm>
+          <a:prstGeom prst="rect">
+            <a:avLst/>
+          </a:prstGeom>
+          <a:noFill/>
+          <a:extLst>
+            <a:ext uri="{909E8E84-426E-40DD-AFC4-6F175D3DCCD1}">
+              <a14:hiddenFill xmlns:a14="http://schemas.microsoft.com/office/drawing/2010/main">
+                <a:solidFill>
+                  <a:srgbClr val="FFFFFF"/>
+                </a:solidFill>
+              </a14:hiddenFill>
+            </a:ext>
+          </a:extLst>
+        </p:spPr>
+      </p:pic>
+      <p:pic>
+        <p:nvPicPr>
+          <p:cNvPr id="17" name="Bild 16"/>
+          <p:cNvPicPr>
+            <a:picLocks noChangeAspect="1"/>
+          </p:cNvPicPr>
+          <p:nvPr/>
+        </p:nvPicPr>
+        <p:blipFill>
+          <a:blip r:embed="rId9">
+            <a:extLst>
+              <a:ext uri="{28A0092B-C50C-407E-A947-70E740481C1C}">
+                <a14:useLocalDpi xmlns:a14="http://schemas.microsoft.com/office/drawing/2010/main" val="0"/>
+              </a:ext>
+            </a:extLst>
+          </a:blip>
+          <a:stretch>
+            <a:fillRect/>
+          </a:stretch>
+        </p:blipFill>
+        <p:spPr>
+          <a:xfrm>
+            <a:off x="10457058" y="1910037"/>
+            <a:ext cx="447554" cy="447554"/>
+          </a:xfrm>
+          <a:prstGeom prst="rect">
+            <a:avLst/>
+          </a:prstGeom>
+        </p:spPr>
+      </p:pic>
+      <p:pic>
+        <p:nvPicPr>
+          <p:cNvPr id="18" name="Bild 17"/>
+          <p:cNvPicPr>
+            <a:picLocks noChangeAspect="1"/>
+          </p:cNvPicPr>
+          <p:nvPr/>
+        </p:nvPicPr>
+        <p:blipFill>
+          <a:blip r:embed="rId2">
+            <a:alphaModFix amt="68000"/>
+            <a:extLst>
+              <a:ext uri="{28A0092B-C50C-407E-A947-70E740481C1C}">
+                <a14:useLocalDpi xmlns:a14="http://schemas.microsoft.com/office/drawing/2010/main" val="0"/>
+              </a:ext>
+            </a:extLst>
+          </a:blip>
+          <a:stretch>
+            <a:fillRect/>
+          </a:stretch>
+        </p:blipFill>
+        <p:spPr>
+          <a:xfrm>
+            <a:off x="11207058" y="2682704"/>
+            <a:ext cx="490659" cy="490659"/>
+          </a:xfrm>
+          <a:prstGeom prst="rect">
+            <a:avLst/>
+          </a:prstGeom>
+        </p:spPr>
+      </p:pic>
+      <p:pic>
+        <p:nvPicPr>
+          <p:cNvPr id="19" name="Bild 18"/>
+          <p:cNvPicPr>
+            <a:picLocks noChangeAspect="1"/>
+          </p:cNvPicPr>
+          <p:nvPr/>
+        </p:nvPicPr>
+        <p:blipFill>
+          <a:blip r:embed="rId10">
+            <a:alphaModFix amt="69000"/>
+            <a:extLst>
+              <a:ext uri="{28A0092B-C50C-407E-A947-70E740481C1C}">
+                <a14:useLocalDpi xmlns:a14="http://schemas.microsoft.com/office/drawing/2010/main" val="0"/>
+              </a:ext>
+            </a:extLst>
+          </a:blip>
+          <a:stretch>
+            <a:fillRect/>
+          </a:stretch>
+        </p:blipFill>
+        <p:spPr>
+          <a:xfrm>
+            <a:off x="9862706" y="3724098"/>
+            <a:ext cx="447554" cy="381912"/>
+          </a:xfrm>
+          <a:prstGeom prst="rect">
+            <a:avLst/>
+          </a:prstGeom>
+        </p:spPr>
+      </p:pic>
+      <p:pic>
+        <p:nvPicPr>
+          <p:cNvPr id="20" name="Bild 19"/>
+          <p:cNvPicPr>
+            <a:picLocks noChangeAspect="1"/>
+          </p:cNvPicPr>
+          <p:nvPr/>
+        </p:nvPicPr>
+        <p:blipFill>
+          <a:blip r:embed="rId3">
+            <a:alphaModFix amt="63000"/>
+            <a:extLst>
+              <a:ext uri="{28A0092B-C50C-407E-A947-70E740481C1C}">
+                <a14:useLocalDpi xmlns:a14="http://schemas.microsoft.com/office/drawing/2010/main" val="0"/>
+              </a:ext>
+            </a:extLst>
+          </a:blip>
+          <a:stretch>
+            <a:fillRect/>
+          </a:stretch>
+        </p:blipFill>
+        <p:spPr>
+          <a:xfrm>
+            <a:off x="10866382" y="3582091"/>
+            <a:ext cx="544705" cy="544705"/>
+          </a:xfrm>
+          <a:prstGeom prst="rect">
+            <a:avLst/>
+          </a:prstGeom>
+        </p:spPr>
+      </p:pic>
+      <p:pic>
+        <p:nvPicPr>
+          <p:cNvPr id="2" name="Bild 1"/>
+          <p:cNvPicPr>
+            <a:picLocks noChangeAspect="1"/>
+          </p:cNvPicPr>
+          <p:nvPr/>
+        </p:nvPicPr>
+        <p:blipFill>
+          <a:blip r:embed="rId11">
+            <a:clrChange>
+              <a:clrFrom>
+                <a:srgbClr val="FFFFFF"/>
+              </a:clrFrom>
+              <a:clrTo>
+                <a:srgbClr val="FFFFFF">
+                  <a:alpha val="0"/>
+                </a:srgbClr>
+              </a:clrTo>
+            </a:clrChange>
+          </a:blip>
+          <a:stretch>
+            <a:fillRect/>
+          </a:stretch>
+        </p:blipFill>
+        <p:spPr>
+          <a:xfrm>
+            <a:off x="6214714" y="3737065"/>
+            <a:ext cx="1178989" cy="619469"/>
+          </a:xfrm>
+          <a:prstGeom prst="rect">
+            <a:avLst/>
+          </a:prstGeom>
+        </p:spPr>
+      </p:pic>
+    </p:spTree>
+    <p:extLst>
+      <p:ext uri="{BB962C8B-B14F-4D97-AF65-F5344CB8AC3E}">
+        <p14:creationId xmlns:p14="http://schemas.microsoft.com/office/powerpoint/2010/main" val="2139899913"/>
+      </p:ext>
+    </p:extLst>
+  </p:cSld>
+  <p:clrMapOvr>
+    <a:masterClrMapping/>
+  </p:clrMapOvr>
+</p:sld>
+</file>
+
+<file path=ppt/slides/slide23.xml><?xml version="1.0" encoding="utf-8"?>
+<p:sld xmlns:a="http://schemas.openxmlformats.org/drawingml/2006/main" xmlns:r="http://schemas.openxmlformats.org/officeDocument/2006/relationships" xmlns:p="http://schemas.openxmlformats.org/presentationml/2006/main">
+  <p:cSld>
+    <p:spTree>
+      <p:nvGrpSpPr>
+        <p:cNvPr id="1" name=""/>
+        <p:cNvGrpSpPr/>
+        <p:nvPr/>
+      </p:nvGrpSpPr>
+      <p:grpSpPr>
+        <a:xfrm>
+          <a:off x="0" y="0"/>
+          <a:ext cx="0" cy="0"/>
+          <a:chOff x="0" y="0"/>
+          <a:chExt cx="0" cy="0"/>
+        </a:xfrm>
+      </p:grpSpPr>
+      <p:sp>
+        <p:nvSpPr>
+          <p:cNvPr id="3" name="Legende m. Pfeil nach links u. rechts 2"/>
+          <p:cNvSpPr/>
+          <p:nvPr/>
+        </p:nvSpPr>
+        <p:spPr>
+          <a:xfrm>
+            <a:off x="2485015" y="1667436"/>
+            <a:ext cx="7551869" cy="2861534"/>
+          </a:xfrm>
+          <a:prstGeom prst="leftRightArrowCallout">
+            <a:avLst>
+              <a:gd name="adj1" fmla="val 50000"/>
+              <a:gd name="adj2" fmla="val 25376"/>
+              <a:gd name="adj3" fmla="val 32273"/>
+              <a:gd name="adj4" fmla="val 33878"/>
+            </a:avLst>
+          </a:prstGeom>
+          <a:solidFill>
+            <a:srgbClr val="FFE0DD"/>
+          </a:solidFill>
+          <a:ln>
+            <a:solidFill>
+              <a:srgbClr val="FFE0DD"/>
+            </a:solidFill>
+          </a:ln>
+        </p:spPr>
+        <p:style>
+          <a:lnRef idx="2">
+            <a:schemeClr val="accent1">
+              <a:shade val="50000"/>
+            </a:schemeClr>
+          </a:lnRef>
+          <a:fillRef idx="1">
+            <a:schemeClr val="accent1"/>
+          </a:fillRef>
+          <a:effectRef idx="0">
+            <a:schemeClr val="accent1"/>
+          </a:effectRef>
+          <a:fontRef idx="minor">
+            <a:schemeClr val="lt1"/>
+          </a:fontRef>
+        </p:style>
+        <p:txBody>
+          <a:bodyPr rtlCol="0" anchor="ctr"/>
+          <a:lstStyle/>
+          <a:p>
+            <a:pPr algn="ctr"/>
+            <a:endParaRPr lang="de-DE"/>
+          </a:p>
+        </p:txBody>
+      </p:sp>
+      <p:sp>
+        <p:nvSpPr>
+          <p:cNvPr id="5" name="Textfeld 4"/>
+          <p:cNvSpPr txBox="1"/>
+          <p:nvPr/>
+        </p:nvSpPr>
+        <p:spPr>
+          <a:xfrm>
+            <a:off x="5717688" y="1205771"/>
+            <a:ext cx="1086521" cy="461665"/>
+          </a:xfrm>
+          <a:prstGeom prst="rect">
+            <a:avLst/>
+          </a:prstGeom>
+          <a:noFill/>
+        </p:spPr>
+        <p:txBody>
+          <a:bodyPr wrap="square" rtlCol="0">
+            <a:spAutoFit/>
+          </a:bodyPr>
+          <a:lstStyle/>
+          <a:p>
+            <a:pPr algn="ctr"/>
+            <a:r>
+              <a:rPr lang="de-DE" sz="2400" b="1" smtClean="0">
+                <a:solidFill>
+                  <a:srgbClr val="A51E41"/>
+                </a:solidFill>
+                <a:latin typeface="Lato" charset="0"/>
+                <a:ea typeface="Lato" charset="0"/>
+                <a:cs typeface="Lato" charset="0"/>
+              </a:rPr>
+              <a:t>Daten</a:t>
+            </a:r>
+            <a:endParaRPr lang="de-DE" sz="3200" b="1" dirty="0">
+              <a:solidFill>
+                <a:srgbClr val="A51E41"/>
+              </a:solidFill>
+              <a:latin typeface="Lato" charset="0"/>
+              <a:ea typeface="Lato" charset="0"/>
+              <a:cs typeface="Lato" charset="0"/>
+            </a:endParaRPr>
+          </a:p>
+        </p:txBody>
+      </p:sp>
+      <p:sp>
+        <p:nvSpPr>
+          <p:cNvPr id="6" name="Textfeld 5"/>
+          <p:cNvSpPr txBox="1"/>
+          <p:nvPr/>
+        </p:nvSpPr>
+        <p:spPr>
+          <a:xfrm>
+            <a:off x="3141233" y="2682704"/>
+            <a:ext cx="1947134" cy="830997"/>
+          </a:xfrm>
+          <a:prstGeom prst="rect">
+            <a:avLst/>
+          </a:prstGeom>
+          <a:noFill/>
+        </p:spPr>
+        <p:txBody>
+          <a:bodyPr wrap="square" rtlCol="0">
+            <a:spAutoFit/>
+          </a:bodyPr>
+          <a:lstStyle/>
+          <a:p>
+            <a:pPr algn="ctr"/>
+            <a:r>
+              <a:rPr lang="de-DE" sz="2400" b="1" dirty="0" smtClean="0">
+                <a:solidFill>
+                  <a:srgbClr val="A51E41"/>
+                </a:solidFill>
+                <a:latin typeface="Lato" charset="0"/>
+                <a:ea typeface="Lato" charset="0"/>
+                <a:cs typeface="Lato" charset="0"/>
+              </a:rPr>
+              <a:t>Unterrichts- </a:t>
+            </a:r>
+            <a:r>
+              <a:rPr lang="de-DE" sz="2400" b="1" dirty="0" err="1" smtClean="0">
+                <a:solidFill>
+                  <a:srgbClr val="A51E41"/>
+                </a:solidFill>
+                <a:latin typeface="Lato" charset="0"/>
+                <a:ea typeface="Lato" charset="0"/>
+                <a:cs typeface="Lato" charset="0"/>
+              </a:rPr>
+              <a:t>qualität</a:t>
+            </a:r>
+            <a:endParaRPr lang="de-DE" sz="3200" b="1" dirty="0">
+              <a:solidFill>
+                <a:srgbClr val="A51E41"/>
+              </a:solidFill>
+              <a:latin typeface="Lato" charset="0"/>
+              <a:ea typeface="Lato" charset="0"/>
+              <a:cs typeface="Lato" charset="0"/>
+            </a:endParaRPr>
+          </a:p>
+        </p:txBody>
+      </p:sp>
+      <p:sp>
+        <p:nvSpPr>
+          <p:cNvPr id="7" name="Textfeld 6"/>
+          <p:cNvSpPr txBox="1"/>
+          <p:nvPr/>
+        </p:nvSpPr>
+        <p:spPr>
+          <a:xfrm>
+            <a:off x="7532145" y="2867369"/>
+            <a:ext cx="1814453" cy="461665"/>
+          </a:xfrm>
+          <a:prstGeom prst="rect">
+            <a:avLst/>
+          </a:prstGeom>
+          <a:noFill/>
+        </p:spPr>
+        <p:txBody>
+          <a:bodyPr wrap="square" rtlCol="0">
+            <a:spAutoFit/>
+          </a:bodyPr>
+          <a:lstStyle/>
+          <a:p>
+            <a:pPr algn="ctr"/>
+            <a:r>
+              <a:rPr lang="de-DE" sz="2400" b="1" smtClean="0">
+                <a:solidFill>
+                  <a:srgbClr val="A51E41"/>
+                </a:solidFill>
+                <a:latin typeface="Lato" charset="0"/>
+                <a:ea typeface="Lato" charset="0"/>
+                <a:cs typeface="Lato" charset="0"/>
+              </a:rPr>
+              <a:t>Leistung</a:t>
+            </a:r>
+            <a:endParaRPr lang="de-DE" sz="3200" b="1" dirty="0">
+              <a:solidFill>
+                <a:srgbClr val="A51E41"/>
+              </a:solidFill>
+              <a:latin typeface="Lato" charset="0"/>
+              <a:ea typeface="Lato" charset="0"/>
+              <a:cs typeface="Lato" charset="0"/>
+            </a:endParaRPr>
+          </a:p>
+        </p:txBody>
+      </p:sp>
+      <p:pic>
+        <p:nvPicPr>
+          <p:cNvPr id="8" name="Bild 7"/>
+          <p:cNvPicPr>
+            <a:picLocks noChangeAspect="1"/>
+          </p:cNvPicPr>
+          <p:nvPr/>
+        </p:nvPicPr>
+        <p:blipFill>
+          <a:blip r:embed="rId2">
+            <a:extLst>
+              <a:ext uri="{28A0092B-C50C-407E-A947-70E740481C1C}">
+                <a14:useLocalDpi xmlns:a14="http://schemas.microsoft.com/office/drawing/2010/main" val="0"/>
+              </a:ext>
+            </a:extLst>
+          </a:blip>
+          <a:stretch>
+            <a:fillRect/>
+          </a:stretch>
+        </p:blipFill>
+        <p:spPr>
+          <a:xfrm>
+            <a:off x="1699709" y="2357591"/>
+            <a:ext cx="650226" cy="650226"/>
+          </a:xfrm>
+          <a:prstGeom prst="rect">
+            <a:avLst/>
+          </a:prstGeom>
+        </p:spPr>
+      </p:pic>
+      <p:pic>
+        <p:nvPicPr>
+          <p:cNvPr id="9" name="Bild 8"/>
+          <p:cNvPicPr>
+            <a:picLocks noChangeAspect="1"/>
+          </p:cNvPicPr>
+          <p:nvPr/>
+        </p:nvPicPr>
+        <p:blipFill>
+          <a:blip r:embed="rId3">
+            <a:extLst>
+              <a:ext uri="{28A0092B-C50C-407E-A947-70E740481C1C}">
+                <a14:useLocalDpi xmlns:a14="http://schemas.microsoft.com/office/drawing/2010/main" val="0"/>
+              </a:ext>
+            </a:extLst>
+          </a:blip>
+          <a:stretch>
+            <a:fillRect/>
+          </a:stretch>
+        </p:blipFill>
+        <p:spPr>
+          <a:xfrm>
+            <a:off x="1841064" y="3329034"/>
+            <a:ext cx="717766" cy="717766"/>
+          </a:xfrm>
+          <a:prstGeom prst="rect">
+            <a:avLst/>
+          </a:prstGeom>
+        </p:spPr>
+      </p:pic>
+      <p:pic>
+        <p:nvPicPr>
+          <p:cNvPr id="11" name="Bild 10"/>
+          <p:cNvPicPr>
+            <a:picLocks noChangeAspect="1"/>
+          </p:cNvPicPr>
+          <p:nvPr/>
+        </p:nvPicPr>
+        <p:blipFill>
+          <a:blip r:embed="rId4">
+            <a:duotone>
+              <a:prstClr val="black"/>
+              <a:srgbClr val="515151">
+                <a:tint val="45000"/>
+                <a:satMod val="400000"/>
+              </a:srgbClr>
+            </a:duotone>
+            <a:alphaModFix amt="67000"/>
+          </a:blip>
+          <a:stretch>
+            <a:fillRect/>
+          </a:stretch>
+        </p:blipFill>
+        <p:spPr>
+          <a:xfrm>
+            <a:off x="10334250" y="3071921"/>
+            <a:ext cx="514225" cy="514225"/>
+          </a:xfrm>
+          <a:prstGeom prst="rect">
+            <a:avLst/>
+          </a:prstGeom>
+        </p:spPr>
+      </p:pic>
+      <p:pic>
+        <p:nvPicPr>
+          <p:cNvPr id="12" name="Bild 11"/>
+          <p:cNvPicPr>
+            <a:picLocks noChangeAspect="1"/>
+          </p:cNvPicPr>
+          <p:nvPr/>
+        </p:nvPicPr>
+        <p:blipFill>
+          <a:blip r:embed="rId5">
+            <a:alphaModFix amt="69000"/>
+            <a:extLst>
+              <a:ext uri="{28A0092B-C50C-407E-A947-70E740481C1C}">
+                <a14:useLocalDpi xmlns:a14="http://schemas.microsoft.com/office/drawing/2010/main" val="0"/>
+              </a:ext>
+            </a:extLst>
+          </a:blip>
+          <a:stretch>
+            <a:fillRect/>
+          </a:stretch>
+        </p:blipFill>
+        <p:spPr>
+          <a:xfrm>
+            <a:off x="10099091" y="2468427"/>
+            <a:ext cx="398942" cy="398942"/>
+          </a:xfrm>
+          <a:prstGeom prst="rect">
+            <a:avLst/>
+          </a:prstGeom>
+        </p:spPr>
+      </p:pic>
+      <p:pic>
+        <p:nvPicPr>
+          <p:cNvPr id="13" name="Bild 12"/>
+          <p:cNvPicPr>
+            <a:picLocks noChangeAspect="1"/>
+          </p:cNvPicPr>
+          <p:nvPr/>
+        </p:nvPicPr>
+        <p:blipFill>
+          <a:blip r:embed="rId6">
+            <a:extLst>
+              <a:ext uri="{28A0092B-C50C-407E-A947-70E740481C1C}">
+                <a14:useLocalDpi xmlns:a14="http://schemas.microsoft.com/office/drawing/2010/main" val="0"/>
+              </a:ext>
+            </a:extLst>
+          </a:blip>
+          <a:stretch>
+            <a:fillRect/>
+          </a:stretch>
+        </p:blipFill>
+        <p:spPr>
+          <a:xfrm>
+            <a:off x="6568162" y="2300869"/>
+            <a:ext cx="714953" cy="1039459"/>
+          </a:xfrm>
+          <a:prstGeom prst="rect">
+            <a:avLst/>
+          </a:prstGeom>
+        </p:spPr>
+      </p:pic>
+      <p:pic>
+        <p:nvPicPr>
+          <p:cNvPr id="14" name="Bild 13"/>
+          <p:cNvPicPr>
+            <a:picLocks noChangeAspect="1"/>
+          </p:cNvPicPr>
+          <p:nvPr/>
+        </p:nvPicPr>
+        <p:blipFill rotWithShape="1">
+          <a:blip r:embed="rId7">
+            <a:extLst>
+              <a:ext uri="{28A0092B-C50C-407E-A947-70E740481C1C}">
+                <a14:useLocalDpi xmlns:a14="http://schemas.microsoft.com/office/drawing/2010/main" val="0"/>
+              </a:ext>
+            </a:extLst>
+          </a:blip>
+          <a:srcRect r="52939" b="41765"/>
+          <a:stretch/>
+        </p:blipFill>
+        <p:spPr>
+          <a:xfrm>
+            <a:off x="5467091" y="1913622"/>
+            <a:ext cx="1101071" cy="540220"/>
+          </a:xfrm>
+          <a:prstGeom prst="rect">
+            <a:avLst/>
+          </a:prstGeom>
+        </p:spPr>
+      </p:pic>
+      <p:pic>
+        <p:nvPicPr>
+          <p:cNvPr id="15" name="Picture 6" descr="ttps://shop.ls-bw.de/images/logo.png"/>
+          <p:cNvPicPr>
+            <a:picLocks noChangeAspect="1" noChangeArrowheads="1"/>
+          </p:cNvPicPr>
+          <p:nvPr/>
+        </p:nvPicPr>
+        <p:blipFill rotWithShape="1">
+          <a:blip r:embed="rId8">
+            <a:extLst>
+              <a:ext uri="{28A0092B-C50C-407E-A947-70E740481C1C}">
+                <a14:useLocalDpi xmlns:a14="http://schemas.microsoft.com/office/drawing/2010/main" val="0"/>
+              </a:ext>
+            </a:extLst>
+          </a:blip>
+          <a:srcRect r="68468"/>
+          <a:stretch/>
+        </p:blipFill>
+        <p:spPr bwMode="auto">
+          <a:xfrm>
+            <a:off x="5306709" y="2970219"/>
+            <a:ext cx="885555" cy="766846"/>
+          </a:xfrm>
+          <a:prstGeom prst="rect">
+            <a:avLst/>
+          </a:prstGeom>
+          <a:noFill/>
+          <a:extLst>
+            <a:ext uri="{909E8E84-426E-40DD-AFC4-6F175D3DCCD1}">
+              <a14:hiddenFill xmlns:a14="http://schemas.microsoft.com/office/drawing/2010/main">
+                <a:solidFill>
+                  <a:srgbClr val="FFFFFF"/>
+                </a:solidFill>
+              </a14:hiddenFill>
+            </a:ext>
+          </a:extLst>
+        </p:spPr>
+      </p:pic>
+      <p:pic>
+        <p:nvPicPr>
+          <p:cNvPr id="17" name="Bild 16"/>
+          <p:cNvPicPr>
+            <a:picLocks noChangeAspect="1"/>
+          </p:cNvPicPr>
+          <p:nvPr/>
+        </p:nvPicPr>
+        <p:blipFill>
+          <a:blip r:embed="rId9">
+            <a:extLst>
+              <a:ext uri="{28A0092B-C50C-407E-A947-70E740481C1C}">
+                <a14:useLocalDpi xmlns:a14="http://schemas.microsoft.com/office/drawing/2010/main" val="0"/>
+              </a:ext>
+            </a:extLst>
+          </a:blip>
+          <a:stretch>
+            <a:fillRect/>
+          </a:stretch>
+        </p:blipFill>
+        <p:spPr>
+          <a:xfrm>
+            <a:off x="10457058" y="1910037"/>
+            <a:ext cx="447554" cy="447554"/>
+          </a:xfrm>
+          <a:prstGeom prst="rect">
+            <a:avLst/>
+          </a:prstGeom>
+        </p:spPr>
+      </p:pic>
+      <p:pic>
+        <p:nvPicPr>
+          <p:cNvPr id="18" name="Bild 17"/>
+          <p:cNvPicPr>
+            <a:picLocks noChangeAspect="1"/>
+          </p:cNvPicPr>
+          <p:nvPr/>
+        </p:nvPicPr>
+        <p:blipFill>
+          <a:blip r:embed="rId2">
+            <a:alphaModFix amt="68000"/>
+            <a:extLst>
+              <a:ext uri="{28A0092B-C50C-407E-A947-70E740481C1C}">
+                <a14:useLocalDpi xmlns:a14="http://schemas.microsoft.com/office/drawing/2010/main" val="0"/>
+              </a:ext>
+            </a:extLst>
+          </a:blip>
+          <a:stretch>
+            <a:fillRect/>
+          </a:stretch>
+        </p:blipFill>
+        <p:spPr>
+          <a:xfrm>
+            <a:off x="11207058" y="2682704"/>
+            <a:ext cx="490659" cy="490659"/>
+          </a:xfrm>
+          <a:prstGeom prst="rect">
+            <a:avLst/>
+          </a:prstGeom>
+        </p:spPr>
+      </p:pic>
+      <p:pic>
+        <p:nvPicPr>
+          <p:cNvPr id="19" name="Bild 18"/>
+          <p:cNvPicPr>
+            <a:picLocks noChangeAspect="1"/>
+          </p:cNvPicPr>
+          <p:nvPr/>
+        </p:nvPicPr>
+        <p:blipFill>
+          <a:blip r:embed="rId10">
+            <a:alphaModFix amt="69000"/>
+            <a:extLst>
+              <a:ext uri="{28A0092B-C50C-407E-A947-70E740481C1C}">
+                <a14:useLocalDpi xmlns:a14="http://schemas.microsoft.com/office/drawing/2010/main" val="0"/>
+              </a:ext>
+            </a:extLst>
+          </a:blip>
+          <a:stretch>
+            <a:fillRect/>
+          </a:stretch>
+        </p:blipFill>
+        <p:spPr>
+          <a:xfrm>
+            <a:off x="9862706" y="3724098"/>
+            <a:ext cx="447554" cy="381912"/>
+          </a:xfrm>
+          <a:prstGeom prst="rect">
+            <a:avLst/>
+          </a:prstGeom>
+        </p:spPr>
+      </p:pic>
+      <p:pic>
+        <p:nvPicPr>
+          <p:cNvPr id="20" name="Bild 19"/>
+          <p:cNvPicPr>
+            <a:picLocks noChangeAspect="1"/>
+          </p:cNvPicPr>
+          <p:nvPr/>
+        </p:nvPicPr>
+        <p:blipFill>
+          <a:blip r:embed="rId3">
+            <a:alphaModFix amt="63000"/>
+            <a:extLst>
+              <a:ext uri="{28A0092B-C50C-407E-A947-70E740481C1C}">
+                <a14:useLocalDpi xmlns:a14="http://schemas.microsoft.com/office/drawing/2010/main" val="0"/>
+              </a:ext>
+            </a:extLst>
+          </a:blip>
+          <a:stretch>
+            <a:fillRect/>
+          </a:stretch>
+        </p:blipFill>
+        <p:spPr>
+          <a:xfrm>
+            <a:off x="10866382" y="3582091"/>
+            <a:ext cx="544705" cy="544705"/>
+          </a:xfrm>
+          <a:prstGeom prst="rect">
+            <a:avLst/>
+          </a:prstGeom>
+        </p:spPr>
+      </p:pic>
+      <p:pic>
+        <p:nvPicPr>
+          <p:cNvPr id="2" name="Bild 1"/>
+          <p:cNvPicPr>
+            <a:picLocks noChangeAspect="1"/>
+          </p:cNvPicPr>
+          <p:nvPr/>
+        </p:nvPicPr>
+        <p:blipFill>
+          <a:blip r:embed="rId11">
+            <a:clrChange>
+              <a:clrFrom>
+                <a:srgbClr val="FFFFFF"/>
+              </a:clrFrom>
+              <a:clrTo>
+                <a:srgbClr val="FFFFFF">
+                  <a:alpha val="0"/>
+                </a:srgbClr>
+              </a:clrTo>
+            </a:clrChange>
+          </a:blip>
+          <a:stretch>
+            <a:fillRect/>
+          </a:stretch>
+        </p:blipFill>
+        <p:spPr>
+          <a:xfrm>
+            <a:off x="6214714" y="3737065"/>
+            <a:ext cx="1178989" cy="619469"/>
+          </a:xfrm>
+          <a:prstGeom prst="rect">
+            <a:avLst/>
+          </a:prstGeom>
+        </p:spPr>
+      </p:pic>
+      <p:sp>
+        <p:nvSpPr>
+          <p:cNvPr id="21" name="Rechteck 20"/>
+          <p:cNvSpPr/>
+          <p:nvPr/>
+        </p:nvSpPr>
+        <p:spPr>
+          <a:xfrm>
+            <a:off x="1699709" y="1667436"/>
+            <a:ext cx="3291839" cy="2700169"/>
+          </a:xfrm>
+          <a:prstGeom prst="rect">
+            <a:avLst/>
+          </a:prstGeom>
+          <a:solidFill>
+            <a:schemeClr val="bg1"/>
+          </a:solidFill>
+          <a:ln>
+            <a:noFill/>
+          </a:ln>
+        </p:spPr>
+        <p:style>
+          <a:lnRef idx="2">
+            <a:schemeClr val="accent1">
+              <a:shade val="50000"/>
+            </a:schemeClr>
+          </a:lnRef>
+          <a:fillRef idx="1">
+            <a:schemeClr val="accent1"/>
+          </a:fillRef>
+          <a:effectRef idx="0">
+            <a:schemeClr val="accent1"/>
+          </a:effectRef>
+          <a:fontRef idx="minor">
+            <a:schemeClr val="lt1"/>
+          </a:fontRef>
+        </p:style>
+        <p:txBody>
+          <a:bodyPr rtlCol="0" anchor="ctr"/>
+          <a:lstStyle/>
+          <a:p>
+            <a:pPr algn="ctr"/>
+            <a:endParaRPr lang="de-DE"/>
+          </a:p>
+        </p:txBody>
+      </p:sp>
+    </p:spTree>
+    <p:extLst>
+      <p:ext uri="{BB962C8B-B14F-4D97-AF65-F5344CB8AC3E}">
+        <p14:creationId xmlns:p14="http://schemas.microsoft.com/office/powerpoint/2010/main" val="1615234316"/>
+      </p:ext>
+    </p:extLst>
+  </p:cSld>
+  <p:clrMapOvr>
+    <a:masterClrMapping/>
+  </p:clrMapOvr>
+</p:sld>
+</file>
+
+<file path=ppt/slides/slide24.xml><?xml version="1.0" encoding="utf-8"?>
+<p:sld xmlns:a="http://schemas.openxmlformats.org/drawingml/2006/main" xmlns:r="http://schemas.openxmlformats.org/officeDocument/2006/relationships" xmlns:p="http://schemas.openxmlformats.org/presentationml/2006/main">
+  <p:cSld>
+    <p:spTree>
+      <p:nvGrpSpPr>
+        <p:cNvPr id="1" name=""/>
+        <p:cNvGrpSpPr/>
+        <p:nvPr/>
+      </p:nvGrpSpPr>
+      <p:grpSpPr>
+        <a:xfrm>
+          <a:off x="0" y="0"/>
+          <a:ext cx="0" cy="0"/>
+          <a:chOff x="0" y="0"/>
+          <a:chExt cx="0" cy="0"/>
+        </a:xfrm>
+      </p:grpSpPr>
+      <p:sp>
+        <p:nvSpPr>
+          <p:cNvPr id="3" name="Legende m. Pfeil nach links u. rechts 2"/>
+          <p:cNvSpPr/>
+          <p:nvPr/>
+        </p:nvSpPr>
+        <p:spPr>
+          <a:xfrm>
+            <a:off x="2485015" y="1667436"/>
+            <a:ext cx="7551869" cy="2861534"/>
+          </a:xfrm>
+          <a:prstGeom prst="leftRightArrowCallout">
+            <a:avLst>
+              <a:gd name="adj1" fmla="val 50000"/>
+              <a:gd name="adj2" fmla="val 25376"/>
+              <a:gd name="adj3" fmla="val 32273"/>
+              <a:gd name="adj4" fmla="val 33878"/>
+            </a:avLst>
+          </a:prstGeom>
+          <a:solidFill>
+            <a:srgbClr val="FFE0DD"/>
+          </a:solidFill>
+          <a:ln>
+            <a:solidFill>
+              <a:srgbClr val="FFE0DD"/>
+            </a:solidFill>
+          </a:ln>
+        </p:spPr>
+        <p:style>
+          <a:lnRef idx="2">
+            <a:schemeClr val="accent1">
+              <a:shade val="50000"/>
+            </a:schemeClr>
+          </a:lnRef>
+          <a:fillRef idx="1">
+            <a:schemeClr val="accent1"/>
+          </a:fillRef>
+          <a:effectRef idx="0">
+            <a:schemeClr val="accent1"/>
+          </a:effectRef>
+          <a:fontRef idx="minor">
+            <a:schemeClr val="lt1"/>
+          </a:fontRef>
+        </p:style>
+        <p:txBody>
+          <a:bodyPr rtlCol="0" anchor="ctr"/>
+          <a:lstStyle/>
+          <a:p>
+            <a:pPr algn="ctr"/>
+            <a:endParaRPr lang="de-DE"/>
+          </a:p>
+        </p:txBody>
+      </p:sp>
+      <p:sp>
+        <p:nvSpPr>
+          <p:cNvPr id="5" name="Textfeld 4"/>
+          <p:cNvSpPr txBox="1"/>
+          <p:nvPr/>
+        </p:nvSpPr>
+        <p:spPr>
+          <a:xfrm>
+            <a:off x="5717688" y="1205771"/>
+            <a:ext cx="1086521" cy="461665"/>
+          </a:xfrm>
+          <a:prstGeom prst="rect">
+            <a:avLst/>
+          </a:prstGeom>
+          <a:noFill/>
+        </p:spPr>
+        <p:txBody>
+          <a:bodyPr wrap="square" rtlCol="0">
+            <a:spAutoFit/>
+          </a:bodyPr>
+          <a:lstStyle/>
+          <a:p>
+            <a:pPr algn="ctr"/>
+            <a:r>
+              <a:rPr lang="de-DE" sz="2400" b="1" smtClean="0">
+                <a:solidFill>
+                  <a:srgbClr val="A51E41"/>
+                </a:solidFill>
+                <a:latin typeface="Lato" charset="0"/>
+                <a:ea typeface="Lato" charset="0"/>
+                <a:cs typeface="Lato" charset="0"/>
+              </a:rPr>
+              <a:t>Daten</a:t>
+            </a:r>
+            <a:endParaRPr lang="de-DE" sz="3200" b="1" dirty="0">
+              <a:solidFill>
+                <a:srgbClr val="A51E41"/>
+              </a:solidFill>
+              <a:latin typeface="Lato" charset="0"/>
+              <a:ea typeface="Lato" charset="0"/>
+              <a:cs typeface="Lato" charset="0"/>
+            </a:endParaRPr>
+          </a:p>
+        </p:txBody>
+      </p:sp>
+      <p:sp>
+        <p:nvSpPr>
+          <p:cNvPr id="6" name="Textfeld 5"/>
+          <p:cNvSpPr txBox="1"/>
+          <p:nvPr/>
+        </p:nvSpPr>
+        <p:spPr>
+          <a:xfrm>
+            <a:off x="3141233" y="2682704"/>
+            <a:ext cx="1947134" cy="830997"/>
+          </a:xfrm>
+          <a:prstGeom prst="rect">
+            <a:avLst/>
+          </a:prstGeom>
+          <a:noFill/>
+        </p:spPr>
+        <p:txBody>
+          <a:bodyPr wrap="square" rtlCol="0">
+            <a:spAutoFit/>
+          </a:bodyPr>
+          <a:lstStyle/>
+          <a:p>
+            <a:pPr algn="ctr"/>
+            <a:r>
+              <a:rPr lang="de-DE" sz="2400" b="1" dirty="0" smtClean="0">
+                <a:solidFill>
+                  <a:srgbClr val="A51E41"/>
+                </a:solidFill>
+                <a:latin typeface="Lato" charset="0"/>
+                <a:ea typeface="Lato" charset="0"/>
+                <a:cs typeface="Lato" charset="0"/>
+              </a:rPr>
+              <a:t>Unterrichts- </a:t>
+            </a:r>
+            <a:r>
+              <a:rPr lang="de-DE" sz="2400" b="1" dirty="0" err="1" smtClean="0">
+                <a:solidFill>
+                  <a:srgbClr val="A51E41"/>
+                </a:solidFill>
+                <a:latin typeface="Lato" charset="0"/>
+                <a:ea typeface="Lato" charset="0"/>
+                <a:cs typeface="Lato" charset="0"/>
+              </a:rPr>
+              <a:t>qualität</a:t>
+            </a:r>
+            <a:endParaRPr lang="de-DE" sz="3200" b="1" dirty="0">
+              <a:solidFill>
+                <a:srgbClr val="A51E41"/>
+              </a:solidFill>
+              <a:latin typeface="Lato" charset="0"/>
+              <a:ea typeface="Lato" charset="0"/>
+              <a:cs typeface="Lato" charset="0"/>
+            </a:endParaRPr>
+          </a:p>
+        </p:txBody>
+      </p:sp>
+      <p:sp>
+        <p:nvSpPr>
+          <p:cNvPr id="7" name="Textfeld 6"/>
+          <p:cNvSpPr txBox="1"/>
+          <p:nvPr/>
+        </p:nvSpPr>
+        <p:spPr>
+          <a:xfrm>
+            <a:off x="7532145" y="2867369"/>
+            <a:ext cx="1814453" cy="461665"/>
+          </a:xfrm>
+          <a:prstGeom prst="rect">
+            <a:avLst/>
+          </a:prstGeom>
+          <a:noFill/>
+        </p:spPr>
+        <p:txBody>
+          <a:bodyPr wrap="square" rtlCol="0">
+            <a:spAutoFit/>
+          </a:bodyPr>
+          <a:lstStyle/>
+          <a:p>
+            <a:pPr algn="ctr"/>
+            <a:r>
+              <a:rPr lang="de-DE" sz="2400" b="1" smtClean="0">
+                <a:solidFill>
+                  <a:srgbClr val="A51E41"/>
+                </a:solidFill>
+                <a:latin typeface="Lato" charset="0"/>
+                <a:ea typeface="Lato" charset="0"/>
+                <a:cs typeface="Lato" charset="0"/>
+              </a:rPr>
+              <a:t>Leistung</a:t>
+            </a:r>
+            <a:endParaRPr lang="de-DE" sz="3200" b="1" dirty="0">
+              <a:solidFill>
+                <a:srgbClr val="A51E41"/>
+              </a:solidFill>
+              <a:latin typeface="Lato" charset="0"/>
+              <a:ea typeface="Lato" charset="0"/>
+              <a:cs typeface="Lato" charset="0"/>
+            </a:endParaRPr>
+          </a:p>
+        </p:txBody>
+      </p:sp>
+      <p:pic>
+        <p:nvPicPr>
+          <p:cNvPr id="8" name="Bild 7"/>
+          <p:cNvPicPr>
+            <a:picLocks noChangeAspect="1"/>
+          </p:cNvPicPr>
+          <p:nvPr/>
+        </p:nvPicPr>
+        <p:blipFill>
+          <a:blip r:embed="rId2">
+            <a:extLst>
+              <a:ext uri="{28A0092B-C50C-407E-A947-70E740481C1C}">
+                <a14:useLocalDpi xmlns:a14="http://schemas.microsoft.com/office/drawing/2010/main" val="0"/>
+              </a:ext>
+            </a:extLst>
+          </a:blip>
+          <a:stretch>
+            <a:fillRect/>
+          </a:stretch>
+        </p:blipFill>
+        <p:spPr>
+          <a:xfrm>
+            <a:off x="1699709" y="2357591"/>
+            <a:ext cx="650226" cy="650226"/>
+          </a:xfrm>
+          <a:prstGeom prst="rect">
+            <a:avLst/>
+          </a:prstGeom>
+        </p:spPr>
+      </p:pic>
+      <p:pic>
+        <p:nvPicPr>
+          <p:cNvPr id="9" name="Bild 8"/>
+          <p:cNvPicPr>
+            <a:picLocks noChangeAspect="1"/>
+          </p:cNvPicPr>
+          <p:nvPr/>
+        </p:nvPicPr>
+        <p:blipFill>
+          <a:blip r:embed="rId3">
+            <a:extLst>
+              <a:ext uri="{28A0092B-C50C-407E-A947-70E740481C1C}">
+                <a14:useLocalDpi xmlns:a14="http://schemas.microsoft.com/office/drawing/2010/main" val="0"/>
+              </a:ext>
+            </a:extLst>
+          </a:blip>
+          <a:stretch>
+            <a:fillRect/>
+          </a:stretch>
+        </p:blipFill>
+        <p:spPr>
+          <a:xfrm>
+            <a:off x="1841064" y="3329034"/>
+            <a:ext cx="717766" cy="717766"/>
+          </a:xfrm>
+          <a:prstGeom prst="rect">
+            <a:avLst/>
+          </a:prstGeom>
+        </p:spPr>
+      </p:pic>
+      <p:pic>
+        <p:nvPicPr>
+          <p:cNvPr id="11" name="Bild 10"/>
+          <p:cNvPicPr>
+            <a:picLocks noChangeAspect="1"/>
+          </p:cNvPicPr>
+          <p:nvPr/>
+        </p:nvPicPr>
+        <p:blipFill>
+          <a:blip r:embed="rId4">
+            <a:duotone>
+              <a:prstClr val="black"/>
+              <a:srgbClr val="515151">
+                <a:tint val="45000"/>
+                <a:satMod val="400000"/>
+              </a:srgbClr>
+            </a:duotone>
+            <a:alphaModFix amt="67000"/>
+          </a:blip>
+          <a:stretch>
+            <a:fillRect/>
+          </a:stretch>
+        </p:blipFill>
+        <p:spPr>
+          <a:xfrm>
+            <a:off x="10334250" y="3071921"/>
+            <a:ext cx="514225" cy="514225"/>
+          </a:xfrm>
+          <a:prstGeom prst="rect">
+            <a:avLst/>
+          </a:prstGeom>
+        </p:spPr>
+      </p:pic>
+      <p:pic>
+        <p:nvPicPr>
+          <p:cNvPr id="12" name="Bild 11"/>
+          <p:cNvPicPr>
+            <a:picLocks noChangeAspect="1"/>
+          </p:cNvPicPr>
+          <p:nvPr/>
+        </p:nvPicPr>
+        <p:blipFill>
+          <a:blip r:embed="rId5">
+            <a:alphaModFix amt="69000"/>
+            <a:extLst>
+              <a:ext uri="{28A0092B-C50C-407E-A947-70E740481C1C}">
+                <a14:useLocalDpi xmlns:a14="http://schemas.microsoft.com/office/drawing/2010/main" val="0"/>
+              </a:ext>
+            </a:extLst>
+          </a:blip>
+          <a:stretch>
+            <a:fillRect/>
+          </a:stretch>
+        </p:blipFill>
+        <p:spPr>
+          <a:xfrm>
+            <a:off x="10099091" y="2468427"/>
+            <a:ext cx="398942" cy="398942"/>
+          </a:xfrm>
+          <a:prstGeom prst="rect">
+            <a:avLst/>
+          </a:prstGeom>
+        </p:spPr>
+      </p:pic>
+      <p:pic>
+        <p:nvPicPr>
+          <p:cNvPr id="13" name="Bild 12"/>
+          <p:cNvPicPr>
+            <a:picLocks noChangeAspect="1"/>
+          </p:cNvPicPr>
+          <p:nvPr/>
+        </p:nvPicPr>
+        <p:blipFill>
+          <a:blip r:embed="rId6">
+            <a:extLst>
+              <a:ext uri="{28A0092B-C50C-407E-A947-70E740481C1C}">
+                <a14:useLocalDpi xmlns:a14="http://schemas.microsoft.com/office/drawing/2010/main" val="0"/>
+              </a:ext>
+            </a:extLst>
+          </a:blip>
+          <a:stretch>
+            <a:fillRect/>
+          </a:stretch>
+        </p:blipFill>
+        <p:spPr>
+          <a:xfrm>
             <a:off x="6528401" y="2198615"/>
             <a:ext cx="714953" cy="1039459"/>
           </a:xfrm>
@@ -15612,7 +18414,7 @@
 </p:sld>
 </file>
 
-<file path=ppt/slides/slide21.xml><?xml version="1.0" encoding="utf-8"?>
+<file path=ppt/slides/slide25.xml><?xml version="1.0" encoding="utf-8"?>
 <p:sld xmlns:a="http://schemas.openxmlformats.org/drawingml/2006/main" xmlns:r="http://schemas.openxmlformats.org/officeDocument/2006/relationships" xmlns:p="http://schemas.openxmlformats.org/presentationml/2006/main">
   <p:cSld>
     <p:spTree>
@@ -15903,7 +18705,7 @@
 </p:sld>
 </file>
 
-<file path=ppt/slides/slide22.xml><?xml version="1.0" encoding="utf-8"?>
+<file path=ppt/slides/slide26.xml><?xml version="1.0" encoding="utf-8"?>
 <p:sld xmlns:a="http://schemas.openxmlformats.org/drawingml/2006/main" xmlns:r="http://schemas.openxmlformats.org/officeDocument/2006/relationships" xmlns:p="http://schemas.openxmlformats.org/presentationml/2006/main">
   <p:cSld>
     <p:spTree>
@@ -15983,7 +18785,7 @@
 </p:sld>
 </file>
 
-<file path=ppt/slides/slide23.xml><?xml version="1.0" encoding="utf-8"?>
+<file path=ppt/slides/slide27.xml><?xml version="1.0" encoding="utf-8"?>
 <p:sld xmlns:a="http://schemas.openxmlformats.org/drawingml/2006/main" xmlns:r="http://schemas.openxmlformats.org/officeDocument/2006/relationships" xmlns:p="http://schemas.openxmlformats.org/presentationml/2006/main">
   <p:cSld>
     <p:spTree>
@@ -16085,7 +18887,7 @@
 </p:sld>
 </file>
 
-<file path=ppt/slides/slide24.xml><?xml version="1.0" encoding="utf-8"?>
+<file path=ppt/slides/slide28.xml><?xml version="1.0" encoding="utf-8"?>
 <p:sld xmlns:a="http://schemas.openxmlformats.org/drawingml/2006/main" xmlns:r="http://schemas.openxmlformats.org/officeDocument/2006/relationships" xmlns:p="http://schemas.openxmlformats.org/presentationml/2006/main">
   <p:cSld>
     <p:spTree>
@@ -16319,7 +19121,7 @@
 </p:sld>
 </file>
 
-<file path=ppt/slides/slide25.xml><?xml version="1.0" encoding="utf-8"?>
+<file path=ppt/slides/slide29.xml><?xml version="1.0" encoding="utf-8"?>
 <p:sld xmlns:a="http://schemas.openxmlformats.org/drawingml/2006/main" xmlns:r="http://schemas.openxmlformats.org/officeDocument/2006/relationships" xmlns:p="http://schemas.openxmlformats.org/presentationml/2006/main">
   <p:cSld>
     <p:spTree>
@@ -16498,198 +19300,6 @@
     <p:extLst>
       <p:ext uri="{BB962C8B-B14F-4D97-AF65-F5344CB8AC3E}">
         <p14:creationId xmlns:p14="http://schemas.microsoft.com/office/powerpoint/2010/main" val="2104369967"/>
-      </p:ext>
-    </p:extLst>
-  </p:cSld>
-  <p:clrMapOvr>
-    <a:masterClrMapping/>
-  </p:clrMapOvr>
-</p:sld>
-</file>
-
-<file path=ppt/slides/slide26.xml><?xml version="1.0" encoding="utf-8"?>
-<p:sld xmlns:a="http://schemas.openxmlformats.org/drawingml/2006/main" xmlns:r="http://schemas.openxmlformats.org/officeDocument/2006/relationships" xmlns:p="http://schemas.openxmlformats.org/presentationml/2006/main">
-  <p:cSld>
-    <p:spTree>
-      <p:nvGrpSpPr>
-        <p:cNvPr id="1" name=""/>
-        <p:cNvGrpSpPr/>
-        <p:nvPr/>
-      </p:nvGrpSpPr>
-      <p:grpSpPr>
-        <a:xfrm>
-          <a:off x="0" y="0"/>
-          <a:ext cx="0" cy="0"/>
-          <a:chOff x="0" y="0"/>
-          <a:chExt cx="0" cy="0"/>
-        </a:xfrm>
-      </p:grpSpPr>
-      <p:pic>
-        <p:nvPicPr>
-          <p:cNvPr id="3" name="Bild 2"/>
-          <p:cNvPicPr>
-            <a:picLocks noChangeAspect="1"/>
-          </p:cNvPicPr>
-          <p:nvPr/>
-        </p:nvPicPr>
-        <p:blipFill>
-          <a:blip r:embed="rId2">
-            <a:extLst>
-              <a:ext uri="{28A0092B-C50C-407E-A947-70E740481C1C}">
-                <a14:useLocalDpi xmlns:a14="http://schemas.microsoft.com/office/drawing/2010/main" val="0"/>
-              </a:ext>
-            </a:extLst>
-          </a:blip>
-          <a:stretch>
-            <a:fillRect/>
-          </a:stretch>
-        </p:blipFill>
-        <p:spPr>
-          <a:xfrm>
-            <a:off x="4273924" y="1272379"/>
-            <a:ext cx="3407036" cy="1606635"/>
-          </a:xfrm>
-          <a:prstGeom prst="rect">
-            <a:avLst/>
-          </a:prstGeom>
-        </p:spPr>
-      </p:pic>
-      <p:pic>
-        <p:nvPicPr>
-          <p:cNvPr id="8" name="Bild 7"/>
-          <p:cNvPicPr>
-            <a:picLocks noChangeAspect="1"/>
-          </p:cNvPicPr>
-          <p:nvPr/>
-        </p:nvPicPr>
-        <p:blipFill>
-          <a:blip r:embed="rId3">
-            <a:extLst>
-              <a:ext uri="{28A0092B-C50C-407E-A947-70E740481C1C}">
-                <a14:useLocalDpi xmlns:a14="http://schemas.microsoft.com/office/drawing/2010/main" val="0"/>
-              </a:ext>
-            </a:extLst>
-          </a:blip>
-          <a:stretch>
-            <a:fillRect/>
-          </a:stretch>
-        </p:blipFill>
-        <p:spPr>
-          <a:xfrm>
-            <a:off x="8294147" y="1570496"/>
-            <a:ext cx="5610588" cy="3936224"/>
-          </a:xfrm>
-          <a:prstGeom prst="rect">
-            <a:avLst/>
-          </a:prstGeom>
-        </p:spPr>
-      </p:pic>
-      <p:pic>
-        <p:nvPicPr>
-          <p:cNvPr id="9" name="Bild 8"/>
-          <p:cNvPicPr>
-            <a:picLocks noChangeAspect="1"/>
-          </p:cNvPicPr>
-          <p:nvPr/>
-        </p:nvPicPr>
-        <p:blipFill>
-          <a:blip r:embed="rId4">
-            <a:extLst>
-              <a:ext uri="{28A0092B-C50C-407E-A947-70E740481C1C}">
-                <a14:useLocalDpi xmlns:a14="http://schemas.microsoft.com/office/drawing/2010/main" val="0"/>
-              </a:ext>
-            </a:extLst>
-          </a:blip>
-          <a:stretch>
-            <a:fillRect/>
-          </a:stretch>
-        </p:blipFill>
-        <p:spPr>
-          <a:xfrm>
-            <a:off x="3719825" y="3195020"/>
-            <a:ext cx="4079469" cy="2311699"/>
-          </a:xfrm>
-          <a:prstGeom prst="rect">
-            <a:avLst/>
-          </a:prstGeom>
-        </p:spPr>
-      </p:pic>
-      <p:cxnSp>
-        <p:nvCxnSpPr>
-          <p:cNvPr id="12" name="Gerade Verbindung mit Pfeil 11"/>
-          <p:cNvCxnSpPr/>
-          <p:nvPr/>
-        </p:nvCxnSpPr>
-        <p:spPr>
-          <a:xfrm flipV="1">
-            <a:off x="3485478" y="3087443"/>
-            <a:ext cx="4561243" cy="21514"/>
-          </a:xfrm>
-          <a:prstGeom prst="straightConnector1">
-            <a:avLst/>
-          </a:prstGeom>
-          <a:ln w="38100">
-            <a:solidFill>
-              <a:srgbClr val="A51E41"/>
-            </a:solidFill>
-            <a:tailEnd type="none" w="med" len="lg"/>
-          </a:ln>
-        </p:spPr>
-        <p:style>
-          <a:lnRef idx="1">
-            <a:schemeClr val="accent1"/>
-          </a:lnRef>
-          <a:fillRef idx="0">
-            <a:schemeClr val="accent1"/>
-          </a:fillRef>
-          <a:effectRef idx="0">
-            <a:schemeClr val="accent1"/>
-          </a:effectRef>
-          <a:fontRef idx="minor">
-            <a:schemeClr val="tx1"/>
-          </a:fontRef>
-        </p:style>
-      </p:cxnSp>
-      <p:cxnSp>
-        <p:nvCxnSpPr>
-          <p:cNvPr id="14" name="Gerade Verbindung mit Pfeil 13"/>
-          <p:cNvCxnSpPr/>
-          <p:nvPr/>
-        </p:nvCxnSpPr>
-        <p:spPr>
-          <a:xfrm>
-            <a:off x="8044031" y="1570496"/>
-            <a:ext cx="1344" cy="3851358"/>
-          </a:xfrm>
-          <a:prstGeom prst="straightConnector1">
-            <a:avLst/>
-          </a:prstGeom>
-          <a:ln w="38100">
-            <a:solidFill>
-              <a:srgbClr val="A51E41"/>
-            </a:solidFill>
-            <a:tailEnd type="none" w="med" len="lg"/>
-          </a:ln>
-        </p:spPr>
-        <p:style>
-          <a:lnRef idx="1">
-            <a:schemeClr val="accent1"/>
-          </a:lnRef>
-          <a:fillRef idx="0">
-            <a:schemeClr val="accent1"/>
-          </a:fillRef>
-          <a:effectRef idx="0">
-            <a:schemeClr val="accent1"/>
-          </a:effectRef>
-          <a:fontRef idx="minor">
-            <a:schemeClr val="tx1"/>
-          </a:fontRef>
-        </p:style>
-      </p:cxnSp>
-    </p:spTree>
-    <p:extLst>
-      <p:ext uri="{BB962C8B-B14F-4D97-AF65-F5344CB8AC3E}">
-        <p14:creationId xmlns:p14="http://schemas.microsoft.com/office/powerpoint/2010/main" val="1348799165"/>
       </p:ext>
     </p:extLst>
   </p:cSld>
@@ -18265,6 +20875,198 @@
       </p:par>
     </p:tnLst>
   </p:timing>
+</p:sld>
+</file>
+
+<file path=ppt/slides/slide30.xml><?xml version="1.0" encoding="utf-8"?>
+<p:sld xmlns:a="http://schemas.openxmlformats.org/drawingml/2006/main" xmlns:r="http://schemas.openxmlformats.org/officeDocument/2006/relationships" xmlns:p="http://schemas.openxmlformats.org/presentationml/2006/main">
+  <p:cSld>
+    <p:spTree>
+      <p:nvGrpSpPr>
+        <p:cNvPr id="1" name=""/>
+        <p:cNvGrpSpPr/>
+        <p:nvPr/>
+      </p:nvGrpSpPr>
+      <p:grpSpPr>
+        <a:xfrm>
+          <a:off x="0" y="0"/>
+          <a:ext cx="0" cy="0"/>
+          <a:chOff x="0" y="0"/>
+          <a:chExt cx="0" cy="0"/>
+        </a:xfrm>
+      </p:grpSpPr>
+      <p:pic>
+        <p:nvPicPr>
+          <p:cNvPr id="3" name="Bild 2"/>
+          <p:cNvPicPr>
+            <a:picLocks noChangeAspect="1"/>
+          </p:cNvPicPr>
+          <p:nvPr/>
+        </p:nvPicPr>
+        <p:blipFill>
+          <a:blip r:embed="rId2">
+            <a:extLst>
+              <a:ext uri="{28A0092B-C50C-407E-A947-70E740481C1C}">
+                <a14:useLocalDpi xmlns:a14="http://schemas.microsoft.com/office/drawing/2010/main" val="0"/>
+              </a:ext>
+            </a:extLst>
+          </a:blip>
+          <a:stretch>
+            <a:fillRect/>
+          </a:stretch>
+        </p:blipFill>
+        <p:spPr>
+          <a:xfrm>
+            <a:off x="4273924" y="1272379"/>
+            <a:ext cx="3407036" cy="1606635"/>
+          </a:xfrm>
+          <a:prstGeom prst="rect">
+            <a:avLst/>
+          </a:prstGeom>
+        </p:spPr>
+      </p:pic>
+      <p:pic>
+        <p:nvPicPr>
+          <p:cNvPr id="8" name="Bild 7"/>
+          <p:cNvPicPr>
+            <a:picLocks noChangeAspect="1"/>
+          </p:cNvPicPr>
+          <p:nvPr/>
+        </p:nvPicPr>
+        <p:blipFill>
+          <a:blip r:embed="rId3">
+            <a:extLst>
+              <a:ext uri="{28A0092B-C50C-407E-A947-70E740481C1C}">
+                <a14:useLocalDpi xmlns:a14="http://schemas.microsoft.com/office/drawing/2010/main" val="0"/>
+              </a:ext>
+            </a:extLst>
+          </a:blip>
+          <a:stretch>
+            <a:fillRect/>
+          </a:stretch>
+        </p:blipFill>
+        <p:spPr>
+          <a:xfrm>
+            <a:off x="8294147" y="1570496"/>
+            <a:ext cx="5610588" cy="3936224"/>
+          </a:xfrm>
+          <a:prstGeom prst="rect">
+            <a:avLst/>
+          </a:prstGeom>
+        </p:spPr>
+      </p:pic>
+      <p:pic>
+        <p:nvPicPr>
+          <p:cNvPr id="9" name="Bild 8"/>
+          <p:cNvPicPr>
+            <a:picLocks noChangeAspect="1"/>
+          </p:cNvPicPr>
+          <p:nvPr/>
+        </p:nvPicPr>
+        <p:blipFill>
+          <a:blip r:embed="rId4">
+            <a:extLst>
+              <a:ext uri="{28A0092B-C50C-407E-A947-70E740481C1C}">
+                <a14:useLocalDpi xmlns:a14="http://schemas.microsoft.com/office/drawing/2010/main" val="0"/>
+              </a:ext>
+            </a:extLst>
+          </a:blip>
+          <a:stretch>
+            <a:fillRect/>
+          </a:stretch>
+        </p:blipFill>
+        <p:spPr>
+          <a:xfrm>
+            <a:off x="3719825" y="3195020"/>
+            <a:ext cx="4079469" cy="2311699"/>
+          </a:xfrm>
+          <a:prstGeom prst="rect">
+            <a:avLst/>
+          </a:prstGeom>
+        </p:spPr>
+      </p:pic>
+      <p:cxnSp>
+        <p:nvCxnSpPr>
+          <p:cNvPr id="12" name="Gerade Verbindung mit Pfeil 11"/>
+          <p:cNvCxnSpPr/>
+          <p:nvPr/>
+        </p:nvCxnSpPr>
+        <p:spPr>
+          <a:xfrm flipV="1">
+            <a:off x="3485478" y="3087443"/>
+            <a:ext cx="4561243" cy="21514"/>
+          </a:xfrm>
+          <a:prstGeom prst="straightConnector1">
+            <a:avLst/>
+          </a:prstGeom>
+          <a:ln w="38100">
+            <a:solidFill>
+              <a:srgbClr val="A51E41"/>
+            </a:solidFill>
+            <a:tailEnd type="none" w="med" len="lg"/>
+          </a:ln>
+        </p:spPr>
+        <p:style>
+          <a:lnRef idx="1">
+            <a:schemeClr val="accent1"/>
+          </a:lnRef>
+          <a:fillRef idx="0">
+            <a:schemeClr val="accent1"/>
+          </a:fillRef>
+          <a:effectRef idx="0">
+            <a:schemeClr val="accent1"/>
+          </a:effectRef>
+          <a:fontRef idx="minor">
+            <a:schemeClr val="tx1"/>
+          </a:fontRef>
+        </p:style>
+      </p:cxnSp>
+      <p:cxnSp>
+        <p:nvCxnSpPr>
+          <p:cNvPr id="14" name="Gerade Verbindung mit Pfeil 13"/>
+          <p:cNvCxnSpPr/>
+          <p:nvPr/>
+        </p:nvCxnSpPr>
+        <p:spPr>
+          <a:xfrm>
+            <a:off x="8044031" y="1570496"/>
+            <a:ext cx="1344" cy="3851358"/>
+          </a:xfrm>
+          <a:prstGeom prst="straightConnector1">
+            <a:avLst/>
+          </a:prstGeom>
+          <a:ln w="38100">
+            <a:solidFill>
+              <a:srgbClr val="A51E41"/>
+            </a:solidFill>
+            <a:tailEnd type="none" w="med" len="lg"/>
+          </a:ln>
+        </p:spPr>
+        <p:style>
+          <a:lnRef idx="1">
+            <a:schemeClr val="accent1"/>
+          </a:lnRef>
+          <a:fillRef idx="0">
+            <a:schemeClr val="accent1"/>
+          </a:fillRef>
+          <a:effectRef idx="0">
+            <a:schemeClr val="accent1"/>
+          </a:effectRef>
+          <a:fontRef idx="minor">
+            <a:schemeClr val="tx1"/>
+          </a:fontRef>
+        </p:style>
+      </p:cxnSp>
+    </p:spTree>
+    <p:extLst>
+      <p:ext uri="{BB962C8B-B14F-4D97-AF65-F5344CB8AC3E}">
+        <p14:creationId xmlns:p14="http://schemas.microsoft.com/office/powerpoint/2010/main" val="1348799165"/>
+      </p:ext>
+    </p:extLst>
+  </p:cSld>
+  <p:clrMapOvr>
+    <a:masterClrMapping/>
+  </p:clrMapOvr>
 </p:sld>
 </file>
 
